--- a/project/edp-project-graph.pptx
+++ b/project/edp-project-graph.pptx
@@ -7,6 +7,7 @@
   <p:sldIdLst>
     <p:sldId id="256" r:id="rId2"/>
     <p:sldId id="257" r:id="rId3"/>
+    <p:sldId id="258" r:id="rId4"/>
   </p:sldIdLst>
   <p:sldSz cx="12192000" cy="6858000"/>
   <p:notesSz cx="6858000" cy="9144000"/>
@@ -5329,12 +5330,3168 @@
           <a:chExt cx="0" cy="0"/>
         </a:xfrm>
       </p:grpSpPr>
+      <p:grpSp>
+        <p:nvGrpSpPr>
+          <p:cNvPr id="4" name="组合 3">
+            <a:extLst>
+              <a:ext uri="{FF2B5EF4-FFF2-40B4-BE49-F238E27FC236}">
+                <a16:creationId xmlns:a16="http://schemas.microsoft.com/office/drawing/2014/main" id="{3ADF34D9-5066-4AC6-8C9A-E0760413D583}"/>
+              </a:ext>
+            </a:extLst>
+          </p:cNvPr>
+          <p:cNvGrpSpPr/>
+          <p:nvPr/>
+        </p:nvGrpSpPr>
+        <p:grpSpPr>
+          <a:xfrm>
+            <a:off x="211854" y="201706"/>
+            <a:ext cx="11775613" cy="5569993"/>
+            <a:chOff x="211854" y="201706"/>
+            <a:chExt cx="11775613" cy="5569993"/>
+          </a:xfrm>
+        </p:grpSpPr>
+        <p:sp>
+          <p:nvSpPr>
+            <p:cNvPr id="57" name="矩形 56">
+              <a:extLst>
+                <a:ext uri="{FF2B5EF4-FFF2-40B4-BE49-F238E27FC236}">
+                  <a16:creationId xmlns:a16="http://schemas.microsoft.com/office/drawing/2014/main" id="{E532847E-7025-47B1-B74A-2317D47351FE}"/>
+                </a:ext>
+              </a:extLst>
+            </p:cNvPr>
+            <p:cNvSpPr/>
+            <p:nvPr/>
+          </p:nvSpPr>
+          <p:spPr>
+            <a:xfrm>
+              <a:off x="1580765" y="1096392"/>
+              <a:ext cx="9797071" cy="3590914"/>
+            </a:xfrm>
+            <a:prstGeom prst="rect">
+              <a:avLst/>
+            </a:prstGeom>
+            <a:noFill/>
+            <a:ln w="57150">
+              <a:solidFill>
+                <a:schemeClr val="tx1"/>
+              </a:solidFill>
+            </a:ln>
+          </p:spPr>
+          <p:style>
+            <a:lnRef idx="2">
+              <a:schemeClr val="accent1">
+                <a:shade val="50000"/>
+              </a:schemeClr>
+            </a:lnRef>
+            <a:fillRef idx="1">
+              <a:schemeClr val="accent1"/>
+            </a:fillRef>
+            <a:effectRef idx="0">
+              <a:schemeClr val="accent1"/>
+            </a:effectRef>
+            <a:fontRef idx="minor">
+              <a:schemeClr val="lt1"/>
+            </a:fontRef>
+          </p:style>
+          <p:txBody>
+            <a:bodyPr rtlCol="0" anchor="ctr"/>
+            <a:lstStyle/>
+            <a:p>
+              <a:pPr algn="ctr"/>
+              <a:endParaRPr lang="zh-CN" altLang="en-US" sz="1400"/>
+            </a:p>
+          </p:txBody>
+        </p:sp>
+        <p:cxnSp>
+          <p:nvCxnSpPr>
+            <p:cNvPr id="59" name="直接连接符 58">
+              <a:extLst>
+                <a:ext uri="{FF2B5EF4-FFF2-40B4-BE49-F238E27FC236}">
+                  <a16:creationId xmlns:a16="http://schemas.microsoft.com/office/drawing/2014/main" id="{C788057F-C923-4A8F-9918-F37FBE210517}"/>
+                </a:ext>
+              </a:extLst>
+            </p:cNvPr>
+            <p:cNvCxnSpPr>
+              <a:cxnSpLocks/>
+            </p:cNvCxnSpPr>
+            <p:nvPr/>
+          </p:nvCxnSpPr>
+          <p:spPr>
+            <a:xfrm>
+              <a:off x="1580766" y="4687306"/>
+              <a:ext cx="10406701" cy="0"/>
+            </a:xfrm>
+            <a:prstGeom prst="line">
+              <a:avLst/>
+            </a:prstGeom>
+            <a:ln w="57150">
+              <a:headEnd type="none" w="med" len="med"/>
+              <a:tailEnd type="arrow" w="med" len="med"/>
+            </a:ln>
+          </p:spPr>
+          <p:style>
+            <a:lnRef idx="1">
+              <a:schemeClr val="dk1"/>
+            </a:lnRef>
+            <a:fillRef idx="0">
+              <a:schemeClr val="dk1"/>
+            </a:fillRef>
+            <a:effectRef idx="0">
+              <a:schemeClr val="dk1"/>
+            </a:effectRef>
+            <a:fontRef idx="minor">
+              <a:schemeClr val="tx1"/>
+            </a:fontRef>
+          </p:style>
+        </p:cxnSp>
+        <p:cxnSp>
+          <p:nvCxnSpPr>
+            <p:cNvPr id="60" name="直接箭头连接符 59">
+              <a:extLst>
+                <a:ext uri="{FF2B5EF4-FFF2-40B4-BE49-F238E27FC236}">
+                  <a16:creationId xmlns:a16="http://schemas.microsoft.com/office/drawing/2014/main" id="{8470A2FD-26E1-4B2D-B965-6DF60241EA87}"/>
+                </a:ext>
+              </a:extLst>
+            </p:cNvPr>
+            <p:cNvCxnSpPr/>
+            <p:nvPr/>
+          </p:nvCxnSpPr>
+          <p:spPr>
+            <a:xfrm flipV="1">
+              <a:off x="1580766" y="400050"/>
+              <a:ext cx="0" cy="4287256"/>
+            </a:xfrm>
+            <a:prstGeom prst="straightConnector1">
+              <a:avLst/>
+            </a:prstGeom>
+            <a:ln w="57150">
+              <a:headEnd type="none" w="med" len="med"/>
+              <a:tailEnd type="arrow" w="med" len="med"/>
+            </a:ln>
+          </p:spPr>
+          <p:style>
+            <a:lnRef idx="1">
+              <a:schemeClr val="dk1"/>
+            </a:lnRef>
+            <a:fillRef idx="0">
+              <a:schemeClr val="dk1"/>
+            </a:fillRef>
+            <a:effectRef idx="0">
+              <a:schemeClr val="dk1"/>
+            </a:effectRef>
+            <a:fontRef idx="minor">
+              <a:schemeClr val="tx1"/>
+            </a:fontRef>
+          </p:style>
+        </p:cxnSp>
+        <mc:AlternateContent xmlns:mc="http://schemas.openxmlformats.org/markup-compatibility/2006">
+          <mc:Choice xmlns:a14="http://schemas.microsoft.com/office/drawing/2010/main" Requires="a14">
+            <p:sp>
+              <p:nvSpPr>
+                <p:cNvPr id="61" name="文本框 60">
+                  <a:extLst>
+                    <a:ext uri="{FF2B5EF4-FFF2-40B4-BE49-F238E27FC236}">
+                      <a16:creationId xmlns:a16="http://schemas.microsoft.com/office/drawing/2014/main" id="{D653BFFD-8F84-4F90-9402-A0D8CDEB465F}"/>
+                    </a:ext>
+                  </a:extLst>
+                </p:cNvPr>
+                <p:cNvSpPr txBox="1"/>
+                <p:nvPr/>
+              </p:nvSpPr>
+              <p:spPr>
+                <a:xfrm>
+                  <a:off x="1316282" y="4754300"/>
+                  <a:ext cx="283539" cy="369332"/>
+                </a:xfrm>
+                <a:prstGeom prst="rect">
+                  <a:avLst/>
+                </a:prstGeom>
+                <a:noFill/>
+              </p:spPr>
+              <p:txBody>
+                <a:bodyPr wrap="none" lIns="0" tIns="0" rIns="0" bIns="0" rtlCol="0">
+                  <a:spAutoFit/>
+                </a:bodyPr>
+                <a:lstStyle/>
+                <a:p>
+                  <a:pPr/>
+                  <a14:m>
+                    <m:oMathPara xmlns:m="http://schemas.openxmlformats.org/officeDocument/2006/math">
+                      <m:oMathParaPr>
+                        <m:jc m:val="centerGroup"/>
+                      </m:oMathParaPr>
+                      <m:oMath xmlns:m="http://schemas.openxmlformats.org/officeDocument/2006/math">
+                        <m:r>
+                          <a:rPr lang="en-US" altLang="zh-CN" sz="2400" i="1" smtClean="0">
+                            <a:latin typeface="Cambria Math" panose="02040503050406030204" pitchFamily="18" charset="0"/>
+                          </a:rPr>
+                          <m:t>𝐴</m:t>
+                        </m:r>
+                      </m:oMath>
+                    </m:oMathPara>
+                  </a14:m>
+                  <a:endParaRPr lang="zh-CN" altLang="en-US" sz="2400" dirty="0"/>
+                </a:p>
+              </p:txBody>
+            </p:sp>
+          </mc:Choice>
+          <mc:Fallback>
+            <p:sp>
+              <p:nvSpPr>
+                <p:cNvPr id="61" name="文本框 60">
+                  <a:extLst>
+                    <a:ext uri="{FF2B5EF4-FFF2-40B4-BE49-F238E27FC236}">
+                      <a16:creationId xmlns:a16="http://schemas.microsoft.com/office/drawing/2014/main" id="{D653BFFD-8F84-4F90-9402-A0D8CDEB465F}"/>
+                    </a:ext>
+                  </a:extLst>
+                </p:cNvPr>
+                <p:cNvSpPr txBox="1">
+                  <a:spLocks noRot="1" noChangeAspect="1" noMove="1" noResize="1" noEditPoints="1" noAdjustHandles="1" noChangeArrowheads="1" noChangeShapeType="1" noTextEdit="1"/>
+                </p:cNvSpPr>
+                <p:nvPr/>
+              </p:nvSpPr>
+              <p:spPr>
+                <a:xfrm>
+                  <a:off x="1316282" y="4754300"/>
+                  <a:ext cx="283539" cy="369332"/>
+                </a:xfrm>
+                <a:prstGeom prst="rect">
+                  <a:avLst/>
+                </a:prstGeom>
+                <a:blipFill>
+                  <a:blip r:embed="rId2"/>
+                  <a:stretch>
+                    <a:fillRect l="-23913" r="-21739" b="-6667"/>
+                  </a:stretch>
+                </a:blipFill>
+              </p:spPr>
+              <p:txBody>
+                <a:bodyPr/>
+                <a:lstStyle/>
+                <a:p>
+                  <a:r>
+                    <a:rPr lang="zh-CN" altLang="en-US">
+                      <a:noFill/>
+                    </a:rPr>
+                    <a:t> </a:t>
+                  </a:r>
+                </a:p>
+              </p:txBody>
+            </p:sp>
+          </mc:Fallback>
+        </mc:AlternateContent>
+        <mc:AlternateContent xmlns:mc="http://schemas.openxmlformats.org/markup-compatibility/2006">
+          <mc:Choice xmlns:a14="http://schemas.microsoft.com/office/drawing/2010/main" Requires="a14">
+            <p:sp>
+              <p:nvSpPr>
+                <p:cNvPr id="62" name="文本框 61">
+                  <a:extLst>
+                    <a:ext uri="{FF2B5EF4-FFF2-40B4-BE49-F238E27FC236}">
+                      <a16:creationId xmlns:a16="http://schemas.microsoft.com/office/drawing/2014/main" id="{6011040F-CA06-4A6F-9627-339BF9A2243F}"/>
+                    </a:ext>
+                  </a:extLst>
+                </p:cNvPr>
+                <p:cNvSpPr txBox="1"/>
+                <p:nvPr/>
+              </p:nvSpPr>
+              <p:spPr>
+                <a:xfrm>
+                  <a:off x="11247671" y="4695118"/>
+                  <a:ext cx="260329" cy="369332"/>
+                </a:xfrm>
+                <a:prstGeom prst="rect">
+                  <a:avLst/>
+                </a:prstGeom>
+                <a:noFill/>
+              </p:spPr>
+              <p:txBody>
+                <a:bodyPr wrap="square" lIns="0" tIns="0" rIns="0" bIns="0" rtlCol="0">
+                  <a:spAutoFit/>
+                </a:bodyPr>
+                <a:lstStyle/>
+                <a:p>
+                  <a:pPr/>
+                  <a14:m>
+                    <m:oMathPara xmlns:m="http://schemas.openxmlformats.org/officeDocument/2006/math">
+                      <m:oMathParaPr>
+                        <m:jc m:val="centerGroup"/>
+                      </m:oMathParaPr>
+                      <m:oMath xmlns:m="http://schemas.openxmlformats.org/officeDocument/2006/math">
+                        <m:r>
+                          <a:rPr lang="en-US" altLang="zh-CN" sz="2400" b="0" i="1" smtClean="0">
+                            <a:latin typeface="Cambria Math" panose="02040503050406030204" pitchFamily="18" charset="0"/>
+                          </a:rPr>
+                          <m:t>𝐵</m:t>
+                        </m:r>
+                      </m:oMath>
+                    </m:oMathPara>
+                  </a14:m>
+                  <a:endParaRPr lang="zh-CN" altLang="en-US" sz="2400" dirty="0"/>
+                </a:p>
+              </p:txBody>
+            </p:sp>
+          </mc:Choice>
+          <mc:Fallback>
+            <p:sp>
+              <p:nvSpPr>
+                <p:cNvPr id="62" name="文本框 61">
+                  <a:extLst>
+                    <a:ext uri="{FF2B5EF4-FFF2-40B4-BE49-F238E27FC236}">
+                      <a16:creationId xmlns:a16="http://schemas.microsoft.com/office/drawing/2014/main" id="{6011040F-CA06-4A6F-9627-339BF9A2243F}"/>
+                    </a:ext>
+                  </a:extLst>
+                </p:cNvPr>
+                <p:cNvSpPr txBox="1">
+                  <a:spLocks noRot="1" noChangeAspect="1" noMove="1" noResize="1" noEditPoints="1" noAdjustHandles="1" noChangeArrowheads="1" noChangeShapeType="1" noTextEdit="1"/>
+                </p:cNvSpPr>
+                <p:nvPr/>
+              </p:nvSpPr>
+              <p:spPr>
+                <a:xfrm>
+                  <a:off x="11247671" y="4695118"/>
+                  <a:ext cx="260329" cy="369332"/>
+                </a:xfrm>
+                <a:prstGeom prst="rect">
+                  <a:avLst/>
+                </a:prstGeom>
+                <a:blipFill>
+                  <a:blip r:embed="rId3"/>
+                  <a:stretch>
+                    <a:fillRect l="-30233" r="-27907" b="-6557"/>
+                  </a:stretch>
+                </a:blipFill>
+              </p:spPr>
+              <p:txBody>
+                <a:bodyPr/>
+                <a:lstStyle/>
+                <a:p>
+                  <a:r>
+                    <a:rPr lang="zh-CN" altLang="en-US">
+                      <a:noFill/>
+                    </a:rPr>
+                    <a:t> </a:t>
+                  </a:r>
+                </a:p>
+              </p:txBody>
+            </p:sp>
+          </mc:Fallback>
+        </mc:AlternateContent>
+        <mc:AlternateContent xmlns:mc="http://schemas.openxmlformats.org/markup-compatibility/2006">
+          <mc:Choice xmlns:a14="http://schemas.microsoft.com/office/drawing/2010/main" Requires="a14">
+            <p:sp>
+              <p:nvSpPr>
+                <p:cNvPr id="63" name="文本框 62">
+                  <a:extLst>
+                    <a:ext uri="{FF2B5EF4-FFF2-40B4-BE49-F238E27FC236}">
+                      <a16:creationId xmlns:a16="http://schemas.microsoft.com/office/drawing/2014/main" id="{1F089A23-DD0F-4979-8DD0-29927D3DA7D2}"/>
+                    </a:ext>
+                  </a:extLst>
+                </p:cNvPr>
+                <p:cNvSpPr txBox="1"/>
+                <p:nvPr/>
+              </p:nvSpPr>
+              <p:spPr>
+                <a:xfrm>
+                  <a:off x="11247671" y="570452"/>
+                  <a:ext cx="260329" cy="369332"/>
+                </a:xfrm>
+                <a:prstGeom prst="rect">
+                  <a:avLst/>
+                </a:prstGeom>
+                <a:noFill/>
+              </p:spPr>
+              <p:txBody>
+                <a:bodyPr wrap="square" lIns="0" tIns="0" rIns="0" bIns="0" rtlCol="0">
+                  <a:spAutoFit/>
+                </a:bodyPr>
+                <a:lstStyle/>
+                <a:p>
+                  <a:pPr/>
+                  <a14:m>
+                    <m:oMathPara xmlns:m="http://schemas.openxmlformats.org/officeDocument/2006/math">
+                      <m:oMathParaPr>
+                        <m:jc m:val="centerGroup"/>
+                      </m:oMathParaPr>
+                      <m:oMath xmlns:m="http://schemas.openxmlformats.org/officeDocument/2006/math">
+                        <m:r>
+                          <a:rPr lang="en-US" altLang="zh-CN" sz="2400" b="0" i="1" smtClean="0">
+                            <a:latin typeface="Cambria Math" panose="02040503050406030204" pitchFamily="18" charset="0"/>
+                          </a:rPr>
+                          <m:t>𝐶</m:t>
+                        </m:r>
+                      </m:oMath>
+                    </m:oMathPara>
+                  </a14:m>
+                  <a:endParaRPr lang="zh-CN" altLang="en-US" sz="2400" dirty="0"/>
+                </a:p>
+              </p:txBody>
+            </p:sp>
+          </mc:Choice>
+          <mc:Fallback>
+            <p:sp>
+              <p:nvSpPr>
+                <p:cNvPr id="63" name="文本框 62">
+                  <a:extLst>
+                    <a:ext uri="{FF2B5EF4-FFF2-40B4-BE49-F238E27FC236}">
+                      <a16:creationId xmlns:a16="http://schemas.microsoft.com/office/drawing/2014/main" id="{1F089A23-DD0F-4979-8DD0-29927D3DA7D2}"/>
+                    </a:ext>
+                  </a:extLst>
+                </p:cNvPr>
+                <p:cNvSpPr txBox="1">
+                  <a:spLocks noRot="1" noChangeAspect="1" noMove="1" noResize="1" noEditPoints="1" noAdjustHandles="1" noChangeArrowheads="1" noChangeShapeType="1" noTextEdit="1"/>
+                </p:cNvSpPr>
+                <p:nvPr/>
+              </p:nvSpPr>
+              <p:spPr>
+                <a:xfrm>
+                  <a:off x="11247671" y="570452"/>
+                  <a:ext cx="260329" cy="369332"/>
+                </a:xfrm>
+                <a:prstGeom prst="rect">
+                  <a:avLst/>
+                </a:prstGeom>
+                <a:blipFill>
+                  <a:blip r:embed="rId4"/>
+                  <a:stretch>
+                    <a:fillRect l="-27907" r="-23256" b="-6667"/>
+                  </a:stretch>
+                </a:blipFill>
+              </p:spPr>
+              <p:txBody>
+                <a:bodyPr/>
+                <a:lstStyle/>
+                <a:p>
+                  <a:r>
+                    <a:rPr lang="zh-CN" altLang="en-US">
+                      <a:noFill/>
+                    </a:rPr>
+                    <a:t> </a:t>
+                  </a:r>
+                </a:p>
+              </p:txBody>
+            </p:sp>
+          </mc:Fallback>
+        </mc:AlternateContent>
+        <mc:AlternateContent xmlns:mc="http://schemas.openxmlformats.org/markup-compatibility/2006">
+          <mc:Choice xmlns:a14="http://schemas.microsoft.com/office/drawing/2010/main" Requires="a14">
+            <p:sp>
+              <p:nvSpPr>
+                <p:cNvPr id="64" name="文本框 63">
+                  <a:extLst>
+                    <a:ext uri="{FF2B5EF4-FFF2-40B4-BE49-F238E27FC236}">
+                      <a16:creationId xmlns:a16="http://schemas.microsoft.com/office/drawing/2014/main" id="{B3C12F37-EE84-4B8A-84E6-CF82ECA81821}"/>
+                    </a:ext>
+                  </a:extLst>
+                </p:cNvPr>
+                <p:cNvSpPr txBox="1"/>
+                <p:nvPr/>
+              </p:nvSpPr>
+              <p:spPr>
+                <a:xfrm>
+                  <a:off x="1241237" y="893855"/>
+                  <a:ext cx="260329" cy="369332"/>
+                </a:xfrm>
+                <a:prstGeom prst="rect">
+                  <a:avLst/>
+                </a:prstGeom>
+                <a:noFill/>
+              </p:spPr>
+              <p:txBody>
+                <a:bodyPr wrap="square" lIns="0" tIns="0" rIns="0" bIns="0" rtlCol="0">
+                  <a:spAutoFit/>
+                </a:bodyPr>
+                <a:lstStyle/>
+                <a:p>
+                  <a:pPr/>
+                  <a14:m>
+                    <m:oMathPara xmlns:m="http://schemas.openxmlformats.org/officeDocument/2006/math">
+                      <m:oMathParaPr>
+                        <m:jc m:val="centerGroup"/>
+                      </m:oMathParaPr>
+                      <m:oMath xmlns:m="http://schemas.openxmlformats.org/officeDocument/2006/math">
+                        <m:r>
+                          <a:rPr lang="en-US" altLang="zh-CN" sz="2400" b="0" i="1" smtClean="0">
+                            <a:latin typeface="Cambria Math" panose="02040503050406030204" pitchFamily="18" charset="0"/>
+                          </a:rPr>
+                          <m:t>𝐷</m:t>
+                        </m:r>
+                      </m:oMath>
+                    </m:oMathPara>
+                  </a14:m>
+                  <a:endParaRPr lang="zh-CN" altLang="en-US" sz="2400" dirty="0"/>
+                </a:p>
+              </p:txBody>
+            </p:sp>
+          </mc:Choice>
+          <mc:Fallback>
+            <p:sp>
+              <p:nvSpPr>
+                <p:cNvPr id="64" name="文本框 63">
+                  <a:extLst>
+                    <a:ext uri="{FF2B5EF4-FFF2-40B4-BE49-F238E27FC236}">
+                      <a16:creationId xmlns:a16="http://schemas.microsoft.com/office/drawing/2014/main" id="{B3C12F37-EE84-4B8A-84E6-CF82ECA81821}"/>
+                    </a:ext>
+                  </a:extLst>
+                </p:cNvPr>
+                <p:cNvSpPr txBox="1">
+                  <a:spLocks noRot="1" noChangeAspect="1" noMove="1" noResize="1" noEditPoints="1" noAdjustHandles="1" noChangeArrowheads="1" noChangeShapeType="1" noTextEdit="1"/>
+                </p:cNvSpPr>
+                <p:nvPr/>
+              </p:nvSpPr>
+              <p:spPr>
+                <a:xfrm>
+                  <a:off x="1241237" y="893855"/>
+                  <a:ext cx="260329" cy="369332"/>
+                </a:xfrm>
+                <a:prstGeom prst="rect">
+                  <a:avLst/>
+                </a:prstGeom>
+                <a:blipFill>
+                  <a:blip r:embed="rId5"/>
+                  <a:stretch>
+                    <a:fillRect l="-35714" r="-30952" b="-6667"/>
+                  </a:stretch>
+                </a:blipFill>
+              </p:spPr>
+              <p:txBody>
+                <a:bodyPr/>
+                <a:lstStyle/>
+                <a:p>
+                  <a:r>
+                    <a:rPr lang="zh-CN" altLang="en-US">
+                      <a:noFill/>
+                    </a:rPr>
+                    <a:t> </a:t>
+                  </a:r>
+                </a:p>
+              </p:txBody>
+            </p:sp>
+          </mc:Fallback>
+        </mc:AlternateContent>
+        <p:cxnSp>
+          <p:nvCxnSpPr>
+            <p:cNvPr id="66" name="直接箭头连接符 65">
+              <a:extLst>
+                <a:ext uri="{FF2B5EF4-FFF2-40B4-BE49-F238E27FC236}">
+                  <a16:creationId xmlns:a16="http://schemas.microsoft.com/office/drawing/2014/main" id="{5E61E364-1A9A-43A7-B968-7A6AE2B412CB}"/>
+                </a:ext>
+              </a:extLst>
+            </p:cNvPr>
+            <p:cNvCxnSpPr/>
+            <p:nvPr/>
+          </p:nvCxnSpPr>
+          <p:spPr>
+            <a:xfrm>
+              <a:off x="755309" y="1103003"/>
+              <a:ext cx="0" cy="3590914"/>
+            </a:xfrm>
+            <a:prstGeom prst="straightConnector1">
+              <a:avLst/>
+            </a:prstGeom>
+            <a:ln w="38100">
+              <a:solidFill>
+                <a:schemeClr val="tx1"/>
+              </a:solidFill>
+              <a:headEnd type="arrow" w="med" len="med"/>
+              <a:tailEnd type="arrow" w="med" len="med"/>
+            </a:ln>
+          </p:spPr>
+          <p:style>
+            <a:lnRef idx="1">
+              <a:schemeClr val="accent1"/>
+            </a:lnRef>
+            <a:fillRef idx="0">
+              <a:schemeClr val="accent1"/>
+            </a:fillRef>
+            <a:effectRef idx="0">
+              <a:schemeClr val="accent1"/>
+            </a:effectRef>
+            <a:fontRef idx="minor">
+              <a:schemeClr val="tx1"/>
+            </a:fontRef>
+          </p:style>
+        </p:cxnSp>
+        <p:cxnSp>
+          <p:nvCxnSpPr>
+            <p:cNvPr id="68" name="直接箭头连接符 67">
+              <a:extLst>
+                <a:ext uri="{FF2B5EF4-FFF2-40B4-BE49-F238E27FC236}">
+                  <a16:creationId xmlns:a16="http://schemas.microsoft.com/office/drawing/2014/main" id="{60F233E9-F8E2-4A22-ACE4-C4B468072ACD}"/>
+                </a:ext>
+              </a:extLst>
+            </p:cNvPr>
+            <p:cNvCxnSpPr>
+              <a:cxnSpLocks/>
+            </p:cNvCxnSpPr>
+            <p:nvPr/>
+          </p:nvCxnSpPr>
+          <p:spPr>
+            <a:xfrm>
+              <a:off x="1556970" y="5577265"/>
+              <a:ext cx="9820865" cy="0"/>
+            </a:xfrm>
+            <a:prstGeom prst="straightConnector1">
+              <a:avLst/>
+            </a:prstGeom>
+            <a:ln w="38100">
+              <a:solidFill>
+                <a:schemeClr val="tx1"/>
+              </a:solidFill>
+              <a:headEnd type="arrow" w="med" len="med"/>
+              <a:tailEnd type="arrow" w="med" len="med"/>
+            </a:ln>
+          </p:spPr>
+          <p:style>
+            <a:lnRef idx="1">
+              <a:schemeClr val="accent1"/>
+            </a:lnRef>
+            <a:fillRef idx="0">
+              <a:schemeClr val="accent1"/>
+            </a:fillRef>
+            <a:effectRef idx="0">
+              <a:schemeClr val="accent1"/>
+            </a:effectRef>
+            <a:fontRef idx="minor">
+              <a:schemeClr val="tx1"/>
+            </a:fontRef>
+          </p:style>
+        </p:cxnSp>
+        <mc:AlternateContent xmlns:mc="http://schemas.openxmlformats.org/markup-compatibility/2006">
+          <mc:Choice xmlns:a14="http://schemas.microsoft.com/office/drawing/2010/main" Requires="a14">
+            <p:sp>
+              <p:nvSpPr>
+                <p:cNvPr id="69" name="文本框 68">
+                  <a:extLst>
+                    <a:ext uri="{FF2B5EF4-FFF2-40B4-BE49-F238E27FC236}">
+                      <a16:creationId xmlns:a16="http://schemas.microsoft.com/office/drawing/2014/main" id="{C87BB2F0-10C3-4E3A-B4F5-555B4BB1472D}"/>
+                    </a:ext>
+                  </a:extLst>
+                </p:cNvPr>
+                <p:cNvSpPr txBox="1"/>
+                <p:nvPr/>
+              </p:nvSpPr>
+              <p:spPr>
+                <a:xfrm>
+                  <a:off x="211854" y="2383494"/>
+                  <a:ext cx="1151854" cy="369332"/>
+                </a:xfrm>
+                <a:prstGeom prst="rect">
+                  <a:avLst/>
+                </a:prstGeom>
+                <a:solidFill>
+                  <a:schemeClr val="bg1"/>
+                </a:solidFill>
+              </p:spPr>
+              <p:txBody>
+                <a:bodyPr wrap="none" lIns="0" tIns="0" rIns="0" bIns="0" rtlCol="0">
+                  <a:spAutoFit/>
+                </a:bodyPr>
+                <a:lstStyle/>
+                <a:p>
+                  <a:pPr/>
+                  <a14:m>
+                    <m:oMathPara xmlns:m="http://schemas.openxmlformats.org/officeDocument/2006/math">
+                      <m:oMathParaPr>
+                        <m:jc m:val="centerGroup"/>
+                      </m:oMathParaPr>
+                      <m:oMath xmlns:m="http://schemas.openxmlformats.org/officeDocument/2006/math">
+                        <m:r>
+                          <a:rPr lang="en-US" altLang="zh-CN" sz="2400" b="0" i="1" smtClean="0">
+                            <a:latin typeface="Cambria Math" panose="02040503050406030204" pitchFamily="18" charset="0"/>
+                          </a:rPr>
+                          <m:t>𝐻</m:t>
+                        </m:r>
+                        <m:r>
+                          <a:rPr lang="en-US" altLang="zh-CN" sz="2400" b="0" i="1" smtClean="0">
+                            <a:latin typeface="Cambria Math" panose="02040503050406030204" pitchFamily="18" charset="0"/>
+                          </a:rPr>
+                          <m:t>=6</m:t>
+                        </m:r>
+                        <m:r>
+                          <a:rPr lang="en-US" altLang="zh-CN" sz="2400" b="0" i="1" smtClean="0">
+                            <a:latin typeface="Cambria Math" panose="02040503050406030204" pitchFamily="18" charset="0"/>
+                          </a:rPr>
+                          <m:t>𝑚</m:t>
+                        </m:r>
+                      </m:oMath>
+                    </m:oMathPara>
+                  </a14:m>
+                  <a:endParaRPr lang="zh-CN" altLang="en-US" sz="2400" dirty="0"/>
+                </a:p>
+              </p:txBody>
+            </p:sp>
+          </mc:Choice>
+          <mc:Fallback>
+            <p:sp>
+              <p:nvSpPr>
+                <p:cNvPr id="69" name="文本框 68">
+                  <a:extLst>
+                    <a:ext uri="{FF2B5EF4-FFF2-40B4-BE49-F238E27FC236}">
+                      <a16:creationId xmlns:a16="http://schemas.microsoft.com/office/drawing/2014/main" id="{C87BB2F0-10C3-4E3A-B4F5-555B4BB1472D}"/>
+                    </a:ext>
+                  </a:extLst>
+                </p:cNvPr>
+                <p:cNvSpPr txBox="1">
+                  <a:spLocks noRot="1" noChangeAspect="1" noMove="1" noResize="1" noEditPoints="1" noAdjustHandles="1" noChangeArrowheads="1" noChangeShapeType="1" noTextEdit="1"/>
+                </p:cNvSpPr>
+                <p:nvPr/>
+              </p:nvSpPr>
+              <p:spPr>
+                <a:xfrm>
+                  <a:off x="211854" y="2383494"/>
+                  <a:ext cx="1151854" cy="369332"/>
+                </a:xfrm>
+                <a:prstGeom prst="rect">
+                  <a:avLst/>
+                </a:prstGeom>
+                <a:blipFill>
+                  <a:blip r:embed="rId6"/>
+                  <a:stretch>
+                    <a:fillRect l="-5291" r="-4762" b="-4918"/>
+                  </a:stretch>
+                </a:blipFill>
+              </p:spPr>
+              <p:txBody>
+                <a:bodyPr/>
+                <a:lstStyle/>
+                <a:p>
+                  <a:r>
+                    <a:rPr lang="zh-CN" altLang="en-US">
+                      <a:noFill/>
+                    </a:rPr>
+                    <a:t> </a:t>
+                  </a:r>
+                </a:p>
+              </p:txBody>
+            </p:sp>
+          </mc:Fallback>
+        </mc:AlternateContent>
+        <mc:AlternateContent xmlns:mc="http://schemas.openxmlformats.org/markup-compatibility/2006">
+          <mc:Choice xmlns:a14="http://schemas.microsoft.com/office/drawing/2010/main" Requires="a14">
+            <p:sp>
+              <p:nvSpPr>
+                <p:cNvPr id="72" name="文本框 71">
+                  <a:extLst>
+                    <a:ext uri="{FF2B5EF4-FFF2-40B4-BE49-F238E27FC236}">
+                      <a16:creationId xmlns:a16="http://schemas.microsoft.com/office/drawing/2014/main" id="{0F70B18C-19DB-4477-A5BE-BD04BABCC683}"/>
+                    </a:ext>
+                  </a:extLst>
+                </p:cNvPr>
+                <p:cNvSpPr txBox="1"/>
+                <p:nvPr/>
+              </p:nvSpPr>
+              <p:spPr>
+                <a:xfrm>
+                  <a:off x="5824205" y="5402367"/>
+                  <a:ext cx="1310552" cy="369332"/>
+                </a:xfrm>
+                <a:prstGeom prst="rect">
+                  <a:avLst/>
+                </a:prstGeom>
+                <a:solidFill>
+                  <a:schemeClr val="bg1"/>
+                </a:solidFill>
+              </p:spPr>
+              <p:txBody>
+                <a:bodyPr wrap="none" lIns="0" tIns="0" rIns="0" bIns="0" rtlCol="0">
+                  <a:spAutoFit/>
+                </a:bodyPr>
+                <a:lstStyle/>
+                <a:p>
+                  <a:pPr/>
+                  <a14:m>
+                    <m:oMathPara xmlns:m="http://schemas.openxmlformats.org/officeDocument/2006/math">
+                      <m:oMathParaPr>
+                        <m:jc m:val="centerGroup"/>
+                      </m:oMathParaPr>
+                      <m:oMath xmlns:m="http://schemas.openxmlformats.org/officeDocument/2006/math">
+                        <m:r>
+                          <a:rPr lang="en-US" altLang="zh-CN" sz="2400" b="0" i="1" smtClean="0">
+                            <a:latin typeface="Cambria Math" panose="02040503050406030204" pitchFamily="18" charset="0"/>
+                          </a:rPr>
+                          <m:t>𝐷</m:t>
+                        </m:r>
+                        <m:r>
+                          <a:rPr lang="en-US" altLang="zh-CN" sz="2400" i="1">
+                            <a:latin typeface="Cambria Math" panose="02040503050406030204" pitchFamily="18" charset="0"/>
+                          </a:rPr>
+                          <m:t>=</m:t>
+                        </m:r>
+                        <m:r>
+                          <a:rPr lang="en-US" altLang="zh-CN" sz="2400" b="0" i="1" smtClean="0">
+                            <a:latin typeface="Cambria Math" panose="02040503050406030204" pitchFamily="18" charset="0"/>
+                          </a:rPr>
+                          <m:t>20</m:t>
+                        </m:r>
+                        <m:r>
+                          <a:rPr lang="en-US" altLang="zh-CN" sz="2400" b="0" i="1" smtClean="0">
+                            <a:latin typeface="Cambria Math" panose="02040503050406030204" pitchFamily="18" charset="0"/>
+                          </a:rPr>
+                          <m:t>𝑚</m:t>
+                        </m:r>
+                      </m:oMath>
+                    </m:oMathPara>
+                  </a14:m>
+                  <a:endParaRPr lang="zh-CN" altLang="en-US" sz="2400" dirty="0"/>
+                </a:p>
+              </p:txBody>
+            </p:sp>
+          </mc:Choice>
+          <mc:Fallback>
+            <p:sp>
+              <p:nvSpPr>
+                <p:cNvPr id="72" name="文本框 71">
+                  <a:extLst>
+                    <a:ext uri="{FF2B5EF4-FFF2-40B4-BE49-F238E27FC236}">
+                      <a16:creationId xmlns:a16="http://schemas.microsoft.com/office/drawing/2014/main" id="{0F70B18C-19DB-4477-A5BE-BD04BABCC683}"/>
+                    </a:ext>
+                  </a:extLst>
+                </p:cNvPr>
+                <p:cNvSpPr txBox="1">
+                  <a:spLocks noRot="1" noChangeAspect="1" noMove="1" noResize="1" noEditPoints="1" noAdjustHandles="1" noChangeArrowheads="1" noChangeShapeType="1" noTextEdit="1"/>
+                </p:cNvSpPr>
+                <p:nvPr/>
+              </p:nvSpPr>
+              <p:spPr>
+                <a:xfrm>
+                  <a:off x="5824205" y="5402367"/>
+                  <a:ext cx="1310552" cy="369332"/>
+                </a:xfrm>
+                <a:prstGeom prst="rect">
+                  <a:avLst/>
+                </a:prstGeom>
+                <a:blipFill>
+                  <a:blip r:embed="rId7"/>
+                  <a:stretch>
+                    <a:fillRect l="-4186" r="-4651" b="-6557"/>
+                  </a:stretch>
+                </a:blipFill>
+              </p:spPr>
+              <p:txBody>
+                <a:bodyPr/>
+                <a:lstStyle/>
+                <a:p>
+                  <a:r>
+                    <a:rPr lang="zh-CN" altLang="en-US">
+                      <a:noFill/>
+                    </a:rPr>
+                    <a:t> </a:t>
+                  </a:r>
+                </a:p>
+              </p:txBody>
+            </p:sp>
+          </mc:Fallback>
+        </mc:AlternateContent>
+        <mc:AlternateContent xmlns:mc="http://schemas.openxmlformats.org/markup-compatibility/2006">
+          <mc:Choice xmlns:a14="http://schemas.microsoft.com/office/drawing/2010/main" Requires="a14">
+            <p:sp>
+              <p:nvSpPr>
+                <p:cNvPr id="73" name="文本框 72">
+                  <a:extLst>
+                    <a:ext uri="{FF2B5EF4-FFF2-40B4-BE49-F238E27FC236}">
+                      <a16:creationId xmlns:a16="http://schemas.microsoft.com/office/drawing/2014/main" id="{7EF4FE80-8619-40DE-8D8C-FECAC14815AD}"/>
+                    </a:ext>
+                  </a:extLst>
+                </p:cNvPr>
+                <p:cNvSpPr txBox="1"/>
+                <p:nvPr/>
+              </p:nvSpPr>
+              <p:spPr>
+                <a:xfrm>
+                  <a:off x="7028366" y="2058263"/>
+                  <a:ext cx="1134991" cy="369332"/>
+                </a:xfrm>
+                <a:prstGeom prst="rect">
+                  <a:avLst/>
+                </a:prstGeom>
+                <a:solidFill>
+                  <a:schemeClr val="bg1"/>
+                </a:solidFill>
+              </p:spPr>
+              <p:txBody>
+                <a:bodyPr wrap="none" lIns="0" tIns="0" rIns="0" bIns="0" rtlCol="0">
+                  <a:spAutoFit/>
+                </a:bodyPr>
+                <a:lstStyle/>
+                <a:p>
+                  <a:pPr/>
+                  <a14:m>
+                    <m:oMathPara xmlns:m="http://schemas.openxmlformats.org/officeDocument/2006/math">
+                      <m:oMathParaPr>
+                        <m:jc m:val="centerGroup"/>
+                      </m:oMathParaPr>
+                      <m:oMath xmlns:m="http://schemas.openxmlformats.org/officeDocument/2006/math">
+                        <m:r>
+                          <a:rPr lang="en-US" altLang="zh-CN" sz="2400" b="0" i="1" smtClean="0">
+                            <a:latin typeface="Cambria Math" panose="02040503050406030204" pitchFamily="18" charset="0"/>
+                          </a:rPr>
+                          <m:t>𝜙</m:t>
+                        </m:r>
+                        <m:r>
+                          <a:rPr lang="en-US" altLang="zh-CN" sz="2400" b="0" i="1" smtClean="0">
+                            <a:latin typeface="Cambria Math" panose="02040503050406030204" pitchFamily="18" charset="0"/>
+                          </a:rPr>
+                          <m:t>=1</m:t>
+                        </m:r>
+                        <m:r>
+                          <a:rPr lang="en-US" altLang="zh-CN" sz="2400" b="0" i="1" smtClean="0">
+                            <a:latin typeface="Cambria Math" panose="02040503050406030204" pitchFamily="18" charset="0"/>
+                          </a:rPr>
+                          <m:t>𝑚</m:t>
+                        </m:r>
+                      </m:oMath>
+                    </m:oMathPara>
+                  </a14:m>
+                  <a:endParaRPr lang="zh-CN" altLang="en-US" sz="2400" dirty="0"/>
+                </a:p>
+              </p:txBody>
+            </p:sp>
+          </mc:Choice>
+          <mc:Fallback>
+            <p:sp>
+              <p:nvSpPr>
+                <p:cNvPr id="73" name="文本框 72">
+                  <a:extLst>
+                    <a:ext uri="{FF2B5EF4-FFF2-40B4-BE49-F238E27FC236}">
+                      <a16:creationId xmlns:a16="http://schemas.microsoft.com/office/drawing/2014/main" id="{7EF4FE80-8619-40DE-8D8C-FECAC14815AD}"/>
+                    </a:ext>
+                  </a:extLst>
+                </p:cNvPr>
+                <p:cNvSpPr txBox="1">
+                  <a:spLocks noRot="1" noChangeAspect="1" noMove="1" noResize="1" noEditPoints="1" noAdjustHandles="1" noChangeArrowheads="1" noChangeShapeType="1" noTextEdit="1"/>
+                </p:cNvSpPr>
+                <p:nvPr/>
+              </p:nvSpPr>
+              <p:spPr>
+                <a:xfrm>
+                  <a:off x="7028366" y="2058263"/>
+                  <a:ext cx="1134991" cy="369332"/>
+                </a:xfrm>
+                <a:prstGeom prst="rect">
+                  <a:avLst/>
+                </a:prstGeom>
+                <a:blipFill>
+                  <a:blip r:embed="rId8"/>
+                  <a:stretch>
+                    <a:fillRect l="-8065" r="-4839" b="-35000"/>
+                  </a:stretch>
+                </a:blipFill>
+              </p:spPr>
+              <p:txBody>
+                <a:bodyPr/>
+                <a:lstStyle/>
+                <a:p>
+                  <a:r>
+                    <a:rPr lang="zh-CN" altLang="en-US">
+                      <a:noFill/>
+                    </a:rPr>
+                    <a:t> </a:t>
+                  </a:r>
+                </a:p>
+              </p:txBody>
+            </p:sp>
+          </mc:Fallback>
+        </mc:AlternateContent>
+        <p:cxnSp>
+          <p:nvCxnSpPr>
+            <p:cNvPr id="74" name="直接箭头连接符 73">
+              <a:extLst>
+                <a:ext uri="{FF2B5EF4-FFF2-40B4-BE49-F238E27FC236}">
+                  <a16:creationId xmlns:a16="http://schemas.microsoft.com/office/drawing/2014/main" id="{FFCDABD1-9D13-4409-A3FC-159E37917A88}"/>
+                </a:ext>
+              </a:extLst>
+            </p:cNvPr>
+            <p:cNvCxnSpPr>
+              <a:cxnSpLocks/>
+            </p:cNvCxnSpPr>
+            <p:nvPr/>
+          </p:nvCxnSpPr>
+          <p:spPr>
+            <a:xfrm>
+              <a:off x="1580765" y="5246743"/>
+              <a:ext cx="4910433" cy="0"/>
+            </a:xfrm>
+            <a:prstGeom prst="straightConnector1">
+              <a:avLst/>
+            </a:prstGeom>
+            <a:ln w="38100">
+              <a:solidFill>
+                <a:schemeClr val="tx1"/>
+              </a:solidFill>
+              <a:headEnd type="arrow" w="med" len="med"/>
+              <a:tailEnd type="arrow" w="med" len="med"/>
+            </a:ln>
+          </p:spPr>
+          <p:style>
+            <a:lnRef idx="1">
+              <a:schemeClr val="accent1"/>
+            </a:lnRef>
+            <a:fillRef idx="0">
+              <a:schemeClr val="accent1"/>
+            </a:fillRef>
+            <a:effectRef idx="0">
+              <a:schemeClr val="accent1"/>
+            </a:effectRef>
+            <a:fontRef idx="minor">
+              <a:schemeClr val="tx1"/>
+            </a:fontRef>
+          </p:style>
+        </p:cxnSp>
+        <p:cxnSp>
+          <p:nvCxnSpPr>
+            <p:cNvPr id="97" name="直接箭头连接符 96">
+              <a:extLst>
+                <a:ext uri="{FF2B5EF4-FFF2-40B4-BE49-F238E27FC236}">
+                  <a16:creationId xmlns:a16="http://schemas.microsoft.com/office/drawing/2014/main" id="{BAA446F8-AEF6-45ED-B1AB-A665DD6CAB08}"/>
+                </a:ext>
+              </a:extLst>
+            </p:cNvPr>
+            <p:cNvCxnSpPr>
+              <a:cxnSpLocks/>
+              <a:endCxn id="102" idx="4"/>
+            </p:cNvCxnSpPr>
+            <p:nvPr/>
+          </p:nvCxnSpPr>
+          <p:spPr>
+            <a:xfrm flipV="1">
+              <a:off x="6479302" y="3412876"/>
+              <a:ext cx="7134" cy="1886732"/>
+            </a:xfrm>
+            <a:prstGeom prst="straightConnector1">
+              <a:avLst/>
+            </a:prstGeom>
+            <a:ln w="12700">
+              <a:prstDash val="dash"/>
+              <a:headEnd type="none" w="med" len="med"/>
+              <a:tailEnd type="none" w="med" len="med"/>
+            </a:ln>
+          </p:spPr>
+          <p:style>
+            <a:lnRef idx="1">
+              <a:schemeClr val="dk1"/>
+            </a:lnRef>
+            <a:fillRef idx="0">
+              <a:schemeClr val="dk1"/>
+            </a:fillRef>
+            <a:effectRef idx="0">
+              <a:schemeClr val="dk1"/>
+            </a:effectRef>
+            <a:fontRef idx="minor">
+              <a:schemeClr val="tx1"/>
+            </a:fontRef>
+          </p:style>
+        </p:cxnSp>
+        <mc:AlternateContent xmlns:mc="http://schemas.openxmlformats.org/markup-compatibility/2006">
+          <mc:Choice xmlns:a14="http://schemas.microsoft.com/office/drawing/2010/main" Requires="a14">
+            <p:sp>
+              <p:nvSpPr>
+                <p:cNvPr id="98" name="文本框 97">
+                  <a:extLst>
+                    <a:ext uri="{FF2B5EF4-FFF2-40B4-BE49-F238E27FC236}">
+                      <a16:creationId xmlns:a16="http://schemas.microsoft.com/office/drawing/2014/main" id="{2A0FBE7E-690B-4D21-9C68-635A9E929F92}"/>
+                    </a:ext>
+                  </a:extLst>
+                </p:cNvPr>
+                <p:cNvSpPr txBox="1"/>
+                <p:nvPr/>
+              </p:nvSpPr>
+              <p:spPr>
+                <a:xfrm>
+                  <a:off x="3377248" y="5028066"/>
+                  <a:ext cx="688137" cy="369332"/>
+                </a:xfrm>
+                <a:prstGeom prst="rect">
+                  <a:avLst/>
+                </a:prstGeom>
+                <a:solidFill>
+                  <a:schemeClr val="bg1"/>
+                </a:solidFill>
+              </p:spPr>
+              <p:txBody>
+                <a:bodyPr wrap="none" lIns="0" tIns="0" rIns="0" bIns="0" rtlCol="0">
+                  <a:spAutoFit/>
+                </a:bodyPr>
+                <a:lstStyle/>
+                <a:p>
+                  <a:pPr/>
+                  <a14:m>
+                    <m:oMathPara xmlns:m="http://schemas.openxmlformats.org/officeDocument/2006/math">
+                      <m:oMathParaPr>
+                        <m:jc m:val="centerGroup"/>
+                      </m:oMathParaPr>
+                      <m:oMath xmlns:m="http://schemas.openxmlformats.org/officeDocument/2006/math">
+                        <m:r>
+                          <a:rPr lang="en-US" altLang="zh-CN" sz="2400" b="0" i="1" smtClean="0">
+                            <a:latin typeface="Cambria Math" panose="02040503050406030204" pitchFamily="18" charset="0"/>
+                          </a:rPr>
+                          <m:t>10</m:t>
+                        </m:r>
+                        <m:r>
+                          <a:rPr lang="en-US" altLang="zh-CN" sz="2400" b="0" i="1" smtClean="0">
+                            <a:latin typeface="Cambria Math" panose="02040503050406030204" pitchFamily="18" charset="0"/>
+                          </a:rPr>
+                          <m:t>𝑚</m:t>
+                        </m:r>
+                      </m:oMath>
+                    </m:oMathPara>
+                  </a14:m>
+                  <a:endParaRPr lang="zh-CN" altLang="en-US" sz="2400" dirty="0"/>
+                </a:p>
+              </p:txBody>
+            </p:sp>
+          </mc:Choice>
+          <mc:Fallback>
+            <p:sp>
+              <p:nvSpPr>
+                <p:cNvPr id="98" name="文本框 97">
+                  <a:extLst>
+                    <a:ext uri="{FF2B5EF4-FFF2-40B4-BE49-F238E27FC236}">
+                      <a16:creationId xmlns:a16="http://schemas.microsoft.com/office/drawing/2014/main" id="{2A0FBE7E-690B-4D21-9C68-635A9E929F92}"/>
+                    </a:ext>
+                  </a:extLst>
+                </p:cNvPr>
+                <p:cNvSpPr txBox="1">
+                  <a:spLocks noRot="1" noChangeAspect="1" noMove="1" noResize="1" noEditPoints="1" noAdjustHandles="1" noChangeArrowheads="1" noChangeShapeType="1" noTextEdit="1"/>
+                </p:cNvSpPr>
+                <p:nvPr/>
+              </p:nvSpPr>
+              <p:spPr>
+                <a:xfrm>
+                  <a:off x="3377248" y="5028066"/>
+                  <a:ext cx="688137" cy="369332"/>
+                </a:xfrm>
+                <a:prstGeom prst="rect">
+                  <a:avLst/>
+                </a:prstGeom>
+                <a:blipFill>
+                  <a:blip r:embed="rId9"/>
+                  <a:stretch>
+                    <a:fillRect l="-8850" r="-8850" b="-6667"/>
+                  </a:stretch>
+                </a:blipFill>
+              </p:spPr>
+              <p:txBody>
+                <a:bodyPr/>
+                <a:lstStyle/>
+                <a:p>
+                  <a:r>
+                    <a:rPr lang="zh-CN" altLang="en-US">
+                      <a:noFill/>
+                    </a:rPr>
+                    <a:t> </a:t>
+                  </a:r>
+                </a:p>
+              </p:txBody>
+            </p:sp>
+          </mc:Fallback>
+        </mc:AlternateContent>
+        <p:cxnSp>
+          <p:nvCxnSpPr>
+            <p:cNvPr id="99" name="直接连接符 98">
+              <a:extLst>
+                <a:ext uri="{FF2B5EF4-FFF2-40B4-BE49-F238E27FC236}">
+                  <a16:creationId xmlns:a16="http://schemas.microsoft.com/office/drawing/2014/main" id="{0C8B4161-2026-4A51-AD9F-D76CEC20FFD5}"/>
+                </a:ext>
+              </a:extLst>
+            </p:cNvPr>
+            <p:cNvCxnSpPr>
+              <a:cxnSpLocks/>
+              <a:endCxn id="102" idx="2"/>
+            </p:cNvCxnSpPr>
+            <p:nvPr/>
+          </p:nvCxnSpPr>
+          <p:spPr>
+            <a:xfrm>
+              <a:off x="952500" y="2891849"/>
+              <a:ext cx="5025581" cy="12672"/>
+            </a:xfrm>
+            <a:prstGeom prst="line">
+              <a:avLst/>
+            </a:prstGeom>
+            <a:ln w="12700">
+              <a:solidFill>
+                <a:schemeClr val="tx1"/>
+              </a:solidFill>
+              <a:prstDash val="dash"/>
+            </a:ln>
+          </p:spPr>
+          <p:style>
+            <a:lnRef idx="1">
+              <a:schemeClr val="accent1"/>
+            </a:lnRef>
+            <a:fillRef idx="0">
+              <a:schemeClr val="accent1"/>
+            </a:fillRef>
+            <a:effectRef idx="0">
+              <a:schemeClr val="accent1"/>
+            </a:effectRef>
+            <a:fontRef idx="minor">
+              <a:schemeClr val="tx1"/>
+            </a:fontRef>
+          </p:style>
+        </p:cxnSp>
+        <p:cxnSp>
+          <p:nvCxnSpPr>
+            <p:cNvPr id="100" name="直接箭头连接符 99">
+              <a:extLst>
+                <a:ext uri="{FF2B5EF4-FFF2-40B4-BE49-F238E27FC236}">
+                  <a16:creationId xmlns:a16="http://schemas.microsoft.com/office/drawing/2014/main" id="{88855B1A-CF92-4EEC-8897-6568DCE3FDC1}"/>
+                </a:ext>
+              </a:extLst>
+            </p:cNvPr>
+            <p:cNvCxnSpPr>
+              <a:cxnSpLocks/>
+            </p:cNvCxnSpPr>
+            <p:nvPr/>
+          </p:nvCxnSpPr>
+          <p:spPr>
+            <a:xfrm>
+              <a:off x="1292440" y="2891849"/>
+              <a:ext cx="0" cy="1795457"/>
+            </a:xfrm>
+            <a:prstGeom prst="straightConnector1">
+              <a:avLst/>
+            </a:prstGeom>
+            <a:ln w="38100">
+              <a:solidFill>
+                <a:schemeClr val="tx1"/>
+              </a:solidFill>
+              <a:headEnd type="arrow" w="med" len="med"/>
+              <a:tailEnd type="arrow" w="med" len="med"/>
+            </a:ln>
+          </p:spPr>
+          <p:style>
+            <a:lnRef idx="1">
+              <a:schemeClr val="accent1"/>
+            </a:lnRef>
+            <a:fillRef idx="0">
+              <a:schemeClr val="accent1"/>
+            </a:fillRef>
+            <a:effectRef idx="0">
+              <a:schemeClr val="accent1"/>
+            </a:effectRef>
+            <a:fontRef idx="minor">
+              <a:schemeClr val="tx1"/>
+            </a:fontRef>
+          </p:style>
+        </p:cxnSp>
+        <mc:AlternateContent xmlns:mc="http://schemas.openxmlformats.org/markup-compatibility/2006">
+          <mc:Choice xmlns:a14="http://schemas.microsoft.com/office/drawing/2010/main" Requires="a14">
+            <p:sp>
+              <p:nvSpPr>
+                <p:cNvPr id="101" name="文本框 100">
+                  <a:extLst>
+                    <a:ext uri="{FF2B5EF4-FFF2-40B4-BE49-F238E27FC236}">
+                      <a16:creationId xmlns:a16="http://schemas.microsoft.com/office/drawing/2014/main" id="{2AC7B47E-F22A-4090-ACC1-7D32BBF4A273}"/>
+                    </a:ext>
+                  </a:extLst>
+                </p:cNvPr>
+                <p:cNvSpPr txBox="1"/>
+                <p:nvPr/>
+              </p:nvSpPr>
+              <p:spPr>
+                <a:xfrm>
+                  <a:off x="1017248" y="3630625"/>
+                  <a:ext cx="487558" cy="369332"/>
+                </a:xfrm>
+                <a:prstGeom prst="rect">
+                  <a:avLst/>
+                </a:prstGeom>
+                <a:solidFill>
+                  <a:schemeClr val="bg1"/>
+                </a:solidFill>
+              </p:spPr>
+              <p:txBody>
+                <a:bodyPr wrap="square" lIns="0" tIns="0" rIns="0" bIns="0" rtlCol="0">
+                  <a:spAutoFit/>
+                </a:bodyPr>
+                <a:lstStyle/>
+                <a:p>
+                  <a:pPr/>
+                  <a14:m>
+                    <m:oMathPara xmlns:m="http://schemas.openxmlformats.org/officeDocument/2006/math">
+                      <m:oMathParaPr>
+                        <m:jc m:val="centerGroup"/>
+                      </m:oMathParaPr>
+                      <m:oMath xmlns:m="http://schemas.openxmlformats.org/officeDocument/2006/math">
+                        <m:r>
+                          <a:rPr lang="en-US" altLang="zh-CN" sz="2400" i="1">
+                            <a:latin typeface="Cambria Math" panose="02040503050406030204" pitchFamily="18" charset="0"/>
+                          </a:rPr>
+                          <m:t>3</m:t>
+                        </m:r>
+                        <m:r>
+                          <a:rPr lang="en-US" altLang="zh-CN" sz="2400" b="0" i="1" smtClean="0">
+                            <a:latin typeface="Cambria Math" panose="02040503050406030204" pitchFamily="18" charset="0"/>
+                          </a:rPr>
+                          <m:t>𝑚</m:t>
+                        </m:r>
+                      </m:oMath>
+                    </m:oMathPara>
+                  </a14:m>
+                  <a:endParaRPr lang="zh-CN" altLang="en-US" sz="2400" dirty="0"/>
+                </a:p>
+              </p:txBody>
+            </p:sp>
+          </mc:Choice>
+          <mc:Fallback>
+            <p:sp>
+              <p:nvSpPr>
+                <p:cNvPr id="101" name="文本框 100">
+                  <a:extLst>
+                    <a:ext uri="{FF2B5EF4-FFF2-40B4-BE49-F238E27FC236}">
+                      <a16:creationId xmlns:a16="http://schemas.microsoft.com/office/drawing/2014/main" id="{2AC7B47E-F22A-4090-ACC1-7D32BBF4A273}"/>
+                    </a:ext>
+                  </a:extLst>
+                </p:cNvPr>
+                <p:cNvSpPr txBox="1">
+                  <a:spLocks noRot="1" noChangeAspect="1" noMove="1" noResize="1" noEditPoints="1" noAdjustHandles="1" noChangeArrowheads="1" noChangeShapeType="1" noTextEdit="1"/>
+                </p:cNvSpPr>
+                <p:nvPr/>
+              </p:nvSpPr>
+              <p:spPr>
+                <a:xfrm>
+                  <a:off x="1017248" y="3630625"/>
+                  <a:ext cx="487558" cy="369332"/>
+                </a:xfrm>
+                <a:prstGeom prst="rect">
+                  <a:avLst/>
+                </a:prstGeom>
+                <a:blipFill>
+                  <a:blip r:embed="rId10"/>
+                  <a:stretch>
+                    <a:fillRect l="-16250" r="-8750" b="-6667"/>
+                  </a:stretch>
+                </a:blipFill>
+              </p:spPr>
+              <p:txBody>
+                <a:bodyPr/>
+                <a:lstStyle/>
+                <a:p>
+                  <a:r>
+                    <a:rPr lang="zh-CN" altLang="en-US">
+                      <a:noFill/>
+                    </a:rPr>
+                    <a:t> </a:t>
+                  </a:r>
+                </a:p>
+              </p:txBody>
+            </p:sp>
+          </mc:Fallback>
+        </mc:AlternateContent>
+        <p:sp>
+          <p:nvSpPr>
+            <p:cNvPr id="102" name="椭圆 101">
+              <a:extLst>
+                <a:ext uri="{FF2B5EF4-FFF2-40B4-BE49-F238E27FC236}">
+                  <a16:creationId xmlns:a16="http://schemas.microsoft.com/office/drawing/2014/main" id="{0CAE2F55-78D9-4A78-A709-1A0339B4255F}"/>
+                </a:ext>
+              </a:extLst>
+            </p:cNvPr>
+            <p:cNvSpPr/>
+            <p:nvPr/>
+          </p:nvSpPr>
+          <p:spPr>
+            <a:xfrm>
+              <a:off x="5978081" y="2396166"/>
+              <a:ext cx="1016710" cy="1016710"/>
+            </a:xfrm>
+            <a:prstGeom prst="ellipse">
+              <a:avLst/>
+            </a:prstGeom>
+            <a:solidFill>
+              <a:schemeClr val="tx1"/>
+            </a:solidFill>
+          </p:spPr>
+          <p:style>
+            <a:lnRef idx="2">
+              <a:schemeClr val="accent1">
+                <a:shade val="50000"/>
+              </a:schemeClr>
+            </a:lnRef>
+            <a:fillRef idx="1">
+              <a:schemeClr val="accent1"/>
+            </a:fillRef>
+            <a:effectRef idx="0">
+              <a:schemeClr val="accent1"/>
+            </a:effectRef>
+            <a:fontRef idx="minor">
+              <a:schemeClr val="lt1"/>
+            </a:fontRef>
+          </p:style>
+          <p:txBody>
+            <a:bodyPr rtlCol="0" anchor="ctr"/>
+            <a:lstStyle/>
+            <a:p>
+              <a:pPr algn="ctr"/>
+              <a:endParaRPr lang="zh-CN" altLang="en-US" sz="1400"/>
+            </a:p>
+          </p:txBody>
+        </p:sp>
+        <p:cxnSp>
+          <p:nvCxnSpPr>
+            <p:cNvPr id="103" name="直接箭头连接符 102">
+              <a:extLst>
+                <a:ext uri="{FF2B5EF4-FFF2-40B4-BE49-F238E27FC236}">
+                  <a16:creationId xmlns:a16="http://schemas.microsoft.com/office/drawing/2014/main" id="{E5C3E7AD-20DF-4477-9C12-BC08C29C3294}"/>
+                </a:ext>
+              </a:extLst>
+            </p:cNvPr>
+            <p:cNvCxnSpPr>
+              <a:cxnSpLocks/>
+              <a:stCxn id="102" idx="7"/>
+              <a:endCxn id="102" idx="3"/>
+            </p:cNvCxnSpPr>
+            <p:nvPr/>
+          </p:nvCxnSpPr>
+          <p:spPr>
+            <a:xfrm flipH="1">
+              <a:off x="6126975" y="2545060"/>
+              <a:ext cx="718922" cy="718922"/>
+            </a:xfrm>
+            <a:prstGeom prst="straightConnector1">
+              <a:avLst/>
+            </a:prstGeom>
+            <a:ln w="38100">
+              <a:solidFill>
+                <a:schemeClr val="bg1"/>
+              </a:solidFill>
+              <a:headEnd type="arrow" w="med" len="med"/>
+              <a:tailEnd type="arrow" w="med" len="med"/>
+            </a:ln>
+          </p:spPr>
+          <p:style>
+            <a:lnRef idx="1">
+              <a:schemeClr val="accent1"/>
+            </a:lnRef>
+            <a:fillRef idx="0">
+              <a:schemeClr val="accent1"/>
+            </a:fillRef>
+            <a:effectRef idx="0">
+              <a:schemeClr val="accent1"/>
+            </a:effectRef>
+            <a:fontRef idx="minor">
+              <a:schemeClr val="tx1"/>
+            </a:fontRef>
+          </p:style>
+        </p:cxnSp>
+        <p:cxnSp>
+          <p:nvCxnSpPr>
+            <p:cNvPr id="107" name="直接箭头连接符 106">
+              <a:extLst>
+                <a:ext uri="{FF2B5EF4-FFF2-40B4-BE49-F238E27FC236}">
+                  <a16:creationId xmlns:a16="http://schemas.microsoft.com/office/drawing/2014/main" id="{615D609C-BA0F-4EA7-AC3F-584C2BB25C68}"/>
+                </a:ext>
+              </a:extLst>
+            </p:cNvPr>
+            <p:cNvCxnSpPr/>
+            <p:nvPr/>
+          </p:nvCxnSpPr>
+          <p:spPr>
+            <a:xfrm>
+              <a:off x="1700759" y="1511397"/>
+              <a:ext cx="824943" cy="0"/>
+            </a:xfrm>
+            <a:prstGeom prst="straightConnector1">
+              <a:avLst/>
+            </a:prstGeom>
+            <a:ln w="28575">
+              <a:solidFill>
+                <a:srgbClr val="00B0F0"/>
+              </a:solidFill>
+              <a:tailEnd type="triangle"/>
+            </a:ln>
+          </p:spPr>
+          <p:style>
+            <a:lnRef idx="1">
+              <a:schemeClr val="accent1"/>
+            </a:lnRef>
+            <a:fillRef idx="0">
+              <a:schemeClr val="accent1"/>
+            </a:fillRef>
+            <a:effectRef idx="0">
+              <a:schemeClr val="accent1"/>
+            </a:effectRef>
+            <a:fontRef idx="minor">
+              <a:schemeClr val="tx1"/>
+            </a:fontRef>
+          </p:style>
+        </p:cxnSp>
+        <p:cxnSp>
+          <p:nvCxnSpPr>
+            <p:cNvPr id="108" name="直接箭头连接符 107">
+              <a:extLst>
+                <a:ext uri="{FF2B5EF4-FFF2-40B4-BE49-F238E27FC236}">
+                  <a16:creationId xmlns:a16="http://schemas.microsoft.com/office/drawing/2014/main" id="{0C82E779-279E-4DB3-966E-944A5A9F2FAF}"/>
+                </a:ext>
+              </a:extLst>
+            </p:cNvPr>
+            <p:cNvCxnSpPr/>
+            <p:nvPr/>
+          </p:nvCxnSpPr>
+          <p:spPr>
+            <a:xfrm>
+              <a:off x="1700758" y="1820127"/>
+              <a:ext cx="824943" cy="0"/>
+            </a:xfrm>
+            <a:prstGeom prst="straightConnector1">
+              <a:avLst/>
+            </a:prstGeom>
+            <a:ln w="28575">
+              <a:solidFill>
+                <a:srgbClr val="00B0F0"/>
+              </a:solidFill>
+              <a:tailEnd type="triangle"/>
+            </a:ln>
+          </p:spPr>
+          <p:style>
+            <a:lnRef idx="1">
+              <a:schemeClr val="accent1"/>
+            </a:lnRef>
+            <a:fillRef idx="0">
+              <a:schemeClr val="accent1"/>
+            </a:fillRef>
+            <a:effectRef idx="0">
+              <a:schemeClr val="accent1"/>
+            </a:effectRef>
+            <a:fontRef idx="minor">
+              <a:schemeClr val="tx1"/>
+            </a:fontRef>
+          </p:style>
+        </p:cxnSp>
+        <p:cxnSp>
+          <p:nvCxnSpPr>
+            <p:cNvPr id="109" name="直接箭头连接符 108">
+              <a:extLst>
+                <a:ext uri="{FF2B5EF4-FFF2-40B4-BE49-F238E27FC236}">
+                  <a16:creationId xmlns:a16="http://schemas.microsoft.com/office/drawing/2014/main" id="{E29B9863-7FBF-43AA-A30F-490508690242}"/>
+                </a:ext>
+              </a:extLst>
+            </p:cNvPr>
+            <p:cNvCxnSpPr/>
+            <p:nvPr/>
+          </p:nvCxnSpPr>
+          <p:spPr>
+            <a:xfrm>
+              <a:off x="1700758" y="2101947"/>
+              <a:ext cx="824943" cy="0"/>
+            </a:xfrm>
+            <a:prstGeom prst="straightConnector1">
+              <a:avLst/>
+            </a:prstGeom>
+            <a:ln w="28575">
+              <a:solidFill>
+                <a:srgbClr val="00B0F0"/>
+              </a:solidFill>
+              <a:tailEnd type="triangle"/>
+            </a:ln>
+          </p:spPr>
+          <p:style>
+            <a:lnRef idx="1">
+              <a:schemeClr val="accent1"/>
+            </a:lnRef>
+            <a:fillRef idx="0">
+              <a:schemeClr val="accent1"/>
+            </a:fillRef>
+            <a:effectRef idx="0">
+              <a:schemeClr val="accent1"/>
+            </a:effectRef>
+            <a:fontRef idx="minor">
+              <a:schemeClr val="tx1"/>
+            </a:fontRef>
+          </p:style>
+        </p:cxnSp>
+        <p:cxnSp>
+          <p:nvCxnSpPr>
+            <p:cNvPr id="110" name="直接箭头连接符 109">
+              <a:extLst>
+                <a:ext uri="{FF2B5EF4-FFF2-40B4-BE49-F238E27FC236}">
+                  <a16:creationId xmlns:a16="http://schemas.microsoft.com/office/drawing/2014/main" id="{E6E62A81-0736-4AF2-8B64-F3B2978FFB91}"/>
+                </a:ext>
+              </a:extLst>
+            </p:cNvPr>
+            <p:cNvCxnSpPr/>
+            <p:nvPr/>
+          </p:nvCxnSpPr>
+          <p:spPr>
+            <a:xfrm>
+              <a:off x="1700757" y="2410677"/>
+              <a:ext cx="824943" cy="0"/>
+            </a:xfrm>
+            <a:prstGeom prst="straightConnector1">
+              <a:avLst/>
+            </a:prstGeom>
+            <a:ln w="28575">
+              <a:solidFill>
+                <a:srgbClr val="00B0F0"/>
+              </a:solidFill>
+              <a:tailEnd type="triangle"/>
+            </a:ln>
+          </p:spPr>
+          <p:style>
+            <a:lnRef idx="1">
+              <a:schemeClr val="accent1"/>
+            </a:lnRef>
+            <a:fillRef idx="0">
+              <a:schemeClr val="accent1"/>
+            </a:fillRef>
+            <a:effectRef idx="0">
+              <a:schemeClr val="accent1"/>
+            </a:effectRef>
+            <a:fontRef idx="minor">
+              <a:schemeClr val="tx1"/>
+            </a:fontRef>
+          </p:style>
+        </p:cxnSp>
+        <p:cxnSp>
+          <p:nvCxnSpPr>
+            <p:cNvPr id="111" name="直接箭头连接符 110">
+              <a:extLst>
+                <a:ext uri="{FF2B5EF4-FFF2-40B4-BE49-F238E27FC236}">
+                  <a16:creationId xmlns:a16="http://schemas.microsoft.com/office/drawing/2014/main" id="{A95C7A39-A8F7-495A-962E-6BA051694E37}"/>
+                </a:ext>
+              </a:extLst>
+            </p:cNvPr>
+            <p:cNvCxnSpPr/>
+            <p:nvPr/>
+          </p:nvCxnSpPr>
+          <p:spPr>
+            <a:xfrm>
+              <a:off x="1692219" y="3357124"/>
+              <a:ext cx="824943" cy="0"/>
+            </a:xfrm>
+            <a:prstGeom prst="straightConnector1">
+              <a:avLst/>
+            </a:prstGeom>
+            <a:ln w="28575">
+              <a:solidFill>
+                <a:srgbClr val="00B0F0"/>
+              </a:solidFill>
+              <a:tailEnd type="triangle"/>
+            </a:ln>
+          </p:spPr>
+          <p:style>
+            <a:lnRef idx="1">
+              <a:schemeClr val="accent1"/>
+            </a:lnRef>
+            <a:fillRef idx="0">
+              <a:schemeClr val="accent1"/>
+            </a:fillRef>
+            <a:effectRef idx="0">
+              <a:schemeClr val="accent1"/>
+            </a:effectRef>
+            <a:fontRef idx="minor">
+              <a:schemeClr val="tx1"/>
+            </a:fontRef>
+          </p:style>
+        </p:cxnSp>
+        <p:cxnSp>
+          <p:nvCxnSpPr>
+            <p:cNvPr id="112" name="直接箭头连接符 111">
+              <a:extLst>
+                <a:ext uri="{FF2B5EF4-FFF2-40B4-BE49-F238E27FC236}">
+                  <a16:creationId xmlns:a16="http://schemas.microsoft.com/office/drawing/2014/main" id="{6452F57B-FDB0-42D5-AE43-7A1B25ADF59E}"/>
+                </a:ext>
+              </a:extLst>
+            </p:cNvPr>
+            <p:cNvCxnSpPr/>
+            <p:nvPr/>
+          </p:nvCxnSpPr>
+          <p:spPr>
+            <a:xfrm>
+              <a:off x="1692218" y="3665854"/>
+              <a:ext cx="824943" cy="0"/>
+            </a:xfrm>
+            <a:prstGeom prst="straightConnector1">
+              <a:avLst/>
+            </a:prstGeom>
+            <a:ln w="28575">
+              <a:solidFill>
+                <a:srgbClr val="00B0F0"/>
+              </a:solidFill>
+              <a:tailEnd type="triangle"/>
+            </a:ln>
+          </p:spPr>
+          <p:style>
+            <a:lnRef idx="1">
+              <a:schemeClr val="accent1"/>
+            </a:lnRef>
+            <a:fillRef idx="0">
+              <a:schemeClr val="accent1"/>
+            </a:fillRef>
+            <a:effectRef idx="0">
+              <a:schemeClr val="accent1"/>
+            </a:effectRef>
+            <a:fontRef idx="minor">
+              <a:schemeClr val="tx1"/>
+            </a:fontRef>
+          </p:style>
+        </p:cxnSp>
+        <p:cxnSp>
+          <p:nvCxnSpPr>
+            <p:cNvPr id="113" name="直接箭头连接符 112">
+              <a:extLst>
+                <a:ext uri="{FF2B5EF4-FFF2-40B4-BE49-F238E27FC236}">
+                  <a16:creationId xmlns:a16="http://schemas.microsoft.com/office/drawing/2014/main" id="{0B2B6436-766E-4F4B-AD09-F67E4D6DA013}"/>
+                </a:ext>
+              </a:extLst>
+            </p:cNvPr>
+            <p:cNvCxnSpPr/>
+            <p:nvPr/>
+          </p:nvCxnSpPr>
+          <p:spPr>
+            <a:xfrm>
+              <a:off x="1682695" y="4005020"/>
+              <a:ext cx="824943" cy="0"/>
+            </a:xfrm>
+            <a:prstGeom prst="straightConnector1">
+              <a:avLst/>
+            </a:prstGeom>
+            <a:ln w="28575">
+              <a:solidFill>
+                <a:srgbClr val="00B0F0"/>
+              </a:solidFill>
+              <a:tailEnd type="triangle"/>
+            </a:ln>
+          </p:spPr>
+          <p:style>
+            <a:lnRef idx="1">
+              <a:schemeClr val="accent1"/>
+            </a:lnRef>
+            <a:fillRef idx="0">
+              <a:schemeClr val="accent1"/>
+            </a:fillRef>
+            <a:effectRef idx="0">
+              <a:schemeClr val="accent1"/>
+            </a:effectRef>
+            <a:fontRef idx="minor">
+              <a:schemeClr val="tx1"/>
+            </a:fontRef>
+          </p:style>
+        </p:cxnSp>
+        <p:cxnSp>
+          <p:nvCxnSpPr>
+            <p:cNvPr id="114" name="直接箭头连接符 113">
+              <a:extLst>
+                <a:ext uri="{FF2B5EF4-FFF2-40B4-BE49-F238E27FC236}">
+                  <a16:creationId xmlns:a16="http://schemas.microsoft.com/office/drawing/2014/main" id="{C978F81B-52BF-424B-8AC5-7EB704D825F4}"/>
+                </a:ext>
+              </a:extLst>
+            </p:cNvPr>
+            <p:cNvCxnSpPr/>
+            <p:nvPr/>
+          </p:nvCxnSpPr>
+          <p:spPr>
+            <a:xfrm>
+              <a:off x="1682694" y="4313750"/>
+              <a:ext cx="824943" cy="0"/>
+            </a:xfrm>
+            <a:prstGeom prst="straightConnector1">
+              <a:avLst/>
+            </a:prstGeom>
+            <a:ln w="28575">
+              <a:solidFill>
+                <a:srgbClr val="00B0F0"/>
+              </a:solidFill>
+              <a:tailEnd type="triangle"/>
+            </a:ln>
+          </p:spPr>
+          <p:style>
+            <a:lnRef idx="1">
+              <a:schemeClr val="accent1"/>
+            </a:lnRef>
+            <a:fillRef idx="0">
+              <a:schemeClr val="accent1"/>
+            </a:fillRef>
+            <a:effectRef idx="0">
+              <a:schemeClr val="accent1"/>
+            </a:effectRef>
+            <a:fontRef idx="minor">
+              <a:schemeClr val="tx1"/>
+            </a:fontRef>
+          </p:style>
+        </p:cxnSp>
+        <mc:AlternateContent xmlns:mc="http://schemas.openxmlformats.org/markup-compatibility/2006">
+          <mc:Choice xmlns:a14="http://schemas.microsoft.com/office/drawing/2010/main" Requires="a14">
+            <p:sp>
+              <p:nvSpPr>
+                <p:cNvPr id="115" name="文本框 114">
+                  <a:extLst>
+                    <a:ext uri="{FF2B5EF4-FFF2-40B4-BE49-F238E27FC236}">
+                      <a16:creationId xmlns:a16="http://schemas.microsoft.com/office/drawing/2014/main" id="{58B2A76E-7D59-4578-86A4-7768EA02E96D}"/>
+                    </a:ext>
+                  </a:extLst>
+                </p:cNvPr>
+                <p:cNvSpPr txBox="1"/>
+                <p:nvPr/>
+              </p:nvSpPr>
+              <p:spPr>
+                <a:xfrm>
+                  <a:off x="1687942" y="3109880"/>
+                  <a:ext cx="1283300" cy="369332"/>
+                </a:xfrm>
+                <a:prstGeom prst="rect">
+                  <a:avLst/>
+                </a:prstGeom>
+                <a:solidFill>
+                  <a:schemeClr val="bg1"/>
+                </a:solidFill>
+              </p:spPr>
+              <p:txBody>
+                <a:bodyPr wrap="none" lIns="0" tIns="0" rIns="0" bIns="0" rtlCol="0">
+                  <a:spAutoFit/>
+                </a:bodyPr>
+                <a:lstStyle/>
+                <a:p>
+                  <a:pPr/>
+                  <a14:m>
+                    <m:oMathPara xmlns:m="http://schemas.openxmlformats.org/officeDocument/2006/math">
+                      <m:oMathParaPr>
+                        <m:jc m:val="centerGroup"/>
+                      </m:oMathParaPr>
+                      <m:oMath xmlns:m="http://schemas.openxmlformats.org/officeDocument/2006/math">
+                        <m:acc>
+                          <m:accPr>
+                            <m:chr m:val="⃗"/>
+                            <m:ctrlPr>
+                              <a:rPr lang="zh-CN" altLang="en-US" sz="2400" i="1" smtClean="0">
+                                <a:latin typeface="Cambria Math" panose="02040503050406030204" pitchFamily="18" charset="0"/>
+                              </a:rPr>
+                            </m:ctrlPr>
+                          </m:accPr>
+                          <m:e>
+                            <m:r>
+                              <a:rPr lang="en-US" altLang="zh-CN" sz="2400" b="0" i="1" smtClean="0">
+                                <a:latin typeface="Cambria Math" panose="02040503050406030204" pitchFamily="18" charset="0"/>
+                              </a:rPr>
+                              <m:t>𝑢</m:t>
+                            </m:r>
+                          </m:e>
+                        </m:acc>
+                        <m:r>
+                          <a:rPr lang="en-US" altLang="zh-CN" sz="2400" b="0" i="1" smtClean="0">
+                            <a:latin typeface="Cambria Math" panose="02040503050406030204" pitchFamily="18" charset="0"/>
+                          </a:rPr>
+                          <m:t>=</m:t>
+                        </m:r>
+                        <m:sSub>
+                          <m:sSubPr>
+                            <m:ctrlPr>
+                              <a:rPr lang="en-US" altLang="zh-CN" sz="2400" i="1" smtClean="0">
+                                <a:latin typeface="Cambria Math" panose="02040503050406030204" pitchFamily="18" charset="0"/>
+                              </a:rPr>
+                            </m:ctrlPr>
+                          </m:sSubPr>
+                          <m:e>
+                            <m:r>
+                              <a:rPr lang="en-US" altLang="zh-CN" sz="2400" b="0" i="1" smtClean="0">
+                                <a:latin typeface="Cambria Math" panose="02040503050406030204" pitchFamily="18" charset="0"/>
+                              </a:rPr>
+                              <m:t>𝑢</m:t>
+                            </m:r>
+                          </m:e>
+                          <m:sub>
+                            <m:r>
+                              <a:rPr lang="en-US" altLang="zh-CN" sz="2400" b="0" i="1" smtClean="0">
+                                <a:latin typeface="Cambria Math" panose="02040503050406030204" pitchFamily="18" charset="0"/>
+                              </a:rPr>
+                              <m:t>0</m:t>
+                            </m:r>
+                          </m:sub>
+                        </m:sSub>
+                        <m:acc>
+                          <m:accPr>
+                            <m:chr m:val="⃗"/>
+                            <m:ctrlPr>
+                              <a:rPr lang="zh-CN" altLang="en-US" sz="2400" i="1" smtClean="0">
+                                <a:latin typeface="Cambria Math" panose="02040503050406030204" pitchFamily="18" charset="0"/>
+                              </a:rPr>
+                            </m:ctrlPr>
+                          </m:accPr>
+                          <m:e>
+                            <m:sSub>
+                              <m:sSubPr>
+                                <m:ctrlPr>
+                                  <a:rPr lang="en-US" altLang="zh-CN" sz="2400" i="1" smtClean="0">
+                                    <a:latin typeface="Cambria Math" panose="02040503050406030204" pitchFamily="18" charset="0"/>
+                                  </a:rPr>
+                                </m:ctrlPr>
+                              </m:sSubPr>
+                              <m:e>
+                                <m:r>
+                                  <a:rPr lang="en-US" altLang="zh-CN" sz="2400" b="0" i="1" smtClean="0">
+                                    <a:latin typeface="Cambria Math" panose="02040503050406030204" pitchFamily="18" charset="0"/>
+                                  </a:rPr>
+                                  <m:t>𝑒</m:t>
+                                </m:r>
+                              </m:e>
+                              <m:sub>
+                                <m:r>
+                                  <a:rPr lang="en-US" altLang="zh-CN" sz="2400" b="0" i="1" smtClean="0">
+                                    <a:latin typeface="Cambria Math" panose="02040503050406030204" pitchFamily="18" charset="0"/>
+                                  </a:rPr>
+                                  <m:t>𝑥</m:t>
+                                </m:r>
+                              </m:sub>
+                            </m:sSub>
+                          </m:e>
+                        </m:acc>
+                      </m:oMath>
+                    </m:oMathPara>
+                  </a14:m>
+                  <a:endParaRPr lang="zh-CN" altLang="en-US" sz="2400" dirty="0"/>
+                </a:p>
+              </p:txBody>
+            </p:sp>
+          </mc:Choice>
+          <mc:Fallback>
+            <p:sp>
+              <p:nvSpPr>
+                <p:cNvPr id="115" name="文本框 114">
+                  <a:extLst>
+                    <a:ext uri="{FF2B5EF4-FFF2-40B4-BE49-F238E27FC236}">
+                      <a16:creationId xmlns:a16="http://schemas.microsoft.com/office/drawing/2014/main" id="{58B2A76E-7D59-4578-86A4-7768EA02E96D}"/>
+                    </a:ext>
+                  </a:extLst>
+                </p:cNvPr>
+                <p:cNvSpPr txBox="1">
+                  <a:spLocks noRot="1" noChangeAspect="1" noMove="1" noResize="1" noEditPoints="1" noAdjustHandles="1" noChangeArrowheads="1" noChangeShapeType="1" noTextEdit="1"/>
+                </p:cNvSpPr>
+                <p:nvPr/>
+              </p:nvSpPr>
+              <p:spPr>
+                <a:xfrm>
+                  <a:off x="1687942" y="3109880"/>
+                  <a:ext cx="1283300" cy="369332"/>
+                </a:xfrm>
+                <a:prstGeom prst="rect">
+                  <a:avLst/>
+                </a:prstGeom>
+                <a:blipFill>
+                  <a:blip r:embed="rId11"/>
+                  <a:stretch>
+                    <a:fillRect l="-2381" b="-13115"/>
+                  </a:stretch>
+                </a:blipFill>
+              </p:spPr>
+              <p:txBody>
+                <a:bodyPr/>
+                <a:lstStyle/>
+                <a:p>
+                  <a:r>
+                    <a:rPr lang="zh-CN" altLang="en-US">
+                      <a:noFill/>
+                    </a:rPr>
+                    <a:t> </a:t>
+                  </a:r>
+                </a:p>
+              </p:txBody>
+            </p:sp>
+          </mc:Fallback>
+        </mc:AlternateContent>
+        <p:cxnSp>
+          <p:nvCxnSpPr>
+            <p:cNvPr id="116" name="直接箭头连接符 115">
+              <a:extLst>
+                <a:ext uri="{FF2B5EF4-FFF2-40B4-BE49-F238E27FC236}">
+                  <a16:creationId xmlns:a16="http://schemas.microsoft.com/office/drawing/2014/main" id="{2BB87F07-F7FF-4EC0-AC3B-1B258BEB6B21}"/>
+                </a:ext>
+              </a:extLst>
+            </p:cNvPr>
+            <p:cNvCxnSpPr/>
+            <p:nvPr/>
+          </p:nvCxnSpPr>
+          <p:spPr>
+            <a:xfrm>
+              <a:off x="10480024" y="1511397"/>
+              <a:ext cx="824943" cy="0"/>
+            </a:xfrm>
+            <a:prstGeom prst="straightConnector1">
+              <a:avLst/>
+            </a:prstGeom>
+            <a:ln w="28575">
+              <a:solidFill>
+                <a:srgbClr val="00B0F0"/>
+              </a:solidFill>
+              <a:tailEnd type="triangle"/>
+            </a:ln>
+          </p:spPr>
+          <p:style>
+            <a:lnRef idx="1">
+              <a:schemeClr val="accent1"/>
+            </a:lnRef>
+            <a:fillRef idx="0">
+              <a:schemeClr val="accent1"/>
+            </a:fillRef>
+            <a:effectRef idx="0">
+              <a:schemeClr val="accent1"/>
+            </a:effectRef>
+            <a:fontRef idx="minor">
+              <a:schemeClr val="tx1"/>
+            </a:fontRef>
+          </p:style>
+        </p:cxnSp>
+        <p:cxnSp>
+          <p:nvCxnSpPr>
+            <p:cNvPr id="117" name="直接箭头连接符 116">
+              <a:extLst>
+                <a:ext uri="{FF2B5EF4-FFF2-40B4-BE49-F238E27FC236}">
+                  <a16:creationId xmlns:a16="http://schemas.microsoft.com/office/drawing/2014/main" id="{29F66DB7-F4B3-4DFA-9180-A33D512DAC92}"/>
+                </a:ext>
+              </a:extLst>
+            </p:cNvPr>
+            <p:cNvCxnSpPr/>
+            <p:nvPr/>
+          </p:nvCxnSpPr>
+          <p:spPr>
+            <a:xfrm>
+              <a:off x="10480023" y="1820127"/>
+              <a:ext cx="824943" cy="0"/>
+            </a:xfrm>
+            <a:prstGeom prst="straightConnector1">
+              <a:avLst/>
+            </a:prstGeom>
+            <a:ln w="28575">
+              <a:solidFill>
+                <a:srgbClr val="00B0F0"/>
+              </a:solidFill>
+              <a:tailEnd type="triangle"/>
+            </a:ln>
+          </p:spPr>
+          <p:style>
+            <a:lnRef idx="1">
+              <a:schemeClr val="accent1"/>
+            </a:lnRef>
+            <a:fillRef idx="0">
+              <a:schemeClr val="accent1"/>
+            </a:fillRef>
+            <a:effectRef idx="0">
+              <a:schemeClr val="accent1"/>
+            </a:effectRef>
+            <a:fontRef idx="minor">
+              <a:schemeClr val="tx1"/>
+            </a:fontRef>
+          </p:style>
+        </p:cxnSp>
+        <p:cxnSp>
+          <p:nvCxnSpPr>
+            <p:cNvPr id="118" name="直接箭头连接符 117">
+              <a:extLst>
+                <a:ext uri="{FF2B5EF4-FFF2-40B4-BE49-F238E27FC236}">
+                  <a16:creationId xmlns:a16="http://schemas.microsoft.com/office/drawing/2014/main" id="{EF13C167-6640-4817-938B-06D46A1A7275}"/>
+                </a:ext>
+              </a:extLst>
+            </p:cNvPr>
+            <p:cNvCxnSpPr/>
+            <p:nvPr/>
+          </p:nvCxnSpPr>
+          <p:spPr>
+            <a:xfrm>
+              <a:off x="10480023" y="2101947"/>
+              <a:ext cx="824943" cy="0"/>
+            </a:xfrm>
+            <a:prstGeom prst="straightConnector1">
+              <a:avLst/>
+            </a:prstGeom>
+            <a:ln w="28575">
+              <a:solidFill>
+                <a:srgbClr val="00B0F0"/>
+              </a:solidFill>
+              <a:tailEnd type="triangle"/>
+            </a:ln>
+          </p:spPr>
+          <p:style>
+            <a:lnRef idx="1">
+              <a:schemeClr val="accent1"/>
+            </a:lnRef>
+            <a:fillRef idx="0">
+              <a:schemeClr val="accent1"/>
+            </a:fillRef>
+            <a:effectRef idx="0">
+              <a:schemeClr val="accent1"/>
+            </a:effectRef>
+            <a:fontRef idx="minor">
+              <a:schemeClr val="tx1"/>
+            </a:fontRef>
+          </p:style>
+        </p:cxnSp>
+        <p:cxnSp>
+          <p:nvCxnSpPr>
+            <p:cNvPr id="119" name="直接箭头连接符 118">
+              <a:extLst>
+                <a:ext uri="{FF2B5EF4-FFF2-40B4-BE49-F238E27FC236}">
+                  <a16:creationId xmlns:a16="http://schemas.microsoft.com/office/drawing/2014/main" id="{E095A15B-BCBA-4BFF-B259-7C1CD3543AEF}"/>
+                </a:ext>
+              </a:extLst>
+            </p:cNvPr>
+            <p:cNvCxnSpPr/>
+            <p:nvPr/>
+          </p:nvCxnSpPr>
+          <p:spPr>
+            <a:xfrm>
+              <a:off x="10480022" y="2410677"/>
+              <a:ext cx="824943" cy="0"/>
+            </a:xfrm>
+            <a:prstGeom prst="straightConnector1">
+              <a:avLst/>
+            </a:prstGeom>
+            <a:ln w="28575">
+              <a:solidFill>
+                <a:srgbClr val="00B0F0"/>
+              </a:solidFill>
+              <a:tailEnd type="triangle"/>
+            </a:ln>
+          </p:spPr>
+          <p:style>
+            <a:lnRef idx="1">
+              <a:schemeClr val="accent1"/>
+            </a:lnRef>
+            <a:fillRef idx="0">
+              <a:schemeClr val="accent1"/>
+            </a:fillRef>
+            <a:effectRef idx="0">
+              <a:schemeClr val="accent1"/>
+            </a:effectRef>
+            <a:fontRef idx="minor">
+              <a:schemeClr val="tx1"/>
+            </a:fontRef>
+          </p:style>
+        </p:cxnSp>
+        <p:cxnSp>
+          <p:nvCxnSpPr>
+            <p:cNvPr id="120" name="直接箭头连接符 119">
+              <a:extLst>
+                <a:ext uri="{FF2B5EF4-FFF2-40B4-BE49-F238E27FC236}">
+                  <a16:creationId xmlns:a16="http://schemas.microsoft.com/office/drawing/2014/main" id="{106B9BC7-8FC0-4E7E-851F-8A1352A92729}"/>
+                </a:ext>
+              </a:extLst>
+            </p:cNvPr>
+            <p:cNvCxnSpPr/>
+            <p:nvPr/>
+          </p:nvCxnSpPr>
+          <p:spPr>
+            <a:xfrm>
+              <a:off x="10471484" y="3357124"/>
+              <a:ext cx="824943" cy="0"/>
+            </a:xfrm>
+            <a:prstGeom prst="straightConnector1">
+              <a:avLst/>
+            </a:prstGeom>
+            <a:ln w="28575">
+              <a:solidFill>
+                <a:srgbClr val="00B0F0"/>
+              </a:solidFill>
+              <a:tailEnd type="triangle"/>
+            </a:ln>
+          </p:spPr>
+          <p:style>
+            <a:lnRef idx="1">
+              <a:schemeClr val="accent1"/>
+            </a:lnRef>
+            <a:fillRef idx="0">
+              <a:schemeClr val="accent1"/>
+            </a:fillRef>
+            <a:effectRef idx="0">
+              <a:schemeClr val="accent1"/>
+            </a:effectRef>
+            <a:fontRef idx="minor">
+              <a:schemeClr val="tx1"/>
+            </a:fontRef>
+          </p:style>
+        </p:cxnSp>
+        <p:cxnSp>
+          <p:nvCxnSpPr>
+            <p:cNvPr id="121" name="直接箭头连接符 120">
+              <a:extLst>
+                <a:ext uri="{FF2B5EF4-FFF2-40B4-BE49-F238E27FC236}">
+                  <a16:creationId xmlns:a16="http://schemas.microsoft.com/office/drawing/2014/main" id="{09C96B10-BC23-4165-A776-988ECB469B59}"/>
+                </a:ext>
+              </a:extLst>
+            </p:cNvPr>
+            <p:cNvCxnSpPr/>
+            <p:nvPr/>
+          </p:nvCxnSpPr>
+          <p:spPr>
+            <a:xfrm>
+              <a:off x="10471483" y="3665854"/>
+              <a:ext cx="824943" cy="0"/>
+            </a:xfrm>
+            <a:prstGeom prst="straightConnector1">
+              <a:avLst/>
+            </a:prstGeom>
+            <a:ln w="28575">
+              <a:solidFill>
+                <a:srgbClr val="00B0F0"/>
+              </a:solidFill>
+              <a:tailEnd type="triangle"/>
+            </a:ln>
+          </p:spPr>
+          <p:style>
+            <a:lnRef idx="1">
+              <a:schemeClr val="accent1"/>
+            </a:lnRef>
+            <a:fillRef idx="0">
+              <a:schemeClr val="accent1"/>
+            </a:fillRef>
+            <a:effectRef idx="0">
+              <a:schemeClr val="accent1"/>
+            </a:effectRef>
+            <a:fontRef idx="minor">
+              <a:schemeClr val="tx1"/>
+            </a:fontRef>
+          </p:style>
+        </p:cxnSp>
+        <p:cxnSp>
+          <p:nvCxnSpPr>
+            <p:cNvPr id="122" name="直接箭头连接符 121">
+              <a:extLst>
+                <a:ext uri="{FF2B5EF4-FFF2-40B4-BE49-F238E27FC236}">
+                  <a16:creationId xmlns:a16="http://schemas.microsoft.com/office/drawing/2014/main" id="{1B758B0B-2D78-457E-991E-0415110264A7}"/>
+                </a:ext>
+              </a:extLst>
+            </p:cNvPr>
+            <p:cNvCxnSpPr/>
+            <p:nvPr/>
+          </p:nvCxnSpPr>
+          <p:spPr>
+            <a:xfrm>
+              <a:off x="10461960" y="4005020"/>
+              <a:ext cx="824943" cy="0"/>
+            </a:xfrm>
+            <a:prstGeom prst="straightConnector1">
+              <a:avLst/>
+            </a:prstGeom>
+            <a:ln w="28575">
+              <a:solidFill>
+                <a:srgbClr val="00B0F0"/>
+              </a:solidFill>
+              <a:tailEnd type="triangle"/>
+            </a:ln>
+          </p:spPr>
+          <p:style>
+            <a:lnRef idx="1">
+              <a:schemeClr val="accent1"/>
+            </a:lnRef>
+            <a:fillRef idx="0">
+              <a:schemeClr val="accent1"/>
+            </a:fillRef>
+            <a:effectRef idx="0">
+              <a:schemeClr val="accent1"/>
+            </a:effectRef>
+            <a:fontRef idx="minor">
+              <a:schemeClr val="tx1"/>
+            </a:fontRef>
+          </p:style>
+        </p:cxnSp>
+        <p:cxnSp>
+          <p:nvCxnSpPr>
+            <p:cNvPr id="123" name="直接箭头连接符 122">
+              <a:extLst>
+                <a:ext uri="{FF2B5EF4-FFF2-40B4-BE49-F238E27FC236}">
+                  <a16:creationId xmlns:a16="http://schemas.microsoft.com/office/drawing/2014/main" id="{D46055EF-1CC6-4C7B-BC2D-3B3FA3809B16}"/>
+                </a:ext>
+              </a:extLst>
+            </p:cNvPr>
+            <p:cNvCxnSpPr/>
+            <p:nvPr/>
+          </p:nvCxnSpPr>
+          <p:spPr>
+            <a:xfrm>
+              <a:off x="10461959" y="4313750"/>
+              <a:ext cx="824943" cy="0"/>
+            </a:xfrm>
+            <a:prstGeom prst="straightConnector1">
+              <a:avLst/>
+            </a:prstGeom>
+            <a:ln w="28575">
+              <a:solidFill>
+                <a:srgbClr val="00B0F0"/>
+              </a:solidFill>
+              <a:tailEnd type="triangle"/>
+            </a:ln>
+          </p:spPr>
+          <p:style>
+            <a:lnRef idx="1">
+              <a:schemeClr val="accent1"/>
+            </a:lnRef>
+            <a:fillRef idx="0">
+              <a:schemeClr val="accent1"/>
+            </a:fillRef>
+            <a:effectRef idx="0">
+              <a:schemeClr val="accent1"/>
+            </a:effectRef>
+            <a:fontRef idx="minor">
+              <a:schemeClr val="tx1"/>
+            </a:fontRef>
+          </p:style>
+        </p:cxnSp>
+        <mc:AlternateContent xmlns:mc="http://schemas.openxmlformats.org/markup-compatibility/2006">
+          <mc:Choice xmlns:a14="http://schemas.microsoft.com/office/drawing/2010/main" Requires="a14">
+            <p:sp>
+              <p:nvSpPr>
+                <p:cNvPr id="124" name="文本框 123">
+                  <a:extLst>
+                    <a:ext uri="{FF2B5EF4-FFF2-40B4-BE49-F238E27FC236}">
+                      <a16:creationId xmlns:a16="http://schemas.microsoft.com/office/drawing/2014/main" id="{5BDA6DFF-A429-4B50-849E-D194404A0A23}"/>
+                    </a:ext>
+                  </a:extLst>
+                </p:cNvPr>
+                <p:cNvSpPr txBox="1"/>
+                <p:nvPr/>
+              </p:nvSpPr>
+              <p:spPr>
+                <a:xfrm>
+                  <a:off x="10021665" y="2680160"/>
+                  <a:ext cx="1283300" cy="369332"/>
+                </a:xfrm>
+                <a:prstGeom prst="rect">
+                  <a:avLst/>
+                </a:prstGeom>
+                <a:solidFill>
+                  <a:schemeClr val="bg1"/>
+                </a:solidFill>
+              </p:spPr>
+              <p:txBody>
+                <a:bodyPr wrap="none" lIns="0" tIns="0" rIns="0" bIns="0" rtlCol="0">
+                  <a:spAutoFit/>
+                </a:bodyPr>
+                <a:lstStyle/>
+                <a:p>
+                  <a:pPr/>
+                  <a14:m>
+                    <m:oMathPara xmlns:m="http://schemas.openxmlformats.org/officeDocument/2006/math">
+                      <m:oMathParaPr>
+                        <m:jc m:val="centerGroup"/>
+                      </m:oMathParaPr>
+                      <m:oMath xmlns:m="http://schemas.openxmlformats.org/officeDocument/2006/math">
+                        <m:acc>
+                          <m:accPr>
+                            <m:chr m:val="⃗"/>
+                            <m:ctrlPr>
+                              <a:rPr lang="zh-CN" altLang="en-US" sz="2400" i="1" smtClean="0">
+                                <a:latin typeface="Cambria Math" panose="02040503050406030204" pitchFamily="18" charset="0"/>
+                              </a:rPr>
+                            </m:ctrlPr>
+                          </m:accPr>
+                          <m:e>
+                            <m:r>
+                              <a:rPr lang="en-US" altLang="zh-CN" sz="2400" b="0" i="1" smtClean="0">
+                                <a:latin typeface="Cambria Math" panose="02040503050406030204" pitchFamily="18" charset="0"/>
+                              </a:rPr>
+                              <m:t>𝑢</m:t>
+                            </m:r>
+                          </m:e>
+                        </m:acc>
+                        <m:r>
+                          <a:rPr lang="en-US" altLang="zh-CN" sz="2400" b="0" i="1" smtClean="0">
+                            <a:latin typeface="Cambria Math" panose="02040503050406030204" pitchFamily="18" charset="0"/>
+                          </a:rPr>
+                          <m:t>=</m:t>
+                        </m:r>
+                        <m:sSub>
+                          <m:sSubPr>
+                            <m:ctrlPr>
+                              <a:rPr lang="en-US" altLang="zh-CN" sz="2400" i="1" smtClean="0">
+                                <a:latin typeface="Cambria Math" panose="02040503050406030204" pitchFamily="18" charset="0"/>
+                              </a:rPr>
+                            </m:ctrlPr>
+                          </m:sSubPr>
+                          <m:e>
+                            <m:r>
+                              <a:rPr lang="en-US" altLang="zh-CN" sz="2400" b="0" i="1" smtClean="0">
+                                <a:latin typeface="Cambria Math" panose="02040503050406030204" pitchFamily="18" charset="0"/>
+                              </a:rPr>
+                              <m:t>𝑢</m:t>
+                            </m:r>
+                          </m:e>
+                          <m:sub>
+                            <m:r>
+                              <a:rPr lang="en-US" altLang="zh-CN" sz="2400" b="0" i="1" smtClean="0">
+                                <a:latin typeface="Cambria Math" panose="02040503050406030204" pitchFamily="18" charset="0"/>
+                              </a:rPr>
+                              <m:t>0</m:t>
+                            </m:r>
+                          </m:sub>
+                        </m:sSub>
+                        <m:acc>
+                          <m:accPr>
+                            <m:chr m:val="⃗"/>
+                            <m:ctrlPr>
+                              <a:rPr lang="zh-CN" altLang="en-US" sz="2400" i="1" smtClean="0">
+                                <a:latin typeface="Cambria Math" panose="02040503050406030204" pitchFamily="18" charset="0"/>
+                              </a:rPr>
+                            </m:ctrlPr>
+                          </m:accPr>
+                          <m:e>
+                            <m:sSub>
+                              <m:sSubPr>
+                                <m:ctrlPr>
+                                  <a:rPr lang="en-US" altLang="zh-CN" sz="2400" i="1" smtClean="0">
+                                    <a:latin typeface="Cambria Math" panose="02040503050406030204" pitchFamily="18" charset="0"/>
+                                  </a:rPr>
+                                </m:ctrlPr>
+                              </m:sSubPr>
+                              <m:e>
+                                <m:r>
+                                  <a:rPr lang="en-US" altLang="zh-CN" sz="2400" b="0" i="1" smtClean="0">
+                                    <a:latin typeface="Cambria Math" panose="02040503050406030204" pitchFamily="18" charset="0"/>
+                                  </a:rPr>
+                                  <m:t>𝑒</m:t>
+                                </m:r>
+                              </m:e>
+                              <m:sub>
+                                <m:r>
+                                  <a:rPr lang="en-US" altLang="zh-CN" sz="2400" b="0" i="1" smtClean="0">
+                                    <a:latin typeface="Cambria Math" panose="02040503050406030204" pitchFamily="18" charset="0"/>
+                                  </a:rPr>
+                                  <m:t>𝑥</m:t>
+                                </m:r>
+                              </m:sub>
+                            </m:sSub>
+                          </m:e>
+                        </m:acc>
+                      </m:oMath>
+                    </m:oMathPara>
+                  </a14:m>
+                  <a:endParaRPr lang="zh-CN" altLang="en-US" sz="2400" dirty="0"/>
+                </a:p>
+              </p:txBody>
+            </p:sp>
+          </mc:Choice>
+          <mc:Fallback>
+            <p:sp>
+              <p:nvSpPr>
+                <p:cNvPr id="124" name="文本框 123">
+                  <a:extLst>
+                    <a:ext uri="{FF2B5EF4-FFF2-40B4-BE49-F238E27FC236}">
+                      <a16:creationId xmlns:a16="http://schemas.microsoft.com/office/drawing/2014/main" id="{5BDA6DFF-A429-4B50-849E-D194404A0A23}"/>
+                    </a:ext>
+                  </a:extLst>
+                </p:cNvPr>
+                <p:cNvSpPr txBox="1">
+                  <a:spLocks noRot="1" noChangeAspect="1" noMove="1" noResize="1" noEditPoints="1" noAdjustHandles="1" noChangeArrowheads="1" noChangeShapeType="1" noTextEdit="1"/>
+                </p:cNvSpPr>
+                <p:nvPr/>
+              </p:nvSpPr>
+              <p:spPr>
+                <a:xfrm>
+                  <a:off x="10021665" y="2680160"/>
+                  <a:ext cx="1283300" cy="369332"/>
+                </a:xfrm>
+                <a:prstGeom prst="rect">
+                  <a:avLst/>
+                </a:prstGeom>
+                <a:blipFill>
+                  <a:blip r:embed="rId12"/>
+                  <a:stretch>
+                    <a:fillRect l="-2381" b="-15000"/>
+                  </a:stretch>
+                </a:blipFill>
+              </p:spPr>
+              <p:txBody>
+                <a:bodyPr/>
+                <a:lstStyle/>
+                <a:p>
+                  <a:r>
+                    <a:rPr lang="zh-CN" altLang="en-US">
+                      <a:noFill/>
+                    </a:rPr>
+                    <a:t> </a:t>
+                  </a:r>
+                </a:p>
+              </p:txBody>
+            </p:sp>
+          </mc:Fallback>
+        </mc:AlternateContent>
+        <mc:AlternateContent xmlns:mc="http://schemas.openxmlformats.org/markup-compatibility/2006">
+          <mc:Choice xmlns:a14="http://schemas.microsoft.com/office/drawing/2010/main" Requires="a14">
+            <p:sp>
+              <p:nvSpPr>
+                <p:cNvPr id="125" name="文本框 124">
+                  <a:extLst>
+                    <a:ext uri="{FF2B5EF4-FFF2-40B4-BE49-F238E27FC236}">
+                      <a16:creationId xmlns:a16="http://schemas.microsoft.com/office/drawing/2014/main" id="{BC4266C9-1EF1-45CE-8DE6-1D47AA4FE632}"/>
+                    </a:ext>
+                  </a:extLst>
+                </p:cNvPr>
+                <p:cNvSpPr txBox="1"/>
+                <p:nvPr/>
+              </p:nvSpPr>
+              <p:spPr>
+                <a:xfrm>
+                  <a:off x="1653636" y="201706"/>
+                  <a:ext cx="261738" cy="369332"/>
+                </a:xfrm>
+                <a:prstGeom prst="rect">
+                  <a:avLst/>
+                </a:prstGeom>
+                <a:noFill/>
+              </p:spPr>
+              <p:txBody>
+                <a:bodyPr wrap="none" lIns="0" tIns="0" rIns="0" bIns="0" rtlCol="0">
+                  <a:spAutoFit/>
+                </a:bodyPr>
+                <a:lstStyle/>
+                <a:p>
+                  <a:pPr/>
+                  <a14:m>
+                    <m:oMathPara xmlns:m="http://schemas.openxmlformats.org/officeDocument/2006/math">
+                      <m:oMathParaPr>
+                        <m:jc m:val="centerGroup"/>
+                      </m:oMathParaPr>
+                      <m:oMath xmlns:m="http://schemas.openxmlformats.org/officeDocument/2006/math">
+                        <m:r>
+                          <a:rPr lang="en-US" altLang="zh-CN" sz="2400" b="0" i="1" smtClean="0">
+                            <a:latin typeface="Cambria Math" panose="02040503050406030204" pitchFamily="18" charset="0"/>
+                          </a:rPr>
+                          <m:t>𝑦</m:t>
+                        </m:r>
+                      </m:oMath>
+                    </m:oMathPara>
+                  </a14:m>
+                  <a:endParaRPr lang="zh-CN" altLang="en-US" sz="2400" dirty="0"/>
+                </a:p>
+              </p:txBody>
+            </p:sp>
+          </mc:Choice>
+          <mc:Fallback>
+            <p:sp>
+              <p:nvSpPr>
+                <p:cNvPr id="125" name="文本框 124">
+                  <a:extLst>
+                    <a:ext uri="{FF2B5EF4-FFF2-40B4-BE49-F238E27FC236}">
+                      <a16:creationId xmlns:a16="http://schemas.microsoft.com/office/drawing/2014/main" id="{BC4266C9-1EF1-45CE-8DE6-1D47AA4FE632}"/>
+                    </a:ext>
+                  </a:extLst>
+                </p:cNvPr>
+                <p:cNvSpPr txBox="1">
+                  <a:spLocks noRot="1" noChangeAspect="1" noMove="1" noResize="1" noEditPoints="1" noAdjustHandles="1" noChangeArrowheads="1" noChangeShapeType="1" noTextEdit="1"/>
+                </p:cNvSpPr>
+                <p:nvPr/>
+              </p:nvSpPr>
+              <p:spPr>
+                <a:xfrm>
+                  <a:off x="1653636" y="201706"/>
+                  <a:ext cx="261738" cy="369332"/>
+                </a:xfrm>
+                <a:prstGeom prst="rect">
+                  <a:avLst/>
+                </a:prstGeom>
+                <a:blipFill>
+                  <a:blip r:embed="rId13"/>
+                  <a:stretch>
+                    <a:fillRect l="-25581" r="-23256" b="-24590"/>
+                  </a:stretch>
+                </a:blipFill>
+              </p:spPr>
+              <p:txBody>
+                <a:bodyPr/>
+                <a:lstStyle/>
+                <a:p>
+                  <a:r>
+                    <a:rPr lang="zh-CN" altLang="en-US">
+                      <a:noFill/>
+                    </a:rPr>
+                    <a:t> </a:t>
+                  </a:r>
+                </a:p>
+              </p:txBody>
+            </p:sp>
+          </mc:Fallback>
+        </mc:AlternateContent>
+        <mc:AlternateContent xmlns:mc="http://schemas.openxmlformats.org/markup-compatibility/2006">
+          <mc:Choice xmlns:a14="http://schemas.microsoft.com/office/drawing/2010/main" Requires="a14">
+            <p:sp>
+              <p:nvSpPr>
+                <p:cNvPr id="126" name="文本框 125">
+                  <a:extLst>
+                    <a:ext uri="{FF2B5EF4-FFF2-40B4-BE49-F238E27FC236}">
+                      <a16:creationId xmlns:a16="http://schemas.microsoft.com/office/drawing/2014/main" id="{807B4FEB-B5AF-4A3D-8633-C2823DF76529}"/>
+                    </a:ext>
+                  </a:extLst>
+                </p:cNvPr>
+                <p:cNvSpPr txBox="1"/>
+                <p:nvPr/>
+              </p:nvSpPr>
+              <p:spPr>
+                <a:xfrm>
+                  <a:off x="11680704" y="4687306"/>
+                  <a:ext cx="257763" cy="369332"/>
+                </a:xfrm>
+                <a:prstGeom prst="rect">
+                  <a:avLst/>
+                </a:prstGeom>
+                <a:noFill/>
+              </p:spPr>
+              <p:txBody>
+                <a:bodyPr wrap="none" lIns="0" tIns="0" rIns="0" bIns="0" rtlCol="0">
+                  <a:spAutoFit/>
+                </a:bodyPr>
+                <a:lstStyle/>
+                <a:p>
+                  <a:pPr/>
+                  <a14:m>
+                    <m:oMathPara xmlns:m="http://schemas.openxmlformats.org/officeDocument/2006/math">
+                      <m:oMathParaPr>
+                        <m:jc m:val="centerGroup"/>
+                      </m:oMathParaPr>
+                      <m:oMath xmlns:m="http://schemas.openxmlformats.org/officeDocument/2006/math">
+                        <m:r>
+                          <a:rPr lang="en-US" altLang="zh-CN" sz="2400" b="0" i="1" smtClean="0">
+                            <a:latin typeface="Cambria Math" panose="02040503050406030204" pitchFamily="18" charset="0"/>
+                          </a:rPr>
+                          <m:t>𝑥</m:t>
+                        </m:r>
+                      </m:oMath>
+                    </m:oMathPara>
+                  </a14:m>
+                  <a:endParaRPr lang="zh-CN" altLang="en-US" sz="2400" dirty="0"/>
+                </a:p>
+              </p:txBody>
+            </p:sp>
+          </mc:Choice>
+          <mc:Fallback>
+            <p:sp>
+              <p:nvSpPr>
+                <p:cNvPr id="126" name="文本框 125">
+                  <a:extLst>
+                    <a:ext uri="{FF2B5EF4-FFF2-40B4-BE49-F238E27FC236}">
+                      <a16:creationId xmlns:a16="http://schemas.microsoft.com/office/drawing/2014/main" id="{807B4FEB-B5AF-4A3D-8633-C2823DF76529}"/>
+                    </a:ext>
+                  </a:extLst>
+                </p:cNvPr>
+                <p:cNvSpPr txBox="1">
+                  <a:spLocks noRot="1" noChangeAspect="1" noMove="1" noResize="1" noEditPoints="1" noAdjustHandles="1" noChangeArrowheads="1" noChangeShapeType="1" noTextEdit="1"/>
+                </p:cNvSpPr>
+                <p:nvPr/>
+              </p:nvSpPr>
+              <p:spPr>
+                <a:xfrm>
+                  <a:off x="11680704" y="4687306"/>
+                  <a:ext cx="257763" cy="369332"/>
+                </a:xfrm>
+                <a:prstGeom prst="rect">
+                  <a:avLst/>
+                </a:prstGeom>
+                <a:blipFill>
+                  <a:blip r:embed="rId14"/>
+                  <a:stretch>
+                    <a:fillRect l="-11905" r="-11905"/>
+                  </a:stretch>
+                </a:blipFill>
+              </p:spPr>
+              <p:txBody>
+                <a:bodyPr/>
+                <a:lstStyle/>
+                <a:p>
+                  <a:r>
+                    <a:rPr lang="zh-CN" altLang="en-US">
+                      <a:noFill/>
+                    </a:rPr>
+                    <a:t> </a:t>
+                  </a:r>
+                </a:p>
+              </p:txBody>
+            </p:sp>
+          </mc:Fallback>
+        </mc:AlternateContent>
+        <mc:AlternateContent xmlns:mc="http://schemas.openxmlformats.org/markup-compatibility/2006">
+          <mc:Choice xmlns:a14="http://schemas.microsoft.com/office/drawing/2010/main" Requires="a14">
+            <p:sp>
+              <p:nvSpPr>
+                <p:cNvPr id="127" name="文本框 126">
+                  <a:extLst>
+                    <a:ext uri="{FF2B5EF4-FFF2-40B4-BE49-F238E27FC236}">
+                      <a16:creationId xmlns:a16="http://schemas.microsoft.com/office/drawing/2014/main" id="{F2C09929-CB2B-416F-B9C1-372C7733A88D}"/>
+                    </a:ext>
+                  </a:extLst>
+                </p:cNvPr>
+                <p:cNvSpPr txBox="1"/>
+                <p:nvPr/>
+              </p:nvSpPr>
+              <p:spPr>
+                <a:xfrm>
+                  <a:off x="6034512" y="570530"/>
+                  <a:ext cx="839204" cy="416524"/>
+                </a:xfrm>
+                <a:prstGeom prst="rect">
+                  <a:avLst/>
+                </a:prstGeom>
+                <a:solidFill>
+                  <a:schemeClr val="bg1"/>
+                </a:solidFill>
+              </p:spPr>
+              <p:txBody>
+                <a:bodyPr wrap="none" lIns="0" tIns="0" rIns="0" bIns="0" rtlCol="0">
+                  <a:spAutoFit/>
+                </a:bodyPr>
+                <a:lstStyle/>
+                <a:p>
+                  <a:pPr/>
+                  <a14:m>
+                    <m:oMathPara xmlns:m="http://schemas.openxmlformats.org/officeDocument/2006/math">
+                      <m:oMathParaPr>
+                        <m:jc m:val="centerGroup"/>
+                      </m:oMathParaPr>
+                      <m:oMath xmlns:m="http://schemas.openxmlformats.org/officeDocument/2006/math">
+                        <m:acc>
+                          <m:accPr>
+                            <m:chr m:val="⃗"/>
+                            <m:ctrlPr>
+                              <a:rPr lang="zh-CN" altLang="en-US" sz="2400" i="1" smtClean="0">
+                                <a:latin typeface="Cambria Math" panose="02040503050406030204" pitchFamily="18" charset="0"/>
+                              </a:rPr>
+                            </m:ctrlPr>
+                          </m:accPr>
+                          <m:e>
+                            <m:r>
+                              <a:rPr lang="en-US" altLang="zh-CN" sz="2400" b="0" i="1" smtClean="0">
+                                <a:latin typeface="Cambria Math" panose="02040503050406030204" pitchFamily="18" charset="0"/>
+                              </a:rPr>
+                              <m:t>𝑢</m:t>
+                            </m:r>
+                          </m:e>
+                        </m:acc>
+                        <m:r>
+                          <a:rPr lang="en-US" altLang="zh-CN" sz="2400" b="0" i="1" smtClean="0">
+                            <a:latin typeface="Cambria Math" panose="02040503050406030204" pitchFamily="18" charset="0"/>
+                          </a:rPr>
+                          <m:t>=</m:t>
+                        </m:r>
+                        <m:acc>
+                          <m:accPr>
+                            <m:chr m:val="⃗"/>
+                            <m:ctrlPr>
+                              <a:rPr lang="zh-CN" altLang="en-US" sz="2400" i="1" smtClean="0">
+                                <a:latin typeface="Cambria Math" panose="02040503050406030204" pitchFamily="18" charset="0"/>
+                              </a:rPr>
+                            </m:ctrlPr>
+                          </m:accPr>
+                          <m:e>
+                            <m:r>
+                              <a:rPr lang="en-US" altLang="zh-CN" sz="2400" i="1" smtClean="0">
+                                <a:latin typeface="Cambria Math" panose="02040503050406030204" pitchFamily="18" charset="0"/>
+                              </a:rPr>
+                              <m:t>0</m:t>
+                            </m:r>
+                          </m:e>
+                        </m:acc>
+                      </m:oMath>
+                    </m:oMathPara>
+                  </a14:m>
+                  <a:endParaRPr lang="zh-CN" altLang="en-US" sz="2400" dirty="0"/>
+                </a:p>
+              </p:txBody>
+            </p:sp>
+          </mc:Choice>
+          <mc:Fallback>
+            <p:sp>
+              <p:nvSpPr>
+                <p:cNvPr id="127" name="文本框 126">
+                  <a:extLst>
+                    <a:ext uri="{FF2B5EF4-FFF2-40B4-BE49-F238E27FC236}">
+                      <a16:creationId xmlns:a16="http://schemas.microsoft.com/office/drawing/2014/main" id="{F2C09929-CB2B-416F-B9C1-372C7733A88D}"/>
+                    </a:ext>
+                  </a:extLst>
+                </p:cNvPr>
+                <p:cNvSpPr txBox="1">
+                  <a:spLocks noRot="1" noChangeAspect="1" noMove="1" noResize="1" noEditPoints="1" noAdjustHandles="1" noChangeArrowheads="1" noChangeShapeType="1" noTextEdit="1"/>
+                </p:cNvSpPr>
+                <p:nvPr/>
+              </p:nvSpPr>
+              <p:spPr>
+                <a:xfrm>
+                  <a:off x="6034512" y="570530"/>
+                  <a:ext cx="839204" cy="416524"/>
+                </a:xfrm>
+                <a:prstGeom prst="rect">
+                  <a:avLst/>
+                </a:prstGeom>
+                <a:blipFill>
+                  <a:blip r:embed="rId15"/>
+                  <a:stretch>
+                    <a:fillRect/>
+                  </a:stretch>
+                </a:blipFill>
+              </p:spPr>
+              <p:txBody>
+                <a:bodyPr/>
+                <a:lstStyle/>
+                <a:p>
+                  <a:r>
+                    <a:rPr lang="zh-CN" altLang="en-US">
+                      <a:noFill/>
+                    </a:rPr>
+                    <a:t> </a:t>
+                  </a:r>
+                </a:p>
+              </p:txBody>
+            </p:sp>
+          </mc:Fallback>
+        </mc:AlternateContent>
+        <mc:AlternateContent xmlns:mc="http://schemas.openxmlformats.org/markup-compatibility/2006">
+          <mc:Choice xmlns:a14="http://schemas.microsoft.com/office/drawing/2010/main" Requires="a14">
+            <p:sp>
+              <p:nvSpPr>
+                <p:cNvPr id="128" name="文本框 127">
+                  <a:extLst>
+                    <a:ext uri="{FF2B5EF4-FFF2-40B4-BE49-F238E27FC236}">
+                      <a16:creationId xmlns:a16="http://schemas.microsoft.com/office/drawing/2014/main" id="{9D8BDFB0-757B-46F7-8D13-8CAB5947E4D9}"/>
+                    </a:ext>
+                  </a:extLst>
+                </p:cNvPr>
+                <p:cNvSpPr txBox="1"/>
+                <p:nvPr/>
+              </p:nvSpPr>
+              <p:spPr>
+                <a:xfrm>
+                  <a:off x="5389488" y="4183003"/>
+                  <a:ext cx="839204" cy="416524"/>
+                </a:xfrm>
+                <a:prstGeom prst="rect">
+                  <a:avLst/>
+                </a:prstGeom>
+                <a:solidFill>
+                  <a:schemeClr val="bg1"/>
+                </a:solidFill>
+              </p:spPr>
+              <p:txBody>
+                <a:bodyPr wrap="none" lIns="0" tIns="0" rIns="0" bIns="0" rtlCol="0">
+                  <a:spAutoFit/>
+                </a:bodyPr>
+                <a:lstStyle/>
+                <a:p>
+                  <a:pPr/>
+                  <a14:m>
+                    <m:oMathPara xmlns:m="http://schemas.openxmlformats.org/officeDocument/2006/math">
+                      <m:oMathParaPr>
+                        <m:jc m:val="centerGroup"/>
+                      </m:oMathParaPr>
+                      <m:oMath xmlns:m="http://schemas.openxmlformats.org/officeDocument/2006/math">
+                        <m:acc>
+                          <m:accPr>
+                            <m:chr m:val="⃗"/>
+                            <m:ctrlPr>
+                              <a:rPr lang="zh-CN" altLang="en-US" sz="2400" i="1" smtClean="0">
+                                <a:latin typeface="Cambria Math" panose="02040503050406030204" pitchFamily="18" charset="0"/>
+                              </a:rPr>
+                            </m:ctrlPr>
+                          </m:accPr>
+                          <m:e>
+                            <m:r>
+                              <a:rPr lang="en-US" altLang="zh-CN" sz="2400" b="0" i="1" smtClean="0">
+                                <a:latin typeface="Cambria Math" panose="02040503050406030204" pitchFamily="18" charset="0"/>
+                              </a:rPr>
+                              <m:t>𝑢</m:t>
+                            </m:r>
+                          </m:e>
+                        </m:acc>
+                        <m:r>
+                          <a:rPr lang="en-US" altLang="zh-CN" sz="2400" b="0" i="1" smtClean="0">
+                            <a:latin typeface="Cambria Math" panose="02040503050406030204" pitchFamily="18" charset="0"/>
+                          </a:rPr>
+                          <m:t>=</m:t>
+                        </m:r>
+                        <m:acc>
+                          <m:accPr>
+                            <m:chr m:val="⃗"/>
+                            <m:ctrlPr>
+                              <a:rPr lang="zh-CN" altLang="en-US" sz="2400" i="1" smtClean="0">
+                                <a:latin typeface="Cambria Math" panose="02040503050406030204" pitchFamily="18" charset="0"/>
+                              </a:rPr>
+                            </m:ctrlPr>
+                          </m:accPr>
+                          <m:e>
+                            <m:r>
+                              <a:rPr lang="en-US" altLang="zh-CN" sz="2400" i="1" smtClean="0">
+                                <a:latin typeface="Cambria Math" panose="02040503050406030204" pitchFamily="18" charset="0"/>
+                              </a:rPr>
+                              <m:t>0</m:t>
+                            </m:r>
+                          </m:e>
+                        </m:acc>
+                      </m:oMath>
+                    </m:oMathPara>
+                  </a14:m>
+                  <a:endParaRPr lang="zh-CN" altLang="en-US" sz="2400" dirty="0"/>
+                </a:p>
+              </p:txBody>
+            </p:sp>
+          </mc:Choice>
+          <mc:Fallback>
+            <p:sp>
+              <p:nvSpPr>
+                <p:cNvPr id="128" name="文本框 127">
+                  <a:extLst>
+                    <a:ext uri="{FF2B5EF4-FFF2-40B4-BE49-F238E27FC236}">
+                      <a16:creationId xmlns:a16="http://schemas.microsoft.com/office/drawing/2014/main" id="{9D8BDFB0-757B-46F7-8D13-8CAB5947E4D9}"/>
+                    </a:ext>
+                  </a:extLst>
+                </p:cNvPr>
+                <p:cNvSpPr txBox="1">
+                  <a:spLocks noRot="1" noChangeAspect="1" noMove="1" noResize="1" noEditPoints="1" noAdjustHandles="1" noChangeArrowheads="1" noChangeShapeType="1" noTextEdit="1"/>
+                </p:cNvSpPr>
+                <p:nvPr/>
+              </p:nvSpPr>
+              <p:spPr>
+                <a:xfrm>
+                  <a:off x="5389488" y="4183003"/>
+                  <a:ext cx="839204" cy="416524"/>
+                </a:xfrm>
+                <a:prstGeom prst="rect">
+                  <a:avLst/>
+                </a:prstGeom>
+                <a:blipFill>
+                  <a:blip r:embed="rId16"/>
+                  <a:stretch>
+                    <a:fillRect/>
+                  </a:stretch>
+                </a:blipFill>
+              </p:spPr>
+              <p:txBody>
+                <a:bodyPr/>
+                <a:lstStyle/>
+                <a:p>
+                  <a:r>
+                    <a:rPr lang="zh-CN" altLang="en-US">
+                      <a:noFill/>
+                    </a:rPr>
+                    <a:t> </a:t>
+                  </a:r>
+                </a:p>
+              </p:txBody>
+            </p:sp>
+          </mc:Fallback>
+        </mc:AlternateContent>
+        <p:cxnSp>
+          <p:nvCxnSpPr>
+            <p:cNvPr id="129" name="直接箭头连接符 128">
+              <a:extLst>
+                <a:ext uri="{FF2B5EF4-FFF2-40B4-BE49-F238E27FC236}">
+                  <a16:creationId xmlns:a16="http://schemas.microsoft.com/office/drawing/2014/main" id="{7F3252A1-9B96-494E-8C9D-F78573DA0CE8}"/>
+                </a:ext>
+              </a:extLst>
+            </p:cNvPr>
+            <p:cNvCxnSpPr/>
+            <p:nvPr/>
+          </p:nvCxnSpPr>
+          <p:spPr>
+            <a:xfrm>
+              <a:off x="1700757" y="2955610"/>
+              <a:ext cx="824943" cy="0"/>
+            </a:xfrm>
+            <a:prstGeom prst="straightConnector1">
+              <a:avLst/>
+            </a:prstGeom>
+            <a:ln w="28575">
+              <a:solidFill>
+                <a:srgbClr val="00B0F0"/>
+              </a:solidFill>
+              <a:tailEnd type="triangle"/>
+            </a:ln>
+          </p:spPr>
+          <p:style>
+            <a:lnRef idx="1">
+              <a:schemeClr val="accent1"/>
+            </a:lnRef>
+            <a:fillRef idx="0">
+              <a:schemeClr val="accent1"/>
+            </a:fillRef>
+            <a:effectRef idx="0">
+              <a:schemeClr val="accent1"/>
+            </a:effectRef>
+            <a:fontRef idx="minor">
+              <a:schemeClr val="tx1"/>
+            </a:fontRef>
+          </p:style>
+        </p:cxnSp>
+        <p:cxnSp>
+          <p:nvCxnSpPr>
+            <p:cNvPr id="130" name="直接箭头连接符 129">
+              <a:extLst>
+                <a:ext uri="{FF2B5EF4-FFF2-40B4-BE49-F238E27FC236}">
+                  <a16:creationId xmlns:a16="http://schemas.microsoft.com/office/drawing/2014/main" id="{5DB3BA9D-48CF-4B74-A1C4-0F56A4243927}"/>
+                </a:ext>
+              </a:extLst>
+            </p:cNvPr>
+            <p:cNvCxnSpPr/>
+            <p:nvPr/>
+          </p:nvCxnSpPr>
+          <p:spPr>
+            <a:xfrm>
+              <a:off x="1700757" y="2680160"/>
+              <a:ext cx="824943" cy="0"/>
+            </a:xfrm>
+            <a:prstGeom prst="straightConnector1">
+              <a:avLst/>
+            </a:prstGeom>
+            <a:ln w="28575">
+              <a:solidFill>
+                <a:srgbClr val="00B0F0"/>
+              </a:solidFill>
+              <a:tailEnd type="triangle"/>
+            </a:ln>
+          </p:spPr>
+          <p:style>
+            <a:lnRef idx="1">
+              <a:schemeClr val="accent1"/>
+            </a:lnRef>
+            <a:fillRef idx="0">
+              <a:schemeClr val="accent1"/>
+            </a:fillRef>
+            <a:effectRef idx="0">
+              <a:schemeClr val="accent1"/>
+            </a:effectRef>
+            <a:fontRef idx="minor">
+              <a:schemeClr val="tx1"/>
+            </a:fontRef>
+          </p:style>
+        </p:cxnSp>
+        <mc:AlternateContent xmlns:mc="http://schemas.openxmlformats.org/markup-compatibility/2006">
+          <mc:Choice xmlns:a14="http://schemas.microsoft.com/office/drawing/2010/main" Requires="a14">
+            <p:sp>
+              <p:nvSpPr>
+                <p:cNvPr id="131" name="文本框 130">
+                  <a:extLst>
+                    <a:ext uri="{FF2B5EF4-FFF2-40B4-BE49-F238E27FC236}">
+                      <a16:creationId xmlns:a16="http://schemas.microsoft.com/office/drawing/2014/main" id="{60FFC0AE-5BE2-4264-8146-9570F3C51BB8}"/>
+                    </a:ext>
+                  </a:extLst>
+                </p:cNvPr>
+                <p:cNvSpPr txBox="1"/>
+                <p:nvPr/>
+              </p:nvSpPr>
+              <p:spPr>
+                <a:xfrm>
+                  <a:off x="6995694" y="3100940"/>
+                  <a:ext cx="253274" cy="369332"/>
+                </a:xfrm>
+                <a:prstGeom prst="rect">
+                  <a:avLst/>
+                </a:prstGeom>
+                <a:solidFill>
+                  <a:schemeClr val="bg1"/>
+                </a:solidFill>
+              </p:spPr>
+              <p:txBody>
+                <a:bodyPr wrap="none" lIns="0" tIns="0" rIns="0" bIns="0" rtlCol="0">
+                  <a:spAutoFit/>
+                </a:bodyPr>
+                <a:lstStyle/>
+                <a:p>
+                  <a:pPr/>
+                  <a14:m>
+                    <m:oMathPara xmlns:m="http://schemas.openxmlformats.org/officeDocument/2006/math">
+                      <m:oMathParaPr>
+                        <m:jc m:val="centerGroup"/>
+                      </m:oMathParaPr>
+                      <m:oMath xmlns:m="http://schemas.openxmlformats.org/officeDocument/2006/math">
+                        <m:r>
+                          <m:rPr>
+                            <m:sty m:val="p"/>
+                          </m:rPr>
+                          <a:rPr lang="en-US" altLang="zh-CN" sz="2400" b="0" i="0" smtClean="0">
+                            <a:solidFill>
+                              <a:schemeClr val="tx1"/>
+                            </a:solidFill>
+                            <a:latin typeface="Cambria Math" panose="02040503050406030204" pitchFamily="18" charset="0"/>
+                          </a:rPr>
+                          <m:t>Σ</m:t>
+                        </m:r>
+                      </m:oMath>
+                    </m:oMathPara>
+                  </a14:m>
+                  <a:endParaRPr lang="zh-CN" altLang="en-US" sz="2400" dirty="0">
+                    <a:solidFill>
+                      <a:schemeClr val="tx1"/>
+                    </a:solidFill>
+                  </a:endParaRPr>
+                </a:p>
+              </p:txBody>
+            </p:sp>
+          </mc:Choice>
+          <mc:Fallback>
+            <p:sp>
+              <p:nvSpPr>
+                <p:cNvPr id="131" name="文本框 130">
+                  <a:extLst>
+                    <a:ext uri="{FF2B5EF4-FFF2-40B4-BE49-F238E27FC236}">
+                      <a16:creationId xmlns:a16="http://schemas.microsoft.com/office/drawing/2014/main" id="{60FFC0AE-5BE2-4264-8146-9570F3C51BB8}"/>
+                    </a:ext>
+                  </a:extLst>
+                </p:cNvPr>
+                <p:cNvSpPr txBox="1">
+                  <a:spLocks noRot="1" noChangeAspect="1" noMove="1" noResize="1" noEditPoints="1" noAdjustHandles="1" noChangeArrowheads="1" noChangeShapeType="1" noTextEdit="1"/>
+                </p:cNvSpPr>
+                <p:nvPr/>
+              </p:nvSpPr>
+              <p:spPr>
+                <a:xfrm>
+                  <a:off x="6995694" y="3100940"/>
+                  <a:ext cx="253274" cy="369332"/>
+                </a:xfrm>
+                <a:prstGeom prst="rect">
+                  <a:avLst/>
+                </a:prstGeom>
+                <a:blipFill>
+                  <a:blip r:embed="rId17"/>
+                  <a:stretch>
+                    <a:fillRect l="-26829" r="-24390" b="-6667"/>
+                  </a:stretch>
+                </a:blipFill>
+              </p:spPr>
+              <p:txBody>
+                <a:bodyPr/>
+                <a:lstStyle/>
+                <a:p>
+                  <a:r>
+                    <a:rPr lang="zh-CN" altLang="en-US">
+                      <a:noFill/>
+                    </a:rPr>
+                    <a:t> </a:t>
+                  </a:r>
+                </a:p>
+              </p:txBody>
+            </p:sp>
+          </mc:Fallback>
+        </mc:AlternateContent>
+      </p:grpSp>
+    </p:spTree>
+    <p:extLst>
+      <p:ext uri="{BB962C8B-B14F-4D97-AF65-F5344CB8AC3E}">
+        <p14:creationId xmlns:p14="http://schemas.microsoft.com/office/powerpoint/2010/main" val="3844317869"/>
+      </p:ext>
+    </p:extLst>
+  </p:cSld>
+  <p:clrMapOvr>
+    <a:masterClrMapping/>
+  </p:clrMapOvr>
+</p:sld>
+</file>
+
+<file path=ppt/slides/slide3.xml><?xml version="1.0" encoding="utf-8"?>
+<p:sld xmlns:a="http://schemas.openxmlformats.org/drawingml/2006/main" xmlns:r="http://schemas.openxmlformats.org/officeDocument/2006/relationships" xmlns:p="http://schemas.openxmlformats.org/presentationml/2006/main">
+  <p:cSld>
+    <p:spTree>
+      <p:nvGrpSpPr>
+        <p:cNvPr id="1" name=""/>
+        <p:cNvGrpSpPr/>
+        <p:nvPr/>
+      </p:nvGrpSpPr>
+      <p:grpSpPr>
+        <a:xfrm>
+          <a:off x="0" y="0"/>
+          <a:ext cx="0" cy="0"/>
+          <a:chOff x="0" y="0"/>
+          <a:chExt cx="0" cy="0"/>
+        </a:xfrm>
+      </p:grpSpPr>
       <p:sp>
         <p:nvSpPr>
-          <p:cNvPr id="2" name="矩形 1">
+          <p:cNvPr id="5" name="矩形 4">
             <a:extLst>
               <a:ext uri="{FF2B5EF4-FFF2-40B4-BE49-F238E27FC236}">
-                <a16:creationId xmlns:a16="http://schemas.microsoft.com/office/drawing/2014/main" id="{FBB8B743-4254-4E0D-8BAB-73F15F8BF881}"/>
+                <a16:creationId xmlns:a16="http://schemas.microsoft.com/office/drawing/2014/main" id="{92C1B971-3A7D-45B7-8F2F-095C3E25941B}"/>
               </a:ext>
             </a:extLst>
           </p:cNvPr>
@@ -5343,17 +8500,20 @@
         </p:nvSpPr>
         <p:spPr>
           <a:xfrm>
-            <a:off x="1580765" y="1096392"/>
-            <a:ext cx="9797071" cy="3590914"/>
+            <a:off x="0" y="1096391"/>
+            <a:ext cx="12192000" cy="3583103"/>
           </a:xfrm>
           <a:prstGeom prst="rect">
             <a:avLst/>
           </a:prstGeom>
-          <a:noFill/>
-          <a:ln w="57150">
-            <a:solidFill>
-              <a:schemeClr val="tx1"/>
-            </a:solidFill>
+          <a:solidFill>
+            <a:schemeClr val="accent1">
+              <a:lumMod val="20000"/>
+              <a:lumOff val="80000"/>
+            </a:schemeClr>
+          </a:solidFill>
+          <a:ln>
+            <a:noFill/>
           </a:ln>
         </p:spPr>
         <p:style>
@@ -5377,16 +8537,16 @@
           <a:lstStyle/>
           <a:p>
             <a:pPr algn="ctr"/>
-            <a:endParaRPr lang="zh-CN" altLang="en-US" sz="1400"/>
+            <a:endParaRPr lang="zh-CN" altLang="en-US"/>
           </a:p>
         </p:txBody>
       </p:sp>
       <p:cxnSp>
         <p:nvCxnSpPr>
-          <p:cNvPr id="43" name="直接连接符 42">
+          <p:cNvPr id="4" name="连接符: 曲线 3">
             <a:extLst>
               <a:ext uri="{FF2B5EF4-FFF2-40B4-BE49-F238E27FC236}">
-                <a16:creationId xmlns:a16="http://schemas.microsoft.com/office/drawing/2014/main" id="{5D5337B5-547F-4898-B145-1E6B38F5D642}"/>
+                <a16:creationId xmlns:a16="http://schemas.microsoft.com/office/drawing/2014/main" id="{3564E2FE-C973-4B2A-86B3-B833F287EF5A}"/>
               </a:ext>
             </a:extLst>
           </p:cNvPr>
@@ -5396,483 +8556,20 @@
           <p:nvPr/>
         </p:nvCxnSpPr>
         <p:spPr>
-          <a:xfrm>
-            <a:off x="1580766" y="4687306"/>
-            <a:ext cx="10406701" cy="0"/>
+          <a:xfrm rot="-2400000" flipH="1" flipV="1">
+            <a:off x="1015461" y="1026777"/>
+            <a:ext cx="1276350" cy="1276350"/>
           </a:xfrm>
-          <a:prstGeom prst="line">
+          <a:prstGeom prst="curvedConnector3">
             <a:avLst/>
           </a:prstGeom>
-          <a:ln w="57150">
-            <a:headEnd type="none" w="med" len="med"/>
-            <a:tailEnd type="arrow" w="med" len="med"/>
-          </a:ln>
-        </p:spPr>
-        <p:style>
-          <a:lnRef idx="1">
-            <a:schemeClr val="dk1"/>
-          </a:lnRef>
-          <a:fillRef idx="0">
-            <a:schemeClr val="dk1"/>
-          </a:fillRef>
-          <a:effectRef idx="0">
-            <a:schemeClr val="dk1"/>
-          </a:effectRef>
-          <a:fontRef idx="minor">
-            <a:schemeClr val="tx1"/>
-          </a:fontRef>
-        </p:style>
-      </p:cxnSp>
-      <p:cxnSp>
-        <p:nvCxnSpPr>
-          <p:cNvPr id="5" name="直接箭头连接符 4">
-            <a:extLst>
-              <a:ext uri="{FF2B5EF4-FFF2-40B4-BE49-F238E27FC236}">
-                <a16:creationId xmlns:a16="http://schemas.microsoft.com/office/drawing/2014/main" id="{4A45C7A5-7390-4F45-8593-210B9DC5F59E}"/>
-              </a:ext>
-            </a:extLst>
-          </p:cNvPr>
-          <p:cNvCxnSpPr/>
-          <p:nvPr/>
-        </p:nvCxnSpPr>
-        <p:spPr>
-          <a:xfrm flipV="1">
-            <a:off x="1580766" y="400050"/>
-            <a:ext cx="0" cy="4287256"/>
-          </a:xfrm>
-          <a:prstGeom prst="straightConnector1">
-            <a:avLst/>
-          </a:prstGeom>
-          <a:ln w="57150">
-            <a:headEnd type="none" w="med" len="med"/>
-            <a:tailEnd type="arrow" w="med" len="med"/>
-          </a:ln>
-        </p:spPr>
-        <p:style>
-          <a:lnRef idx="1">
-            <a:schemeClr val="dk1"/>
-          </a:lnRef>
-          <a:fillRef idx="0">
-            <a:schemeClr val="dk1"/>
-          </a:fillRef>
-          <a:effectRef idx="0">
-            <a:schemeClr val="dk1"/>
-          </a:effectRef>
-          <a:fontRef idx="minor">
-            <a:schemeClr val="tx1"/>
-          </a:fontRef>
-        </p:style>
-      </p:cxnSp>
-      <mc:AlternateContent xmlns:mc="http://schemas.openxmlformats.org/markup-compatibility/2006" xmlns:a14="http://schemas.microsoft.com/office/drawing/2010/main">
-        <mc:Choice Requires="a14">
-          <p:sp>
-            <p:nvSpPr>
-              <p:cNvPr id="45" name="文本框 44">
-                <a:extLst>
-                  <a:ext uri="{FF2B5EF4-FFF2-40B4-BE49-F238E27FC236}">
-                    <a16:creationId xmlns:a16="http://schemas.microsoft.com/office/drawing/2014/main" id="{03F4CEC6-D23E-4B84-9714-4345ABB2B6B4}"/>
-                  </a:ext>
-                </a:extLst>
-              </p:cNvPr>
-              <p:cNvSpPr txBox="1"/>
-              <p:nvPr/>
-            </p:nvSpPr>
-            <p:spPr>
-              <a:xfrm>
-                <a:off x="1316282" y="4754300"/>
-                <a:ext cx="283539" cy="369332"/>
-              </a:xfrm>
-              <a:prstGeom prst="rect">
-                <a:avLst/>
-              </a:prstGeom>
-              <a:noFill/>
-            </p:spPr>
-            <p:txBody>
-              <a:bodyPr wrap="none" lIns="0" tIns="0" rIns="0" bIns="0" rtlCol="0">
-                <a:spAutoFit/>
-              </a:bodyPr>
-              <a:lstStyle/>
-              <a:p>
-                <a:pPr/>
-                <a14:m>
-                  <m:oMathPara xmlns:m="http://schemas.openxmlformats.org/officeDocument/2006/math">
-                    <m:oMathParaPr>
-                      <m:jc m:val="centerGroup"/>
-                    </m:oMathParaPr>
-                    <m:oMath xmlns:m="http://schemas.openxmlformats.org/officeDocument/2006/math">
-                      <m:r>
-                        <a:rPr lang="en-US" altLang="zh-CN" sz="2400" i="1" smtClean="0">
-                          <a:latin typeface="Cambria Math" panose="02040503050406030204" pitchFamily="18" charset="0"/>
-                        </a:rPr>
-                        <m:t>𝐴</m:t>
-                      </m:r>
-                    </m:oMath>
-                  </m:oMathPara>
-                </a14:m>
-                <a:endParaRPr lang="zh-CN" altLang="en-US" sz="2400" dirty="0"/>
-              </a:p>
-            </p:txBody>
-          </p:sp>
-        </mc:Choice>
-        <mc:Fallback xmlns="">
-          <p:sp>
-            <p:nvSpPr>
-              <p:cNvPr id="45" name="文本框 44">
-                <a:extLst>
-                  <a:ext uri="{FF2B5EF4-FFF2-40B4-BE49-F238E27FC236}">
-                    <a16:creationId xmlns:a16="http://schemas.microsoft.com/office/drawing/2014/main" id="{03F4CEC6-D23E-4B84-9714-4345ABB2B6B4}"/>
-                  </a:ext>
-                </a:extLst>
-              </p:cNvPr>
-              <p:cNvSpPr txBox="1">
-                <a:spLocks noRot="1" noChangeAspect="1" noMove="1" noResize="1" noEditPoints="1" noAdjustHandles="1" noChangeArrowheads="1" noChangeShapeType="1" noTextEdit="1"/>
-              </p:cNvSpPr>
-              <p:nvPr/>
-            </p:nvSpPr>
-            <p:spPr>
-              <a:xfrm>
-                <a:off x="1316282" y="4754300"/>
-                <a:ext cx="283539" cy="369332"/>
-              </a:xfrm>
-              <a:prstGeom prst="rect">
-                <a:avLst/>
-              </a:prstGeom>
-              <a:blipFill>
-                <a:blip r:embed="rId2"/>
-                <a:stretch>
-                  <a:fillRect l="-23913" r="-21739" b="-6667"/>
-                </a:stretch>
-              </a:blipFill>
-            </p:spPr>
-            <p:txBody>
-              <a:bodyPr/>
-              <a:lstStyle/>
-              <a:p>
-                <a:r>
-                  <a:rPr lang="zh-CN" altLang="en-US">
-                    <a:noFill/>
-                  </a:rPr>
-                  <a:t> </a:t>
-                </a:r>
-              </a:p>
-            </p:txBody>
-          </p:sp>
-        </mc:Fallback>
-      </mc:AlternateContent>
-      <mc:AlternateContent xmlns:mc="http://schemas.openxmlformats.org/markup-compatibility/2006" xmlns:a14="http://schemas.microsoft.com/office/drawing/2010/main">
-        <mc:Choice Requires="a14">
-          <p:sp>
-            <p:nvSpPr>
-              <p:cNvPr id="46" name="文本框 45">
-                <a:extLst>
-                  <a:ext uri="{FF2B5EF4-FFF2-40B4-BE49-F238E27FC236}">
-                    <a16:creationId xmlns:a16="http://schemas.microsoft.com/office/drawing/2014/main" id="{6F78B70A-DDC4-4AC1-99B0-A2475C7F21AE}"/>
-                  </a:ext>
-                </a:extLst>
-              </p:cNvPr>
-              <p:cNvSpPr txBox="1"/>
-              <p:nvPr/>
-            </p:nvSpPr>
-            <p:spPr>
-              <a:xfrm>
-                <a:off x="11247671" y="4695118"/>
-                <a:ext cx="260329" cy="369332"/>
-              </a:xfrm>
-              <a:prstGeom prst="rect">
-                <a:avLst/>
-              </a:prstGeom>
-              <a:noFill/>
-            </p:spPr>
-            <p:txBody>
-              <a:bodyPr wrap="square" lIns="0" tIns="0" rIns="0" bIns="0" rtlCol="0">
-                <a:spAutoFit/>
-              </a:bodyPr>
-              <a:lstStyle/>
-              <a:p>
-                <a:pPr/>
-                <a14:m>
-                  <m:oMathPara xmlns:m="http://schemas.openxmlformats.org/officeDocument/2006/math">
-                    <m:oMathParaPr>
-                      <m:jc m:val="centerGroup"/>
-                    </m:oMathParaPr>
-                    <m:oMath xmlns:m="http://schemas.openxmlformats.org/officeDocument/2006/math">
-                      <m:r>
-                        <a:rPr lang="en-US" altLang="zh-CN" sz="2400" b="0" i="1" smtClean="0">
-                          <a:latin typeface="Cambria Math" panose="02040503050406030204" pitchFamily="18" charset="0"/>
-                        </a:rPr>
-                        <m:t>𝐵</m:t>
-                      </m:r>
-                    </m:oMath>
-                  </m:oMathPara>
-                </a14:m>
-                <a:endParaRPr lang="zh-CN" altLang="en-US" sz="2400" dirty="0"/>
-              </a:p>
-            </p:txBody>
-          </p:sp>
-        </mc:Choice>
-        <mc:Fallback xmlns="">
-          <p:sp>
-            <p:nvSpPr>
-              <p:cNvPr id="46" name="文本框 45">
-                <a:extLst>
-                  <a:ext uri="{FF2B5EF4-FFF2-40B4-BE49-F238E27FC236}">
-                    <a16:creationId xmlns:a16="http://schemas.microsoft.com/office/drawing/2014/main" id="{6F78B70A-DDC4-4AC1-99B0-A2475C7F21AE}"/>
-                  </a:ext>
-                </a:extLst>
-              </p:cNvPr>
-              <p:cNvSpPr txBox="1">
-                <a:spLocks noRot="1" noChangeAspect="1" noMove="1" noResize="1" noEditPoints="1" noAdjustHandles="1" noChangeArrowheads="1" noChangeShapeType="1" noTextEdit="1"/>
-              </p:cNvSpPr>
-              <p:nvPr/>
-            </p:nvSpPr>
-            <p:spPr>
-              <a:xfrm>
-                <a:off x="11247671" y="4695118"/>
-                <a:ext cx="260329" cy="369332"/>
-              </a:xfrm>
-              <a:prstGeom prst="rect">
-                <a:avLst/>
-              </a:prstGeom>
-              <a:blipFill>
-                <a:blip r:embed="rId3"/>
-                <a:stretch>
-                  <a:fillRect l="-30233" r="-27907" b="-6557"/>
-                </a:stretch>
-              </a:blipFill>
-            </p:spPr>
-            <p:txBody>
-              <a:bodyPr/>
-              <a:lstStyle/>
-              <a:p>
-                <a:r>
-                  <a:rPr lang="zh-CN" altLang="en-US">
-                    <a:noFill/>
-                  </a:rPr>
-                  <a:t> </a:t>
-                </a:r>
-              </a:p>
-            </p:txBody>
-          </p:sp>
-        </mc:Fallback>
-      </mc:AlternateContent>
-      <mc:AlternateContent xmlns:mc="http://schemas.openxmlformats.org/markup-compatibility/2006" xmlns:a14="http://schemas.microsoft.com/office/drawing/2010/main">
-        <mc:Choice Requires="a14">
-          <p:sp>
-            <p:nvSpPr>
-              <p:cNvPr id="47" name="文本框 46">
-                <a:extLst>
-                  <a:ext uri="{FF2B5EF4-FFF2-40B4-BE49-F238E27FC236}">
-                    <a16:creationId xmlns:a16="http://schemas.microsoft.com/office/drawing/2014/main" id="{E1F29FCB-3761-4B14-AD1E-E74A390983EF}"/>
-                  </a:ext>
-                </a:extLst>
-              </p:cNvPr>
-              <p:cNvSpPr txBox="1"/>
-              <p:nvPr/>
-            </p:nvSpPr>
-            <p:spPr>
-              <a:xfrm>
-                <a:off x="11247671" y="570452"/>
-                <a:ext cx="260329" cy="369332"/>
-              </a:xfrm>
-              <a:prstGeom prst="rect">
-                <a:avLst/>
-              </a:prstGeom>
-              <a:noFill/>
-            </p:spPr>
-            <p:txBody>
-              <a:bodyPr wrap="square" lIns="0" tIns="0" rIns="0" bIns="0" rtlCol="0">
-                <a:spAutoFit/>
-              </a:bodyPr>
-              <a:lstStyle/>
-              <a:p>
-                <a:pPr/>
-                <a14:m>
-                  <m:oMathPara xmlns:m="http://schemas.openxmlformats.org/officeDocument/2006/math">
-                    <m:oMathParaPr>
-                      <m:jc m:val="centerGroup"/>
-                    </m:oMathParaPr>
-                    <m:oMath xmlns:m="http://schemas.openxmlformats.org/officeDocument/2006/math">
-                      <m:r>
-                        <a:rPr lang="en-US" altLang="zh-CN" sz="2400" b="0" i="1" smtClean="0">
-                          <a:latin typeface="Cambria Math" panose="02040503050406030204" pitchFamily="18" charset="0"/>
-                        </a:rPr>
-                        <m:t>𝐶</m:t>
-                      </m:r>
-                    </m:oMath>
-                  </m:oMathPara>
-                </a14:m>
-                <a:endParaRPr lang="zh-CN" altLang="en-US" sz="2400" dirty="0"/>
-              </a:p>
-            </p:txBody>
-          </p:sp>
-        </mc:Choice>
-        <mc:Fallback xmlns="">
-          <p:sp>
-            <p:nvSpPr>
-              <p:cNvPr id="47" name="文本框 46">
-                <a:extLst>
-                  <a:ext uri="{FF2B5EF4-FFF2-40B4-BE49-F238E27FC236}">
-                    <a16:creationId xmlns:a16="http://schemas.microsoft.com/office/drawing/2014/main" id="{E1F29FCB-3761-4B14-AD1E-E74A390983EF}"/>
-                  </a:ext>
-                </a:extLst>
-              </p:cNvPr>
-              <p:cNvSpPr txBox="1">
-                <a:spLocks noRot="1" noChangeAspect="1" noMove="1" noResize="1" noEditPoints="1" noAdjustHandles="1" noChangeArrowheads="1" noChangeShapeType="1" noTextEdit="1"/>
-              </p:cNvSpPr>
-              <p:nvPr/>
-            </p:nvSpPr>
-            <p:spPr>
-              <a:xfrm>
-                <a:off x="11247671" y="570452"/>
-                <a:ext cx="260329" cy="369332"/>
-              </a:xfrm>
-              <a:prstGeom prst="rect">
-                <a:avLst/>
-              </a:prstGeom>
-              <a:blipFill>
-                <a:blip r:embed="rId4"/>
-                <a:stretch>
-                  <a:fillRect l="-27907" r="-23256" b="-6667"/>
-                </a:stretch>
-              </a:blipFill>
-            </p:spPr>
-            <p:txBody>
-              <a:bodyPr/>
-              <a:lstStyle/>
-              <a:p>
-                <a:r>
-                  <a:rPr lang="zh-CN" altLang="en-US">
-                    <a:noFill/>
-                  </a:rPr>
-                  <a:t> </a:t>
-                </a:r>
-              </a:p>
-            </p:txBody>
-          </p:sp>
-        </mc:Fallback>
-      </mc:AlternateContent>
-      <mc:AlternateContent xmlns:mc="http://schemas.openxmlformats.org/markup-compatibility/2006" xmlns:a14="http://schemas.microsoft.com/office/drawing/2010/main">
-        <mc:Choice Requires="a14">
-          <p:sp>
-            <p:nvSpPr>
-              <p:cNvPr id="48" name="文本框 47">
-                <a:extLst>
-                  <a:ext uri="{FF2B5EF4-FFF2-40B4-BE49-F238E27FC236}">
-                    <a16:creationId xmlns:a16="http://schemas.microsoft.com/office/drawing/2014/main" id="{3D2C5678-8A80-4FC6-9435-1AA2E9F5F923}"/>
-                  </a:ext>
-                </a:extLst>
-              </p:cNvPr>
-              <p:cNvSpPr txBox="1"/>
-              <p:nvPr/>
-            </p:nvSpPr>
-            <p:spPr>
-              <a:xfrm>
-                <a:off x="1241237" y="893855"/>
-                <a:ext cx="260329" cy="369332"/>
-              </a:xfrm>
-              <a:prstGeom prst="rect">
-                <a:avLst/>
-              </a:prstGeom>
-              <a:noFill/>
-            </p:spPr>
-            <p:txBody>
-              <a:bodyPr wrap="square" lIns="0" tIns="0" rIns="0" bIns="0" rtlCol="0">
-                <a:spAutoFit/>
-              </a:bodyPr>
-              <a:lstStyle/>
-              <a:p>
-                <a:pPr/>
-                <a14:m>
-                  <m:oMathPara xmlns:m="http://schemas.openxmlformats.org/officeDocument/2006/math">
-                    <m:oMathParaPr>
-                      <m:jc m:val="centerGroup"/>
-                    </m:oMathParaPr>
-                    <m:oMath xmlns:m="http://schemas.openxmlformats.org/officeDocument/2006/math">
-                      <m:r>
-                        <a:rPr lang="en-US" altLang="zh-CN" sz="2400" b="0" i="1" smtClean="0">
-                          <a:latin typeface="Cambria Math" panose="02040503050406030204" pitchFamily="18" charset="0"/>
-                        </a:rPr>
-                        <m:t>𝐷</m:t>
-                      </m:r>
-                    </m:oMath>
-                  </m:oMathPara>
-                </a14:m>
-                <a:endParaRPr lang="zh-CN" altLang="en-US" sz="2400" dirty="0"/>
-              </a:p>
-            </p:txBody>
-          </p:sp>
-        </mc:Choice>
-        <mc:Fallback xmlns="">
-          <p:sp>
-            <p:nvSpPr>
-              <p:cNvPr id="48" name="文本框 47">
-                <a:extLst>
-                  <a:ext uri="{FF2B5EF4-FFF2-40B4-BE49-F238E27FC236}">
-                    <a16:creationId xmlns:a16="http://schemas.microsoft.com/office/drawing/2014/main" id="{3D2C5678-8A80-4FC6-9435-1AA2E9F5F923}"/>
-                  </a:ext>
-                </a:extLst>
-              </p:cNvPr>
-              <p:cNvSpPr txBox="1">
-                <a:spLocks noRot="1" noChangeAspect="1" noMove="1" noResize="1" noEditPoints="1" noAdjustHandles="1" noChangeArrowheads="1" noChangeShapeType="1" noTextEdit="1"/>
-              </p:cNvSpPr>
-              <p:nvPr/>
-            </p:nvSpPr>
-            <p:spPr>
-              <a:xfrm>
-                <a:off x="1241237" y="893855"/>
-                <a:ext cx="260329" cy="369332"/>
-              </a:xfrm>
-              <a:prstGeom prst="rect">
-                <a:avLst/>
-              </a:prstGeom>
-              <a:blipFill>
-                <a:blip r:embed="rId5"/>
-                <a:stretch>
-                  <a:fillRect l="-35714" r="-30952" b="-6667"/>
-                </a:stretch>
-              </a:blipFill>
-            </p:spPr>
-            <p:txBody>
-              <a:bodyPr/>
-              <a:lstStyle/>
-              <a:p>
-                <a:r>
-                  <a:rPr lang="zh-CN" altLang="en-US">
-                    <a:noFill/>
-                  </a:rPr>
-                  <a:t> </a:t>
-                </a:r>
-              </a:p>
-            </p:txBody>
-          </p:sp>
-        </mc:Fallback>
-      </mc:AlternateContent>
-      <p:cxnSp>
-        <p:nvCxnSpPr>
-          <p:cNvPr id="11" name="直接箭头连接符 10">
-            <a:extLst>
-              <a:ext uri="{FF2B5EF4-FFF2-40B4-BE49-F238E27FC236}">
-                <a16:creationId xmlns:a16="http://schemas.microsoft.com/office/drawing/2014/main" id="{CA88689B-F757-4E2E-9CB1-5005590EEA26}"/>
-              </a:ext>
-            </a:extLst>
-          </p:cNvPr>
-          <p:cNvCxnSpPr/>
-          <p:nvPr/>
-        </p:nvCxnSpPr>
-        <p:spPr>
-          <a:xfrm>
-            <a:off x="755309" y="1103003"/>
-            <a:ext cx="0" cy="3590914"/>
-          </a:xfrm>
-          <a:prstGeom prst="straightConnector1">
-            <a:avLst/>
-          </a:prstGeom>
-          <a:ln w="38100">
+          <a:ln>
             <a:solidFill>
-              <a:schemeClr val="tx1"/>
+              <a:schemeClr val="accent1">
+                <a:lumMod val="60000"/>
+                <a:lumOff val="40000"/>
+              </a:schemeClr>
             </a:solidFill>
-            <a:headEnd type="arrow" w="med" len="med"/>
-            <a:tailEnd type="arrow" w="med" len="med"/>
           </a:ln>
         </p:spPr>
         <p:style>
@@ -5892,10 +8589,10 @@
       </p:cxnSp>
       <p:cxnSp>
         <p:nvCxnSpPr>
-          <p:cNvPr id="49" name="直接箭头连接符 48">
+          <p:cNvPr id="6" name="连接符: 曲线 5">
             <a:extLst>
               <a:ext uri="{FF2B5EF4-FFF2-40B4-BE49-F238E27FC236}">
-                <a16:creationId xmlns:a16="http://schemas.microsoft.com/office/drawing/2014/main" id="{D25A3E0D-320A-4653-8133-61C95671BDF8}"/>
+                <a16:creationId xmlns:a16="http://schemas.microsoft.com/office/drawing/2014/main" id="{725E2300-DAA1-4CA9-9C69-75F6A049B4B1}"/>
               </a:ext>
             </a:extLst>
           </p:cNvPr>
@@ -5905,400 +8602,20 @@
           <p:nvPr/>
         </p:nvCxnSpPr>
         <p:spPr>
-          <a:xfrm>
-            <a:off x="1556970" y="5577265"/>
-            <a:ext cx="9820865" cy="0"/>
+          <a:xfrm rot="-2400000" flipH="1" flipV="1">
+            <a:off x="1015461" y="1925858"/>
+            <a:ext cx="1276350" cy="1276350"/>
           </a:xfrm>
-          <a:prstGeom prst="straightConnector1">
+          <a:prstGeom prst="curvedConnector3">
             <a:avLst/>
           </a:prstGeom>
-          <a:ln w="38100">
+          <a:ln>
             <a:solidFill>
-              <a:schemeClr val="tx1"/>
+              <a:schemeClr val="accent1">
+                <a:lumMod val="60000"/>
+                <a:lumOff val="40000"/>
+              </a:schemeClr>
             </a:solidFill>
-            <a:headEnd type="arrow" w="med" len="med"/>
-            <a:tailEnd type="arrow" w="med" len="med"/>
-          </a:ln>
-        </p:spPr>
-        <p:style>
-          <a:lnRef idx="1">
-            <a:schemeClr val="accent1"/>
-          </a:lnRef>
-          <a:fillRef idx="0">
-            <a:schemeClr val="accent1"/>
-          </a:fillRef>
-          <a:effectRef idx="0">
-            <a:schemeClr val="accent1"/>
-          </a:effectRef>
-          <a:fontRef idx="minor">
-            <a:schemeClr val="tx1"/>
-          </a:fontRef>
-        </p:style>
-      </p:cxnSp>
-      <mc:AlternateContent xmlns:mc="http://schemas.openxmlformats.org/markup-compatibility/2006">
-        <mc:Choice xmlns:a14="http://schemas.microsoft.com/office/drawing/2010/main" Requires="a14">
-          <p:sp>
-            <p:nvSpPr>
-              <p:cNvPr id="50" name="文本框 49">
-                <a:extLst>
-                  <a:ext uri="{FF2B5EF4-FFF2-40B4-BE49-F238E27FC236}">
-                    <a16:creationId xmlns:a16="http://schemas.microsoft.com/office/drawing/2014/main" id="{E92461BA-E77D-40FC-BC14-3AD94C676BDC}"/>
-                  </a:ext>
-                </a:extLst>
-              </p:cNvPr>
-              <p:cNvSpPr txBox="1"/>
-              <p:nvPr/>
-            </p:nvSpPr>
-            <p:spPr>
-              <a:xfrm>
-                <a:off x="211854" y="2383494"/>
-                <a:ext cx="1151854" cy="369332"/>
-              </a:xfrm>
-              <a:prstGeom prst="rect">
-                <a:avLst/>
-              </a:prstGeom>
-              <a:solidFill>
-                <a:schemeClr val="bg1"/>
-              </a:solidFill>
-            </p:spPr>
-            <p:txBody>
-              <a:bodyPr wrap="none" lIns="0" tIns="0" rIns="0" bIns="0" rtlCol="0">
-                <a:spAutoFit/>
-              </a:bodyPr>
-              <a:lstStyle/>
-              <a:p>
-                <a:pPr/>
-                <a14:m>
-                  <m:oMathPara xmlns:m="http://schemas.openxmlformats.org/officeDocument/2006/math">
-                    <m:oMathParaPr>
-                      <m:jc m:val="centerGroup"/>
-                    </m:oMathParaPr>
-                    <m:oMath xmlns:m="http://schemas.openxmlformats.org/officeDocument/2006/math">
-                      <m:r>
-                        <a:rPr lang="en-US" altLang="zh-CN" sz="2400" b="0" i="1" smtClean="0">
-                          <a:latin typeface="Cambria Math" panose="02040503050406030204" pitchFamily="18" charset="0"/>
-                        </a:rPr>
-                        <m:t>𝐻</m:t>
-                      </m:r>
-                      <m:r>
-                        <a:rPr lang="en-US" altLang="zh-CN" sz="2400" b="0" i="1" smtClean="0">
-                          <a:latin typeface="Cambria Math" panose="02040503050406030204" pitchFamily="18" charset="0"/>
-                        </a:rPr>
-                        <m:t>=6</m:t>
-                      </m:r>
-                      <m:r>
-                        <a:rPr lang="en-US" altLang="zh-CN" sz="2400" b="0" i="1" smtClean="0">
-                          <a:latin typeface="Cambria Math" panose="02040503050406030204" pitchFamily="18" charset="0"/>
-                        </a:rPr>
-                        <m:t>𝑚</m:t>
-                      </m:r>
-                    </m:oMath>
-                  </m:oMathPara>
-                </a14:m>
-                <a:endParaRPr lang="zh-CN" altLang="en-US" sz="2400" dirty="0"/>
-              </a:p>
-            </p:txBody>
-          </p:sp>
-        </mc:Choice>
-        <mc:Fallback>
-          <p:sp>
-            <p:nvSpPr>
-              <p:cNvPr id="50" name="文本框 49">
-                <a:extLst>
-                  <a:ext uri="{FF2B5EF4-FFF2-40B4-BE49-F238E27FC236}">
-                    <a16:creationId xmlns:a16="http://schemas.microsoft.com/office/drawing/2014/main" id="{E92461BA-E77D-40FC-BC14-3AD94C676BDC}"/>
-                  </a:ext>
-                </a:extLst>
-              </p:cNvPr>
-              <p:cNvSpPr txBox="1">
-                <a:spLocks noRot="1" noChangeAspect="1" noMove="1" noResize="1" noEditPoints="1" noAdjustHandles="1" noChangeArrowheads="1" noChangeShapeType="1" noTextEdit="1"/>
-              </p:cNvSpPr>
-              <p:nvPr/>
-            </p:nvSpPr>
-            <p:spPr>
-              <a:xfrm>
-                <a:off x="211854" y="2383494"/>
-                <a:ext cx="1151854" cy="369332"/>
-              </a:xfrm>
-              <a:prstGeom prst="rect">
-                <a:avLst/>
-              </a:prstGeom>
-              <a:blipFill>
-                <a:blip r:embed="rId6"/>
-                <a:stretch>
-                  <a:fillRect l="-5291" r="-2116" b="-4918"/>
-                </a:stretch>
-              </a:blipFill>
-            </p:spPr>
-            <p:txBody>
-              <a:bodyPr/>
-              <a:lstStyle/>
-              <a:p>
-                <a:r>
-                  <a:rPr lang="zh-CN" altLang="en-US">
-                    <a:noFill/>
-                  </a:rPr>
-                  <a:t> </a:t>
-                </a:r>
-              </a:p>
-            </p:txBody>
-          </p:sp>
-        </mc:Fallback>
-      </mc:AlternateContent>
-      <mc:AlternateContent xmlns:mc="http://schemas.openxmlformats.org/markup-compatibility/2006">
-        <mc:Choice xmlns:a14="http://schemas.microsoft.com/office/drawing/2010/main" Requires="a14">
-          <p:sp>
-            <p:nvSpPr>
-              <p:cNvPr id="51" name="文本框 50">
-                <a:extLst>
-                  <a:ext uri="{FF2B5EF4-FFF2-40B4-BE49-F238E27FC236}">
-                    <a16:creationId xmlns:a16="http://schemas.microsoft.com/office/drawing/2014/main" id="{699A93A2-38FF-469E-869E-A45CEE76D49F}"/>
-                  </a:ext>
-                </a:extLst>
-              </p:cNvPr>
-              <p:cNvSpPr txBox="1"/>
-              <p:nvPr/>
-            </p:nvSpPr>
-            <p:spPr>
-              <a:xfrm>
-                <a:off x="5824205" y="5402367"/>
-                <a:ext cx="1310552" cy="369332"/>
-              </a:xfrm>
-              <a:prstGeom prst="rect">
-                <a:avLst/>
-              </a:prstGeom>
-              <a:solidFill>
-                <a:schemeClr val="bg1"/>
-              </a:solidFill>
-            </p:spPr>
-            <p:txBody>
-              <a:bodyPr wrap="none" lIns="0" tIns="0" rIns="0" bIns="0" rtlCol="0">
-                <a:spAutoFit/>
-              </a:bodyPr>
-              <a:lstStyle/>
-              <a:p>
-                <a:pPr/>
-                <a14:m>
-                  <m:oMathPara xmlns:m="http://schemas.openxmlformats.org/officeDocument/2006/math">
-                    <m:oMathParaPr>
-                      <m:jc m:val="centerGroup"/>
-                    </m:oMathParaPr>
-                    <m:oMath xmlns:m="http://schemas.openxmlformats.org/officeDocument/2006/math">
-                      <m:r>
-                        <a:rPr lang="en-US" altLang="zh-CN" sz="2400" b="0" i="1" smtClean="0">
-                          <a:latin typeface="Cambria Math" panose="02040503050406030204" pitchFamily="18" charset="0"/>
-                        </a:rPr>
-                        <m:t>𝐷</m:t>
-                      </m:r>
-                      <m:r>
-                        <a:rPr lang="en-US" altLang="zh-CN" sz="2400" i="1">
-                          <a:latin typeface="Cambria Math" panose="02040503050406030204" pitchFamily="18" charset="0"/>
-                        </a:rPr>
-                        <m:t>=</m:t>
-                      </m:r>
-                      <m:r>
-                        <a:rPr lang="en-US" altLang="zh-CN" sz="2400" b="0" i="1" smtClean="0">
-                          <a:latin typeface="Cambria Math" panose="02040503050406030204" pitchFamily="18" charset="0"/>
-                        </a:rPr>
-                        <m:t>20</m:t>
-                      </m:r>
-                      <m:r>
-                        <a:rPr lang="en-US" altLang="zh-CN" sz="2400" b="0" i="1" smtClean="0">
-                          <a:latin typeface="Cambria Math" panose="02040503050406030204" pitchFamily="18" charset="0"/>
-                        </a:rPr>
-                        <m:t>𝑚</m:t>
-                      </m:r>
-                    </m:oMath>
-                  </m:oMathPara>
-                </a14:m>
-                <a:endParaRPr lang="zh-CN" altLang="en-US" sz="2400" dirty="0"/>
-              </a:p>
-            </p:txBody>
-          </p:sp>
-        </mc:Choice>
-        <mc:Fallback>
-          <p:sp>
-            <p:nvSpPr>
-              <p:cNvPr id="51" name="文本框 50">
-                <a:extLst>
-                  <a:ext uri="{FF2B5EF4-FFF2-40B4-BE49-F238E27FC236}">
-                    <a16:creationId xmlns:a16="http://schemas.microsoft.com/office/drawing/2014/main" id="{699A93A2-38FF-469E-869E-A45CEE76D49F}"/>
-                  </a:ext>
-                </a:extLst>
-              </p:cNvPr>
-              <p:cNvSpPr txBox="1">
-                <a:spLocks noRot="1" noChangeAspect="1" noMove="1" noResize="1" noEditPoints="1" noAdjustHandles="1" noChangeArrowheads="1" noChangeShapeType="1" noTextEdit="1"/>
-              </p:cNvSpPr>
-              <p:nvPr/>
-            </p:nvSpPr>
-            <p:spPr>
-              <a:xfrm>
-                <a:off x="5824205" y="5402367"/>
-                <a:ext cx="1310552" cy="369332"/>
-              </a:xfrm>
-              <a:prstGeom prst="rect">
-                <a:avLst/>
-              </a:prstGeom>
-              <a:blipFill>
-                <a:blip r:embed="rId7"/>
-                <a:stretch>
-                  <a:fillRect l="-4186" r="-4651" b="-6557"/>
-                </a:stretch>
-              </a:blipFill>
-            </p:spPr>
-            <p:txBody>
-              <a:bodyPr/>
-              <a:lstStyle/>
-              <a:p>
-                <a:r>
-                  <a:rPr lang="zh-CN" altLang="en-US">
-                    <a:noFill/>
-                  </a:rPr>
-                  <a:t> </a:t>
-                </a:r>
-              </a:p>
-            </p:txBody>
-          </p:sp>
-        </mc:Fallback>
-      </mc:AlternateContent>
-      <mc:AlternateContent xmlns:mc="http://schemas.openxmlformats.org/markup-compatibility/2006" xmlns:a14="http://schemas.microsoft.com/office/drawing/2010/main">
-        <mc:Choice Requires="a14">
-          <p:sp>
-            <p:nvSpPr>
-              <p:cNvPr id="54" name="文本框 53">
-                <a:extLst>
-                  <a:ext uri="{FF2B5EF4-FFF2-40B4-BE49-F238E27FC236}">
-                    <a16:creationId xmlns:a16="http://schemas.microsoft.com/office/drawing/2014/main" id="{AD9B32F0-94C6-477D-A4A0-BF0872981892}"/>
-                  </a:ext>
-                </a:extLst>
-              </p:cNvPr>
-              <p:cNvSpPr txBox="1"/>
-              <p:nvPr/>
-            </p:nvSpPr>
-            <p:spPr>
-              <a:xfrm>
-                <a:off x="7028366" y="2058263"/>
-                <a:ext cx="1134991" cy="369332"/>
-              </a:xfrm>
-              <a:prstGeom prst="rect">
-                <a:avLst/>
-              </a:prstGeom>
-              <a:solidFill>
-                <a:schemeClr val="bg1"/>
-              </a:solidFill>
-            </p:spPr>
-            <p:txBody>
-              <a:bodyPr wrap="none" lIns="0" tIns="0" rIns="0" bIns="0" rtlCol="0">
-                <a:spAutoFit/>
-              </a:bodyPr>
-              <a:lstStyle/>
-              <a:p>
-                <a:pPr/>
-                <a14:m>
-                  <m:oMathPara xmlns:m="http://schemas.openxmlformats.org/officeDocument/2006/math">
-                    <m:oMathParaPr>
-                      <m:jc m:val="centerGroup"/>
-                    </m:oMathParaPr>
-                    <m:oMath xmlns:m="http://schemas.openxmlformats.org/officeDocument/2006/math">
-                      <m:r>
-                        <a:rPr lang="en-US" altLang="zh-CN" sz="2400" b="0" i="1" smtClean="0">
-                          <a:latin typeface="Cambria Math" panose="02040503050406030204" pitchFamily="18" charset="0"/>
-                        </a:rPr>
-                        <m:t>𝜙</m:t>
-                      </m:r>
-                      <m:r>
-                        <a:rPr lang="en-US" altLang="zh-CN" sz="2400" b="0" i="1" smtClean="0">
-                          <a:latin typeface="Cambria Math" panose="02040503050406030204" pitchFamily="18" charset="0"/>
-                        </a:rPr>
-                        <m:t>=1</m:t>
-                      </m:r>
-                      <m:r>
-                        <a:rPr lang="en-US" altLang="zh-CN" sz="2400" b="0" i="1" smtClean="0">
-                          <a:latin typeface="Cambria Math" panose="02040503050406030204" pitchFamily="18" charset="0"/>
-                        </a:rPr>
-                        <m:t>𝑚</m:t>
-                      </m:r>
-                    </m:oMath>
-                  </m:oMathPara>
-                </a14:m>
-                <a:endParaRPr lang="zh-CN" altLang="en-US" sz="2400" dirty="0"/>
-              </a:p>
-            </p:txBody>
-          </p:sp>
-        </mc:Choice>
-        <mc:Fallback xmlns="">
-          <p:sp>
-            <p:nvSpPr>
-              <p:cNvPr id="54" name="文本框 53">
-                <a:extLst>
-                  <a:ext uri="{FF2B5EF4-FFF2-40B4-BE49-F238E27FC236}">
-                    <a16:creationId xmlns:a16="http://schemas.microsoft.com/office/drawing/2014/main" id="{AD9B32F0-94C6-477D-A4A0-BF0872981892}"/>
-                  </a:ext>
-                </a:extLst>
-              </p:cNvPr>
-              <p:cNvSpPr txBox="1">
-                <a:spLocks noRot="1" noChangeAspect="1" noMove="1" noResize="1" noEditPoints="1" noAdjustHandles="1" noChangeArrowheads="1" noChangeShapeType="1" noTextEdit="1"/>
-              </p:cNvSpPr>
-              <p:nvPr/>
-            </p:nvSpPr>
-            <p:spPr>
-              <a:xfrm>
-                <a:off x="7028366" y="2058263"/>
-                <a:ext cx="1134991" cy="369332"/>
-              </a:xfrm>
-              <a:prstGeom prst="rect">
-                <a:avLst/>
-              </a:prstGeom>
-              <a:blipFill>
-                <a:blip r:embed="rId8"/>
-                <a:stretch>
-                  <a:fillRect l="-8065" r="-4839" b="-35000"/>
-                </a:stretch>
-              </a:blipFill>
-            </p:spPr>
-            <p:txBody>
-              <a:bodyPr/>
-              <a:lstStyle/>
-              <a:p>
-                <a:r>
-                  <a:rPr lang="zh-CN" altLang="en-US">
-                    <a:noFill/>
-                  </a:rPr>
-                  <a:t> </a:t>
-                </a:r>
-              </a:p>
-            </p:txBody>
-          </p:sp>
-        </mc:Fallback>
-      </mc:AlternateContent>
-      <p:cxnSp>
-        <p:nvCxnSpPr>
-          <p:cNvPr id="56" name="直接箭头连接符 55">
-            <a:extLst>
-              <a:ext uri="{FF2B5EF4-FFF2-40B4-BE49-F238E27FC236}">
-                <a16:creationId xmlns:a16="http://schemas.microsoft.com/office/drawing/2014/main" id="{B8255F15-6C01-4ED1-82D5-B3B387003EA9}"/>
-              </a:ext>
-            </a:extLst>
-          </p:cNvPr>
-          <p:cNvCxnSpPr>
-            <a:cxnSpLocks/>
-          </p:cNvCxnSpPr>
-          <p:nvPr/>
-        </p:nvCxnSpPr>
-        <p:spPr>
-          <a:xfrm>
-            <a:off x="1580765" y="5246743"/>
-            <a:ext cx="4910433" cy="0"/>
-          </a:xfrm>
-          <a:prstGeom prst="straightConnector1">
-            <a:avLst/>
-          </a:prstGeom>
-          <a:ln w="38100">
-            <a:solidFill>
-              <a:schemeClr val="tx1"/>
-            </a:solidFill>
-            <a:headEnd type="arrow" w="med" len="med"/>
-            <a:tailEnd type="arrow" w="med" len="med"/>
           </a:ln>
         </p:spPr>
         <p:style>
@@ -6318,180 +8635,33 @@
       </p:cxnSp>
       <p:cxnSp>
         <p:nvCxnSpPr>
-          <p:cNvPr id="58" name="直接箭头连接符 57">
+          <p:cNvPr id="7" name="连接符: 曲线 6">
             <a:extLst>
               <a:ext uri="{FF2B5EF4-FFF2-40B4-BE49-F238E27FC236}">
-                <a16:creationId xmlns:a16="http://schemas.microsoft.com/office/drawing/2014/main" id="{FCA0B71F-0256-4F67-9B3A-2151AB546EF8}"/>
+                <a16:creationId xmlns:a16="http://schemas.microsoft.com/office/drawing/2014/main" id="{B9B2161D-AE8D-4EF3-911B-9B9624AE1871}"/>
               </a:ext>
             </a:extLst>
           </p:cNvPr>
           <p:cNvCxnSpPr>
             <a:cxnSpLocks/>
-            <a:endCxn id="8" idx="4"/>
           </p:cNvCxnSpPr>
           <p:nvPr/>
         </p:nvCxnSpPr>
         <p:spPr>
-          <a:xfrm flipV="1">
-            <a:off x="6479302" y="3412876"/>
-            <a:ext cx="7134" cy="1886732"/>
+          <a:xfrm rot="-2400000" flipH="1" flipV="1">
+            <a:off x="1015449" y="2756710"/>
+            <a:ext cx="1276350" cy="1276350"/>
           </a:xfrm>
-          <a:prstGeom prst="straightConnector1">
+          <a:prstGeom prst="curvedConnector3">
             <a:avLst/>
           </a:prstGeom>
-          <a:ln w="12700">
-            <a:prstDash val="dash"/>
-            <a:headEnd type="none" w="med" len="med"/>
-            <a:tailEnd type="none" w="med" len="med"/>
-          </a:ln>
-        </p:spPr>
-        <p:style>
-          <a:lnRef idx="1">
-            <a:schemeClr val="dk1"/>
-          </a:lnRef>
-          <a:fillRef idx="0">
-            <a:schemeClr val="dk1"/>
-          </a:fillRef>
-          <a:effectRef idx="0">
-            <a:schemeClr val="dk1"/>
-          </a:effectRef>
-          <a:fontRef idx="minor">
-            <a:schemeClr val="tx1"/>
-          </a:fontRef>
-        </p:style>
-      </p:cxnSp>
-      <mc:AlternateContent xmlns:mc="http://schemas.openxmlformats.org/markup-compatibility/2006" xmlns:a14="http://schemas.microsoft.com/office/drawing/2010/main">
-        <mc:Choice Requires="a14">
-          <p:sp>
-            <p:nvSpPr>
-              <p:cNvPr id="65" name="文本框 64">
-                <a:extLst>
-                  <a:ext uri="{FF2B5EF4-FFF2-40B4-BE49-F238E27FC236}">
-                    <a16:creationId xmlns:a16="http://schemas.microsoft.com/office/drawing/2014/main" id="{118EAA81-F1B2-4520-A8D9-0E1AFF9ADA12}"/>
-                  </a:ext>
-                </a:extLst>
-              </p:cNvPr>
-              <p:cNvSpPr txBox="1"/>
-              <p:nvPr/>
-            </p:nvSpPr>
-            <p:spPr>
-              <a:xfrm>
-                <a:off x="3377248" y="5028066"/>
-                <a:ext cx="688137" cy="369332"/>
-              </a:xfrm>
-              <a:prstGeom prst="rect">
-                <a:avLst/>
-              </a:prstGeom>
-              <a:solidFill>
-                <a:schemeClr val="bg1"/>
-              </a:solidFill>
-            </p:spPr>
-            <p:txBody>
-              <a:bodyPr wrap="none" lIns="0" tIns="0" rIns="0" bIns="0" rtlCol="0">
-                <a:spAutoFit/>
-              </a:bodyPr>
-              <a:lstStyle/>
-              <a:p>
-                <a:pPr/>
-                <a14:m>
-                  <m:oMathPara xmlns:m="http://schemas.openxmlformats.org/officeDocument/2006/math">
-                    <m:oMathParaPr>
-                      <m:jc m:val="centerGroup"/>
-                    </m:oMathParaPr>
-                    <m:oMath xmlns:m="http://schemas.openxmlformats.org/officeDocument/2006/math">
-                      <m:r>
-                        <a:rPr lang="en-US" altLang="zh-CN" sz="2400" b="0" i="1" smtClean="0">
-                          <a:latin typeface="Cambria Math" panose="02040503050406030204" pitchFamily="18" charset="0"/>
-                        </a:rPr>
-                        <m:t>10</m:t>
-                      </m:r>
-                      <m:r>
-                        <a:rPr lang="en-US" altLang="zh-CN" sz="2400" b="0" i="1" smtClean="0">
-                          <a:latin typeface="Cambria Math" panose="02040503050406030204" pitchFamily="18" charset="0"/>
-                        </a:rPr>
-                        <m:t>𝑚</m:t>
-                      </m:r>
-                    </m:oMath>
-                  </m:oMathPara>
-                </a14:m>
-                <a:endParaRPr lang="zh-CN" altLang="en-US" sz="2400" dirty="0"/>
-              </a:p>
-            </p:txBody>
-          </p:sp>
-        </mc:Choice>
-        <mc:Fallback xmlns="">
-          <p:sp>
-            <p:nvSpPr>
-              <p:cNvPr id="65" name="文本框 64">
-                <a:extLst>
-                  <a:ext uri="{FF2B5EF4-FFF2-40B4-BE49-F238E27FC236}">
-                    <a16:creationId xmlns:a16="http://schemas.microsoft.com/office/drawing/2014/main" id="{118EAA81-F1B2-4520-A8D9-0E1AFF9ADA12}"/>
-                  </a:ext>
-                </a:extLst>
-              </p:cNvPr>
-              <p:cNvSpPr txBox="1">
-                <a:spLocks noRot="1" noChangeAspect="1" noMove="1" noResize="1" noEditPoints="1" noAdjustHandles="1" noChangeArrowheads="1" noChangeShapeType="1" noTextEdit="1"/>
-              </p:cNvSpPr>
-              <p:nvPr/>
-            </p:nvSpPr>
-            <p:spPr>
-              <a:xfrm>
-                <a:off x="3377248" y="5028066"/>
-                <a:ext cx="688137" cy="369332"/>
-              </a:xfrm>
-              <a:prstGeom prst="rect">
-                <a:avLst/>
-              </a:prstGeom>
-              <a:blipFill>
-                <a:blip r:embed="rId9"/>
-                <a:stretch>
-                  <a:fillRect l="-8850" r="-8850" b="-6667"/>
-                </a:stretch>
-              </a:blipFill>
-            </p:spPr>
-            <p:txBody>
-              <a:bodyPr/>
-              <a:lstStyle/>
-              <a:p>
-                <a:r>
-                  <a:rPr lang="zh-CN" altLang="en-US">
-                    <a:noFill/>
-                  </a:rPr>
-                  <a:t> </a:t>
-                </a:r>
-              </a:p>
-            </p:txBody>
-          </p:sp>
-        </mc:Fallback>
-      </mc:AlternateContent>
-      <p:cxnSp>
-        <p:nvCxnSpPr>
-          <p:cNvPr id="67" name="直接连接符 66">
-            <a:extLst>
-              <a:ext uri="{FF2B5EF4-FFF2-40B4-BE49-F238E27FC236}">
-                <a16:creationId xmlns:a16="http://schemas.microsoft.com/office/drawing/2014/main" id="{E2FCD98E-E4A5-4BAA-A8BF-B0B974ED394A}"/>
-              </a:ext>
-            </a:extLst>
-          </p:cNvPr>
-          <p:cNvCxnSpPr>
-            <a:cxnSpLocks/>
-            <a:endCxn id="8" idx="2"/>
-          </p:cNvCxnSpPr>
-          <p:nvPr/>
-        </p:nvCxnSpPr>
-        <p:spPr>
-          <a:xfrm>
-            <a:off x="952500" y="2891849"/>
-            <a:ext cx="5025581" cy="12672"/>
-          </a:xfrm>
-          <a:prstGeom prst="line">
-            <a:avLst/>
-          </a:prstGeom>
-          <a:ln w="12700">
+          <a:ln>
             <a:solidFill>
-              <a:schemeClr val="tx1"/>
+              <a:schemeClr val="accent1">
+                <a:lumMod val="60000"/>
+                <a:lumOff val="40000"/>
+              </a:schemeClr>
             </a:solidFill>
-            <a:prstDash val="dash"/>
           </a:ln>
         </p:spPr>
         <p:style>
@@ -6511,10 +8681,10 @@
       </p:cxnSp>
       <p:cxnSp>
         <p:nvCxnSpPr>
-          <p:cNvPr id="70" name="直接箭头连接符 69">
+          <p:cNvPr id="8" name="连接符: 曲线 7">
             <a:extLst>
               <a:ext uri="{FF2B5EF4-FFF2-40B4-BE49-F238E27FC236}">
-                <a16:creationId xmlns:a16="http://schemas.microsoft.com/office/drawing/2014/main" id="{EE7F2BE0-C17C-409C-B4DC-C2762B0C8839}"/>
+                <a16:creationId xmlns:a16="http://schemas.microsoft.com/office/drawing/2014/main" id="{48D6959D-976C-43FB-B95B-27718E21ED91}"/>
               </a:ext>
             </a:extLst>
           </p:cNvPr>
@@ -6524,219 +8694,20 @@
           <p:nvPr/>
         </p:nvCxnSpPr>
         <p:spPr>
-          <a:xfrm>
-            <a:off x="1292440" y="2891849"/>
-            <a:ext cx="0" cy="1795457"/>
+          <a:xfrm rot="-2400000" flipH="1" flipV="1">
+            <a:off x="1015455" y="3574722"/>
+            <a:ext cx="1276350" cy="1276350"/>
           </a:xfrm>
-          <a:prstGeom prst="straightConnector1">
+          <a:prstGeom prst="curvedConnector3">
             <a:avLst/>
           </a:prstGeom>
-          <a:ln w="38100">
+          <a:ln>
             <a:solidFill>
-              <a:schemeClr val="tx1"/>
+              <a:schemeClr val="accent1">
+                <a:lumMod val="60000"/>
+                <a:lumOff val="40000"/>
+              </a:schemeClr>
             </a:solidFill>
-            <a:headEnd type="arrow" w="med" len="med"/>
-            <a:tailEnd type="arrow" w="med" len="med"/>
-          </a:ln>
-        </p:spPr>
-        <p:style>
-          <a:lnRef idx="1">
-            <a:schemeClr val="accent1"/>
-          </a:lnRef>
-          <a:fillRef idx="0">
-            <a:schemeClr val="accent1"/>
-          </a:fillRef>
-          <a:effectRef idx="0">
-            <a:schemeClr val="accent1"/>
-          </a:effectRef>
-          <a:fontRef idx="minor">
-            <a:schemeClr val="tx1"/>
-          </a:fontRef>
-        </p:style>
-      </p:cxnSp>
-      <mc:AlternateContent xmlns:mc="http://schemas.openxmlformats.org/markup-compatibility/2006" xmlns:a14="http://schemas.microsoft.com/office/drawing/2010/main">
-        <mc:Choice Requires="a14">
-          <p:sp>
-            <p:nvSpPr>
-              <p:cNvPr id="71" name="文本框 70">
-                <a:extLst>
-                  <a:ext uri="{FF2B5EF4-FFF2-40B4-BE49-F238E27FC236}">
-                    <a16:creationId xmlns:a16="http://schemas.microsoft.com/office/drawing/2014/main" id="{D61AE801-D769-4C52-B2AC-E9AD666E042C}"/>
-                  </a:ext>
-                </a:extLst>
-              </p:cNvPr>
-              <p:cNvSpPr txBox="1"/>
-              <p:nvPr/>
-            </p:nvSpPr>
-            <p:spPr>
-              <a:xfrm>
-                <a:off x="1017248" y="3630625"/>
-                <a:ext cx="487558" cy="369332"/>
-              </a:xfrm>
-              <a:prstGeom prst="rect">
-                <a:avLst/>
-              </a:prstGeom>
-              <a:solidFill>
-                <a:schemeClr val="bg1"/>
-              </a:solidFill>
-            </p:spPr>
-            <p:txBody>
-              <a:bodyPr wrap="square" lIns="0" tIns="0" rIns="0" bIns="0" rtlCol="0">
-                <a:spAutoFit/>
-              </a:bodyPr>
-              <a:lstStyle/>
-              <a:p>
-                <a:pPr/>
-                <a14:m>
-                  <m:oMathPara xmlns:m="http://schemas.openxmlformats.org/officeDocument/2006/math">
-                    <m:oMathParaPr>
-                      <m:jc m:val="centerGroup"/>
-                    </m:oMathParaPr>
-                    <m:oMath xmlns:m="http://schemas.openxmlformats.org/officeDocument/2006/math">
-                      <m:r>
-                        <a:rPr lang="en-US" altLang="zh-CN" sz="2400" i="1">
-                          <a:latin typeface="Cambria Math" panose="02040503050406030204" pitchFamily="18" charset="0"/>
-                        </a:rPr>
-                        <m:t>3</m:t>
-                      </m:r>
-                      <m:r>
-                        <a:rPr lang="en-US" altLang="zh-CN" sz="2400" b="0" i="1" smtClean="0">
-                          <a:latin typeface="Cambria Math" panose="02040503050406030204" pitchFamily="18" charset="0"/>
-                        </a:rPr>
-                        <m:t>𝑚</m:t>
-                      </m:r>
-                    </m:oMath>
-                  </m:oMathPara>
-                </a14:m>
-                <a:endParaRPr lang="zh-CN" altLang="en-US" sz="2400" dirty="0"/>
-              </a:p>
-            </p:txBody>
-          </p:sp>
-        </mc:Choice>
-        <mc:Fallback xmlns="">
-          <p:sp>
-            <p:nvSpPr>
-              <p:cNvPr id="71" name="文本框 70">
-                <a:extLst>
-                  <a:ext uri="{FF2B5EF4-FFF2-40B4-BE49-F238E27FC236}">
-                    <a16:creationId xmlns:a16="http://schemas.microsoft.com/office/drawing/2014/main" id="{D61AE801-D769-4C52-B2AC-E9AD666E042C}"/>
-                  </a:ext>
-                </a:extLst>
-              </p:cNvPr>
-              <p:cNvSpPr txBox="1">
-                <a:spLocks noRot="1" noChangeAspect="1" noMove="1" noResize="1" noEditPoints="1" noAdjustHandles="1" noChangeArrowheads="1" noChangeShapeType="1" noTextEdit="1"/>
-              </p:cNvSpPr>
-              <p:nvPr/>
-            </p:nvSpPr>
-            <p:spPr>
-              <a:xfrm>
-                <a:off x="1017248" y="3630625"/>
-                <a:ext cx="487558" cy="369332"/>
-              </a:xfrm>
-              <a:prstGeom prst="rect">
-                <a:avLst/>
-              </a:prstGeom>
-              <a:blipFill>
-                <a:blip r:embed="rId10"/>
-                <a:stretch>
-                  <a:fillRect l="-16250" r="-8750" b="-6667"/>
-                </a:stretch>
-              </a:blipFill>
-            </p:spPr>
-            <p:txBody>
-              <a:bodyPr/>
-              <a:lstStyle/>
-              <a:p>
-                <a:r>
-                  <a:rPr lang="zh-CN" altLang="en-US">
-                    <a:noFill/>
-                  </a:rPr>
-                  <a:t> </a:t>
-                </a:r>
-              </a:p>
-            </p:txBody>
-          </p:sp>
-        </mc:Fallback>
-      </mc:AlternateContent>
-      <p:sp>
-        <p:nvSpPr>
-          <p:cNvPr id="8" name="椭圆 7">
-            <a:extLst>
-              <a:ext uri="{FF2B5EF4-FFF2-40B4-BE49-F238E27FC236}">
-                <a16:creationId xmlns:a16="http://schemas.microsoft.com/office/drawing/2014/main" id="{CB414263-0738-4614-92C3-8C63CE8F3B3D}"/>
-              </a:ext>
-            </a:extLst>
-          </p:cNvPr>
-          <p:cNvSpPr/>
-          <p:nvPr/>
-        </p:nvSpPr>
-        <p:spPr>
-          <a:xfrm>
-            <a:off x="5978081" y="2396166"/>
-            <a:ext cx="1016710" cy="1016710"/>
-          </a:xfrm>
-          <a:prstGeom prst="ellipse">
-            <a:avLst/>
-          </a:prstGeom>
-          <a:solidFill>
-            <a:schemeClr val="tx1"/>
-          </a:solidFill>
-        </p:spPr>
-        <p:style>
-          <a:lnRef idx="2">
-            <a:schemeClr val="accent1">
-              <a:shade val="50000"/>
-            </a:schemeClr>
-          </a:lnRef>
-          <a:fillRef idx="1">
-            <a:schemeClr val="accent1"/>
-          </a:fillRef>
-          <a:effectRef idx="0">
-            <a:schemeClr val="accent1"/>
-          </a:effectRef>
-          <a:fontRef idx="minor">
-            <a:schemeClr val="lt1"/>
-          </a:fontRef>
-        </p:style>
-        <p:txBody>
-          <a:bodyPr rtlCol="0" anchor="ctr"/>
-          <a:lstStyle/>
-          <a:p>
-            <a:pPr algn="ctr"/>
-            <a:endParaRPr lang="zh-CN" altLang="en-US" sz="1400"/>
-          </a:p>
-        </p:txBody>
-      </p:sp>
-      <p:cxnSp>
-        <p:nvCxnSpPr>
-          <p:cNvPr id="52" name="直接箭头连接符 51">
-            <a:extLst>
-              <a:ext uri="{FF2B5EF4-FFF2-40B4-BE49-F238E27FC236}">
-                <a16:creationId xmlns:a16="http://schemas.microsoft.com/office/drawing/2014/main" id="{C0E33797-C4FA-40A9-9A3F-BD268364F89B}"/>
-              </a:ext>
-            </a:extLst>
-          </p:cNvPr>
-          <p:cNvCxnSpPr>
-            <a:cxnSpLocks/>
-            <a:stCxn id="8" idx="7"/>
-            <a:endCxn id="8" idx="3"/>
-          </p:cNvCxnSpPr>
-          <p:nvPr/>
-        </p:nvCxnSpPr>
-        <p:spPr>
-          <a:xfrm flipH="1">
-            <a:off x="6126975" y="2545060"/>
-            <a:ext cx="718922" cy="718922"/>
-          </a:xfrm>
-          <a:prstGeom prst="straightConnector1">
-            <a:avLst/>
-          </a:prstGeom>
-          <a:ln w="38100">
-            <a:solidFill>
-              <a:schemeClr val="bg1"/>
-            </a:solidFill>
-            <a:headEnd type="arrow" w="med" len="med"/>
-            <a:tailEnd type="arrow" w="med" len="med"/>
           </a:ln>
         </p:spPr>
         <p:style>
@@ -6756,29 +8727,33 @@
       </p:cxnSp>
       <p:cxnSp>
         <p:nvCxnSpPr>
-          <p:cNvPr id="75" name="直接箭头连接符 74">
+          <p:cNvPr id="9" name="连接符: 曲线 8">
             <a:extLst>
               <a:ext uri="{FF2B5EF4-FFF2-40B4-BE49-F238E27FC236}">
-                <a16:creationId xmlns:a16="http://schemas.microsoft.com/office/drawing/2014/main" id="{EC7256E3-78C5-4BF7-B0F7-030E66675163}"/>
+                <a16:creationId xmlns:a16="http://schemas.microsoft.com/office/drawing/2014/main" id="{85E9BDFF-BC9D-4AED-9A47-615C45CB8492}"/>
               </a:ext>
             </a:extLst>
           </p:cNvPr>
-          <p:cNvCxnSpPr/>
+          <p:cNvCxnSpPr>
+            <a:cxnSpLocks/>
+          </p:cNvCxnSpPr>
           <p:nvPr/>
         </p:nvCxnSpPr>
         <p:spPr>
-          <a:xfrm>
-            <a:off x="1700759" y="1511397"/>
-            <a:ext cx="824943" cy="0"/>
+          <a:xfrm rot="-2400000" flipH="1" flipV="1">
+            <a:off x="4006310" y="1026776"/>
+            <a:ext cx="1276350" cy="1276350"/>
           </a:xfrm>
-          <a:prstGeom prst="straightConnector1">
+          <a:prstGeom prst="curvedConnector3">
             <a:avLst/>
           </a:prstGeom>
-          <a:ln w="28575">
+          <a:ln>
             <a:solidFill>
-              <a:srgbClr val="00B0F0"/>
+              <a:schemeClr val="accent1">
+                <a:lumMod val="60000"/>
+                <a:lumOff val="40000"/>
+              </a:schemeClr>
             </a:solidFill>
-            <a:tailEnd type="triangle"/>
           </a:ln>
         </p:spPr>
         <p:style>
@@ -6798,29 +8773,33 @@
       </p:cxnSp>
       <p:cxnSp>
         <p:nvCxnSpPr>
-          <p:cNvPr id="76" name="直接箭头连接符 75">
+          <p:cNvPr id="10" name="连接符: 曲线 9">
             <a:extLst>
               <a:ext uri="{FF2B5EF4-FFF2-40B4-BE49-F238E27FC236}">
-                <a16:creationId xmlns:a16="http://schemas.microsoft.com/office/drawing/2014/main" id="{7B558889-CD4C-4ACD-A82F-7C1B8E286465}"/>
+                <a16:creationId xmlns:a16="http://schemas.microsoft.com/office/drawing/2014/main" id="{A7AB7942-6EEA-403A-A99F-955FBC100420}"/>
               </a:ext>
             </a:extLst>
           </p:cNvPr>
-          <p:cNvCxnSpPr/>
+          <p:cNvCxnSpPr>
+            <a:cxnSpLocks/>
+          </p:cNvCxnSpPr>
           <p:nvPr/>
         </p:nvCxnSpPr>
         <p:spPr>
-          <a:xfrm>
-            <a:off x="1700758" y="1820127"/>
-            <a:ext cx="824943" cy="0"/>
+          <a:xfrm rot="-2400000" flipH="1" flipV="1">
+            <a:off x="4006310" y="1925857"/>
+            <a:ext cx="1276350" cy="1276350"/>
           </a:xfrm>
-          <a:prstGeom prst="straightConnector1">
+          <a:prstGeom prst="curvedConnector3">
             <a:avLst/>
           </a:prstGeom>
-          <a:ln w="28575">
+          <a:ln>
             <a:solidFill>
-              <a:srgbClr val="00B0F0"/>
+              <a:schemeClr val="accent1">
+                <a:lumMod val="60000"/>
+                <a:lumOff val="40000"/>
+              </a:schemeClr>
             </a:solidFill>
-            <a:tailEnd type="triangle"/>
           </a:ln>
         </p:spPr>
         <p:style>
@@ -6840,29 +8819,33 @@
       </p:cxnSp>
       <p:cxnSp>
         <p:nvCxnSpPr>
-          <p:cNvPr id="77" name="直接箭头连接符 76">
+          <p:cNvPr id="11" name="连接符: 曲线 10">
             <a:extLst>
               <a:ext uri="{FF2B5EF4-FFF2-40B4-BE49-F238E27FC236}">
-                <a16:creationId xmlns:a16="http://schemas.microsoft.com/office/drawing/2014/main" id="{13985314-419C-4DBD-89B1-87CB16554F5C}"/>
+                <a16:creationId xmlns:a16="http://schemas.microsoft.com/office/drawing/2014/main" id="{F3C1D2CD-AF04-42E2-B669-96F3A5073DC6}"/>
               </a:ext>
             </a:extLst>
           </p:cNvPr>
-          <p:cNvCxnSpPr/>
+          <p:cNvCxnSpPr>
+            <a:cxnSpLocks/>
+          </p:cNvCxnSpPr>
           <p:nvPr/>
         </p:nvCxnSpPr>
         <p:spPr>
-          <a:xfrm>
-            <a:off x="1700758" y="2101947"/>
-            <a:ext cx="824943" cy="0"/>
+          <a:xfrm rot="-2400000" flipH="1" flipV="1">
+            <a:off x="4006298" y="2756709"/>
+            <a:ext cx="1276350" cy="1276350"/>
           </a:xfrm>
-          <a:prstGeom prst="straightConnector1">
+          <a:prstGeom prst="curvedConnector3">
             <a:avLst/>
           </a:prstGeom>
-          <a:ln w="28575">
+          <a:ln>
             <a:solidFill>
-              <a:srgbClr val="00B0F0"/>
+              <a:schemeClr val="accent1">
+                <a:lumMod val="60000"/>
+                <a:lumOff val="40000"/>
+              </a:schemeClr>
             </a:solidFill>
-            <a:tailEnd type="triangle"/>
           </a:ln>
         </p:spPr>
         <p:style>
@@ -6882,29 +8865,33 @@
       </p:cxnSp>
       <p:cxnSp>
         <p:nvCxnSpPr>
-          <p:cNvPr id="78" name="直接箭头连接符 77">
+          <p:cNvPr id="12" name="连接符: 曲线 11">
             <a:extLst>
               <a:ext uri="{FF2B5EF4-FFF2-40B4-BE49-F238E27FC236}">
-                <a16:creationId xmlns:a16="http://schemas.microsoft.com/office/drawing/2014/main" id="{83113561-02AB-4FA7-82CA-B21B5A3B4516}"/>
+                <a16:creationId xmlns:a16="http://schemas.microsoft.com/office/drawing/2014/main" id="{3D10F47D-B942-4B16-9736-88B8488421D6}"/>
               </a:ext>
             </a:extLst>
           </p:cNvPr>
-          <p:cNvCxnSpPr/>
+          <p:cNvCxnSpPr>
+            <a:cxnSpLocks/>
+          </p:cNvCxnSpPr>
           <p:nvPr/>
         </p:nvCxnSpPr>
         <p:spPr>
-          <a:xfrm>
-            <a:off x="1700757" y="2410677"/>
-            <a:ext cx="824943" cy="0"/>
+          <a:xfrm rot="-2400000" flipH="1" flipV="1">
+            <a:off x="4006304" y="3574721"/>
+            <a:ext cx="1276350" cy="1276350"/>
           </a:xfrm>
-          <a:prstGeom prst="straightConnector1">
+          <a:prstGeom prst="curvedConnector3">
             <a:avLst/>
           </a:prstGeom>
-          <a:ln w="28575">
+          <a:ln>
             <a:solidFill>
-              <a:srgbClr val="00B0F0"/>
+              <a:schemeClr val="accent1">
+                <a:lumMod val="60000"/>
+                <a:lumOff val="40000"/>
+              </a:schemeClr>
             </a:solidFill>
-            <a:tailEnd type="triangle"/>
           </a:ln>
         </p:spPr>
         <p:style>
@@ -6924,29 +8911,33 @@
       </p:cxnSp>
       <p:cxnSp>
         <p:nvCxnSpPr>
-          <p:cNvPr id="79" name="直接箭头连接符 78">
+          <p:cNvPr id="13" name="连接符: 曲线 12">
             <a:extLst>
               <a:ext uri="{FF2B5EF4-FFF2-40B4-BE49-F238E27FC236}">
-                <a16:creationId xmlns:a16="http://schemas.microsoft.com/office/drawing/2014/main" id="{D1E6EE3B-B3C2-49DC-9654-E3E921CB71B2}"/>
+                <a16:creationId xmlns:a16="http://schemas.microsoft.com/office/drawing/2014/main" id="{651A0EC7-83B2-4DC2-A7D3-93184F4D6347}"/>
               </a:ext>
             </a:extLst>
           </p:cNvPr>
-          <p:cNvCxnSpPr/>
+          <p:cNvCxnSpPr>
+            <a:cxnSpLocks/>
+          </p:cNvCxnSpPr>
           <p:nvPr/>
         </p:nvCxnSpPr>
         <p:spPr>
-          <a:xfrm>
-            <a:off x="1692219" y="3357124"/>
-            <a:ext cx="824943" cy="0"/>
+          <a:xfrm rot="-2400000" flipH="1" flipV="1">
+            <a:off x="6909353" y="1026776"/>
+            <a:ext cx="1276350" cy="1276350"/>
           </a:xfrm>
-          <a:prstGeom prst="straightConnector1">
+          <a:prstGeom prst="curvedConnector3">
             <a:avLst/>
           </a:prstGeom>
-          <a:ln w="28575">
+          <a:ln>
             <a:solidFill>
-              <a:srgbClr val="00B0F0"/>
+              <a:schemeClr val="accent1">
+                <a:lumMod val="60000"/>
+                <a:lumOff val="40000"/>
+              </a:schemeClr>
             </a:solidFill>
-            <a:tailEnd type="triangle"/>
           </a:ln>
         </p:spPr>
         <p:style>
@@ -6966,29 +8957,33 @@
       </p:cxnSp>
       <p:cxnSp>
         <p:nvCxnSpPr>
-          <p:cNvPr id="80" name="直接箭头连接符 79">
+          <p:cNvPr id="14" name="连接符: 曲线 13">
             <a:extLst>
               <a:ext uri="{FF2B5EF4-FFF2-40B4-BE49-F238E27FC236}">
-                <a16:creationId xmlns:a16="http://schemas.microsoft.com/office/drawing/2014/main" id="{DD9E95B4-739F-49FE-A062-62BC45292D84}"/>
+                <a16:creationId xmlns:a16="http://schemas.microsoft.com/office/drawing/2014/main" id="{1904D3B0-D102-4537-B42F-72FF6806773D}"/>
               </a:ext>
             </a:extLst>
           </p:cNvPr>
-          <p:cNvCxnSpPr/>
+          <p:cNvCxnSpPr>
+            <a:cxnSpLocks/>
+          </p:cNvCxnSpPr>
           <p:nvPr/>
         </p:nvCxnSpPr>
         <p:spPr>
-          <a:xfrm>
-            <a:off x="1692218" y="3665854"/>
-            <a:ext cx="824943" cy="0"/>
+          <a:xfrm rot="-2400000" flipH="1" flipV="1">
+            <a:off x="6909353" y="1925857"/>
+            <a:ext cx="1276350" cy="1276350"/>
           </a:xfrm>
-          <a:prstGeom prst="straightConnector1">
+          <a:prstGeom prst="curvedConnector3">
             <a:avLst/>
           </a:prstGeom>
-          <a:ln w="28575">
+          <a:ln>
             <a:solidFill>
-              <a:srgbClr val="00B0F0"/>
+              <a:schemeClr val="accent1">
+                <a:lumMod val="60000"/>
+                <a:lumOff val="40000"/>
+              </a:schemeClr>
             </a:solidFill>
-            <a:tailEnd type="triangle"/>
           </a:ln>
         </p:spPr>
         <p:style>
@@ -7008,29 +9003,33 @@
       </p:cxnSp>
       <p:cxnSp>
         <p:nvCxnSpPr>
-          <p:cNvPr id="81" name="直接箭头连接符 80">
+          <p:cNvPr id="15" name="连接符: 曲线 14">
             <a:extLst>
               <a:ext uri="{FF2B5EF4-FFF2-40B4-BE49-F238E27FC236}">
-                <a16:creationId xmlns:a16="http://schemas.microsoft.com/office/drawing/2014/main" id="{6E0EB54F-9763-46AB-A5D7-134C75436282}"/>
+                <a16:creationId xmlns:a16="http://schemas.microsoft.com/office/drawing/2014/main" id="{2CBF2218-4695-4539-9CF9-D970C455817B}"/>
               </a:ext>
             </a:extLst>
           </p:cNvPr>
-          <p:cNvCxnSpPr/>
+          <p:cNvCxnSpPr>
+            <a:cxnSpLocks/>
+          </p:cNvCxnSpPr>
           <p:nvPr/>
         </p:nvCxnSpPr>
         <p:spPr>
-          <a:xfrm>
-            <a:off x="1682695" y="4005020"/>
-            <a:ext cx="824943" cy="0"/>
+          <a:xfrm rot="-2400000" flipH="1" flipV="1">
+            <a:off x="6909341" y="2756709"/>
+            <a:ext cx="1276350" cy="1276350"/>
           </a:xfrm>
-          <a:prstGeom prst="straightConnector1">
+          <a:prstGeom prst="curvedConnector3">
             <a:avLst/>
           </a:prstGeom>
-          <a:ln w="28575">
+          <a:ln>
             <a:solidFill>
-              <a:srgbClr val="00B0F0"/>
+              <a:schemeClr val="accent1">
+                <a:lumMod val="60000"/>
+                <a:lumOff val="40000"/>
+              </a:schemeClr>
             </a:solidFill>
-            <a:tailEnd type="triangle"/>
           </a:ln>
         </p:spPr>
         <p:style>
@@ -7050,249 +9049,33 @@
       </p:cxnSp>
       <p:cxnSp>
         <p:nvCxnSpPr>
-          <p:cNvPr id="82" name="直接箭头连接符 81">
+          <p:cNvPr id="16" name="连接符: 曲线 15">
             <a:extLst>
               <a:ext uri="{FF2B5EF4-FFF2-40B4-BE49-F238E27FC236}">
-                <a16:creationId xmlns:a16="http://schemas.microsoft.com/office/drawing/2014/main" id="{06C3F383-CFF6-455B-8525-CB3CD9BD11C0}"/>
+                <a16:creationId xmlns:a16="http://schemas.microsoft.com/office/drawing/2014/main" id="{F99B37EB-9AF7-41FE-8294-01FAECE3AE94}"/>
               </a:ext>
             </a:extLst>
           </p:cNvPr>
-          <p:cNvCxnSpPr/>
+          <p:cNvCxnSpPr>
+            <a:cxnSpLocks/>
+          </p:cNvCxnSpPr>
           <p:nvPr/>
         </p:nvCxnSpPr>
         <p:spPr>
-          <a:xfrm>
-            <a:off x="1682694" y="4313750"/>
-            <a:ext cx="824943" cy="0"/>
+          <a:xfrm rot="-2400000" flipH="1" flipV="1">
+            <a:off x="6909347" y="3574721"/>
+            <a:ext cx="1276350" cy="1276350"/>
           </a:xfrm>
-          <a:prstGeom prst="straightConnector1">
+          <a:prstGeom prst="curvedConnector3">
             <a:avLst/>
           </a:prstGeom>
-          <a:ln w="28575">
+          <a:ln>
             <a:solidFill>
-              <a:srgbClr val="00B0F0"/>
+              <a:schemeClr val="accent1">
+                <a:lumMod val="60000"/>
+                <a:lumOff val="40000"/>
+              </a:schemeClr>
             </a:solidFill>
-            <a:tailEnd type="triangle"/>
-          </a:ln>
-        </p:spPr>
-        <p:style>
-          <a:lnRef idx="1">
-            <a:schemeClr val="accent1"/>
-          </a:lnRef>
-          <a:fillRef idx="0">
-            <a:schemeClr val="accent1"/>
-          </a:fillRef>
-          <a:effectRef idx="0">
-            <a:schemeClr val="accent1"/>
-          </a:effectRef>
-          <a:fontRef idx="minor">
-            <a:schemeClr val="tx1"/>
-          </a:fontRef>
-        </p:style>
-      </p:cxnSp>
-      <mc:AlternateContent xmlns:mc="http://schemas.openxmlformats.org/markup-compatibility/2006" xmlns:a14="http://schemas.microsoft.com/office/drawing/2010/main">
-        <mc:Choice Requires="a14">
-          <p:sp>
-            <p:nvSpPr>
-              <p:cNvPr id="83" name="文本框 82">
-                <a:extLst>
-                  <a:ext uri="{FF2B5EF4-FFF2-40B4-BE49-F238E27FC236}">
-                    <a16:creationId xmlns:a16="http://schemas.microsoft.com/office/drawing/2014/main" id="{0BF0DC64-4FEC-4FE5-9B77-E218ED274A5A}"/>
-                  </a:ext>
-                </a:extLst>
-              </p:cNvPr>
-              <p:cNvSpPr txBox="1"/>
-              <p:nvPr/>
-            </p:nvSpPr>
-            <p:spPr>
-              <a:xfrm>
-                <a:off x="1687942" y="3109880"/>
-                <a:ext cx="1283300" cy="369332"/>
-              </a:xfrm>
-              <a:prstGeom prst="rect">
-                <a:avLst/>
-              </a:prstGeom>
-              <a:solidFill>
-                <a:schemeClr val="bg1"/>
-              </a:solidFill>
-            </p:spPr>
-            <p:txBody>
-              <a:bodyPr wrap="none" lIns="0" tIns="0" rIns="0" bIns="0" rtlCol="0">
-                <a:spAutoFit/>
-              </a:bodyPr>
-              <a:lstStyle/>
-              <a:p>
-                <a:pPr/>
-                <a14:m>
-                  <m:oMathPara xmlns:m="http://schemas.openxmlformats.org/officeDocument/2006/math">
-                    <m:oMathParaPr>
-                      <m:jc m:val="centerGroup"/>
-                    </m:oMathParaPr>
-                    <m:oMath xmlns:m="http://schemas.openxmlformats.org/officeDocument/2006/math">
-                      <m:acc>
-                        <m:accPr>
-                          <m:chr m:val="⃗"/>
-                          <m:ctrlPr>
-                            <a:rPr lang="zh-CN" altLang="en-US" sz="2400" i="1" smtClean="0">
-                              <a:latin typeface="Cambria Math" panose="02040503050406030204" pitchFamily="18" charset="0"/>
-                            </a:rPr>
-                          </m:ctrlPr>
-                        </m:accPr>
-                        <m:e>
-                          <m:r>
-                            <a:rPr lang="en-US" altLang="zh-CN" sz="2400" b="0" i="1" smtClean="0">
-                              <a:latin typeface="Cambria Math" panose="02040503050406030204" pitchFamily="18" charset="0"/>
-                            </a:rPr>
-                            <m:t>𝑢</m:t>
-                          </m:r>
-                        </m:e>
-                      </m:acc>
-                      <m:r>
-                        <a:rPr lang="en-US" altLang="zh-CN" sz="2400" b="0" i="1" smtClean="0">
-                          <a:latin typeface="Cambria Math" panose="02040503050406030204" pitchFamily="18" charset="0"/>
-                        </a:rPr>
-                        <m:t>=</m:t>
-                      </m:r>
-                      <m:sSub>
-                        <m:sSubPr>
-                          <m:ctrlPr>
-                            <a:rPr lang="en-US" altLang="zh-CN" sz="2400" i="1" smtClean="0">
-                              <a:latin typeface="Cambria Math" panose="02040503050406030204" pitchFamily="18" charset="0"/>
-                            </a:rPr>
-                          </m:ctrlPr>
-                        </m:sSubPr>
-                        <m:e>
-                          <m:r>
-                            <a:rPr lang="en-US" altLang="zh-CN" sz="2400" b="0" i="1" smtClean="0">
-                              <a:latin typeface="Cambria Math" panose="02040503050406030204" pitchFamily="18" charset="0"/>
-                            </a:rPr>
-                            <m:t>𝑢</m:t>
-                          </m:r>
-                        </m:e>
-                        <m:sub>
-                          <m:r>
-                            <a:rPr lang="en-US" altLang="zh-CN" sz="2400" b="0" i="1" smtClean="0">
-                              <a:latin typeface="Cambria Math" panose="02040503050406030204" pitchFamily="18" charset="0"/>
-                            </a:rPr>
-                            <m:t>0</m:t>
-                          </m:r>
-                        </m:sub>
-                      </m:sSub>
-                      <m:acc>
-                        <m:accPr>
-                          <m:chr m:val="⃗"/>
-                          <m:ctrlPr>
-                            <a:rPr lang="zh-CN" altLang="en-US" sz="2400" i="1" smtClean="0">
-                              <a:latin typeface="Cambria Math" panose="02040503050406030204" pitchFamily="18" charset="0"/>
-                            </a:rPr>
-                          </m:ctrlPr>
-                        </m:accPr>
-                        <m:e>
-                          <m:sSub>
-                            <m:sSubPr>
-                              <m:ctrlPr>
-                                <a:rPr lang="en-US" altLang="zh-CN" sz="2400" i="1" smtClean="0">
-                                  <a:latin typeface="Cambria Math" panose="02040503050406030204" pitchFamily="18" charset="0"/>
-                                </a:rPr>
-                              </m:ctrlPr>
-                            </m:sSubPr>
-                            <m:e>
-                              <m:r>
-                                <a:rPr lang="en-US" altLang="zh-CN" sz="2400" b="0" i="1" smtClean="0">
-                                  <a:latin typeface="Cambria Math" panose="02040503050406030204" pitchFamily="18" charset="0"/>
-                                </a:rPr>
-                                <m:t>𝑒</m:t>
-                              </m:r>
-                            </m:e>
-                            <m:sub>
-                              <m:r>
-                                <a:rPr lang="en-US" altLang="zh-CN" sz="2400" b="0" i="1" smtClean="0">
-                                  <a:latin typeface="Cambria Math" panose="02040503050406030204" pitchFamily="18" charset="0"/>
-                                </a:rPr>
-                                <m:t>𝑥</m:t>
-                              </m:r>
-                            </m:sub>
-                          </m:sSub>
-                        </m:e>
-                      </m:acc>
-                    </m:oMath>
-                  </m:oMathPara>
-                </a14:m>
-                <a:endParaRPr lang="zh-CN" altLang="en-US" sz="2400" dirty="0"/>
-              </a:p>
-            </p:txBody>
-          </p:sp>
-        </mc:Choice>
-        <mc:Fallback xmlns="">
-          <p:sp>
-            <p:nvSpPr>
-              <p:cNvPr id="83" name="文本框 82">
-                <a:extLst>
-                  <a:ext uri="{FF2B5EF4-FFF2-40B4-BE49-F238E27FC236}">
-                    <a16:creationId xmlns:a16="http://schemas.microsoft.com/office/drawing/2014/main" id="{0BF0DC64-4FEC-4FE5-9B77-E218ED274A5A}"/>
-                  </a:ext>
-                </a:extLst>
-              </p:cNvPr>
-              <p:cNvSpPr txBox="1">
-                <a:spLocks noRot="1" noChangeAspect="1" noMove="1" noResize="1" noEditPoints="1" noAdjustHandles="1" noChangeArrowheads="1" noChangeShapeType="1" noTextEdit="1"/>
-              </p:cNvSpPr>
-              <p:nvPr/>
-            </p:nvSpPr>
-            <p:spPr>
-              <a:xfrm>
-                <a:off x="1687942" y="3109880"/>
-                <a:ext cx="1283300" cy="369332"/>
-              </a:xfrm>
-              <a:prstGeom prst="rect">
-                <a:avLst/>
-              </a:prstGeom>
-              <a:blipFill>
-                <a:blip r:embed="rId11"/>
-                <a:stretch>
-                  <a:fillRect l="-2381" b="-13115"/>
-                </a:stretch>
-              </a:blipFill>
-            </p:spPr>
-            <p:txBody>
-              <a:bodyPr/>
-              <a:lstStyle/>
-              <a:p>
-                <a:r>
-                  <a:rPr lang="zh-CN" altLang="en-US">
-                    <a:noFill/>
-                  </a:rPr>
-                  <a:t> </a:t>
-                </a:r>
-              </a:p>
-            </p:txBody>
-          </p:sp>
-        </mc:Fallback>
-      </mc:AlternateContent>
-      <p:cxnSp>
-        <p:nvCxnSpPr>
-          <p:cNvPr id="84" name="直接箭头连接符 83">
-            <a:extLst>
-              <a:ext uri="{FF2B5EF4-FFF2-40B4-BE49-F238E27FC236}">
-                <a16:creationId xmlns:a16="http://schemas.microsoft.com/office/drawing/2014/main" id="{082A1B0E-F7A5-4F81-99D8-34EF5EEB7CE2}"/>
-              </a:ext>
-            </a:extLst>
-          </p:cNvPr>
-          <p:cNvCxnSpPr/>
-          <p:nvPr/>
-        </p:nvCxnSpPr>
-        <p:spPr>
-          <a:xfrm>
-            <a:off x="10480024" y="1511397"/>
-            <a:ext cx="824943" cy="0"/>
-          </a:xfrm>
-          <a:prstGeom prst="straightConnector1">
-            <a:avLst/>
-          </a:prstGeom>
-          <a:ln w="28575">
-            <a:solidFill>
-              <a:srgbClr val="00B0F0"/>
-            </a:solidFill>
-            <a:tailEnd type="triangle"/>
           </a:ln>
         </p:spPr>
         <p:style>
@@ -7312,29 +9095,33 @@
       </p:cxnSp>
       <p:cxnSp>
         <p:nvCxnSpPr>
-          <p:cNvPr id="85" name="直接箭头连接符 84">
+          <p:cNvPr id="17" name="连接符: 曲线 16">
             <a:extLst>
               <a:ext uri="{FF2B5EF4-FFF2-40B4-BE49-F238E27FC236}">
-                <a16:creationId xmlns:a16="http://schemas.microsoft.com/office/drawing/2014/main" id="{BEDC9BAC-67CD-4FE1-953E-906F052F2A78}"/>
+                <a16:creationId xmlns:a16="http://schemas.microsoft.com/office/drawing/2014/main" id="{1BC864B2-CB1B-41F1-BA5F-E34CD37F0717}"/>
               </a:ext>
             </a:extLst>
           </p:cNvPr>
-          <p:cNvCxnSpPr/>
+          <p:cNvCxnSpPr>
+            <a:cxnSpLocks/>
+          </p:cNvCxnSpPr>
           <p:nvPr/>
         </p:nvCxnSpPr>
         <p:spPr>
-          <a:xfrm>
-            <a:off x="10480023" y="1820127"/>
-            <a:ext cx="824943" cy="0"/>
+          <a:xfrm rot="-2400000" flipH="1" flipV="1">
+            <a:off x="9681122" y="1095006"/>
+            <a:ext cx="1276350" cy="1276350"/>
           </a:xfrm>
-          <a:prstGeom prst="straightConnector1">
+          <a:prstGeom prst="curvedConnector3">
             <a:avLst/>
           </a:prstGeom>
-          <a:ln w="28575">
+          <a:ln>
             <a:solidFill>
-              <a:srgbClr val="00B0F0"/>
+              <a:schemeClr val="accent1">
+                <a:lumMod val="60000"/>
+                <a:lumOff val="40000"/>
+              </a:schemeClr>
             </a:solidFill>
-            <a:tailEnd type="triangle"/>
           </a:ln>
         </p:spPr>
         <p:style>
@@ -7354,29 +9141,33 @@
       </p:cxnSp>
       <p:cxnSp>
         <p:nvCxnSpPr>
-          <p:cNvPr id="86" name="直接箭头连接符 85">
+          <p:cNvPr id="18" name="连接符: 曲线 17">
             <a:extLst>
               <a:ext uri="{FF2B5EF4-FFF2-40B4-BE49-F238E27FC236}">
-                <a16:creationId xmlns:a16="http://schemas.microsoft.com/office/drawing/2014/main" id="{76EBDA2F-406A-42F4-A73B-EC489DCA9875}"/>
+                <a16:creationId xmlns:a16="http://schemas.microsoft.com/office/drawing/2014/main" id="{2E1578FA-D7D5-4A60-AF1F-B6B6E1EFC9EC}"/>
               </a:ext>
             </a:extLst>
           </p:cNvPr>
-          <p:cNvCxnSpPr/>
+          <p:cNvCxnSpPr>
+            <a:cxnSpLocks/>
+          </p:cNvCxnSpPr>
           <p:nvPr/>
         </p:nvCxnSpPr>
         <p:spPr>
-          <a:xfrm>
-            <a:off x="10480023" y="2101947"/>
-            <a:ext cx="824943" cy="0"/>
+          <a:xfrm rot="-2400000" flipH="1" flipV="1">
+            <a:off x="9681122" y="1994087"/>
+            <a:ext cx="1276350" cy="1276350"/>
           </a:xfrm>
-          <a:prstGeom prst="straightConnector1">
+          <a:prstGeom prst="curvedConnector3">
             <a:avLst/>
           </a:prstGeom>
-          <a:ln w="28575">
+          <a:ln>
             <a:solidFill>
-              <a:srgbClr val="00B0F0"/>
+              <a:schemeClr val="accent1">
+                <a:lumMod val="60000"/>
+                <a:lumOff val="40000"/>
+              </a:schemeClr>
             </a:solidFill>
-            <a:tailEnd type="triangle"/>
           </a:ln>
         </p:spPr>
         <p:style>
@@ -7396,29 +9187,33 @@
       </p:cxnSp>
       <p:cxnSp>
         <p:nvCxnSpPr>
-          <p:cNvPr id="87" name="直接箭头连接符 86">
+          <p:cNvPr id="19" name="连接符: 曲线 18">
             <a:extLst>
               <a:ext uri="{FF2B5EF4-FFF2-40B4-BE49-F238E27FC236}">
-                <a16:creationId xmlns:a16="http://schemas.microsoft.com/office/drawing/2014/main" id="{3B071E31-71AE-436C-B35B-9572AA2EB59B}"/>
+                <a16:creationId xmlns:a16="http://schemas.microsoft.com/office/drawing/2014/main" id="{8EF54201-D8D4-4650-A40E-3F38E279CBEE}"/>
               </a:ext>
             </a:extLst>
           </p:cNvPr>
-          <p:cNvCxnSpPr/>
+          <p:cNvCxnSpPr>
+            <a:cxnSpLocks/>
+          </p:cNvCxnSpPr>
           <p:nvPr/>
         </p:nvCxnSpPr>
         <p:spPr>
-          <a:xfrm>
-            <a:off x="10480022" y="2410677"/>
-            <a:ext cx="824943" cy="0"/>
+          <a:xfrm rot="-2400000" flipH="1" flipV="1">
+            <a:off x="9681110" y="2824939"/>
+            <a:ext cx="1276350" cy="1276350"/>
           </a:xfrm>
-          <a:prstGeom prst="straightConnector1">
+          <a:prstGeom prst="curvedConnector3">
             <a:avLst/>
           </a:prstGeom>
-          <a:ln w="28575">
+          <a:ln>
             <a:solidFill>
-              <a:srgbClr val="00B0F0"/>
+              <a:schemeClr val="accent1">
+                <a:lumMod val="60000"/>
+                <a:lumOff val="40000"/>
+              </a:schemeClr>
             </a:solidFill>
-            <a:tailEnd type="triangle"/>
           </a:ln>
         </p:spPr>
         <p:style>
@@ -7438,29 +9233,33 @@
       </p:cxnSp>
       <p:cxnSp>
         <p:nvCxnSpPr>
-          <p:cNvPr id="88" name="直接箭头连接符 87">
+          <p:cNvPr id="20" name="连接符: 曲线 19">
             <a:extLst>
               <a:ext uri="{FF2B5EF4-FFF2-40B4-BE49-F238E27FC236}">
-                <a16:creationId xmlns:a16="http://schemas.microsoft.com/office/drawing/2014/main" id="{E02C351E-A776-495D-AE40-190A6F1EC93F}"/>
+                <a16:creationId xmlns:a16="http://schemas.microsoft.com/office/drawing/2014/main" id="{2E4701F4-7255-40B0-819C-CEA7469E1931}"/>
               </a:ext>
             </a:extLst>
           </p:cNvPr>
-          <p:cNvCxnSpPr/>
+          <p:cNvCxnSpPr>
+            <a:cxnSpLocks/>
+          </p:cNvCxnSpPr>
           <p:nvPr/>
         </p:nvCxnSpPr>
         <p:spPr>
-          <a:xfrm>
-            <a:off x="10471484" y="3357124"/>
-            <a:ext cx="824943" cy="0"/>
+          <a:xfrm rot="-2400000" flipH="1" flipV="1">
+            <a:off x="9681116" y="3642951"/>
+            <a:ext cx="1276350" cy="1276350"/>
           </a:xfrm>
-          <a:prstGeom prst="straightConnector1">
+          <a:prstGeom prst="curvedConnector3">
             <a:avLst/>
           </a:prstGeom>
-          <a:ln w="28575">
+          <a:ln>
             <a:solidFill>
-              <a:srgbClr val="00B0F0"/>
+              <a:schemeClr val="accent1">
+                <a:lumMod val="60000"/>
+                <a:lumOff val="40000"/>
+              </a:schemeClr>
             </a:solidFill>
-            <a:tailEnd type="triangle"/>
           </a:ln>
         </p:spPr>
         <p:style>
@@ -7478,966 +9277,3136 @@
           </a:fontRef>
         </p:style>
       </p:cxnSp>
-      <p:cxnSp>
-        <p:nvCxnSpPr>
-          <p:cNvPr id="89" name="直接箭头连接符 88">
+      <p:grpSp>
+        <p:nvGrpSpPr>
+          <p:cNvPr id="21" name="组合 20">
             <a:extLst>
               <a:ext uri="{FF2B5EF4-FFF2-40B4-BE49-F238E27FC236}">
-                <a16:creationId xmlns:a16="http://schemas.microsoft.com/office/drawing/2014/main" id="{11C1FFF9-2C9F-42EC-A9D4-A3800A0CF1D1}"/>
+                <a16:creationId xmlns:a16="http://schemas.microsoft.com/office/drawing/2014/main" id="{59B51869-1FFE-48D0-B895-2A935B89609A}"/>
               </a:ext>
             </a:extLst>
           </p:cNvPr>
-          <p:cNvCxnSpPr/>
+          <p:cNvGrpSpPr/>
           <p:nvPr/>
-        </p:nvCxnSpPr>
-        <p:spPr>
+        </p:nvGrpSpPr>
+        <p:grpSpPr>
           <a:xfrm>
-            <a:off x="10471483" y="3665854"/>
-            <a:ext cx="824943" cy="0"/>
+            <a:off x="211854" y="201706"/>
+            <a:ext cx="11775613" cy="5569993"/>
+            <a:chOff x="211854" y="201706"/>
+            <a:chExt cx="11775613" cy="5569993"/>
           </a:xfrm>
-          <a:prstGeom prst="straightConnector1">
-            <a:avLst/>
-          </a:prstGeom>
-          <a:ln w="28575">
+        </p:grpSpPr>
+        <p:sp>
+          <p:nvSpPr>
+            <p:cNvPr id="22" name="矩形 21">
+              <a:extLst>
+                <a:ext uri="{FF2B5EF4-FFF2-40B4-BE49-F238E27FC236}">
+                  <a16:creationId xmlns:a16="http://schemas.microsoft.com/office/drawing/2014/main" id="{089A90A4-FD47-48D5-A2BC-F404D7E4186B}"/>
+                </a:ext>
+              </a:extLst>
+            </p:cNvPr>
+            <p:cNvSpPr/>
+            <p:nvPr/>
+          </p:nvSpPr>
+          <p:spPr>
+            <a:xfrm>
+              <a:off x="1580765" y="1096392"/>
+              <a:ext cx="9797071" cy="3590914"/>
+            </a:xfrm>
+            <a:prstGeom prst="rect">
+              <a:avLst/>
+            </a:prstGeom>
+            <a:noFill/>
+            <a:ln w="57150">
+              <a:solidFill>
+                <a:schemeClr val="tx1"/>
+              </a:solidFill>
+            </a:ln>
+          </p:spPr>
+          <p:style>
+            <a:lnRef idx="2">
+              <a:schemeClr val="accent1">
+                <a:shade val="50000"/>
+              </a:schemeClr>
+            </a:lnRef>
+            <a:fillRef idx="1">
+              <a:schemeClr val="accent1"/>
+            </a:fillRef>
+            <a:effectRef idx="0">
+              <a:schemeClr val="accent1"/>
+            </a:effectRef>
+            <a:fontRef idx="minor">
+              <a:schemeClr val="lt1"/>
+            </a:fontRef>
+          </p:style>
+          <p:txBody>
+            <a:bodyPr rtlCol="0" anchor="ctr"/>
+            <a:lstStyle/>
+            <a:p>
+              <a:pPr algn="ctr"/>
+              <a:endParaRPr lang="zh-CN" altLang="en-US" sz="1400"/>
+            </a:p>
+          </p:txBody>
+        </p:sp>
+        <p:cxnSp>
+          <p:nvCxnSpPr>
+            <p:cNvPr id="23" name="直接连接符 22">
+              <a:extLst>
+                <a:ext uri="{FF2B5EF4-FFF2-40B4-BE49-F238E27FC236}">
+                  <a16:creationId xmlns:a16="http://schemas.microsoft.com/office/drawing/2014/main" id="{F5A56755-D9C6-4E57-A6E4-115F464C8B27}"/>
+                </a:ext>
+              </a:extLst>
+            </p:cNvPr>
+            <p:cNvCxnSpPr>
+              <a:cxnSpLocks/>
+            </p:cNvCxnSpPr>
+            <p:nvPr/>
+          </p:nvCxnSpPr>
+          <p:spPr>
+            <a:xfrm>
+              <a:off x="1580766" y="4687306"/>
+              <a:ext cx="10406701" cy="0"/>
+            </a:xfrm>
+            <a:prstGeom prst="line">
+              <a:avLst/>
+            </a:prstGeom>
+            <a:ln w="57150">
+              <a:headEnd type="none" w="med" len="med"/>
+              <a:tailEnd type="arrow" w="med" len="med"/>
+            </a:ln>
+          </p:spPr>
+          <p:style>
+            <a:lnRef idx="1">
+              <a:schemeClr val="dk1"/>
+            </a:lnRef>
+            <a:fillRef idx="0">
+              <a:schemeClr val="dk1"/>
+            </a:fillRef>
+            <a:effectRef idx="0">
+              <a:schemeClr val="dk1"/>
+            </a:effectRef>
+            <a:fontRef idx="minor">
+              <a:schemeClr val="tx1"/>
+            </a:fontRef>
+          </p:style>
+        </p:cxnSp>
+        <p:cxnSp>
+          <p:nvCxnSpPr>
+            <p:cNvPr id="24" name="直接箭头连接符 23">
+              <a:extLst>
+                <a:ext uri="{FF2B5EF4-FFF2-40B4-BE49-F238E27FC236}">
+                  <a16:creationId xmlns:a16="http://schemas.microsoft.com/office/drawing/2014/main" id="{FFF7027B-6377-4D7A-8519-F9D65C8BEEF1}"/>
+                </a:ext>
+              </a:extLst>
+            </p:cNvPr>
+            <p:cNvCxnSpPr/>
+            <p:nvPr/>
+          </p:nvCxnSpPr>
+          <p:spPr>
+            <a:xfrm flipV="1">
+              <a:off x="1580766" y="400050"/>
+              <a:ext cx="0" cy="4287256"/>
+            </a:xfrm>
+            <a:prstGeom prst="straightConnector1">
+              <a:avLst/>
+            </a:prstGeom>
+            <a:ln w="57150">
+              <a:headEnd type="none" w="med" len="med"/>
+              <a:tailEnd type="arrow" w="med" len="med"/>
+            </a:ln>
+          </p:spPr>
+          <p:style>
+            <a:lnRef idx="1">
+              <a:schemeClr val="dk1"/>
+            </a:lnRef>
+            <a:fillRef idx="0">
+              <a:schemeClr val="dk1"/>
+            </a:fillRef>
+            <a:effectRef idx="0">
+              <a:schemeClr val="dk1"/>
+            </a:effectRef>
+            <a:fontRef idx="minor">
+              <a:schemeClr val="tx1"/>
+            </a:fontRef>
+          </p:style>
+        </p:cxnSp>
+        <mc:AlternateContent xmlns:mc="http://schemas.openxmlformats.org/markup-compatibility/2006">
+          <mc:Choice xmlns:a14="http://schemas.microsoft.com/office/drawing/2010/main" Requires="a14">
+            <p:sp>
+              <p:nvSpPr>
+                <p:cNvPr id="25" name="文本框 24">
+                  <a:extLst>
+                    <a:ext uri="{FF2B5EF4-FFF2-40B4-BE49-F238E27FC236}">
+                      <a16:creationId xmlns:a16="http://schemas.microsoft.com/office/drawing/2014/main" id="{8188B6C1-BBE3-4D17-8E50-2C6FA94E154C}"/>
+                    </a:ext>
+                  </a:extLst>
+                </p:cNvPr>
+                <p:cNvSpPr txBox="1"/>
+                <p:nvPr/>
+              </p:nvSpPr>
+              <p:spPr>
+                <a:xfrm>
+                  <a:off x="1316282" y="4754300"/>
+                  <a:ext cx="283539" cy="369332"/>
+                </a:xfrm>
+                <a:prstGeom prst="rect">
+                  <a:avLst/>
+                </a:prstGeom>
+                <a:noFill/>
+              </p:spPr>
+              <p:txBody>
+                <a:bodyPr wrap="none" lIns="0" tIns="0" rIns="0" bIns="0" rtlCol="0">
+                  <a:spAutoFit/>
+                </a:bodyPr>
+                <a:lstStyle/>
+                <a:p>
+                  <a:pPr/>
+                  <a14:m>
+                    <m:oMathPara xmlns:m="http://schemas.openxmlformats.org/officeDocument/2006/math">
+                      <m:oMathParaPr>
+                        <m:jc m:val="centerGroup"/>
+                      </m:oMathParaPr>
+                      <m:oMath xmlns:m="http://schemas.openxmlformats.org/officeDocument/2006/math">
+                        <m:r>
+                          <a:rPr lang="en-US" altLang="zh-CN" sz="2400" i="1" smtClean="0">
+                            <a:latin typeface="Cambria Math" panose="02040503050406030204" pitchFamily="18" charset="0"/>
+                          </a:rPr>
+                          <m:t>𝐴</m:t>
+                        </m:r>
+                      </m:oMath>
+                    </m:oMathPara>
+                  </a14:m>
+                  <a:endParaRPr lang="zh-CN" altLang="en-US" sz="2400" dirty="0"/>
+                </a:p>
+              </p:txBody>
+            </p:sp>
+          </mc:Choice>
+          <mc:Fallback>
+            <p:sp>
+              <p:nvSpPr>
+                <p:cNvPr id="25" name="文本框 24">
+                  <a:extLst>
+                    <a:ext uri="{FF2B5EF4-FFF2-40B4-BE49-F238E27FC236}">
+                      <a16:creationId xmlns:a16="http://schemas.microsoft.com/office/drawing/2014/main" id="{8188B6C1-BBE3-4D17-8E50-2C6FA94E154C}"/>
+                    </a:ext>
+                  </a:extLst>
+                </p:cNvPr>
+                <p:cNvSpPr txBox="1">
+                  <a:spLocks noRot="1" noChangeAspect="1" noMove="1" noResize="1" noEditPoints="1" noAdjustHandles="1" noChangeArrowheads="1" noChangeShapeType="1" noTextEdit="1"/>
+                </p:cNvSpPr>
+                <p:nvPr/>
+              </p:nvSpPr>
+              <p:spPr>
+                <a:xfrm>
+                  <a:off x="1316282" y="4754300"/>
+                  <a:ext cx="283539" cy="369332"/>
+                </a:xfrm>
+                <a:prstGeom prst="rect">
+                  <a:avLst/>
+                </a:prstGeom>
+                <a:blipFill>
+                  <a:blip r:embed="rId2"/>
+                  <a:stretch>
+                    <a:fillRect l="-23913" r="-21739" b="-6667"/>
+                  </a:stretch>
+                </a:blipFill>
+              </p:spPr>
+              <p:txBody>
+                <a:bodyPr/>
+                <a:lstStyle/>
+                <a:p>
+                  <a:r>
+                    <a:rPr lang="zh-CN" altLang="en-US">
+                      <a:noFill/>
+                    </a:rPr>
+                    <a:t> </a:t>
+                  </a:r>
+                </a:p>
+              </p:txBody>
+            </p:sp>
+          </mc:Fallback>
+        </mc:AlternateContent>
+        <mc:AlternateContent xmlns:mc="http://schemas.openxmlformats.org/markup-compatibility/2006">
+          <mc:Choice xmlns:a14="http://schemas.microsoft.com/office/drawing/2010/main" Requires="a14">
+            <p:sp>
+              <p:nvSpPr>
+                <p:cNvPr id="26" name="文本框 25">
+                  <a:extLst>
+                    <a:ext uri="{FF2B5EF4-FFF2-40B4-BE49-F238E27FC236}">
+                      <a16:creationId xmlns:a16="http://schemas.microsoft.com/office/drawing/2014/main" id="{5FC06B70-C42A-4CE6-AB71-983D6C69C5AA}"/>
+                    </a:ext>
+                  </a:extLst>
+                </p:cNvPr>
+                <p:cNvSpPr txBox="1"/>
+                <p:nvPr/>
+              </p:nvSpPr>
+              <p:spPr>
+                <a:xfrm>
+                  <a:off x="11247671" y="4695118"/>
+                  <a:ext cx="260329" cy="369332"/>
+                </a:xfrm>
+                <a:prstGeom prst="rect">
+                  <a:avLst/>
+                </a:prstGeom>
+                <a:noFill/>
+              </p:spPr>
+              <p:txBody>
+                <a:bodyPr wrap="square" lIns="0" tIns="0" rIns="0" bIns="0" rtlCol="0">
+                  <a:spAutoFit/>
+                </a:bodyPr>
+                <a:lstStyle/>
+                <a:p>
+                  <a:pPr/>
+                  <a14:m>
+                    <m:oMathPara xmlns:m="http://schemas.openxmlformats.org/officeDocument/2006/math">
+                      <m:oMathParaPr>
+                        <m:jc m:val="centerGroup"/>
+                      </m:oMathParaPr>
+                      <m:oMath xmlns:m="http://schemas.openxmlformats.org/officeDocument/2006/math">
+                        <m:r>
+                          <a:rPr lang="en-US" altLang="zh-CN" sz="2400" b="0" i="1" smtClean="0">
+                            <a:latin typeface="Cambria Math" panose="02040503050406030204" pitchFamily="18" charset="0"/>
+                          </a:rPr>
+                          <m:t>𝐵</m:t>
+                        </m:r>
+                      </m:oMath>
+                    </m:oMathPara>
+                  </a14:m>
+                  <a:endParaRPr lang="zh-CN" altLang="en-US" sz="2400" dirty="0"/>
+                </a:p>
+              </p:txBody>
+            </p:sp>
+          </mc:Choice>
+          <mc:Fallback>
+            <p:sp>
+              <p:nvSpPr>
+                <p:cNvPr id="26" name="文本框 25">
+                  <a:extLst>
+                    <a:ext uri="{FF2B5EF4-FFF2-40B4-BE49-F238E27FC236}">
+                      <a16:creationId xmlns:a16="http://schemas.microsoft.com/office/drawing/2014/main" id="{5FC06B70-C42A-4CE6-AB71-983D6C69C5AA}"/>
+                    </a:ext>
+                  </a:extLst>
+                </p:cNvPr>
+                <p:cNvSpPr txBox="1">
+                  <a:spLocks noRot="1" noChangeAspect="1" noMove="1" noResize="1" noEditPoints="1" noAdjustHandles="1" noChangeArrowheads="1" noChangeShapeType="1" noTextEdit="1"/>
+                </p:cNvSpPr>
+                <p:nvPr/>
+              </p:nvSpPr>
+              <p:spPr>
+                <a:xfrm>
+                  <a:off x="11247671" y="4695118"/>
+                  <a:ext cx="260329" cy="369332"/>
+                </a:xfrm>
+                <a:prstGeom prst="rect">
+                  <a:avLst/>
+                </a:prstGeom>
+                <a:blipFill>
+                  <a:blip r:embed="rId3"/>
+                  <a:stretch>
+                    <a:fillRect l="-30233" r="-27907" b="-6557"/>
+                  </a:stretch>
+                </a:blipFill>
+              </p:spPr>
+              <p:txBody>
+                <a:bodyPr/>
+                <a:lstStyle/>
+                <a:p>
+                  <a:r>
+                    <a:rPr lang="zh-CN" altLang="en-US">
+                      <a:noFill/>
+                    </a:rPr>
+                    <a:t> </a:t>
+                  </a:r>
+                </a:p>
+              </p:txBody>
+            </p:sp>
+          </mc:Fallback>
+        </mc:AlternateContent>
+        <mc:AlternateContent xmlns:mc="http://schemas.openxmlformats.org/markup-compatibility/2006">
+          <mc:Choice xmlns:a14="http://schemas.microsoft.com/office/drawing/2010/main" Requires="a14">
+            <p:sp>
+              <p:nvSpPr>
+                <p:cNvPr id="27" name="文本框 26">
+                  <a:extLst>
+                    <a:ext uri="{FF2B5EF4-FFF2-40B4-BE49-F238E27FC236}">
+                      <a16:creationId xmlns:a16="http://schemas.microsoft.com/office/drawing/2014/main" id="{6ADE073E-EDFB-4B7B-8860-2F9F5945B35D}"/>
+                    </a:ext>
+                  </a:extLst>
+                </p:cNvPr>
+                <p:cNvSpPr txBox="1"/>
+                <p:nvPr/>
+              </p:nvSpPr>
+              <p:spPr>
+                <a:xfrm>
+                  <a:off x="11247671" y="570452"/>
+                  <a:ext cx="260329" cy="369332"/>
+                </a:xfrm>
+                <a:prstGeom prst="rect">
+                  <a:avLst/>
+                </a:prstGeom>
+                <a:noFill/>
+              </p:spPr>
+              <p:txBody>
+                <a:bodyPr wrap="square" lIns="0" tIns="0" rIns="0" bIns="0" rtlCol="0">
+                  <a:spAutoFit/>
+                </a:bodyPr>
+                <a:lstStyle/>
+                <a:p>
+                  <a:pPr/>
+                  <a14:m>
+                    <m:oMathPara xmlns:m="http://schemas.openxmlformats.org/officeDocument/2006/math">
+                      <m:oMathParaPr>
+                        <m:jc m:val="centerGroup"/>
+                      </m:oMathParaPr>
+                      <m:oMath xmlns:m="http://schemas.openxmlformats.org/officeDocument/2006/math">
+                        <m:r>
+                          <a:rPr lang="en-US" altLang="zh-CN" sz="2400" b="0" i="1" smtClean="0">
+                            <a:latin typeface="Cambria Math" panose="02040503050406030204" pitchFamily="18" charset="0"/>
+                          </a:rPr>
+                          <m:t>𝐶</m:t>
+                        </m:r>
+                      </m:oMath>
+                    </m:oMathPara>
+                  </a14:m>
+                  <a:endParaRPr lang="zh-CN" altLang="en-US" sz="2400" dirty="0"/>
+                </a:p>
+              </p:txBody>
+            </p:sp>
+          </mc:Choice>
+          <mc:Fallback>
+            <p:sp>
+              <p:nvSpPr>
+                <p:cNvPr id="27" name="文本框 26">
+                  <a:extLst>
+                    <a:ext uri="{FF2B5EF4-FFF2-40B4-BE49-F238E27FC236}">
+                      <a16:creationId xmlns:a16="http://schemas.microsoft.com/office/drawing/2014/main" id="{6ADE073E-EDFB-4B7B-8860-2F9F5945B35D}"/>
+                    </a:ext>
+                  </a:extLst>
+                </p:cNvPr>
+                <p:cNvSpPr txBox="1">
+                  <a:spLocks noRot="1" noChangeAspect="1" noMove="1" noResize="1" noEditPoints="1" noAdjustHandles="1" noChangeArrowheads="1" noChangeShapeType="1" noTextEdit="1"/>
+                </p:cNvSpPr>
+                <p:nvPr/>
+              </p:nvSpPr>
+              <p:spPr>
+                <a:xfrm>
+                  <a:off x="11247671" y="570452"/>
+                  <a:ext cx="260329" cy="369332"/>
+                </a:xfrm>
+                <a:prstGeom prst="rect">
+                  <a:avLst/>
+                </a:prstGeom>
+                <a:blipFill>
+                  <a:blip r:embed="rId4"/>
+                  <a:stretch>
+                    <a:fillRect l="-27907" r="-23256" b="-6667"/>
+                  </a:stretch>
+                </a:blipFill>
+              </p:spPr>
+              <p:txBody>
+                <a:bodyPr/>
+                <a:lstStyle/>
+                <a:p>
+                  <a:r>
+                    <a:rPr lang="zh-CN" altLang="en-US">
+                      <a:noFill/>
+                    </a:rPr>
+                    <a:t> </a:t>
+                  </a:r>
+                </a:p>
+              </p:txBody>
+            </p:sp>
+          </mc:Fallback>
+        </mc:AlternateContent>
+        <mc:AlternateContent xmlns:mc="http://schemas.openxmlformats.org/markup-compatibility/2006">
+          <mc:Choice xmlns:a14="http://schemas.microsoft.com/office/drawing/2010/main" Requires="a14">
+            <p:sp>
+              <p:nvSpPr>
+                <p:cNvPr id="28" name="文本框 27">
+                  <a:extLst>
+                    <a:ext uri="{FF2B5EF4-FFF2-40B4-BE49-F238E27FC236}">
+                      <a16:creationId xmlns:a16="http://schemas.microsoft.com/office/drawing/2014/main" id="{692CE24D-F673-45B8-9B39-D96F2E50E014}"/>
+                    </a:ext>
+                  </a:extLst>
+                </p:cNvPr>
+                <p:cNvSpPr txBox="1"/>
+                <p:nvPr/>
+              </p:nvSpPr>
+              <p:spPr>
+                <a:xfrm>
+                  <a:off x="1249535" y="719247"/>
+                  <a:ext cx="260329" cy="369332"/>
+                </a:xfrm>
+                <a:prstGeom prst="rect">
+                  <a:avLst/>
+                </a:prstGeom>
+                <a:noFill/>
+              </p:spPr>
+              <p:txBody>
+                <a:bodyPr wrap="square" lIns="0" tIns="0" rIns="0" bIns="0" rtlCol="0">
+                  <a:spAutoFit/>
+                </a:bodyPr>
+                <a:lstStyle/>
+                <a:p>
+                  <a:pPr/>
+                  <a14:m>
+                    <m:oMathPara xmlns:m="http://schemas.openxmlformats.org/officeDocument/2006/math">
+                      <m:oMathParaPr>
+                        <m:jc m:val="centerGroup"/>
+                      </m:oMathParaPr>
+                      <m:oMath xmlns:m="http://schemas.openxmlformats.org/officeDocument/2006/math">
+                        <m:r>
+                          <a:rPr lang="en-US" altLang="zh-CN" sz="2400" b="0" i="1" smtClean="0">
+                            <a:latin typeface="Cambria Math" panose="02040503050406030204" pitchFamily="18" charset="0"/>
+                          </a:rPr>
+                          <m:t>𝐷</m:t>
+                        </m:r>
+                      </m:oMath>
+                    </m:oMathPara>
+                  </a14:m>
+                  <a:endParaRPr lang="zh-CN" altLang="en-US" sz="2400" dirty="0"/>
+                </a:p>
+              </p:txBody>
+            </p:sp>
+          </mc:Choice>
+          <mc:Fallback>
+            <p:sp>
+              <p:nvSpPr>
+                <p:cNvPr id="28" name="文本框 27">
+                  <a:extLst>
+                    <a:ext uri="{FF2B5EF4-FFF2-40B4-BE49-F238E27FC236}">
+                      <a16:creationId xmlns:a16="http://schemas.microsoft.com/office/drawing/2014/main" id="{692CE24D-F673-45B8-9B39-D96F2E50E014}"/>
+                    </a:ext>
+                  </a:extLst>
+                </p:cNvPr>
+                <p:cNvSpPr txBox="1">
+                  <a:spLocks noRot="1" noChangeAspect="1" noMove="1" noResize="1" noEditPoints="1" noAdjustHandles="1" noChangeArrowheads="1" noChangeShapeType="1" noTextEdit="1"/>
+                </p:cNvSpPr>
+                <p:nvPr/>
+              </p:nvSpPr>
+              <p:spPr>
+                <a:xfrm>
+                  <a:off x="1249535" y="719247"/>
+                  <a:ext cx="260329" cy="369332"/>
+                </a:xfrm>
+                <a:prstGeom prst="rect">
+                  <a:avLst/>
+                </a:prstGeom>
+                <a:blipFill>
+                  <a:blip r:embed="rId5"/>
+                  <a:stretch>
+                    <a:fillRect l="-34884" r="-27907" b="-4918"/>
+                  </a:stretch>
+                </a:blipFill>
+              </p:spPr>
+              <p:txBody>
+                <a:bodyPr/>
+                <a:lstStyle/>
+                <a:p>
+                  <a:r>
+                    <a:rPr lang="zh-CN" altLang="en-US">
+                      <a:noFill/>
+                    </a:rPr>
+                    <a:t> </a:t>
+                  </a:r>
+                </a:p>
+              </p:txBody>
+            </p:sp>
+          </mc:Fallback>
+        </mc:AlternateContent>
+        <p:cxnSp>
+          <p:nvCxnSpPr>
+            <p:cNvPr id="29" name="直接箭头连接符 28">
+              <a:extLst>
+                <a:ext uri="{FF2B5EF4-FFF2-40B4-BE49-F238E27FC236}">
+                  <a16:creationId xmlns:a16="http://schemas.microsoft.com/office/drawing/2014/main" id="{389D2D71-30D0-4432-BB4C-17ADB2A406EE}"/>
+                </a:ext>
+              </a:extLst>
+            </p:cNvPr>
+            <p:cNvCxnSpPr/>
+            <p:nvPr/>
+          </p:nvCxnSpPr>
+          <p:spPr>
+            <a:xfrm>
+              <a:off x="755309" y="1103003"/>
+              <a:ext cx="0" cy="3590914"/>
+            </a:xfrm>
+            <a:prstGeom prst="straightConnector1">
+              <a:avLst/>
+            </a:prstGeom>
+            <a:ln w="38100">
+              <a:solidFill>
+                <a:schemeClr val="tx1"/>
+              </a:solidFill>
+              <a:headEnd type="arrow" w="med" len="med"/>
+              <a:tailEnd type="arrow" w="med" len="med"/>
+            </a:ln>
+          </p:spPr>
+          <p:style>
+            <a:lnRef idx="1">
+              <a:schemeClr val="accent1"/>
+            </a:lnRef>
+            <a:fillRef idx="0">
+              <a:schemeClr val="accent1"/>
+            </a:fillRef>
+            <a:effectRef idx="0">
+              <a:schemeClr val="accent1"/>
+            </a:effectRef>
+            <a:fontRef idx="minor">
+              <a:schemeClr val="tx1"/>
+            </a:fontRef>
+          </p:style>
+        </p:cxnSp>
+        <p:cxnSp>
+          <p:nvCxnSpPr>
+            <p:cNvPr id="30" name="直接箭头连接符 29">
+              <a:extLst>
+                <a:ext uri="{FF2B5EF4-FFF2-40B4-BE49-F238E27FC236}">
+                  <a16:creationId xmlns:a16="http://schemas.microsoft.com/office/drawing/2014/main" id="{6092F1AB-CA31-4BA0-8C91-0860EBF0DD39}"/>
+                </a:ext>
+              </a:extLst>
+            </p:cNvPr>
+            <p:cNvCxnSpPr>
+              <a:cxnSpLocks/>
+            </p:cNvCxnSpPr>
+            <p:nvPr/>
+          </p:nvCxnSpPr>
+          <p:spPr>
+            <a:xfrm>
+              <a:off x="1556970" y="5577265"/>
+              <a:ext cx="9820865" cy="0"/>
+            </a:xfrm>
+            <a:prstGeom prst="straightConnector1">
+              <a:avLst/>
+            </a:prstGeom>
+            <a:ln w="38100">
+              <a:solidFill>
+                <a:schemeClr val="tx1"/>
+              </a:solidFill>
+              <a:headEnd type="arrow" w="med" len="med"/>
+              <a:tailEnd type="arrow" w="med" len="med"/>
+            </a:ln>
+          </p:spPr>
+          <p:style>
+            <a:lnRef idx="1">
+              <a:schemeClr val="accent1"/>
+            </a:lnRef>
+            <a:fillRef idx="0">
+              <a:schemeClr val="accent1"/>
+            </a:fillRef>
+            <a:effectRef idx="0">
+              <a:schemeClr val="accent1"/>
+            </a:effectRef>
+            <a:fontRef idx="minor">
+              <a:schemeClr val="tx1"/>
+            </a:fontRef>
+          </p:style>
+        </p:cxnSp>
+        <mc:AlternateContent xmlns:mc="http://schemas.openxmlformats.org/markup-compatibility/2006">
+          <mc:Choice xmlns:a14="http://schemas.microsoft.com/office/drawing/2010/main" Requires="a14">
+            <p:sp>
+              <p:nvSpPr>
+                <p:cNvPr id="31" name="文本框 30">
+                  <a:extLst>
+                    <a:ext uri="{FF2B5EF4-FFF2-40B4-BE49-F238E27FC236}">
+                      <a16:creationId xmlns:a16="http://schemas.microsoft.com/office/drawing/2014/main" id="{5B700823-1620-4B59-8A37-9E3247D8EBF0}"/>
+                    </a:ext>
+                  </a:extLst>
+                </p:cNvPr>
+                <p:cNvSpPr txBox="1"/>
+                <p:nvPr/>
+              </p:nvSpPr>
+              <p:spPr>
+                <a:xfrm>
+                  <a:off x="211854" y="2383494"/>
+                  <a:ext cx="1151854" cy="369332"/>
+                </a:xfrm>
+                <a:prstGeom prst="rect">
+                  <a:avLst/>
+                </a:prstGeom>
+                <a:solidFill>
+                  <a:schemeClr val="bg1"/>
+                </a:solidFill>
+              </p:spPr>
+              <p:txBody>
+                <a:bodyPr wrap="none" lIns="0" tIns="0" rIns="0" bIns="0" rtlCol="0">
+                  <a:spAutoFit/>
+                </a:bodyPr>
+                <a:lstStyle/>
+                <a:p>
+                  <a:pPr/>
+                  <a14:m>
+                    <m:oMathPara xmlns:m="http://schemas.openxmlformats.org/officeDocument/2006/math">
+                      <m:oMathParaPr>
+                        <m:jc m:val="centerGroup"/>
+                      </m:oMathParaPr>
+                      <m:oMath xmlns:m="http://schemas.openxmlformats.org/officeDocument/2006/math">
+                        <m:r>
+                          <a:rPr lang="en-US" altLang="zh-CN" sz="2400" b="0" i="1" smtClean="0">
+                            <a:latin typeface="Cambria Math" panose="02040503050406030204" pitchFamily="18" charset="0"/>
+                          </a:rPr>
+                          <m:t>𝐻</m:t>
+                        </m:r>
+                        <m:r>
+                          <a:rPr lang="en-US" altLang="zh-CN" sz="2400" b="0" i="1" smtClean="0">
+                            <a:latin typeface="Cambria Math" panose="02040503050406030204" pitchFamily="18" charset="0"/>
+                          </a:rPr>
+                          <m:t>=6</m:t>
+                        </m:r>
+                        <m:r>
+                          <a:rPr lang="en-US" altLang="zh-CN" sz="2400" b="0" i="1" smtClean="0">
+                            <a:latin typeface="Cambria Math" panose="02040503050406030204" pitchFamily="18" charset="0"/>
+                          </a:rPr>
+                          <m:t>𝑚</m:t>
+                        </m:r>
+                      </m:oMath>
+                    </m:oMathPara>
+                  </a14:m>
+                  <a:endParaRPr lang="zh-CN" altLang="en-US" sz="2400" dirty="0"/>
+                </a:p>
+              </p:txBody>
+            </p:sp>
+          </mc:Choice>
+          <mc:Fallback>
+            <p:sp>
+              <p:nvSpPr>
+                <p:cNvPr id="31" name="文本框 30">
+                  <a:extLst>
+                    <a:ext uri="{FF2B5EF4-FFF2-40B4-BE49-F238E27FC236}">
+                      <a16:creationId xmlns:a16="http://schemas.microsoft.com/office/drawing/2014/main" id="{5B700823-1620-4B59-8A37-9E3247D8EBF0}"/>
+                    </a:ext>
+                  </a:extLst>
+                </p:cNvPr>
+                <p:cNvSpPr txBox="1">
+                  <a:spLocks noRot="1" noChangeAspect="1" noMove="1" noResize="1" noEditPoints="1" noAdjustHandles="1" noChangeArrowheads="1" noChangeShapeType="1" noTextEdit="1"/>
+                </p:cNvSpPr>
+                <p:nvPr/>
+              </p:nvSpPr>
+              <p:spPr>
+                <a:xfrm>
+                  <a:off x="211854" y="2383494"/>
+                  <a:ext cx="1151854" cy="369332"/>
+                </a:xfrm>
+                <a:prstGeom prst="rect">
+                  <a:avLst/>
+                </a:prstGeom>
+                <a:blipFill>
+                  <a:blip r:embed="rId6"/>
+                  <a:stretch>
+                    <a:fillRect l="-5291" r="-4762" b="-4918"/>
+                  </a:stretch>
+                </a:blipFill>
+              </p:spPr>
+              <p:txBody>
+                <a:bodyPr/>
+                <a:lstStyle/>
+                <a:p>
+                  <a:r>
+                    <a:rPr lang="zh-CN" altLang="en-US">
+                      <a:noFill/>
+                    </a:rPr>
+                    <a:t> </a:t>
+                  </a:r>
+                </a:p>
+              </p:txBody>
+            </p:sp>
+          </mc:Fallback>
+        </mc:AlternateContent>
+        <mc:AlternateContent xmlns:mc="http://schemas.openxmlformats.org/markup-compatibility/2006">
+          <mc:Choice xmlns:a14="http://schemas.microsoft.com/office/drawing/2010/main" Requires="a14">
+            <p:sp>
+              <p:nvSpPr>
+                <p:cNvPr id="32" name="文本框 31">
+                  <a:extLst>
+                    <a:ext uri="{FF2B5EF4-FFF2-40B4-BE49-F238E27FC236}">
+                      <a16:creationId xmlns:a16="http://schemas.microsoft.com/office/drawing/2014/main" id="{5C79126E-7BFF-4678-8CBB-F5C5EDDFBAD3}"/>
+                    </a:ext>
+                  </a:extLst>
+                </p:cNvPr>
+                <p:cNvSpPr txBox="1"/>
+                <p:nvPr/>
+              </p:nvSpPr>
+              <p:spPr>
+                <a:xfrm>
+                  <a:off x="5824205" y="5402367"/>
+                  <a:ext cx="1310552" cy="369332"/>
+                </a:xfrm>
+                <a:prstGeom prst="rect">
+                  <a:avLst/>
+                </a:prstGeom>
+                <a:solidFill>
+                  <a:schemeClr val="bg1"/>
+                </a:solidFill>
+              </p:spPr>
+              <p:txBody>
+                <a:bodyPr wrap="none" lIns="0" tIns="0" rIns="0" bIns="0" rtlCol="0">
+                  <a:spAutoFit/>
+                </a:bodyPr>
+                <a:lstStyle/>
+                <a:p>
+                  <a:pPr/>
+                  <a14:m>
+                    <m:oMathPara xmlns:m="http://schemas.openxmlformats.org/officeDocument/2006/math">
+                      <m:oMathParaPr>
+                        <m:jc m:val="centerGroup"/>
+                      </m:oMathParaPr>
+                      <m:oMath xmlns:m="http://schemas.openxmlformats.org/officeDocument/2006/math">
+                        <m:r>
+                          <a:rPr lang="en-US" altLang="zh-CN" sz="2400" b="0" i="1" smtClean="0">
+                            <a:latin typeface="Cambria Math" panose="02040503050406030204" pitchFamily="18" charset="0"/>
+                          </a:rPr>
+                          <m:t>𝐷</m:t>
+                        </m:r>
+                        <m:r>
+                          <a:rPr lang="en-US" altLang="zh-CN" sz="2400" i="1">
+                            <a:latin typeface="Cambria Math" panose="02040503050406030204" pitchFamily="18" charset="0"/>
+                          </a:rPr>
+                          <m:t>=</m:t>
+                        </m:r>
+                        <m:r>
+                          <a:rPr lang="en-US" altLang="zh-CN" sz="2400" b="0" i="1" smtClean="0">
+                            <a:latin typeface="Cambria Math" panose="02040503050406030204" pitchFamily="18" charset="0"/>
+                          </a:rPr>
+                          <m:t>20</m:t>
+                        </m:r>
+                        <m:r>
+                          <a:rPr lang="en-US" altLang="zh-CN" sz="2400" b="0" i="1" smtClean="0">
+                            <a:latin typeface="Cambria Math" panose="02040503050406030204" pitchFamily="18" charset="0"/>
+                          </a:rPr>
+                          <m:t>𝑚</m:t>
+                        </m:r>
+                      </m:oMath>
+                    </m:oMathPara>
+                  </a14:m>
+                  <a:endParaRPr lang="zh-CN" altLang="en-US" sz="2400" dirty="0"/>
+                </a:p>
+              </p:txBody>
+            </p:sp>
+          </mc:Choice>
+          <mc:Fallback>
+            <p:sp>
+              <p:nvSpPr>
+                <p:cNvPr id="32" name="文本框 31">
+                  <a:extLst>
+                    <a:ext uri="{FF2B5EF4-FFF2-40B4-BE49-F238E27FC236}">
+                      <a16:creationId xmlns:a16="http://schemas.microsoft.com/office/drawing/2014/main" id="{5C79126E-7BFF-4678-8CBB-F5C5EDDFBAD3}"/>
+                    </a:ext>
+                  </a:extLst>
+                </p:cNvPr>
+                <p:cNvSpPr txBox="1">
+                  <a:spLocks noRot="1" noChangeAspect="1" noMove="1" noResize="1" noEditPoints="1" noAdjustHandles="1" noChangeArrowheads="1" noChangeShapeType="1" noTextEdit="1"/>
+                </p:cNvSpPr>
+                <p:nvPr/>
+              </p:nvSpPr>
+              <p:spPr>
+                <a:xfrm>
+                  <a:off x="5824205" y="5402367"/>
+                  <a:ext cx="1310552" cy="369332"/>
+                </a:xfrm>
+                <a:prstGeom prst="rect">
+                  <a:avLst/>
+                </a:prstGeom>
+                <a:blipFill>
+                  <a:blip r:embed="rId7"/>
+                  <a:stretch>
+                    <a:fillRect l="-4186" r="-4651" b="-6557"/>
+                  </a:stretch>
+                </a:blipFill>
+              </p:spPr>
+              <p:txBody>
+                <a:bodyPr/>
+                <a:lstStyle/>
+                <a:p>
+                  <a:r>
+                    <a:rPr lang="zh-CN" altLang="en-US">
+                      <a:noFill/>
+                    </a:rPr>
+                    <a:t> </a:t>
+                  </a:r>
+                </a:p>
+              </p:txBody>
+            </p:sp>
+          </mc:Fallback>
+        </mc:AlternateContent>
+        <mc:AlternateContent xmlns:mc="http://schemas.openxmlformats.org/markup-compatibility/2006">
+          <mc:Choice xmlns:a14="http://schemas.microsoft.com/office/drawing/2010/main" Requires="a14">
+            <p:sp>
+              <p:nvSpPr>
+                <p:cNvPr id="33" name="文本框 32">
+                  <a:extLst>
+                    <a:ext uri="{FF2B5EF4-FFF2-40B4-BE49-F238E27FC236}">
+                      <a16:creationId xmlns:a16="http://schemas.microsoft.com/office/drawing/2014/main" id="{6B8D0D73-6657-43B4-A694-0E50AD2BEF6B}"/>
+                    </a:ext>
+                  </a:extLst>
+                </p:cNvPr>
+                <p:cNvSpPr txBox="1"/>
+                <p:nvPr/>
+              </p:nvSpPr>
+              <p:spPr>
+                <a:xfrm>
+                  <a:off x="7028366" y="2058263"/>
+                  <a:ext cx="1134991" cy="369332"/>
+                </a:xfrm>
+                <a:prstGeom prst="rect">
+                  <a:avLst/>
+                </a:prstGeom>
+                <a:solidFill>
+                  <a:schemeClr val="bg1"/>
+                </a:solidFill>
+              </p:spPr>
+              <p:txBody>
+                <a:bodyPr wrap="none" lIns="0" tIns="0" rIns="0" bIns="0" rtlCol="0">
+                  <a:spAutoFit/>
+                </a:bodyPr>
+                <a:lstStyle/>
+                <a:p>
+                  <a:pPr/>
+                  <a14:m>
+                    <m:oMathPara xmlns:m="http://schemas.openxmlformats.org/officeDocument/2006/math">
+                      <m:oMathParaPr>
+                        <m:jc m:val="centerGroup"/>
+                      </m:oMathParaPr>
+                      <m:oMath xmlns:m="http://schemas.openxmlformats.org/officeDocument/2006/math">
+                        <m:r>
+                          <a:rPr lang="en-US" altLang="zh-CN" sz="2400" b="0" i="1" smtClean="0">
+                            <a:latin typeface="Cambria Math" panose="02040503050406030204" pitchFamily="18" charset="0"/>
+                          </a:rPr>
+                          <m:t>𝜙</m:t>
+                        </m:r>
+                        <m:r>
+                          <a:rPr lang="en-US" altLang="zh-CN" sz="2400" b="0" i="1" smtClean="0">
+                            <a:latin typeface="Cambria Math" panose="02040503050406030204" pitchFamily="18" charset="0"/>
+                          </a:rPr>
+                          <m:t>=1</m:t>
+                        </m:r>
+                        <m:r>
+                          <a:rPr lang="en-US" altLang="zh-CN" sz="2400" b="0" i="1" smtClean="0">
+                            <a:latin typeface="Cambria Math" panose="02040503050406030204" pitchFamily="18" charset="0"/>
+                          </a:rPr>
+                          <m:t>𝑚</m:t>
+                        </m:r>
+                      </m:oMath>
+                    </m:oMathPara>
+                  </a14:m>
+                  <a:endParaRPr lang="zh-CN" altLang="en-US" sz="2400" dirty="0"/>
+                </a:p>
+              </p:txBody>
+            </p:sp>
+          </mc:Choice>
+          <mc:Fallback>
+            <p:sp>
+              <p:nvSpPr>
+                <p:cNvPr id="33" name="文本框 32">
+                  <a:extLst>
+                    <a:ext uri="{FF2B5EF4-FFF2-40B4-BE49-F238E27FC236}">
+                      <a16:creationId xmlns:a16="http://schemas.microsoft.com/office/drawing/2014/main" id="{6B8D0D73-6657-43B4-A694-0E50AD2BEF6B}"/>
+                    </a:ext>
+                  </a:extLst>
+                </p:cNvPr>
+                <p:cNvSpPr txBox="1">
+                  <a:spLocks noRot="1" noChangeAspect="1" noMove="1" noResize="1" noEditPoints="1" noAdjustHandles="1" noChangeArrowheads="1" noChangeShapeType="1" noTextEdit="1"/>
+                </p:cNvSpPr>
+                <p:nvPr/>
+              </p:nvSpPr>
+              <p:spPr>
+                <a:xfrm>
+                  <a:off x="7028366" y="2058263"/>
+                  <a:ext cx="1134991" cy="369332"/>
+                </a:xfrm>
+                <a:prstGeom prst="rect">
+                  <a:avLst/>
+                </a:prstGeom>
+                <a:blipFill>
+                  <a:blip r:embed="rId8"/>
+                  <a:stretch>
+                    <a:fillRect l="-8065" r="-4839" b="-35000"/>
+                  </a:stretch>
+                </a:blipFill>
+              </p:spPr>
+              <p:txBody>
+                <a:bodyPr/>
+                <a:lstStyle/>
+                <a:p>
+                  <a:r>
+                    <a:rPr lang="zh-CN" altLang="en-US">
+                      <a:noFill/>
+                    </a:rPr>
+                    <a:t> </a:t>
+                  </a:r>
+                </a:p>
+              </p:txBody>
+            </p:sp>
+          </mc:Fallback>
+        </mc:AlternateContent>
+        <p:cxnSp>
+          <p:nvCxnSpPr>
+            <p:cNvPr id="34" name="直接箭头连接符 33">
+              <a:extLst>
+                <a:ext uri="{FF2B5EF4-FFF2-40B4-BE49-F238E27FC236}">
+                  <a16:creationId xmlns:a16="http://schemas.microsoft.com/office/drawing/2014/main" id="{9F9E52B4-1B90-4E63-A1DD-FF0C6A66D0B6}"/>
+                </a:ext>
+              </a:extLst>
+            </p:cNvPr>
+            <p:cNvCxnSpPr>
+              <a:cxnSpLocks/>
+            </p:cNvCxnSpPr>
+            <p:nvPr/>
+          </p:nvCxnSpPr>
+          <p:spPr>
+            <a:xfrm>
+              <a:off x="1580765" y="5246743"/>
+              <a:ext cx="4910433" cy="0"/>
+            </a:xfrm>
+            <a:prstGeom prst="straightConnector1">
+              <a:avLst/>
+            </a:prstGeom>
+            <a:ln w="38100">
+              <a:solidFill>
+                <a:schemeClr val="tx1"/>
+              </a:solidFill>
+              <a:headEnd type="arrow" w="med" len="med"/>
+              <a:tailEnd type="arrow" w="med" len="med"/>
+            </a:ln>
+          </p:spPr>
+          <p:style>
+            <a:lnRef idx="1">
+              <a:schemeClr val="accent1"/>
+            </a:lnRef>
+            <a:fillRef idx="0">
+              <a:schemeClr val="accent1"/>
+            </a:fillRef>
+            <a:effectRef idx="0">
+              <a:schemeClr val="accent1"/>
+            </a:effectRef>
+            <a:fontRef idx="minor">
+              <a:schemeClr val="tx1"/>
+            </a:fontRef>
+          </p:style>
+        </p:cxnSp>
+        <p:cxnSp>
+          <p:nvCxnSpPr>
+            <p:cNvPr id="35" name="直接箭头连接符 34">
+              <a:extLst>
+                <a:ext uri="{FF2B5EF4-FFF2-40B4-BE49-F238E27FC236}">
+                  <a16:creationId xmlns:a16="http://schemas.microsoft.com/office/drawing/2014/main" id="{2D3A04AD-B8A1-4909-9BA8-FA9112C28F78}"/>
+                </a:ext>
+              </a:extLst>
+            </p:cNvPr>
+            <p:cNvCxnSpPr>
+              <a:cxnSpLocks/>
+              <a:endCxn id="40" idx="4"/>
+            </p:cNvCxnSpPr>
+            <p:nvPr/>
+          </p:nvCxnSpPr>
+          <p:spPr>
+            <a:xfrm flipV="1">
+              <a:off x="6479302" y="3412876"/>
+              <a:ext cx="7134" cy="1886732"/>
+            </a:xfrm>
+            <a:prstGeom prst="straightConnector1">
+              <a:avLst/>
+            </a:prstGeom>
+            <a:ln w="12700">
+              <a:prstDash val="dash"/>
+              <a:headEnd type="none" w="med" len="med"/>
+              <a:tailEnd type="none" w="med" len="med"/>
+            </a:ln>
+          </p:spPr>
+          <p:style>
+            <a:lnRef idx="1">
+              <a:schemeClr val="dk1"/>
+            </a:lnRef>
+            <a:fillRef idx="0">
+              <a:schemeClr val="dk1"/>
+            </a:fillRef>
+            <a:effectRef idx="0">
+              <a:schemeClr val="dk1"/>
+            </a:effectRef>
+            <a:fontRef idx="minor">
+              <a:schemeClr val="tx1"/>
+            </a:fontRef>
+          </p:style>
+        </p:cxnSp>
+        <mc:AlternateContent xmlns:mc="http://schemas.openxmlformats.org/markup-compatibility/2006">
+          <mc:Choice xmlns:a14="http://schemas.microsoft.com/office/drawing/2010/main" Requires="a14">
+            <p:sp>
+              <p:nvSpPr>
+                <p:cNvPr id="36" name="文本框 35">
+                  <a:extLst>
+                    <a:ext uri="{FF2B5EF4-FFF2-40B4-BE49-F238E27FC236}">
+                      <a16:creationId xmlns:a16="http://schemas.microsoft.com/office/drawing/2014/main" id="{31B22D7D-B4AC-467C-B74F-7BDA9E4DAF08}"/>
+                    </a:ext>
+                  </a:extLst>
+                </p:cNvPr>
+                <p:cNvSpPr txBox="1"/>
+                <p:nvPr/>
+              </p:nvSpPr>
+              <p:spPr>
+                <a:xfrm>
+                  <a:off x="3377248" y="5028066"/>
+                  <a:ext cx="688137" cy="369332"/>
+                </a:xfrm>
+                <a:prstGeom prst="rect">
+                  <a:avLst/>
+                </a:prstGeom>
+                <a:solidFill>
+                  <a:schemeClr val="bg1"/>
+                </a:solidFill>
+              </p:spPr>
+              <p:txBody>
+                <a:bodyPr wrap="none" lIns="0" tIns="0" rIns="0" bIns="0" rtlCol="0">
+                  <a:spAutoFit/>
+                </a:bodyPr>
+                <a:lstStyle/>
+                <a:p>
+                  <a:pPr/>
+                  <a14:m>
+                    <m:oMathPara xmlns:m="http://schemas.openxmlformats.org/officeDocument/2006/math">
+                      <m:oMathParaPr>
+                        <m:jc m:val="centerGroup"/>
+                      </m:oMathParaPr>
+                      <m:oMath xmlns:m="http://schemas.openxmlformats.org/officeDocument/2006/math">
+                        <m:r>
+                          <a:rPr lang="en-US" altLang="zh-CN" sz="2400" b="0" i="1" smtClean="0">
+                            <a:latin typeface="Cambria Math" panose="02040503050406030204" pitchFamily="18" charset="0"/>
+                          </a:rPr>
+                          <m:t>10</m:t>
+                        </m:r>
+                        <m:r>
+                          <a:rPr lang="en-US" altLang="zh-CN" sz="2400" b="0" i="1" smtClean="0">
+                            <a:latin typeface="Cambria Math" panose="02040503050406030204" pitchFamily="18" charset="0"/>
+                          </a:rPr>
+                          <m:t>𝑚</m:t>
+                        </m:r>
+                      </m:oMath>
+                    </m:oMathPara>
+                  </a14:m>
+                  <a:endParaRPr lang="zh-CN" altLang="en-US" sz="2400" dirty="0"/>
+                </a:p>
+              </p:txBody>
+            </p:sp>
+          </mc:Choice>
+          <mc:Fallback>
+            <p:sp>
+              <p:nvSpPr>
+                <p:cNvPr id="36" name="文本框 35">
+                  <a:extLst>
+                    <a:ext uri="{FF2B5EF4-FFF2-40B4-BE49-F238E27FC236}">
+                      <a16:creationId xmlns:a16="http://schemas.microsoft.com/office/drawing/2014/main" id="{31B22D7D-B4AC-467C-B74F-7BDA9E4DAF08}"/>
+                    </a:ext>
+                  </a:extLst>
+                </p:cNvPr>
+                <p:cNvSpPr txBox="1">
+                  <a:spLocks noRot="1" noChangeAspect="1" noMove="1" noResize="1" noEditPoints="1" noAdjustHandles="1" noChangeArrowheads="1" noChangeShapeType="1" noTextEdit="1"/>
+                </p:cNvSpPr>
+                <p:nvPr/>
+              </p:nvSpPr>
+              <p:spPr>
+                <a:xfrm>
+                  <a:off x="3377248" y="5028066"/>
+                  <a:ext cx="688137" cy="369332"/>
+                </a:xfrm>
+                <a:prstGeom prst="rect">
+                  <a:avLst/>
+                </a:prstGeom>
+                <a:blipFill>
+                  <a:blip r:embed="rId9"/>
+                  <a:stretch>
+                    <a:fillRect l="-8850" r="-8850" b="-6667"/>
+                  </a:stretch>
+                </a:blipFill>
+              </p:spPr>
+              <p:txBody>
+                <a:bodyPr/>
+                <a:lstStyle/>
+                <a:p>
+                  <a:r>
+                    <a:rPr lang="zh-CN" altLang="en-US">
+                      <a:noFill/>
+                    </a:rPr>
+                    <a:t> </a:t>
+                  </a:r>
+                </a:p>
+              </p:txBody>
+            </p:sp>
+          </mc:Fallback>
+        </mc:AlternateContent>
+        <p:cxnSp>
+          <p:nvCxnSpPr>
+            <p:cNvPr id="37" name="直接连接符 36">
+              <a:extLst>
+                <a:ext uri="{FF2B5EF4-FFF2-40B4-BE49-F238E27FC236}">
+                  <a16:creationId xmlns:a16="http://schemas.microsoft.com/office/drawing/2014/main" id="{734B8015-0DD9-49C9-8128-2B5F0594C754}"/>
+                </a:ext>
+              </a:extLst>
+            </p:cNvPr>
+            <p:cNvCxnSpPr>
+              <a:cxnSpLocks/>
+              <a:endCxn id="40" idx="2"/>
+            </p:cNvCxnSpPr>
+            <p:nvPr/>
+          </p:nvCxnSpPr>
+          <p:spPr>
+            <a:xfrm>
+              <a:off x="952500" y="2891849"/>
+              <a:ext cx="5025581" cy="12672"/>
+            </a:xfrm>
+            <a:prstGeom prst="line">
+              <a:avLst/>
+            </a:prstGeom>
+            <a:ln w="12700">
+              <a:solidFill>
+                <a:schemeClr val="tx1"/>
+              </a:solidFill>
+              <a:prstDash val="dash"/>
+            </a:ln>
+          </p:spPr>
+          <p:style>
+            <a:lnRef idx="1">
+              <a:schemeClr val="accent1"/>
+            </a:lnRef>
+            <a:fillRef idx="0">
+              <a:schemeClr val="accent1"/>
+            </a:fillRef>
+            <a:effectRef idx="0">
+              <a:schemeClr val="accent1"/>
+            </a:effectRef>
+            <a:fontRef idx="minor">
+              <a:schemeClr val="tx1"/>
+            </a:fontRef>
+          </p:style>
+        </p:cxnSp>
+        <p:cxnSp>
+          <p:nvCxnSpPr>
+            <p:cNvPr id="38" name="直接箭头连接符 37">
+              <a:extLst>
+                <a:ext uri="{FF2B5EF4-FFF2-40B4-BE49-F238E27FC236}">
+                  <a16:creationId xmlns:a16="http://schemas.microsoft.com/office/drawing/2014/main" id="{E8CF908A-F823-493F-BF28-8E2A7BD6CFF7}"/>
+                </a:ext>
+              </a:extLst>
+            </p:cNvPr>
+            <p:cNvCxnSpPr>
+              <a:cxnSpLocks/>
+            </p:cNvCxnSpPr>
+            <p:nvPr/>
+          </p:nvCxnSpPr>
+          <p:spPr>
+            <a:xfrm>
+              <a:off x="1292440" y="2891849"/>
+              <a:ext cx="0" cy="1795457"/>
+            </a:xfrm>
+            <a:prstGeom prst="straightConnector1">
+              <a:avLst/>
+            </a:prstGeom>
+            <a:ln w="38100">
+              <a:solidFill>
+                <a:schemeClr val="tx1"/>
+              </a:solidFill>
+              <a:headEnd type="arrow" w="med" len="med"/>
+              <a:tailEnd type="arrow" w="med" len="med"/>
+            </a:ln>
+          </p:spPr>
+          <p:style>
+            <a:lnRef idx="1">
+              <a:schemeClr val="accent1"/>
+            </a:lnRef>
+            <a:fillRef idx="0">
+              <a:schemeClr val="accent1"/>
+            </a:fillRef>
+            <a:effectRef idx="0">
+              <a:schemeClr val="accent1"/>
+            </a:effectRef>
+            <a:fontRef idx="minor">
+              <a:schemeClr val="tx1"/>
+            </a:fontRef>
+          </p:style>
+        </p:cxnSp>
+        <mc:AlternateContent xmlns:mc="http://schemas.openxmlformats.org/markup-compatibility/2006">
+          <mc:Choice xmlns:a14="http://schemas.microsoft.com/office/drawing/2010/main" Requires="a14">
+            <p:sp>
+              <p:nvSpPr>
+                <p:cNvPr id="39" name="文本框 38">
+                  <a:extLst>
+                    <a:ext uri="{FF2B5EF4-FFF2-40B4-BE49-F238E27FC236}">
+                      <a16:creationId xmlns:a16="http://schemas.microsoft.com/office/drawing/2014/main" id="{EFF779FA-1C06-4AD3-9E89-A027C645C1A5}"/>
+                    </a:ext>
+                  </a:extLst>
+                </p:cNvPr>
+                <p:cNvSpPr txBox="1"/>
+                <p:nvPr/>
+              </p:nvSpPr>
+              <p:spPr>
+                <a:xfrm>
+                  <a:off x="1017248" y="3630625"/>
+                  <a:ext cx="487558" cy="369332"/>
+                </a:xfrm>
+                <a:prstGeom prst="rect">
+                  <a:avLst/>
+                </a:prstGeom>
+                <a:solidFill>
+                  <a:schemeClr val="bg1"/>
+                </a:solidFill>
+              </p:spPr>
+              <p:txBody>
+                <a:bodyPr wrap="square" lIns="0" tIns="0" rIns="0" bIns="0" rtlCol="0">
+                  <a:spAutoFit/>
+                </a:bodyPr>
+                <a:lstStyle/>
+                <a:p>
+                  <a:pPr/>
+                  <a14:m>
+                    <m:oMathPara xmlns:m="http://schemas.openxmlformats.org/officeDocument/2006/math">
+                      <m:oMathParaPr>
+                        <m:jc m:val="centerGroup"/>
+                      </m:oMathParaPr>
+                      <m:oMath xmlns:m="http://schemas.openxmlformats.org/officeDocument/2006/math">
+                        <m:r>
+                          <a:rPr lang="en-US" altLang="zh-CN" sz="2400" i="1">
+                            <a:latin typeface="Cambria Math" panose="02040503050406030204" pitchFamily="18" charset="0"/>
+                          </a:rPr>
+                          <m:t>3</m:t>
+                        </m:r>
+                        <m:r>
+                          <a:rPr lang="en-US" altLang="zh-CN" sz="2400" b="0" i="1" smtClean="0">
+                            <a:latin typeface="Cambria Math" panose="02040503050406030204" pitchFamily="18" charset="0"/>
+                          </a:rPr>
+                          <m:t>𝑚</m:t>
+                        </m:r>
+                      </m:oMath>
+                    </m:oMathPara>
+                  </a14:m>
+                  <a:endParaRPr lang="zh-CN" altLang="en-US" sz="2400" dirty="0"/>
+                </a:p>
+              </p:txBody>
+            </p:sp>
+          </mc:Choice>
+          <mc:Fallback>
+            <p:sp>
+              <p:nvSpPr>
+                <p:cNvPr id="39" name="文本框 38">
+                  <a:extLst>
+                    <a:ext uri="{FF2B5EF4-FFF2-40B4-BE49-F238E27FC236}">
+                      <a16:creationId xmlns:a16="http://schemas.microsoft.com/office/drawing/2014/main" id="{EFF779FA-1C06-4AD3-9E89-A027C645C1A5}"/>
+                    </a:ext>
+                  </a:extLst>
+                </p:cNvPr>
+                <p:cNvSpPr txBox="1">
+                  <a:spLocks noRot="1" noChangeAspect="1" noMove="1" noResize="1" noEditPoints="1" noAdjustHandles="1" noChangeArrowheads="1" noChangeShapeType="1" noTextEdit="1"/>
+                </p:cNvSpPr>
+                <p:nvPr/>
+              </p:nvSpPr>
+              <p:spPr>
+                <a:xfrm>
+                  <a:off x="1017248" y="3630625"/>
+                  <a:ext cx="487558" cy="369332"/>
+                </a:xfrm>
+                <a:prstGeom prst="rect">
+                  <a:avLst/>
+                </a:prstGeom>
+                <a:blipFill>
+                  <a:blip r:embed="rId10"/>
+                  <a:stretch>
+                    <a:fillRect l="-16250" r="-8750" b="-6667"/>
+                  </a:stretch>
+                </a:blipFill>
+              </p:spPr>
+              <p:txBody>
+                <a:bodyPr/>
+                <a:lstStyle/>
+                <a:p>
+                  <a:r>
+                    <a:rPr lang="zh-CN" altLang="en-US">
+                      <a:noFill/>
+                    </a:rPr>
+                    <a:t> </a:t>
+                  </a:r>
+                </a:p>
+              </p:txBody>
+            </p:sp>
+          </mc:Fallback>
+        </mc:AlternateContent>
+        <p:sp>
+          <p:nvSpPr>
+            <p:cNvPr id="40" name="椭圆 39">
+              <a:extLst>
+                <a:ext uri="{FF2B5EF4-FFF2-40B4-BE49-F238E27FC236}">
+                  <a16:creationId xmlns:a16="http://schemas.microsoft.com/office/drawing/2014/main" id="{B5F0CC48-2F58-4688-918D-231018079EF3}"/>
+                </a:ext>
+              </a:extLst>
+            </p:cNvPr>
+            <p:cNvSpPr/>
+            <p:nvPr/>
+          </p:nvSpPr>
+          <p:spPr>
+            <a:xfrm>
+              <a:off x="5978081" y="2396166"/>
+              <a:ext cx="1016710" cy="1016710"/>
+            </a:xfrm>
+            <a:prstGeom prst="ellipse">
+              <a:avLst/>
+            </a:prstGeom>
             <a:solidFill>
-              <a:srgbClr val="00B0F0"/>
+              <a:schemeClr val="tx1"/>
             </a:solidFill>
-            <a:tailEnd type="triangle"/>
-          </a:ln>
-        </p:spPr>
-        <p:style>
-          <a:lnRef idx="1">
-            <a:schemeClr val="accent1"/>
-          </a:lnRef>
-          <a:fillRef idx="0">
-            <a:schemeClr val="accent1"/>
-          </a:fillRef>
-          <a:effectRef idx="0">
-            <a:schemeClr val="accent1"/>
-          </a:effectRef>
-          <a:fontRef idx="minor">
-            <a:schemeClr val="tx1"/>
-          </a:fontRef>
-        </p:style>
-      </p:cxnSp>
-      <p:cxnSp>
-        <p:nvCxnSpPr>
-          <p:cNvPr id="90" name="直接箭头连接符 89">
-            <a:extLst>
-              <a:ext uri="{FF2B5EF4-FFF2-40B4-BE49-F238E27FC236}">
-                <a16:creationId xmlns:a16="http://schemas.microsoft.com/office/drawing/2014/main" id="{02C87F3E-07C1-40E6-9A71-8E6710FCF364}"/>
-              </a:ext>
-            </a:extLst>
-          </p:cNvPr>
-          <p:cNvCxnSpPr/>
-          <p:nvPr/>
-        </p:nvCxnSpPr>
-        <p:spPr>
-          <a:xfrm>
-            <a:off x="10461960" y="4005020"/>
-            <a:ext cx="824943" cy="0"/>
-          </a:xfrm>
-          <a:prstGeom prst="straightConnector1">
-            <a:avLst/>
-          </a:prstGeom>
-          <a:ln w="28575">
-            <a:solidFill>
-              <a:srgbClr val="00B0F0"/>
-            </a:solidFill>
-            <a:tailEnd type="triangle"/>
-          </a:ln>
-        </p:spPr>
-        <p:style>
-          <a:lnRef idx="1">
-            <a:schemeClr val="accent1"/>
-          </a:lnRef>
-          <a:fillRef idx="0">
-            <a:schemeClr val="accent1"/>
-          </a:fillRef>
-          <a:effectRef idx="0">
-            <a:schemeClr val="accent1"/>
-          </a:effectRef>
-          <a:fontRef idx="minor">
-            <a:schemeClr val="tx1"/>
-          </a:fontRef>
-        </p:style>
-      </p:cxnSp>
-      <p:cxnSp>
-        <p:nvCxnSpPr>
-          <p:cNvPr id="91" name="直接箭头连接符 90">
-            <a:extLst>
-              <a:ext uri="{FF2B5EF4-FFF2-40B4-BE49-F238E27FC236}">
-                <a16:creationId xmlns:a16="http://schemas.microsoft.com/office/drawing/2014/main" id="{DAE9020A-2D9D-4F86-A0AA-7ACA938903E3}"/>
-              </a:ext>
-            </a:extLst>
-          </p:cNvPr>
-          <p:cNvCxnSpPr/>
-          <p:nvPr/>
-        </p:nvCxnSpPr>
-        <p:spPr>
-          <a:xfrm>
-            <a:off x="10461959" y="4313750"/>
-            <a:ext cx="824943" cy="0"/>
-          </a:xfrm>
-          <a:prstGeom prst="straightConnector1">
-            <a:avLst/>
-          </a:prstGeom>
-          <a:ln w="28575">
-            <a:solidFill>
-              <a:srgbClr val="00B0F0"/>
-            </a:solidFill>
-            <a:tailEnd type="triangle"/>
-          </a:ln>
-        </p:spPr>
-        <p:style>
-          <a:lnRef idx="1">
-            <a:schemeClr val="accent1"/>
-          </a:lnRef>
-          <a:fillRef idx="0">
-            <a:schemeClr val="accent1"/>
-          </a:fillRef>
-          <a:effectRef idx="0">
-            <a:schemeClr val="accent1"/>
-          </a:effectRef>
-          <a:fontRef idx="minor">
-            <a:schemeClr val="tx1"/>
-          </a:fontRef>
-        </p:style>
-      </p:cxnSp>
-      <mc:AlternateContent xmlns:mc="http://schemas.openxmlformats.org/markup-compatibility/2006" xmlns:a14="http://schemas.microsoft.com/office/drawing/2010/main">
-        <mc:Choice Requires="a14">
-          <p:sp>
-            <p:nvSpPr>
-              <p:cNvPr id="92" name="文本框 91">
-                <a:extLst>
-                  <a:ext uri="{FF2B5EF4-FFF2-40B4-BE49-F238E27FC236}">
-                    <a16:creationId xmlns:a16="http://schemas.microsoft.com/office/drawing/2014/main" id="{AEDF5D5F-ECA2-4FEE-A145-ABDD7139D272}"/>
-                  </a:ext>
-                </a:extLst>
-              </p:cNvPr>
-              <p:cNvSpPr txBox="1"/>
-              <p:nvPr/>
-            </p:nvSpPr>
-            <p:spPr>
-              <a:xfrm>
-                <a:off x="10021665" y="2680160"/>
-                <a:ext cx="1283300" cy="369332"/>
-              </a:xfrm>
-              <a:prstGeom prst="rect">
-                <a:avLst/>
-              </a:prstGeom>
+          </p:spPr>
+          <p:style>
+            <a:lnRef idx="2">
+              <a:schemeClr val="accent1">
+                <a:shade val="50000"/>
+              </a:schemeClr>
+            </a:lnRef>
+            <a:fillRef idx="1">
+              <a:schemeClr val="accent1"/>
+            </a:fillRef>
+            <a:effectRef idx="0">
+              <a:schemeClr val="accent1"/>
+            </a:effectRef>
+            <a:fontRef idx="minor">
+              <a:schemeClr val="lt1"/>
+            </a:fontRef>
+          </p:style>
+          <p:txBody>
+            <a:bodyPr rtlCol="0" anchor="ctr"/>
+            <a:lstStyle/>
+            <a:p>
+              <a:pPr algn="ctr"/>
+              <a:endParaRPr lang="zh-CN" altLang="en-US" sz="1400"/>
+            </a:p>
+          </p:txBody>
+        </p:sp>
+        <p:cxnSp>
+          <p:nvCxnSpPr>
+            <p:cNvPr id="41" name="直接箭头连接符 40">
+              <a:extLst>
+                <a:ext uri="{FF2B5EF4-FFF2-40B4-BE49-F238E27FC236}">
+                  <a16:creationId xmlns:a16="http://schemas.microsoft.com/office/drawing/2014/main" id="{F6797DCA-256C-48AA-A5B2-D87238939AF8}"/>
+                </a:ext>
+              </a:extLst>
+            </p:cNvPr>
+            <p:cNvCxnSpPr>
+              <a:cxnSpLocks/>
+              <a:stCxn id="40" idx="7"/>
+              <a:endCxn id="40" idx="3"/>
+            </p:cNvCxnSpPr>
+            <p:nvPr/>
+          </p:nvCxnSpPr>
+          <p:spPr>
+            <a:xfrm flipH="1">
+              <a:off x="6126975" y="2545060"/>
+              <a:ext cx="718922" cy="718922"/>
+            </a:xfrm>
+            <a:prstGeom prst="straightConnector1">
+              <a:avLst/>
+            </a:prstGeom>
+            <a:ln w="38100">
               <a:solidFill>
                 <a:schemeClr val="bg1"/>
               </a:solidFill>
-            </p:spPr>
-            <p:txBody>
-              <a:bodyPr wrap="none" lIns="0" tIns="0" rIns="0" bIns="0" rtlCol="0">
-                <a:spAutoFit/>
-              </a:bodyPr>
-              <a:lstStyle/>
-              <a:p>
-                <a:pPr/>
-                <a14:m>
-                  <m:oMathPara xmlns:m="http://schemas.openxmlformats.org/officeDocument/2006/math">
-                    <m:oMathParaPr>
-                      <m:jc m:val="centerGroup"/>
-                    </m:oMathParaPr>
-                    <m:oMath xmlns:m="http://schemas.openxmlformats.org/officeDocument/2006/math">
-                      <m:acc>
-                        <m:accPr>
-                          <m:chr m:val="⃗"/>
-                          <m:ctrlPr>
-                            <a:rPr lang="zh-CN" altLang="en-US" sz="2400" i="1" smtClean="0">
-                              <a:latin typeface="Cambria Math" panose="02040503050406030204" pitchFamily="18" charset="0"/>
-                            </a:rPr>
-                          </m:ctrlPr>
-                        </m:accPr>
-                        <m:e>
-                          <m:r>
-                            <a:rPr lang="en-US" altLang="zh-CN" sz="2400" b="0" i="1" smtClean="0">
-                              <a:latin typeface="Cambria Math" panose="02040503050406030204" pitchFamily="18" charset="0"/>
-                            </a:rPr>
-                            <m:t>𝑢</m:t>
-                          </m:r>
-                        </m:e>
-                      </m:acc>
-                      <m:r>
-                        <a:rPr lang="en-US" altLang="zh-CN" sz="2400" b="0" i="1" smtClean="0">
-                          <a:latin typeface="Cambria Math" panose="02040503050406030204" pitchFamily="18" charset="0"/>
-                        </a:rPr>
-                        <m:t>=</m:t>
-                      </m:r>
-                      <m:sSub>
-                        <m:sSubPr>
-                          <m:ctrlPr>
-                            <a:rPr lang="en-US" altLang="zh-CN" sz="2400" i="1" smtClean="0">
-                              <a:latin typeface="Cambria Math" panose="02040503050406030204" pitchFamily="18" charset="0"/>
-                            </a:rPr>
-                          </m:ctrlPr>
-                        </m:sSubPr>
-                        <m:e>
-                          <m:r>
-                            <a:rPr lang="en-US" altLang="zh-CN" sz="2400" b="0" i="1" smtClean="0">
-                              <a:latin typeface="Cambria Math" panose="02040503050406030204" pitchFamily="18" charset="0"/>
-                            </a:rPr>
-                            <m:t>𝑢</m:t>
-                          </m:r>
-                        </m:e>
-                        <m:sub>
-                          <m:r>
-                            <a:rPr lang="en-US" altLang="zh-CN" sz="2400" b="0" i="1" smtClean="0">
-                              <a:latin typeface="Cambria Math" panose="02040503050406030204" pitchFamily="18" charset="0"/>
-                            </a:rPr>
-                            <m:t>0</m:t>
-                          </m:r>
-                        </m:sub>
-                      </m:sSub>
-                      <m:acc>
-                        <m:accPr>
-                          <m:chr m:val="⃗"/>
-                          <m:ctrlPr>
-                            <a:rPr lang="zh-CN" altLang="en-US" sz="2400" i="1" smtClean="0">
-                              <a:latin typeface="Cambria Math" panose="02040503050406030204" pitchFamily="18" charset="0"/>
-                            </a:rPr>
-                          </m:ctrlPr>
-                        </m:accPr>
-                        <m:e>
-                          <m:sSub>
-                            <m:sSubPr>
-                              <m:ctrlPr>
-                                <a:rPr lang="en-US" altLang="zh-CN" sz="2400" i="1" smtClean="0">
-                                  <a:latin typeface="Cambria Math" panose="02040503050406030204" pitchFamily="18" charset="0"/>
-                                </a:rPr>
-                              </m:ctrlPr>
-                            </m:sSubPr>
-                            <m:e>
-                              <m:r>
-                                <a:rPr lang="en-US" altLang="zh-CN" sz="2400" b="0" i="1" smtClean="0">
-                                  <a:latin typeface="Cambria Math" panose="02040503050406030204" pitchFamily="18" charset="0"/>
-                                </a:rPr>
-                                <m:t>𝑒</m:t>
-                              </m:r>
-                            </m:e>
-                            <m:sub>
-                              <m:r>
-                                <a:rPr lang="en-US" altLang="zh-CN" sz="2400" b="0" i="1" smtClean="0">
-                                  <a:latin typeface="Cambria Math" panose="02040503050406030204" pitchFamily="18" charset="0"/>
-                                </a:rPr>
-                                <m:t>𝑥</m:t>
-                              </m:r>
-                            </m:sub>
-                          </m:sSub>
-                        </m:e>
-                      </m:acc>
-                    </m:oMath>
-                  </m:oMathPara>
-                </a14:m>
-                <a:endParaRPr lang="zh-CN" altLang="en-US" sz="2400" dirty="0"/>
-              </a:p>
-            </p:txBody>
-          </p:sp>
-        </mc:Choice>
-        <mc:Fallback xmlns="">
-          <p:sp>
-            <p:nvSpPr>
-              <p:cNvPr id="92" name="文本框 91">
-                <a:extLst>
-                  <a:ext uri="{FF2B5EF4-FFF2-40B4-BE49-F238E27FC236}">
-                    <a16:creationId xmlns:a16="http://schemas.microsoft.com/office/drawing/2014/main" id="{AEDF5D5F-ECA2-4FEE-A145-ABDD7139D272}"/>
-                  </a:ext>
-                </a:extLst>
-              </p:cNvPr>
-              <p:cNvSpPr txBox="1">
-                <a:spLocks noRot="1" noChangeAspect="1" noMove="1" noResize="1" noEditPoints="1" noAdjustHandles="1" noChangeArrowheads="1" noChangeShapeType="1" noTextEdit="1"/>
-              </p:cNvSpPr>
-              <p:nvPr/>
-            </p:nvSpPr>
-            <p:spPr>
-              <a:xfrm>
-                <a:off x="10021665" y="2680160"/>
-                <a:ext cx="1283300" cy="369332"/>
-              </a:xfrm>
-              <a:prstGeom prst="rect">
-                <a:avLst/>
-              </a:prstGeom>
-              <a:blipFill>
-                <a:blip r:embed="rId12"/>
-                <a:stretch>
-                  <a:fillRect l="-2381" b="-15000"/>
-                </a:stretch>
-              </a:blipFill>
-            </p:spPr>
-            <p:txBody>
-              <a:bodyPr/>
-              <a:lstStyle/>
-              <a:p>
-                <a:r>
-                  <a:rPr lang="zh-CN" altLang="en-US">
-                    <a:noFill/>
-                  </a:rPr>
-                  <a:t> </a:t>
-                </a:r>
-              </a:p>
-            </p:txBody>
-          </p:sp>
-        </mc:Fallback>
-      </mc:AlternateContent>
-      <mc:AlternateContent xmlns:mc="http://schemas.openxmlformats.org/markup-compatibility/2006" xmlns:a14="http://schemas.microsoft.com/office/drawing/2010/main">
-        <mc:Choice Requires="a14">
-          <p:sp>
-            <p:nvSpPr>
-              <p:cNvPr id="93" name="文本框 92">
-                <a:extLst>
-                  <a:ext uri="{FF2B5EF4-FFF2-40B4-BE49-F238E27FC236}">
-                    <a16:creationId xmlns:a16="http://schemas.microsoft.com/office/drawing/2014/main" id="{1ACDB1A9-0052-4690-BEF8-28A6A037A160}"/>
-                  </a:ext>
-                </a:extLst>
-              </p:cNvPr>
-              <p:cNvSpPr txBox="1"/>
-              <p:nvPr/>
-            </p:nvSpPr>
-            <p:spPr>
-              <a:xfrm>
-                <a:off x="1653636" y="201706"/>
-                <a:ext cx="261738" cy="369332"/>
-              </a:xfrm>
-              <a:prstGeom prst="rect">
-                <a:avLst/>
-              </a:prstGeom>
-              <a:noFill/>
-            </p:spPr>
-            <p:txBody>
-              <a:bodyPr wrap="none" lIns="0" tIns="0" rIns="0" bIns="0" rtlCol="0">
-                <a:spAutoFit/>
-              </a:bodyPr>
-              <a:lstStyle/>
-              <a:p>
-                <a:pPr/>
-                <a14:m>
-                  <m:oMathPara xmlns:m="http://schemas.openxmlformats.org/officeDocument/2006/math">
-                    <m:oMathParaPr>
-                      <m:jc m:val="centerGroup"/>
-                    </m:oMathParaPr>
-                    <m:oMath xmlns:m="http://schemas.openxmlformats.org/officeDocument/2006/math">
-                      <m:r>
-                        <a:rPr lang="en-US" altLang="zh-CN" sz="2400" b="0" i="1" smtClean="0">
-                          <a:latin typeface="Cambria Math" panose="02040503050406030204" pitchFamily="18" charset="0"/>
-                        </a:rPr>
-                        <m:t>𝑦</m:t>
-                      </m:r>
-                    </m:oMath>
-                  </m:oMathPara>
-                </a14:m>
-                <a:endParaRPr lang="zh-CN" altLang="en-US" sz="2400" dirty="0"/>
-              </a:p>
-            </p:txBody>
-          </p:sp>
-        </mc:Choice>
-        <mc:Fallback xmlns="">
-          <p:sp>
-            <p:nvSpPr>
-              <p:cNvPr id="93" name="文本框 92">
-                <a:extLst>
-                  <a:ext uri="{FF2B5EF4-FFF2-40B4-BE49-F238E27FC236}">
-                    <a16:creationId xmlns:a16="http://schemas.microsoft.com/office/drawing/2014/main" id="{1ACDB1A9-0052-4690-BEF8-28A6A037A160}"/>
-                  </a:ext>
-                </a:extLst>
-              </p:cNvPr>
-              <p:cNvSpPr txBox="1">
-                <a:spLocks noRot="1" noChangeAspect="1" noMove="1" noResize="1" noEditPoints="1" noAdjustHandles="1" noChangeArrowheads="1" noChangeShapeType="1" noTextEdit="1"/>
-              </p:cNvSpPr>
-              <p:nvPr/>
-            </p:nvSpPr>
-            <p:spPr>
-              <a:xfrm>
-                <a:off x="1653636" y="201706"/>
-                <a:ext cx="261738" cy="369332"/>
-              </a:xfrm>
-              <a:prstGeom prst="rect">
-                <a:avLst/>
-              </a:prstGeom>
-              <a:blipFill>
-                <a:blip r:embed="rId13"/>
-                <a:stretch>
-                  <a:fillRect l="-25581" r="-23256" b="-24590"/>
-                </a:stretch>
-              </a:blipFill>
-            </p:spPr>
-            <p:txBody>
-              <a:bodyPr/>
-              <a:lstStyle/>
-              <a:p>
-                <a:r>
-                  <a:rPr lang="zh-CN" altLang="en-US">
-                    <a:noFill/>
-                  </a:rPr>
-                  <a:t> </a:t>
-                </a:r>
-              </a:p>
-            </p:txBody>
-          </p:sp>
-        </mc:Fallback>
-      </mc:AlternateContent>
-      <mc:AlternateContent xmlns:mc="http://schemas.openxmlformats.org/markup-compatibility/2006" xmlns:a14="http://schemas.microsoft.com/office/drawing/2010/main">
-        <mc:Choice Requires="a14">
-          <p:sp>
-            <p:nvSpPr>
-              <p:cNvPr id="94" name="文本框 93">
-                <a:extLst>
-                  <a:ext uri="{FF2B5EF4-FFF2-40B4-BE49-F238E27FC236}">
-                    <a16:creationId xmlns:a16="http://schemas.microsoft.com/office/drawing/2014/main" id="{525A358F-36DB-4321-85AC-6FC2D0762C20}"/>
-                  </a:ext>
-                </a:extLst>
-              </p:cNvPr>
-              <p:cNvSpPr txBox="1"/>
-              <p:nvPr/>
-            </p:nvSpPr>
-            <p:spPr>
-              <a:xfrm>
-                <a:off x="11680704" y="4687306"/>
-                <a:ext cx="257763" cy="369332"/>
-              </a:xfrm>
-              <a:prstGeom prst="rect">
-                <a:avLst/>
-              </a:prstGeom>
-              <a:noFill/>
-            </p:spPr>
-            <p:txBody>
-              <a:bodyPr wrap="none" lIns="0" tIns="0" rIns="0" bIns="0" rtlCol="0">
-                <a:spAutoFit/>
-              </a:bodyPr>
-              <a:lstStyle/>
-              <a:p>
-                <a:pPr/>
-                <a14:m>
-                  <m:oMathPara xmlns:m="http://schemas.openxmlformats.org/officeDocument/2006/math">
-                    <m:oMathParaPr>
-                      <m:jc m:val="centerGroup"/>
-                    </m:oMathParaPr>
-                    <m:oMath xmlns:m="http://schemas.openxmlformats.org/officeDocument/2006/math">
-                      <m:r>
-                        <a:rPr lang="en-US" altLang="zh-CN" sz="2400" b="0" i="1" smtClean="0">
-                          <a:latin typeface="Cambria Math" panose="02040503050406030204" pitchFamily="18" charset="0"/>
-                        </a:rPr>
-                        <m:t>𝑥</m:t>
-                      </m:r>
-                    </m:oMath>
-                  </m:oMathPara>
-                </a14:m>
-                <a:endParaRPr lang="zh-CN" altLang="en-US" sz="2400" dirty="0"/>
-              </a:p>
-            </p:txBody>
-          </p:sp>
-        </mc:Choice>
-        <mc:Fallback xmlns="">
-          <p:sp>
-            <p:nvSpPr>
-              <p:cNvPr id="94" name="文本框 93">
-                <a:extLst>
-                  <a:ext uri="{FF2B5EF4-FFF2-40B4-BE49-F238E27FC236}">
-                    <a16:creationId xmlns:a16="http://schemas.microsoft.com/office/drawing/2014/main" id="{525A358F-36DB-4321-85AC-6FC2D0762C20}"/>
-                  </a:ext>
-                </a:extLst>
-              </p:cNvPr>
-              <p:cNvSpPr txBox="1">
-                <a:spLocks noRot="1" noChangeAspect="1" noMove="1" noResize="1" noEditPoints="1" noAdjustHandles="1" noChangeArrowheads="1" noChangeShapeType="1" noTextEdit="1"/>
-              </p:cNvSpPr>
-              <p:nvPr/>
-            </p:nvSpPr>
-            <p:spPr>
-              <a:xfrm>
-                <a:off x="11680704" y="4687306"/>
-                <a:ext cx="257763" cy="369332"/>
-              </a:xfrm>
-              <a:prstGeom prst="rect">
-                <a:avLst/>
-              </a:prstGeom>
-              <a:blipFill>
-                <a:blip r:embed="rId14"/>
-                <a:stretch>
-                  <a:fillRect l="-11905" r="-11905"/>
-                </a:stretch>
-              </a:blipFill>
-            </p:spPr>
-            <p:txBody>
-              <a:bodyPr/>
-              <a:lstStyle/>
-              <a:p>
-                <a:r>
-                  <a:rPr lang="zh-CN" altLang="en-US">
-                    <a:noFill/>
-                  </a:rPr>
-                  <a:t> </a:t>
-                </a:r>
-              </a:p>
-            </p:txBody>
-          </p:sp>
-        </mc:Fallback>
-      </mc:AlternateContent>
-      <mc:AlternateContent xmlns:mc="http://schemas.openxmlformats.org/markup-compatibility/2006" xmlns:a14="http://schemas.microsoft.com/office/drawing/2010/main">
-        <mc:Choice Requires="a14">
-          <p:sp>
-            <p:nvSpPr>
-              <p:cNvPr id="95" name="文本框 94">
-                <a:extLst>
-                  <a:ext uri="{FF2B5EF4-FFF2-40B4-BE49-F238E27FC236}">
-                    <a16:creationId xmlns:a16="http://schemas.microsoft.com/office/drawing/2014/main" id="{A3C350A0-B2AA-44B0-BF46-9E3386BEE63B}"/>
-                  </a:ext>
-                </a:extLst>
-              </p:cNvPr>
-              <p:cNvSpPr txBox="1"/>
-              <p:nvPr/>
-            </p:nvSpPr>
-            <p:spPr>
-              <a:xfrm>
-                <a:off x="6034512" y="570530"/>
-                <a:ext cx="839204" cy="416524"/>
-              </a:xfrm>
-              <a:prstGeom prst="rect">
-                <a:avLst/>
-              </a:prstGeom>
+              <a:headEnd type="arrow" w="med" len="med"/>
+              <a:tailEnd type="arrow" w="med" len="med"/>
+            </a:ln>
+          </p:spPr>
+          <p:style>
+            <a:lnRef idx="1">
+              <a:schemeClr val="accent1"/>
+            </a:lnRef>
+            <a:fillRef idx="0">
+              <a:schemeClr val="accent1"/>
+            </a:fillRef>
+            <a:effectRef idx="0">
+              <a:schemeClr val="accent1"/>
+            </a:effectRef>
+            <a:fontRef idx="minor">
+              <a:schemeClr val="tx1"/>
+            </a:fontRef>
+          </p:style>
+        </p:cxnSp>
+        <p:cxnSp>
+          <p:nvCxnSpPr>
+            <p:cNvPr id="42" name="直接箭头连接符 41">
+              <a:extLst>
+                <a:ext uri="{FF2B5EF4-FFF2-40B4-BE49-F238E27FC236}">
+                  <a16:creationId xmlns:a16="http://schemas.microsoft.com/office/drawing/2014/main" id="{2920F876-2FC4-4CE4-9A50-C73E0EF8F8C4}"/>
+                </a:ext>
+              </a:extLst>
+            </p:cNvPr>
+            <p:cNvCxnSpPr/>
+            <p:nvPr/>
+          </p:nvCxnSpPr>
+          <p:spPr>
+            <a:xfrm>
+              <a:off x="1700759" y="1511397"/>
+              <a:ext cx="824943" cy="0"/>
+            </a:xfrm>
+            <a:prstGeom prst="straightConnector1">
+              <a:avLst/>
+            </a:prstGeom>
+            <a:ln w="28575">
               <a:solidFill>
-                <a:schemeClr val="bg1"/>
+                <a:srgbClr val="00B0F0"/>
               </a:solidFill>
-            </p:spPr>
-            <p:txBody>
-              <a:bodyPr wrap="none" lIns="0" tIns="0" rIns="0" bIns="0" rtlCol="0">
-                <a:spAutoFit/>
-              </a:bodyPr>
-              <a:lstStyle/>
-              <a:p>
-                <a:pPr/>
-                <a14:m>
-                  <m:oMathPara xmlns:m="http://schemas.openxmlformats.org/officeDocument/2006/math">
-                    <m:oMathParaPr>
-                      <m:jc m:val="centerGroup"/>
-                    </m:oMathParaPr>
-                    <m:oMath xmlns:m="http://schemas.openxmlformats.org/officeDocument/2006/math">
-                      <m:acc>
-                        <m:accPr>
-                          <m:chr m:val="⃗"/>
-                          <m:ctrlPr>
-                            <a:rPr lang="zh-CN" altLang="en-US" sz="2400" i="1" smtClean="0">
-                              <a:latin typeface="Cambria Math" panose="02040503050406030204" pitchFamily="18" charset="0"/>
-                            </a:rPr>
-                          </m:ctrlPr>
-                        </m:accPr>
-                        <m:e>
-                          <m:r>
-                            <a:rPr lang="en-US" altLang="zh-CN" sz="2400" b="0" i="1" smtClean="0">
-                              <a:latin typeface="Cambria Math" panose="02040503050406030204" pitchFamily="18" charset="0"/>
-                            </a:rPr>
-                            <m:t>𝑢</m:t>
-                          </m:r>
-                        </m:e>
-                      </m:acc>
-                      <m:r>
-                        <a:rPr lang="en-US" altLang="zh-CN" sz="2400" b="0" i="1" smtClean="0">
-                          <a:latin typeface="Cambria Math" panose="02040503050406030204" pitchFamily="18" charset="0"/>
-                        </a:rPr>
-                        <m:t>=</m:t>
-                      </m:r>
-                      <m:acc>
-                        <m:accPr>
-                          <m:chr m:val="⃗"/>
-                          <m:ctrlPr>
-                            <a:rPr lang="zh-CN" altLang="en-US" sz="2400" i="1" smtClean="0">
-                              <a:latin typeface="Cambria Math" panose="02040503050406030204" pitchFamily="18" charset="0"/>
-                            </a:rPr>
-                          </m:ctrlPr>
-                        </m:accPr>
-                        <m:e>
-                          <m:r>
-                            <a:rPr lang="en-US" altLang="zh-CN" sz="2400" i="1" smtClean="0">
-                              <a:latin typeface="Cambria Math" panose="02040503050406030204" pitchFamily="18" charset="0"/>
-                            </a:rPr>
-                            <m:t>0</m:t>
-                          </m:r>
-                        </m:e>
-                      </m:acc>
-                    </m:oMath>
-                  </m:oMathPara>
-                </a14:m>
-                <a:endParaRPr lang="zh-CN" altLang="en-US" sz="2400" dirty="0"/>
-              </a:p>
-            </p:txBody>
-          </p:sp>
-        </mc:Choice>
-        <mc:Fallback xmlns="">
-          <p:sp>
-            <p:nvSpPr>
-              <p:cNvPr id="95" name="文本框 94">
-                <a:extLst>
-                  <a:ext uri="{FF2B5EF4-FFF2-40B4-BE49-F238E27FC236}">
-                    <a16:creationId xmlns:a16="http://schemas.microsoft.com/office/drawing/2014/main" id="{A3C350A0-B2AA-44B0-BF46-9E3386BEE63B}"/>
-                  </a:ext>
-                </a:extLst>
-              </p:cNvPr>
-              <p:cNvSpPr txBox="1">
-                <a:spLocks noRot="1" noChangeAspect="1" noMove="1" noResize="1" noEditPoints="1" noAdjustHandles="1" noChangeArrowheads="1" noChangeShapeType="1" noTextEdit="1"/>
-              </p:cNvSpPr>
-              <p:nvPr/>
-            </p:nvSpPr>
-            <p:spPr>
-              <a:xfrm>
-                <a:off x="6034512" y="570530"/>
-                <a:ext cx="839204" cy="416524"/>
-              </a:xfrm>
-              <a:prstGeom prst="rect">
-                <a:avLst/>
-              </a:prstGeom>
-              <a:blipFill>
-                <a:blip r:embed="rId15"/>
-                <a:stretch>
-                  <a:fillRect/>
-                </a:stretch>
-              </a:blipFill>
-            </p:spPr>
-            <p:txBody>
-              <a:bodyPr/>
-              <a:lstStyle/>
-              <a:p>
-                <a:r>
-                  <a:rPr lang="zh-CN" altLang="en-US">
-                    <a:noFill/>
-                  </a:rPr>
-                  <a:t> </a:t>
-                </a:r>
-              </a:p>
-            </p:txBody>
-          </p:sp>
-        </mc:Fallback>
-      </mc:AlternateContent>
-      <mc:AlternateContent xmlns:mc="http://schemas.openxmlformats.org/markup-compatibility/2006" xmlns:a14="http://schemas.microsoft.com/office/drawing/2010/main">
-        <mc:Choice Requires="a14">
-          <p:sp>
-            <p:nvSpPr>
-              <p:cNvPr id="96" name="文本框 95">
-                <a:extLst>
-                  <a:ext uri="{FF2B5EF4-FFF2-40B4-BE49-F238E27FC236}">
-                    <a16:creationId xmlns:a16="http://schemas.microsoft.com/office/drawing/2014/main" id="{983804F9-8ED6-45BD-A1A6-92D89C53987E}"/>
-                  </a:ext>
-                </a:extLst>
-              </p:cNvPr>
-              <p:cNvSpPr txBox="1"/>
-              <p:nvPr/>
-            </p:nvSpPr>
-            <p:spPr>
-              <a:xfrm>
-                <a:off x="5389488" y="4183003"/>
-                <a:ext cx="839204" cy="416524"/>
-              </a:xfrm>
-              <a:prstGeom prst="rect">
-                <a:avLst/>
-              </a:prstGeom>
+              <a:tailEnd type="triangle"/>
+            </a:ln>
+          </p:spPr>
+          <p:style>
+            <a:lnRef idx="1">
+              <a:schemeClr val="accent1"/>
+            </a:lnRef>
+            <a:fillRef idx="0">
+              <a:schemeClr val="accent1"/>
+            </a:fillRef>
+            <a:effectRef idx="0">
+              <a:schemeClr val="accent1"/>
+            </a:effectRef>
+            <a:fontRef idx="minor">
+              <a:schemeClr val="tx1"/>
+            </a:fontRef>
+          </p:style>
+        </p:cxnSp>
+        <p:cxnSp>
+          <p:nvCxnSpPr>
+            <p:cNvPr id="43" name="直接箭头连接符 42">
+              <a:extLst>
+                <a:ext uri="{FF2B5EF4-FFF2-40B4-BE49-F238E27FC236}">
+                  <a16:creationId xmlns:a16="http://schemas.microsoft.com/office/drawing/2014/main" id="{35319EC9-2133-49FA-9374-DAE5A2E60AB1}"/>
+                </a:ext>
+              </a:extLst>
+            </p:cNvPr>
+            <p:cNvCxnSpPr/>
+            <p:nvPr/>
+          </p:nvCxnSpPr>
+          <p:spPr>
+            <a:xfrm>
+              <a:off x="1700758" y="1820127"/>
+              <a:ext cx="824943" cy="0"/>
+            </a:xfrm>
+            <a:prstGeom prst="straightConnector1">
+              <a:avLst/>
+            </a:prstGeom>
+            <a:ln w="28575">
               <a:solidFill>
-                <a:schemeClr val="bg1"/>
+                <a:srgbClr val="00B0F0"/>
               </a:solidFill>
-            </p:spPr>
-            <p:txBody>
-              <a:bodyPr wrap="none" lIns="0" tIns="0" rIns="0" bIns="0" rtlCol="0">
-                <a:spAutoFit/>
-              </a:bodyPr>
-              <a:lstStyle/>
-              <a:p>
-                <a:pPr/>
-                <a14:m>
-                  <m:oMathPara xmlns:m="http://schemas.openxmlformats.org/officeDocument/2006/math">
-                    <m:oMathParaPr>
-                      <m:jc m:val="centerGroup"/>
-                    </m:oMathParaPr>
-                    <m:oMath xmlns:m="http://schemas.openxmlformats.org/officeDocument/2006/math">
-                      <m:acc>
-                        <m:accPr>
-                          <m:chr m:val="⃗"/>
-                          <m:ctrlPr>
-                            <a:rPr lang="zh-CN" altLang="en-US" sz="2400" i="1" smtClean="0">
-                              <a:latin typeface="Cambria Math" panose="02040503050406030204" pitchFamily="18" charset="0"/>
-                            </a:rPr>
-                          </m:ctrlPr>
-                        </m:accPr>
-                        <m:e>
-                          <m:r>
-                            <a:rPr lang="en-US" altLang="zh-CN" sz="2400" b="0" i="1" smtClean="0">
-                              <a:latin typeface="Cambria Math" panose="02040503050406030204" pitchFamily="18" charset="0"/>
-                            </a:rPr>
-                            <m:t>𝑢</m:t>
-                          </m:r>
-                        </m:e>
-                      </m:acc>
-                      <m:r>
-                        <a:rPr lang="en-US" altLang="zh-CN" sz="2400" b="0" i="1" smtClean="0">
-                          <a:latin typeface="Cambria Math" panose="02040503050406030204" pitchFamily="18" charset="0"/>
-                        </a:rPr>
-                        <m:t>=</m:t>
-                      </m:r>
-                      <m:acc>
-                        <m:accPr>
-                          <m:chr m:val="⃗"/>
-                          <m:ctrlPr>
-                            <a:rPr lang="zh-CN" altLang="en-US" sz="2400" i="1" smtClean="0">
-                              <a:latin typeface="Cambria Math" panose="02040503050406030204" pitchFamily="18" charset="0"/>
-                            </a:rPr>
-                          </m:ctrlPr>
-                        </m:accPr>
-                        <m:e>
-                          <m:r>
-                            <a:rPr lang="en-US" altLang="zh-CN" sz="2400" i="1" smtClean="0">
-                              <a:latin typeface="Cambria Math" panose="02040503050406030204" pitchFamily="18" charset="0"/>
-                            </a:rPr>
-                            <m:t>0</m:t>
-                          </m:r>
-                        </m:e>
-                      </m:acc>
-                    </m:oMath>
-                  </m:oMathPara>
-                </a14:m>
-                <a:endParaRPr lang="zh-CN" altLang="en-US" sz="2400" dirty="0"/>
-              </a:p>
-            </p:txBody>
-          </p:sp>
-        </mc:Choice>
-        <mc:Fallback xmlns="">
-          <p:sp>
-            <p:nvSpPr>
-              <p:cNvPr id="96" name="文本框 95">
-                <a:extLst>
-                  <a:ext uri="{FF2B5EF4-FFF2-40B4-BE49-F238E27FC236}">
-                    <a16:creationId xmlns:a16="http://schemas.microsoft.com/office/drawing/2014/main" id="{983804F9-8ED6-45BD-A1A6-92D89C53987E}"/>
-                  </a:ext>
-                </a:extLst>
-              </p:cNvPr>
-              <p:cNvSpPr txBox="1">
-                <a:spLocks noRot="1" noChangeAspect="1" noMove="1" noResize="1" noEditPoints="1" noAdjustHandles="1" noChangeArrowheads="1" noChangeShapeType="1" noTextEdit="1"/>
-              </p:cNvSpPr>
-              <p:nvPr/>
-            </p:nvSpPr>
-            <p:spPr>
-              <a:xfrm>
-                <a:off x="5389488" y="4183003"/>
-                <a:ext cx="839204" cy="416524"/>
-              </a:xfrm>
-              <a:prstGeom prst="rect">
-                <a:avLst/>
-              </a:prstGeom>
-              <a:blipFill>
-                <a:blip r:embed="rId16"/>
-                <a:stretch>
-                  <a:fillRect/>
-                </a:stretch>
-              </a:blipFill>
-            </p:spPr>
-            <p:txBody>
-              <a:bodyPr/>
-              <a:lstStyle/>
-              <a:p>
-                <a:r>
-                  <a:rPr lang="zh-CN" altLang="en-US">
-                    <a:noFill/>
-                  </a:rPr>
-                  <a:t> </a:t>
-                </a:r>
-              </a:p>
-            </p:txBody>
-          </p:sp>
-        </mc:Fallback>
-      </mc:AlternateContent>
-      <p:cxnSp>
-        <p:nvCxnSpPr>
-          <p:cNvPr id="104" name="直接箭头连接符 103">
-            <a:extLst>
-              <a:ext uri="{FF2B5EF4-FFF2-40B4-BE49-F238E27FC236}">
-                <a16:creationId xmlns:a16="http://schemas.microsoft.com/office/drawing/2014/main" id="{0A3B4315-BB81-4221-B407-AE8EF9BF74C4}"/>
-              </a:ext>
-            </a:extLst>
-          </p:cNvPr>
-          <p:cNvCxnSpPr/>
-          <p:nvPr/>
-        </p:nvCxnSpPr>
-        <p:spPr>
-          <a:xfrm>
-            <a:off x="1700757" y="2955610"/>
-            <a:ext cx="824943" cy="0"/>
-          </a:xfrm>
-          <a:prstGeom prst="straightConnector1">
-            <a:avLst/>
-          </a:prstGeom>
-          <a:ln w="28575">
-            <a:solidFill>
-              <a:srgbClr val="00B0F0"/>
-            </a:solidFill>
-            <a:tailEnd type="triangle"/>
-          </a:ln>
-        </p:spPr>
-        <p:style>
-          <a:lnRef idx="1">
-            <a:schemeClr val="accent1"/>
-          </a:lnRef>
-          <a:fillRef idx="0">
-            <a:schemeClr val="accent1"/>
-          </a:fillRef>
-          <a:effectRef idx="0">
-            <a:schemeClr val="accent1"/>
-          </a:effectRef>
-          <a:fontRef idx="minor">
-            <a:schemeClr val="tx1"/>
-          </a:fontRef>
-        </p:style>
-      </p:cxnSp>
-      <p:cxnSp>
-        <p:nvCxnSpPr>
-          <p:cNvPr id="105" name="直接箭头连接符 104">
-            <a:extLst>
-              <a:ext uri="{FF2B5EF4-FFF2-40B4-BE49-F238E27FC236}">
-                <a16:creationId xmlns:a16="http://schemas.microsoft.com/office/drawing/2014/main" id="{2A2BCC41-4D97-4F20-A3CC-9FFECD5707BF}"/>
-              </a:ext>
-            </a:extLst>
-          </p:cNvPr>
-          <p:cNvCxnSpPr/>
-          <p:nvPr/>
-        </p:nvCxnSpPr>
-        <p:spPr>
-          <a:xfrm>
-            <a:off x="1700757" y="2680160"/>
-            <a:ext cx="824943" cy="0"/>
-          </a:xfrm>
-          <a:prstGeom prst="straightConnector1">
-            <a:avLst/>
-          </a:prstGeom>
-          <a:ln w="28575">
-            <a:solidFill>
-              <a:srgbClr val="00B0F0"/>
-            </a:solidFill>
-            <a:tailEnd type="triangle"/>
-          </a:ln>
-        </p:spPr>
-        <p:style>
-          <a:lnRef idx="1">
-            <a:schemeClr val="accent1"/>
-          </a:lnRef>
-          <a:fillRef idx="0">
-            <a:schemeClr val="accent1"/>
-          </a:fillRef>
-          <a:effectRef idx="0">
-            <a:schemeClr val="accent1"/>
-          </a:effectRef>
-          <a:fontRef idx="minor">
-            <a:schemeClr val="tx1"/>
-          </a:fontRef>
-        </p:style>
-      </p:cxnSp>
-      <mc:AlternateContent xmlns:mc="http://schemas.openxmlformats.org/markup-compatibility/2006">
-        <mc:Choice xmlns:a14="http://schemas.microsoft.com/office/drawing/2010/main" Requires="a14">
-          <p:sp>
-            <p:nvSpPr>
-              <p:cNvPr id="106" name="文本框 105">
-                <a:extLst>
-                  <a:ext uri="{FF2B5EF4-FFF2-40B4-BE49-F238E27FC236}">
-                    <a16:creationId xmlns:a16="http://schemas.microsoft.com/office/drawing/2014/main" id="{87B777FE-1F13-4323-833C-7C55986DDBF7}"/>
-                  </a:ext>
-                </a:extLst>
-              </p:cNvPr>
-              <p:cNvSpPr txBox="1"/>
-              <p:nvPr/>
-            </p:nvSpPr>
-            <p:spPr>
-              <a:xfrm>
-                <a:off x="6995694" y="3100940"/>
-                <a:ext cx="253274" cy="369332"/>
-              </a:xfrm>
-              <a:prstGeom prst="rect">
-                <a:avLst/>
-              </a:prstGeom>
+              <a:tailEnd type="triangle"/>
+            </a:ln>
+          </p:spPr>
+          <p:style>
+            <a:lnRef idx="1">
+              <a:schemeClr val="accent1"/>
+            </a:lnRef>
+            <a:fillRef idx="0">
+              <a:schemeClr val="accent1"/>
+            </a:fillRef>
+            <a:effectRef idx="0">
+              <a:schemeClr val="accent1"/>
+            </a:effectRef>
+            <a:fontRef idx="minor">
+              <a:schemeClr val="tx1"/>
+            </a:fontRef>
+          </p:style>
+        </p:cxnSp>
+        <p:cxnSp>
+          <p:nvCxnSpPr>
+            <p:cNvPr id="44" name="直接箭头连接符 43">
+              <a:extLst>
+                <a:ext uri="{FF2B5EF4-FFF2-40B4-BE49-F238E27FC236}">
+                  <a16:creationId xmlns:a16="http://schemas.microsoft.com/office/drawing/2014/main" id="{35B145D9-C42A-4C6E-84FA-A074A3372E38}"/>
+                </a:ext>
+              </a:extLst>
+            </p:cNvPr>
+            <p:cNvCxnSpPr/>
+            <p:nvPr/>
+          </p:nvCxnSpPr>
+          <p:spPr>
+            <a:xfrm>
+              <a:off x="1700758" y="2101947"/>
+              <a:ext cx="824943" cy="0"/>
+            </a:xfrm>
+            <a:prstGeom prst="straightConnector1">
+              <a:avLst/>
+            </a:prstGeom>
+            <a:ln w="28575">
               <a:solidFill>
-                <a:schemeClr val="bg1"/>
+                <a:srgbClr val="00B0F0"/>
               </a:solidFill>
-            </p:spPr>
-            <p:txBody>
-              <a:bodyPr wrap="none" lIns="0" tIns="0" rIns="0" bIns="0" rtlCol="0">
-                <a:spAutoFit/>
-              </a:bodyPr>
-              <a:lstStyle/>
-              <a:p>
-                <a:pPr/>
-                <a14:m>
-                  <m:oMathPara xmlns:m="http://schemas.openxmlformats.org/officeDocument/2006/math">
-                    <m:oMathParaPr>
-                      <m:jc m:val="centerGroup"/>
-                    </m:oMathParaPr>
-                    <m:oMath xmlns:m="http://schemas.openxmlformats.org/officeDocument/2006/math">
-                      <m:r>
-                        <m:rPr>
-                          <m:sty m:val="p"/>
-                        </m:rPr>
-                        <a:rPr lang="en-US" altLang="zh-CN" sz="2400" b="0" i="0" smtClean="0">
-                          <a:solidFill>
-                            <a:schemeClr val="tx1"/>
-                          </a:solidFill>
-                          <a:latin typeface="Cambria Math" panose="02040503050406030204" pitchFamily="18" charset="0"/>
-                        </a:rPr>
-                        <m:t>Σ</m:t>
-                      </m:r>
-                    </m:oMath>
-                  </m:oMathPara>
-                </a14:m>
-                <a:endParaRPr lang="zh-CN" altLang="en-US" sz="2400" dirty="0">
-                  <a:solidFill>
-                    <a:schemeClr val="tx1"/>
-                  </a:solidFill>
-                </a:endParaRPr>
-              </a:p>
-            </p:txBody>
-          </p:sp>
-        </mc:Choice>
-        <mc:Fallback>
-          <p:sp>
-            <p:nvSpPr>
-              <p:cNvPr id="106" name="文本框 105">
-                <a:extLst>
-                  <a:ext uri="{FF2B5EF4-FFF2-40B4-BE49-F238E27FC236}">
-                    <a16:creationId xmlns:a16="http://schemas.microsoft.com/office/drawing/2014/main" id="{87B777FE-1F13-4323-833C-7C55986DDBF7}"/>
-                  </a:ext>
-                </a:extLst>
-              </p:cNvPr>
-              <p:cNvSpPr txBox="1">
-                <a:spLocks noRot="1" noChangeAspect="1" noMove="1" noResize="1" noEditPoints="1" noAdjustHandles="1" noChangeArrowheads="1" noChangeShapeType="1" noTextEdit="1"/>
-              </p:cNvSpPr>
-              <p:nvPr/>
-            </p:nvSpPr>
-            <p:spPr>
-              <a:xfrm>
-                <a:off x="6995694" y="3100940"/>
-                <a:ext cx="253274" cy="369332"/>
-              </a:xfrm>
-              <a:prstGeom prst="rect">
-                <a:avLst/>
-              </a:prstGeom>
-              <a:blipFill>
-                <a:blip r:embed="rId17"/>
-                <a:stretch>
-                  <a:fillRect l="-26829" r="-24390" b="-6667"/>
-                </a:stretch>
-              </a:blipFill>
-            </p:spPr>
-            <p:txBody>
-              <a:bodyPr/>
-              <a:lstStyle/>
-              <a:p>
-                <a:r>
-                  <a:rPr lang="zh-CN" altLang="en-US">
-                    <a:noFill/>
-                  </a:rPr>
-                  <a:t> </a:t>
-                </a:r>
-              </a:p>
-            </p:txBody>
-          </p:sp>
-        </mc:Fallback>
-      </mc:AlternateContent>
+              <a:tailEnd type="triangle"/>
+            </a:ln>
+          </p:spPr>
+          <p:style>
+            <a:lnRef idx="1">
+              <a:schemeClr val="accent1"/>
+            </a:lnRef>
+            <a:fillRef idx="0">
+              <a:schemeClr val="accent1"/>
+            </a:fillRef>
+            <a:effectRef idx="0">
+              <a:schemeClr val="accent1"/>
+            </a:effectRef>
+            <a:fontRef idx="minor">
+              <a:schemeClr val="tx1"/>
+            </a:fontRef>
+          </p:style>
+        </p:cxnSp>
+        <p:cxnSp>
+          <p:nvCxnSpPr>
+            <p:cNvPr id="45" name="直接箭头连接符 44">
+              <a:extLst>
+                <a:ext uri="{FF2B5EF4-FFF2-40B4-BE49-F238E27FC236}">
+                  <a16:creationId xmlns:a16="http://schemas.microsoft.com/office/drawing/2014/main" id="{2971F739-B21D-4F50-9508-888AC458B807}"/>
+                </a:ext>
+              </a:extLst>
+            </p:cNvPr>
+            <p:cNvCxnSpPr/>
+            <p:nvPr/>
+          </p:nvCxnSpPr>
+          <p:spPr>
+            <a:xfrm>
+              <a:off x="1700757" y="2410677"/>
+              <a:ext cx="824943" cy="0"/>
+            </a:xfrm>
+            <a:prstGeom prst="straightConnector1">
+              <a:avLst/>
+            </a:prstGeom>
+            <a:ln w="28575">
+              <a:solidFill>
+                <a:srgbClr val="00B0F0"/>
+              </a:solidFill>
+              <a:tailEnd type="triangle"/>
+            </a:ln>
+          </p:spPr>
+          <p:style>
+            <a:lnRef idx="1">
+              <a:schemeClr val="accent1"/>
+            </a:lnRef>
+            <a:fillRef idx="0">
+              <a:schemeClr val="accent1"/>
+            </a:fillRef>
+            <a:effectRef idx="0">
+              <a:schemeClr val="accent1"/>
+            </a:effectRef>
+            <a:fontRef idx="minor">
+              <a:schemeClr val="tx1"/>
+            </a:fontRef>
+          </p:style>
+        </p:cxnSp>
+        <p:cxnSp>
+          <p:nvCxnSpPr>
+            <p:cNvPr id="46" name="直接箭头连接符 45">
+              <a:extLst>
+                <a:ext uri="{FF2B5EF4-FFF2-40B4-BE49-F238E27FC236}">
+                  <a16:creationId xmlns:a16="http://schemas.microsoft.com/office/drawing/2014/main" id="{7BA73BD3-D6F4-45E3-AFA7-B83B6397B66E}"/>
+                </a:ext>
+              </a:extLst>
+            </p:cNvPr>
+            <p:cNvCxnSpPr/>
+            <p:nvPr/>
+          </p:nvCxnSpPr>
+          <p:spPr>
+            <a:xfrm>
+              <a:off x="1692219" y="3357124"/>
+              <a:ext cx="824943" cy="0"/>
+            </a:xfrm>
+            <a:prstGeom prst="straightConnector1">
+              <a:avLst/>
+            </a:prstGeom>
+            <a:ln w="28575">
+              <a:solidFill>
+                <a:srgbClr val="00B0F0"/>
+              </a:solidFill>
+              <a:tailEnd type="triangle"/>
+            </a:ln>
+          </p:spPr>
+          <p:style>
+            <a:lnRef idx="1">
+              <a:schemeClr val="accent1"/>
+            </a:lnRef>
+            <a:fillRef idx="0">
+              <a:schemeClr val="accent1"/>
+            </a:fillRef>
+            <a:effectRef idx="0">
+              <a:schemeClr val="accent1"/>
+            </a:effectRef>
+            <a:fontRef idx="minor">
+              <a:schemeClr val="tx1"/>
+            </a:fontRef>
+          </p:style>
+        </p:cxnSp>
+        <p:cxnSp>
+          <p:nvCxnSpPr>
+            <p:cNvPr id="47" name="直接箭头连接符 46">
+              <a:extLst>
+                <a:ext uri="{FF2B5EF4-FFF2-40B4-BE49-F238E27FC236}">
+                  <a16:creationId xmlns:a16="http://schemas.microsoft.com/office/drawing/2014/main" id="{41992F84-DCDB-44E1-86C6-4FD2BC3CB957}"/>
+                </a:ext>
+              </a:extLst>
+            </p:cNvPr>
+            <p:cNvCxnSpPr/>
+            <p:nvPr/>
+          </p:nvCxnSpPr>
+          <p:spPr>
+            <a:xfrm>
+              <a:off x="1692218" y="3665854"/>
+              <a:ext cx="824943" cy="0"/>
+            </a:xfrm>
+            <a:prstGeom prst="straightConnector1">
+              <a:avLst/>
+            </a:prstGeom>
+            <a:ln w="28575">
+              <a:solidFill>
+                <a:srgbClr val="00B0F0"/>
+              </a:solidFill>
+              <a:tailEnd type="triangle"/>
+            </a:ln>
+          </p:spPr>
+          <p:style>
+            <a:lnRef idx="1">
+              <a:schemeClr val="accent1"/>
+            </a:lnRef>
+            <a:fillRef idx="0">
+              <a:schemeClr val="accent1"/>
+            </a:fillRef>
+            <a:effectRef idx="0">
+              <a:schemeClr val="accent1"/>
+            </a:effectRef>
+            <a:fontRef idx="minor">
+              <a:schemeClr val="tx1"/>
+            </a:fontRef>
+          </p:style>
+        </p:cxnSp>
+        <p:cxnSp>
+          <p:nvCxnSpPr>
+            <p:cNvPr id="48" name="直接箭头连接符 47">
+              <a:extLst>
+                <a:ext uri="{FF2B5EF4-FFF2-40B4-BE49-F238E27FC236}">
+                  <a16:creationId xmlns:a16="http://schemas.microsoft.com/office/drawing/2014/main" id="{5642D69A-8273-4B12-AFF3-B643DFC376DB}"/>
+                </a:ext>
+              </a:extLst>
+            </p:cNvPr>
+            <p:cNvCxnSpPr/>
+            <p:nvPr/>
+          </p:nvCxnSpPr>
+          <p:spPr>
+            <a:xfrm>
+              <a:off x="1682695" y="4005020"/>
+              <a:ext cx="824943" cy="0"/>
+            </a:xfrm>
+            <a:prstGeom prst="straightConnector1">
+              <a:avLst/>
+            </a:prstGeom>
+            <a:ln w="28575">
+              <a:solidFill>
+                <a:srgbClr val="00B0F0"/>
+              </a:solidFill>
+              <a:tailEnd type="triangle"/>
+            </a:ln>
+          </p:spPr>
+          <p:style>
+            <a:lnRef idx="1">
+              <a:schemeClr val="accent1"/>
+            </a:lnRef>
+            <a:fillRef idx="0">
+              <a:schemeClr val="accent1"/>
+            </a:fillRef>
+            <a:effectRef idx="0">
+              <a:schemeClr val="accent1"/>
+            </a:effectRef>
+            <a:fontRef idx="minor">
+              <a:schemeClr val="tx1"/>
+            </a:fontRef>
+          </p:style>
+        </p:cxnSp>
+        <p:cxnSp>
+          <p:nvCxnSpPr>
+            <p:cNvPr id="49" name="直接箭头连接符 48">
+              <a:extLst>
+                <a:ext uri="{FF2B5EF4-FFF2-40B4-BE49-F238E27FC236}">
+                  <a16:creationId xmlns:a16="http://schemas.microsoft.com/office/drawing/2014/main" id="{A152B332-20A5-4467-9776-0DF3E7A866B8}"/>
+                </a:ext>
+              </a:extLst>
+            </p:cNvPr>
+            <p:cNvCxnSpPr/>
+            <p:nvPr/>
+          </p:nvCxnSpPr>
+          <p:spPr>
+            <a:xfrm>
+              <a:off x="1682694" y="4313750"/>
+              <a:ext cx="824943" cy="0"/>
+            </a:xfrm>
+            <a:prstGeom prst="straightConnector1">
+              <a:avLst/>
+            </a:prstGeom>
+            <a:ln w="28575">
+              <a:solidFill>
+                <a:srgbClr val="00B0F0"/>
+              </a:solidFill>
+              <a:tailEnd type="triangle"/>
+            </a:ln>
+          </p:spPr>
+          <p:style>
+            <a:lnRef idx="1">
+              <a:schemeClr val="accent1"/>
+            </a:lnRef>
+            <a:fillRef idx="0">
+              <a:schemeClr val="accent1"/>
+            </a:fillRef>
+            <a:effectRef idx="0">
+              <a:schemeClr val="accent1"/>
+            </a:effectRef>
+            <a:fontRef idx="minor">
+              <a:schemeClr val="tx1"/>
+            </a:fontRef>
+          </p:style>
+        </p:cxnSp>
+        <mc:AlternateContent xmlns:mc="http://schemas.openxmlformats.org/markup-compatibility/2006">
+          <mc:Choice xmlns:a14="http://schemas.microsoft.com/office/drawing/2010/main" Requires="a14">
+            <p:sp>
+              <p:nvSpPr>
+                <p:cNvPr id="50" name="文本框 49">
+                  <a:extLst>
+                    <a:ext uri="{FF2B5EF4-FFF2-40B4-BE49-F238E27FC236}">
+                      <a16:creationId xmlns:a16="http://schemas.microsoft.com/office/drawing/2014/main" id="{B14C366E-1DC7-4500-802F-5C719A0E9A81}"/>
+                    </a:ext>
+                  </a:extLst>
+                </p:cNvPr>
+                <p:cNvSpPr txBox="1"/>
+                <p:nvPr/>
+              </p:nvSpPr>
+              <p:spPr>
+                <a:xfrm>
+                  <a:off x="1687942" y="3109880"/>
+                  <a:ext cx="1283300" cy="369332"/>
+                </a:xfrm>
+                <a:prstGeom prst="rect">
+                  <a:avLst/>
+                </a:prstGeom>
+                <a:solidFill>
+                  <a:schemeClr val="bg1"/>
+                </a:solidFill>
+              </p:spPr>
+              <p:txBody>
+                <a:bodyPr wrap="none" lIns="0" tIns="0" rIns="0" bIns="0" rtlCol="0">
+                  <a:spAutoFit/>
+                </a:bodyPr>
+                <a:lstStyle/>
+                <a:p>
+                  <a:pPr/>
+                  <a14:m>
+                    <m:oMathPara xmlns:m="http://schemas.openxmlformats.org/officeDocument/2006/math">
+                      <m:oMathParaPr>
+                        <m:jc m:val="centerGroup"/>
+                      </m:oMathParaPr>
+                      <m:oMath xmlns:m="http://schemas.openxmlformats.org/officeDocument/2006/math">
+                        <m:acc>
+                          <m:accPr>
+                            <m:chr m:val="⃗"/>
+                            <m:ctrlPr>
+                              <a:rPr lang="zh-CN" altLang="en-US" sz="2400" i="1" smtClean="0">
+                                <a:latin typeface="Cambria Math" panose="02040503050406030204" pitchFamily="18" charset="0"/>
+                              </a:rPr>
+                            </m:ctrlPr>
+                          </m:accPr>
+                          <m:e>
+                            <m:r>
+                              <a:rPr lang="en-US" altLang="zh-CN" sz="2400" b="0" i="1" smtClean="0">
+                                <a:latin typeface="Cambria Math" panose="02040503050406030204" pitchFamily="18" charset="0"/>
+                              </a:rPr>
+                              <m:t>𝑢</m:t>
+                            </m:r>
+                          </m:e>
+                        </m:acc>
+                        <m:r>
+                          <a:rPr lang="en-US" altLang="zh-CN" sz="2400" b="0" i="1" smtClean="0">
+                            <a:latin typeface="Cambria Math" panose="02040503050406030204" pitchFamily="18" charset="0"/>
+                          </a:rPr>
+                          <m:t>=</m:t>
+                        </m:r>
+                        <m:sSub>
+                          <m:sSubPr>
+                            <m:ctrlPr>
+                              <a:rPr lang="en-US" altLang="zh-CN" sz="2400" i="1" smtClean="0">
+                                <a:latin typeface="Cambria Math" panose="02040503050406030204" pitchFamily="18" charset="0"/>
+                              </a:rPr>
+                            </m:ctrlPr>
+                          </m:sSubPr>
+                          <m:e>
+                            <m:r>
+                              <a:rPr lang="en-US" altLang="zh-CN" sz="2400" b="0" i="1" smtClean="0">
+                                <a:latin typeface="Cambria Math" panose="02040503050406030204" pitchFamily="18" charset="0"/>
+                              </a:rPr>
+                              <m:t>𝑢</m:t>
+                            </m:r>
+                          </m:e>
+                          <m:sub>
+                            <m:r>
+                              <a:rPr lang="en-US" altLang="zh-CN" sz="2400" b="0" i="1" smtClean="0">
+                                <a:latin typeface="Cambria Math" panose="02040503050406030204" pitchFamily="18" charset="0"/>
+                              </a:rPr>
+                              <m:t>0</m:t>
+                            </m:r>
+                          </m:sub>
+                        </m:sSub>
+                        <m:acc>
+                          <m:accPr>
+                            <m:chr m:val="⃗"/>
+                            <m:ctrlPr>
+                              <a:rPr lang="zh-CN" altLang="en-US" sz="2400" i="1" smtClean="0">
+                                <a:latin typeface="Cambria Math" panose="02040503050406030204" pitchFamily="18" charset="0"/>
+                              </a:rPr>
+                            </m:ctrlPr>
+                          </m:accPr>
+                          <m:e>
+                            <m:sSub>
+                              <m:sSubPr>
+                                <m:ctrlPr>
+                                  <a:rPr lang="en-US" altLang="zh-CN" sz="2400" i="1" smtClean="0">
+                                    <a:latin typeface="Cambria Math" panose="02040503050406030204" pitchFamily="18" charset="0"/>
+                                  </a:rPr>
+                                </m:ctrlPr>
+                              </m:sSubPr>
+                              <m:e>
+                                <m:r>
+                                  <a:rPr lang="en-US" altLang="zh-CN" sz="2400" b="0" i="1" smtClean="0">
+                                    <a:latin typeface="Cambria Math" panose="02040503050406030204" pitchFamily="18" charset="0"/>
+                                  </a:rPr>
+                                  <m:t>𝑒</m:t>
+                                </m:r>
+                              </m:e>
+                              <m:sub>
+                                <m:r>
+                                  <a:rPr lang="en-US" altLang="zh-CN" sz="2400" b="0" i="1" smtClean="0">
+                                    <a:latin typeface="Cambria Math" panose="02040503050406030204" pitchFamily="18" charset="0"/>
+                                  </a:rPr>
+                                  <m:t>𝑥</m:t>
+                                </m:r>
+                              </m:sub>
+                            </m:sSub>
+                          </m:e>
+                        </m:acc>
+                      </m:oMath>
+                    </m:oMathPara>
+                  </a14:m>
+                  <a:endParaRPr lang="zh-CN" altLang="en-US" sz="2400" dirty="0"/>
+                </a:p>
+              </p:txBody>
+            </p:sp>
+          </mc:Choice>
+          <mc:Fallback>
+            <p:sp>
+              <p:nvSpPr>
+                <p:cNvPr id="50" name="文本框 49">
+                  <a:extLst>
+                    <a:ext uri="{FF2B5EF4-FFF2-40B4-BE49-F238E27FC236}">
+                      <a16:creationId xmlns:a16="http://schemas.microsoft.com/office/drawing/2014/main" id="{B14C366E-1DC7-4500-802F-5C719A0E9A81}"/>
+                    </a:ext>
+                  </a:extLst>
+                </p:cNvPr>
+                <p:cNvSpPr txBox="1">
+                  <a:spLocks noRot="1" noChangeAspect="1" noMove="1" noResize="1" noEditPoints="1" noAdjustHandles="1" noChangeArrowheads="1" noChangeShapeType="1" noTextEdit="1"/>
+                </p:cNvSpPr>
+                <p:nvPr/>
+              </p:nvSpPr>
+              <p:spPr>
+                <a:xfrm>
+                  <a:off x="1687942" y="3109880"/>
+                  <a:ext cx="1283300" cy="369332"/>
+                </a:xfrm>
+                <a:prstGeom prst="rect">
+                  <a:avLst/>
+                </a:prstGeom>
+                <a:blipFill>
+                  <a:blip r:embed="rId11"/>
+                  <a:stretch>
+                    <a:fillRect l="-2381" b="-13115"/>
+                  </a:stretch>
+                </a:blipFill>
+              </p:spPr>
+              <p:txBody>
+                <a:bodyPr/>
+                <a:lstStyle/>
+                <a:p>
+                  <a:r>
+                    <a:rPr lang="zh-CN" altLang="en-US">
+                      <a:noFill/>
+                    </a:rPr>
+                    <a:t> </a:t>
+                  </a:r>
+                </a:p>
+              </p:txBody>
+            </p:sp>
+          </mc:Fallback>
+        </mc:AlternateContent>
+        <p:cxnSp>
+          <p:nvCxnSpPr>
+            <p:cNvPr id="51" name="直接箭头连接符 50">
+              <a:extLst>
+                <a:ext uri="{FF2B5EF4-FFF2-40B4-BE49-F238E27FC236}">
+                  <a16:creationId xmlns:a16="http://schemas.microsoft.com/office/drawing/2014/main" id="{0F25757C-6AFC-4762-81F0-58F58339BB88}"/>
+                </a:ext>
+              </a:extLst>
+            </p:cNvPr>
+            <p:cNvCxnSpPr/>
+            <p:nvPr/>
+          </p:nvCxnSpPr>
+          <p:spPr>
+            <a:xfrm>
+              <a:off x="10480024" y="1511397"/>
+              <a:ext cx="824943" cy="0"/>
+            </a:xfrm>
+            <a:prstGeom prst="straightConnector1">
+              <a:avLst/>
+            </a:prstGeom>
+            <a:ln w="28575">
+              <a:solidFill>
+                <a:srgbClr val="00B0F0"/>
+              </a:solidFill>
+              <a:tailEnd type="triangle"/>
+            </a:ln>
+          </p:spPr>
+          <p:style>
+            <a:lnRef idx="1">
+              <a:schemeClr val="accent1"/>
+            </a:lnRef>
+            <a:fillRef idx="0">
+              <a:schemeClr val="accent1"/>
+            </a:fillRef>
+            <a:effectRef idx="0">
+              <a:schemeClr val="accent1"/>
+            </a:effectRef>
+            <a:fontRef idx="minor">
+              <a:schemeClr val="tx1"/>
+            </a:fontRef>
+          </p:style>
+        </p:cxnSp>
+        <p:cxnSp>
+          <p:nvCxnSpPr>
+            <p:cNvPr id="52" name="直接箭头连接符 51">
+              <a:extLst>
+                <a:ext uri="{FF2B5EF4-FFF2-40B4-BE49-F238E27FC236}">
+                  <a16:creationId xmlns:a16="http://schemas.microsoft.com/office/drawing/2014/main" id="{D9455D55-29DD-4AF7-890A-55B22C771AD0}"/>
+                </a:ext>
+              </a:extLst>
+            </p:cNvPr>
+            <p:cNvCxnSpPr/>
+            <p:nvPr/>
+          </p:nvCxnSpPr>
+          <p:spPr>
+            <a:xfrm>
+              <a:off x="10480023" y="1820127"/>
+              <a:ext cx="824943" cy="0"/>
+            </a:xfrm>
+            <a:prstGeom prst="straightConnector1">
+              <a:avLst/>
+            </a:prstGeom>
+            <a:ln w="28575">
+              <a:solidFill>
+                <a:srgbClr val="00B0F0"/>
+              </a:solidFill>
+              <a:tailEnd type="triangle"/>
+            </a:ln>
+          </p:spPr>
+          <p:style>
+            <a:lnRef idx="1">
+              <a:schemeClr val="accent1"/>
+            </a:lnRef>
+            <a:fillRef idx="0">
+              <a:schemeClr val="accent1"/>
+            </a:fillRef>
+            <a:effectRef idx="0">
+              <a:schemeClr val="accent1"/>
+            </a:effectRef>
+            <a:fontRef idx="minor">
+              <a:schemeClr val="tx1"/>
+            </a:fontRef>
+          </p:style>
+        </p:cxnSp>
+        <p:cxnSp>
+          <p:nvCxnSpPr>
+            <p:cNvPr id="53" name="直接箭头连接符 52">
+              <a:extLst>
+                <a:ext uri="{FF2B5EF4-FFF2-40B4-BE49-F238E27FC236}">
+                  <a16:creationId xmlns:a16="http://schemas.microsoft.com/office/drawing/2014/main" id="{EAB1E439-9969-411F-90D7-C75E83F49C0A}"/>
+                </a:ext>
+              </a:extLst>
+            </p:cNvPr>
+            <p:cNvCxnSpPr/>
+            <p:nvPr/>
+          </p:nvCxnSpPr>
+          <p:spPr>
+            <a:xfrm>
+              <a:off x="10480023" y="2101947"/>
+              <a:ext cx="824943" cy="0"/>
+            </a:xfrm>
+            <a:prstGeom prst="straightConnector1">
+              <a:avLst/>
+            </a:prstGeom>
+            <a:ln w="28575">
+              <a:solidFill>
+                <a:srgbClr val="00B0F0"/>
+              </a:solidFill>
+              <a:tailEnd type="triangle"/>
+            </a:ln>
+          </p:spPr>
+          <p:style>
+            <a:lnRef idx="1">
+              <a:schemeClr val="accent1"/>
+            </a:lnRef>
+            <a:fillRef idx="0">
+              <a:schemeClr val="accent1"/>
+            </a:fillRef>
+            <a:effectRef idx="0">
+              <a:schemeClr val="accent1"/>
+            </a:effectRef>
+            <a:fontRef idx="minor">
+              <a:schemeClr val="tx1"/>
+            </a:fontRef>
+          </p:style>
+        </p:cxnSp>
+        <p:cxnSp>
+          <p:nvCxnSpPr>
+            <p:cNvPr id="54" name="直接箭头连接符 53">
+              <a:extLst>
+                <a:ext uri="{FF2B5EF4-FFF2-40B4-BE49-F238E27FC236}">
+                  <a16:creationId xmlns:a16="http://schemas.microsoft.com/office/drawing/2014/main" id="{1E0C8285-AB72-4022-BAEE-B2B91F4D48D9}"/>
+                </a:ext>
+              </a:extLst>
+            </p:cNvPr>
+            <p:cNvCxnSpPr/>
+            <p:nvPr/>
+          </p:nvCxnSpPr>
+          <p:spPr>
+            <a:xfrm>
+              <a:off x="10480022" y="2410677"/>
+              <a:ext cx="824943" cy="0"/>
+            </a:xfrm>
+            <a:prstGeom prst="straightConnector1">
+              <a:avLst/>
+            </a:prstGeom>
+            <a:ln w="28575">
+              <a:solidFill>
+                <a:srgbClr val="00B0F0"/>
+              </a:solidFill>
+              <a:tailEnd type="triangle"/>
+            </a:ln>
+          </p:spPr>
+          <p:style>
+            <a:lnRef idx="1">
+              <a:schemeClr val="accent1"/>
+            </a:lnRef>
+            <a:fillRef idx="0">
+              <a:schemeClr val="accent1"/>
+            </a:fillRef>
+            <a:effectRef idx="0">
+              <a:schemeClr val="accent1"/>
+            </a:effectRef>
+            <a:fontRef idx="minor">
+              <a:schemeClr val="tx1"/>
+            </a:fontRef>
+          </p:style>
+        </p:cxnSp>
+        <p:cxnSp>
+          <p:nvCxnSpPr>
+            <p:cNvPr id="55" name="直接箭头连接符 54">
+              <a:extLst>
+                <a:ext uri="{FF2B5EF4-FFF2-40B4-BE49-F238E27FC236}">
+                  <a16:creationId xmlns:a16="http://schemas.microsoft.com/office/drawing/2014/main" id="{64A2C02F-4127-4433-B50E-873320B89DF0}"/>
+                </a:ext>
+              </a:extLst>
+            </p:cNvPr>
+            <p:cNvCxnSpPr/>
+            <p:nvPr/>
+          </p:nvCxnSpPr>
+          <p:spPr>
+            <a:xfrm>
+              <a:off x="10471484" y="3357124"/>
+              <a:ext cx="824943" cy="0"/>
+            </a:xfrm>
+            <a:prstGeom prst="straightConnector1">
+              <a:avLst/>
+            </a:prstGeom>
+            <a:ln w="28575">
+              <a:solidFill>
+                <a:srgbClr val="00B0F0"/>
+              </a:solidFill>
+              <a:tailEnd type="triangle"/>
+            </a:ln>
+          </p:spPr>
+          <p:style>
+            <a:lnRef idx="1">
+              <a:schemeClr val="accent1"/>
+            </a:lnRef>
+            <a:fillRef idx="0">
+              <a:schemeClr val="accent1"/>
+            </a:fillRef>
+            <a:effectRef idx="0">
+              <a:schemeClr val="accent1"/>
+            </a:effectRef>
+            <a:fontRef idx="minor">
+              <a:schemeClr val="tx1"/>
+            </a:fontRef>
+          </p:style>
+        </p:cxnSp>
+        <p:cxnSp>
+          <p:nvCxnSpPr>
+            <p:cNvPr id="56" name="直接箭头连接符 55">
+              <a:extLst>
+                <a:ext uri="{FF2B5EF4-FFF2-40B4-BE49-F238E27FC236}">
+                  <a16:creationId xmlns:a16="http://schemas.microsoft.com/office/drawing/2014/main" id="{6215C452-E8E8-43BB-8A0C-719D612116BF}"/>
+                </a:ext>
+              </a:extLst>
+            </p:cNvPr>
+            <p:cNvCxnSpPr/>
+            <p:nvPr/>
+          </p:nvCxnSpPr>
+          <p:spPr>
+            <a:xfrm>
+              <a:off x="10471483" y="3665854"/>
+              <a:ext cx="824943" cy="0"/>
+            </a:xfrm>
+            <a:prstGeom prst="straightConnector1">
+              <a:avLst/>
+            </a:prstGeom>
+            <a:ln w="28575">
+              <a:solidFill>
+                <a:srgbClr val="00B0F0"/>
+              </a:solidFill>
+              <a:tailEnd type="triangle"/>
+            </a:ln>
+          </p:spPr>
+          <p:style>
+            <a:lnRef idx="1">
+              <a:schemeClr val="accent1"/>
+            </a:lnRef>
+            <a:fillRef idx="0">
+              <a:schemeClr val="accent1"/>
+            </a:fillRef>
+            <a:effectRef idx="0">
+              <a:schemeClr val="accent1"/>
+            </a:effectRef>
+            <a:fontRef idx="minor">
+              <a:schemeClr val="tx1"/>
+            </a:fontRef>
+          </p:style>
+        </p:cxnSp>
+        <p:cxnSp>
+          <p:nvCxnSpPr>
+            <p:cNvPr id="57" name="直接箭头连接符 56">
+              <a:extLst>
+                <a:ext uri="{FF2B5EF4-FFF2-40B4-BE49-F238E27FC236}">
+                  <a16:creationId xmlns:a16="http://schemas.microsoft.com/office/drawing/2014/main" id="{C1B50342-41F1-4A94-A289-8F3CF8380B68}"/>
+                </a:ext>
+              </a:extLst>
+            </p:cNvPr>
+            <p:cNvCxnSpPr/>
+            <p:nvPr/>
+          </p:nvCxnSpPr>
+          <p:spPr>
+            <a:xfrm>
+              <a:off x="10461960" y="4005020"/>
+              <a:ext cx="824943" cy="0"/>
+            </a:xfrm>
+            <a:prstGeom prst="straightConnector1">
+              <a:avLst/>
+            </a:prstGeom>
+            <a:ln w="28575">
+              <a:solidFill>
+                <a:srgbClr val="00B0F0"/>
+              </a:solidFill>
+              <a:tailEnd type="triangle"/>
+            </a:ln>
+          </p:spPr>
+          <p:style>
+            <a:lnRef idx="1">
+              <a:schemeClr val="accent1"/>
+            </a:lnRef>
+            <a:fillRef idx="0">
+              <a:schemeClr val="accent1"/>
+            </a:fillRef>
+            <a:effectRef idx="0">
+              <a:schemeClr val="accent1"/>
+            </a:effectRef>
+            <a:fontRef idx="minor">
+              <a:schemeClr val="tx1"/>
+            </a:fontRef>
+          </p:style>
+        </p:cxnSp>
+        <p:cxnSp>
+          <p:nvCxnSpPr>
+            <p:cNvPr id="58" name="直接箭头连接符 57">
+              <a:extLst>
+                <a:ext uri="{FF2B5EF4-FFF2-40B4-BE49-F238E27FC236}">
+                  <a16:creationId xmlns:a16="http://schemas.microsoft.com/office/drawing/2014/main" id="{B6A47839-0BF0-4E8F-B9EF-AA686E7BA506}"/>
+                </a:ext>
+              </a:extLst>
+            </p:cNvPr>
+            <p:cNvCxnSpPr/>
+            <p:nvPr/>
+          </p:nvCxnSpPr>
+          <p:spPr>
+            <a:xfrm>
+              <a:off x="10461959" y="4313750"/>
+              <a:ext cx="824943" cy="0"/>
+            </a:xfrm>
+            <a:prstGeom prst="straightConnector1">
+              <a:avLst/>
+            </a:prstGeom>
+            <a:ln w="28575">
+              <a:solidFill>
+                <a:srgbClr val="00B0F0"/>
+              </a:solidFill>
+              <a:tailEnd type="triangle"/>
+            </a:ln>
+          </p:spPr>
+          <p:style>
+            <a:lnRef idx="1">
+              <a:schemeClr val="accent1"/>
+            </a:lnRef>
+            <a:fillRef idx="0">
+              <a:schemeClr val="accent1"/>
+            </a:fillRef>
+            <a:effectRef idx="0">
+              <a:schemeClr val="accent1"/>
+            </a:effectRef>
+            <a:fontRef idx="minor">
+              <a:schemeClr val="tx1"/>
+            </a:fontRef>
+          </p:style>
+        </p:cxnSp>
+        <mc:AlternateContent xmlns:mc="http://schemas.openxmlformats.org/markup-compatibility/2006">
+          <mc:Choice xmlns:a14="http://schemas.microsoft.com/office/drawing/2010/main" Requires="a14">
+            <p:sp>
+              <p:nvSpPr>
+                <p:cNvPr id="59" name="文本框 58">
+                  <a:extLst>
+                    <a:ext uri="{FF2B5EF4-FFF2-40B4-BE49-F238E27FC236}">
+                      <a16:creationId xmlns:a16="http://schemas.microsoft.com/office/drawing/2014/main" id="{39E943C5-957F-44E2-9C20-56EC81DE7C02}"/>
+                    </a:ext>
+                  </a:extLst>
+                </p:cNvPr>
+                <p:cNvSpPr txBox="1"/>
+                <p:nvPr/>
+              </p:nvSpPr>
+              <p:spPr>
+                <a:xfrm>
+                  <a:off x="10021665" y="2680160"/>
+                  <a:ext cx="1283300" cy="369332"/>
+                </a:xfrm>
+                <a:prstGeom prst="rect">
+                  <a:avLst/>
+                </a:prstGeom>
+                <a:solidFill>
+                  <a:schemeClr val="bg1"/>
+                </a:solidFill>
+              </p:spPr>
+              <p:txBody>
+                <a:bodyPr wrap="none" lIns="0" tIns="0" rIns="0" bIns="0" rtlCol="0">
+                  <a:spAutoFit/>
+                </a:bodyPr>
+                <a:lstStyle/>
+                <a:p>
+                  <a:pPr/>
+                  <a14:m>
+                    <m:oMathPara xmlns:m="http://schemas.openxmlformats.org/officeDocument/2006/math">
+                      <m:oMathParaPr>
+                        <m:jc m:val="centerGroup"/>
+                      </m:oMathParaPr>
+                      <m:oMath xmlns:m="http://schemas.openxmlformats.org/officeDocument/2006/math">
+                        <m:acc>
+                          <m:accPr>
+                            <m:chr m:val="⃗"/>
+                            <m:ctrlPr>
+                              <a:rPr lang="zh-CN" altLang="en-US" sz="2400" i="1" smtClean="0">
+                                <a:latin typeface="Cambria Math" panose="02040503050406030204" pitchFamily="18" charset="0"/>
+                              </a:rPr>
+                            </m:ctrlPr>
+                          </m:accPr>
+                          <m:e>
+                            <m:r>
+                              <a:rPr lang="en-US" altLang="zh-CN" sz="2400" b="0" i="1" smtClean="0">
+                                <a:latin typeface="Cambria Math" panose="02040503050406030204" pitchFamily="18" charset="0"/>
+                              </a:rPr>
+                              <m:t>𝑢</m:t>
+                            </m:r>
+                          </m:e>
+                        </m:acc>
+                        <m:r>
+                          <a:rPr lang="en-US" altLang="zh-CN" sz="2400" b="0" i="1" smtClean="0">
+                            <a:latin typeface="Cambria Math" panose="02040503050406030204" pitchFamily="18" charset="0"/>
+                          </a:rPr>
+                          <m:t>=</m:t>
+                        </m:r>
+                        <m:sSub>
+                          <m:sSubPr>
+                            <m:ctrlPr>
+                              <a:rPr lang="en-US" altLang="zh-CN" sz="2400" i="1" smtClean="0">
+                                <a:latin typeface="Cambria Math" panose="02040503050406030204" pitchFamily="18" charset="0"/>
+                              </a:rPr>
+                            </m:ctrlPr>
+                          </m:sSubPr>
+                          <m:e>
+                            <m:r>
+                              <a:rPr lang="en-US" altLang="zh-CN" sz="2400" b="0" i="1" smtClean="0">
+                                <a:latin typeface="Cambria Math" panose="02040503050406030204" pitchFamily="18" charset="0"/>
+                              </a:rPr>
+                              <m:t>𝑢</m:t>
+                            </m:r>
+                          </m:e>
+                          <m:sub>
+                            <m:r>
+                              <a:rPr lang="en-US" altLang="zh-CN" sz="2400" b="0" i="1" smtClean="0">
+                                <a:latin typeface="Cambria Math" panose="02040503050406030204" pitchFamily="18" charset="0"/>
+                              </a:rPr>
+                              <m:t>0</m:t>
+                            </m:r>
+                          </m:sub>
+                        </m:sSub>
+                        <m:acc>
+                          <m:accPr>
+                            <m:chr m:val="⃗"/>
+                            <m:ctrlPr>
+                              <a:rPr lang="zh-CN" altLang="en-US" sz="2400" i="1" smtClean="0">
+                                <a:latin typeface="Cambria Math" panose="02040503050406030204" pitchFamily="18" charset="0"/>
+                              </a:rPr>
+                            </m:ctrlPr>
+                          </m:accPr>
+                          <m:e>
+                            <m:sSub>
+                              <m:sSubPr>
+                                <m:ctrlPr>
+                                  <a:rPr lang="en-US" altLang="zh-CN" sz="2400" i="1" smtClean="0">
+                                    <a:latin typeface="Cambria Math" panose="02040503050406030204" pitchFamily="18" charset="0"/>
+                                  </a:rPr>
+                                </m:ctrlPr>
+                              </m:sSubPr>
+                              <m:e>
+                                <m:r>
+                                  <a:rPr lang="en-US" altLang="zh-CN" sz="2400" b="0" i="1" smtClean="0">
+                                    <a:latin typeface="Cambria Math" panose="02040503050406030204" pitchFamily="18" charset="0"/>
+                                  </a:rPr>
+                                  <m:t>𝑒</m:t>
+                                </m:r>
+                              </m:e>
+                              <m:sub>
+                                <m:r>
+                                  <a:rPr lang="en-US" altLang="zh-CN" sz="2400" b="0" i="1" smtClean="0">
+                                    <a:latin typeface="Cambria Math" panose="02040503050406030204" pitchFamily="18" charset="0"/>
+                                  </a:rPr>
+                                  <m:t>𝑥</m:t>
+                                </m:r>
+                              </m:sub>
+                            </m:sSub>
+                          </m:e>
+                        </m:acc>
+                      </m:oMath>
+                    </m:oMathPara>
+                  </a14:m>
+                  <a:endParaRPr lang="zh-CN" altLang="en-US" sz="2400" dirty="0"/>
+                </a:p>
+              </p:txBody>
+            </p:sp>
+          </mc:Choice>
+          <mc:Fallback>
+            <p:sp>
+              <p:nvSpPr>
+                <p:cNvPr id="59" name="文本框 58">
+                  <a:extLst>
+                    <a:ext uri="{FF2B5EF4-FFF2-40B4-BE49-F238E27FC236}">
+                      <a16:creationId xmlns:a16="http://schemas.microsoft.com/office/drawing/2014/main" id="{39E943C5-957F-44E2-9C20-56EC81DE7C02}"/>
+                    </a:ext>
+                  </a:extLst>
+                </p:cNvPr>
+                <p:cNvSpPr txBox="1">
+                  <a:spLocks noRot="1" noChangeAspect="1" noMove="1" noResize="1" noEditPoints="1" noAdjustHandles="1" noChangeArrowheads="1" noChangeShapeType="1" noTextEdit="1"/>
+                </p:cNvSpPr>
+                <p:nvPr/>
+              </p:nvSpPr>
+              <p:spPr>
+                <a:xfrm>
+                  <a:off x="10021665" y="2680160"/>
+                  <a:ext cx="1283300" cy="369332"/>
+                </a:xfrm>
+                <a:prstGeom prst="rect">
+                  <a:avLst/>
+                </a:prstGeom>
+                <a:blipFill>
+                  <a:blip r:embed="rId12"/>
+                  <a:stretch>
+                    <a:fillRect l="-2381" b="-15000"/>
+                  </a:stretch>
+                </a:blipFill>
+              </p:spPr>
+              <p:txBody>
+                <a:bodyPr/>
+                <a:lstStyle/>
+                <a:p>
+                  <a:r>
+                    <a:rPr lang="zh-CN" altLang="en-US">
+                      <a:noFill/>
+                    </a:rPr>
+                    <a:t> </a:t>
+                  </a:r>
+                </a:p>
+              </p:txBody>
+            </p:sp>
+          </mc:Fallback>
+        </mc:AlternateContent>
+        <mc:AlternateContent xmlns:mc="http://schemas.openxmlformats.org/markup-compatibility/2006">
+          <mc:Choice xmlns:a14="http://schemas.microsoft.com/office/drawing/2010/main" Requires="a14">
+            <p:sp>
+              <p:nvSpPr>
+                <p:cNvPr id="60" name="文本框 59">
+                  <a:extLst>
+                    <a:ext uri="{FF2B5EF4-FFF2-40B4-BE49-F238E27FC236}">
+                      <a16:creationId xmlns:a16="http://schemas.microsoft.com/office/drawing/2014/main" id="{CEBE7177-36BA-4321-8CDE-62C126CEF22E}"/>
+                    </a:ext>
+                  </a:extLst>
+                </p:cNvPr>
+                <p:cNvSpPr txBox="1"/>
+                <p:nvPr/>
+              </p:nvSpPr>
+              <p:spPr>
+                <a:xfrm>
+                  <a:off x="1653636" y="201706"/>
+                  <a:ext cx="261738" cy="369332"/>
+                </a:xfrm>
+                <a:prstGeom prst="rect">
+                  <a:avLst/>
+                </a:prstGeom>
+                <a:noFill/>
+              </p:spPr>
+              <p:txBody>
+                <a:bodyPr wrap="none" lIns="0" tIns="0" rIns="0" bIns="0" rtlCol="0">
+                  <a:spAutoFit/>
+                </a:bodyPr>
+                <a:lstStyle/>
+                <a:p>
+                  <a:pPr/>
+                  <a14:m>
+                    <m:oMathPara xmlns:m="http://schemas.openxmlformats.org/officeDocument/2006/math">
+                      <m:oMathParaPr>
+                        <m:jc m:val="centerGroup"/>
+                      </m:oMathParaPr>
+                      <m:oMath xmlns:m="http://schemas.openxmlformats.org/officeDocument/2006/math">
+                        <m:r>
+                          <a:rPr lang="en-US" altLang="zh-CN" sz="2400" b="0" i="1" smtClean="0">
+                            <a:latin typeface="Cambria Math" panose="02040503050406030204" pitchFamily="18" charset="0"/>
+                          </a:rPr>
+                          <m:t>𝑦</m:t>
+                        </m:r>
+                      </m:oMath>
+                    </m:oMathPara>
+                  </a14:m>
+                  <a:endParaRPr lang="zh-CN" altLang="en-US" sz="2400" dirty="0"/>
+                </a:p>
+              </p:txBody>
+            </p:sp>
+          </mc:Choice>
+          <mc:Fallback>
+            <p:sp>
+              <p:nvSpPr>
+                <p:cNvPr id="60" name="文本框 59">
+                  <a:extLst>
+                    <a:ext uri="{FF2B5EF4-FFF2-40B4-BE49-F238E27FC236}">
+                      <a16:creationId xmlns:a16="http://schemas.microsoft.com/office/drawing/2014/main" id="{CEBE7177-36BA-4321-8CDE-62C126CEF22E}"/>
+                    </a:ext>
+                  </a:extLst>
+                </p:cNvPr>
+                <p:cNvSpPr txBox="1">
+                  <a:spLocks noRot="1" noChangeAspect="1" noMove="1" noResize="1" noEditPoints="1" noAdjustHandles="1" noChangeArrowheads="1" noChangeShapeType="1" noTextEdit="1"/>
+                </p:cNvSpPr>
+                <p:nvPr/>
+              </p:nvSpPr>
+              <p:spPr>
+                <a:xfrm>
+                  <a:off x="1653636" y="201706"/>
+                  <a:ext cx="261738" cy="369332"/>
+                </a:xfrm>
+                <a:prstGeom prst="rect">
+                  <a:avLst/>
+                </a:prstGeom>
+                <a:blipFill>
+                  <a:blip r:embed="rId13"/>
+                  <a:stretch>
+                    <a:fillRect l="-25581" r="-23256" b="-24590"/>
+                  </a:stretch>
+                </a:blipFill>
+              </p:spPr>
+              <p:txBody>
+                <a:bodyPr/>
+                <a:lstStyle/>
+                <a:p>
+                  <a:r>
+                    <a:rPr lang="zh-CN" altLang="en-US">
+                      <a:noFill/>
+                    </a:rPr>
+                    <a:t> </a:t>
+                  </a:r>
+                </a:p>
+              </p:txBody>
+            </p:sp>
+          </mc:Fallback>
+        </mc:AlternateContent>
+        <mc:AlternateContent xmlns:mc="http://schemas.openxmlformats.org/markup-compatibility/2006">
+          <mc:Choice xmlns:a14="http://schemas.microsoft.com/office/drawing/2010/main" Requires="a14">
+            <p:sp>
+              <p:nvSpPr>
+                <p:cNvPr id="61" name="文本框 60">
+                  <a:extLst>
+                    <a:ext uri="{FF2B5EF4-FFF2-40B4-BE49-F238E27FC236}">
+                      <a16:creationId xmlns:a16="http://schemas.microsoft.com/office/drawing/2014/main" id="{9D0735CE-F388-4023-8DCA-7A7E3C146B26}"/>
+                    </a:ext>
+                  </a:extLst>
+                </p:cNvPr>
+                <p:cNvSpPr txBox="1"/>
+                <p:nvPr/>
+              </p:nvSpPr>
+              <p:spPr>
+                <a:xfrm>
+                  <a:off x="11680704" y="4687306"/>
+                  <a:ext cx="257763" cy="369332"/>
+                </a:xfrm>
+                <a:prstGeom prst="rect">
+                  <a:avLst/>
+                </a:prstGeom>
+                <a:noFill/>
+              </p:spPr>
+              <p:txBody>
+                <a:bodyPr wrap="none" lIns="0" tIns="0" rIns="0" bIns="0" rtlCol="0">
+                  <a:spAutoFit/>
+                </a:bodyPr>
+                <a:lstStyle/>
+                <a:p>
+                  <a:pPr/>
+                  <a14:m>
+                    <m:oMathPara xmlns:m="http://schemas.openxmlformats.org/officeDocument/2006/math">
+                      <m:oMathParaPr>
+                        <m:jc m:val="centerGroup"/>
+                      </m:oMathParaPr>
+                      <m:oMath xmlns:m="http://schemas.openxmlformats.org/officeDocument/2006/math">
+                        <m:r>
+                          <a:rPr lang="en-US" altLang="zh-CN" sz="2400" b="0" i="1" smtClean="0">
+                            <a:latin typeface="Cambria Math" panose="02040503050406030204" pitchFamily="18" charset="0"/>
+                          </a:rPr>
+                          <m:t>𝑥</m:t>
+                        </m:r>
+                      </m:oMath>
+                    </m:oMathPara>
+                  </a14:m>
+                  <a:endParaRPr lang="zh-CN" altLang="en-US" sz="2400" dirty="0"/>
+                </a:p>
+              </p:txBody>
+            </p:sp>
+          </mc:Choice>
+          <mc:Fallback>
+            <p:sp>
+              <p:nvSpPr>
+                <p:cNvPr id="61" name="文本框 60">
+                  <a:extLst>
+                    <a:ext uri="{FF2B5EF4-FFF2-40B4-BE49-F238E27FC236}">
+                      <a16:creationId xmlns:a16="http://schemas.microsoft.com/office/drawing/2014/main" id="{9D0735CE-F388-4023-8DCA-7A7E3C146B26}"/>
+                    </a:ext>
+                  </a:extLst>
+                </p:cNvPr>
+                <p:cNvSpPr txBox="1">
+                  <a:spLocks noRot="1" noChangeAspect="1" noMove="1" noResize="1" noEditPoints="1" noAdjustHandles="1" noChangeArrowheads="1" noChangeShapeType="1" noTextEdit="1"/>
+                </p:cNvSpPr>
+                <p:nvPr/>
+              </p:nvSpPr>
+              <p:spPr>
+                <a:xfrm>
+                  <a:off x="11680704" y="4687306"/>
+                  <a:ext cx="257763" cy="369332"/>
+                </a:xfrm>
+                <a:prstGeom prst="rect">
+                  <a:avLst/>
+                </a:prstGeom>
+                <a:blipFill>
+                  <a:blip r:embed="rId14"/>
+                  <a:stretch>
+                    <a:fillRect l="-11905" r="-11905"/>
+                  </a:stretch>
+                </a:blipFill>
+              </p:spPr>
+              <p:txBody>
+                <a:bodyPr/>
+                <a:lstStyle/>
+                <a:p>
+                  <a:r>
+                    <a:rPr lang="zh-CN" altLang="en-US">
+                      <a:noFill/>
+                    </a:rPr>
+                    <a:t> </a:t>
+                  </a:r>
+                </a:p>
+              </p:txBody>
+            </p:sp>
+          </mc:Fallback>
+        </mc:AlternateContent>
+        <mc:AlternateContent xmlns:mc="http://schemas.openxmlformats.org/markup-compatibility/2006">
+          <mc:Choice xmlns:a14="http://schemas.microsoft.com/office/drawing/2010/main" Requires="a14">
+            <p:sp>
+              <p:nvSpPr>
+                <p:cNvPr id="62" name="文本框 61">
+                  <a:extLst>
+                    <a:ext uri="{FF2B5EF4-FFF2-40B4-BE49-F238E27FC236}">
+                      <a16:creationId xmlns:a16="http://schemas.microsoft.com/office/drawing/2014/main" id="{D5DCC70C-4D5B-47BD-9AD2-37E11E568BE0}"/>
+                    </a:ext>
+                  </a:extLst>
+                </p:cNvPr>
+                <p:cNvSpPr txBox="1"/>
+                <p:nvPr/>
+              </p:nvSpPr>
+              <p:spPr>
+                <a:xfrm>
+                  <a:off x="6034512" y="570530"/>
+                  <a:ext cx="839204" cy="416524"/>
+                </a:xfrm>
+                <a:prstGeom prst="rect">
+                  <a:avLst/>
+                </a:prstGeom>
+                <a:solidFill>
+                  <a:schemeClr val="bg1"/>
+                </a:solidFill>
+              </p:spPr>
+              <p:txBody>
+                <a:bodyPr wrap="none" lIns="0" tIns="0" rIns="0" bIns="0" rtlCol="0">
+                  <a:spAutoFit/>
+                </a:bodyPr>
+                <a:lstStyle/>
+                <a:p>
+                  <a:pPr/>
+                  <a14:m>
+                    <m:oMathPara xmlns:m="http://schemas.openxmlformats.org/officeDocument/2006/math">
+                      <m:oMathParaPr>
+                        <m:jc m:val="centerGroup"/>
+                      </m:oMathParaPr>
+                      <m:oMath xmlns:m="http://schemas.openxmlformats.org/officeDocument/2006/math">
+                        <m:acc>
+                          <m:accPr>
+                            <m:chr m:val="⃗"/>
+                            <m:ctrlPr>
+                              <a:rPr lang="zh-CN" altLang="en-US" sz="2400" i="1" smtClean="0">
+                                <a:latin typeface="Cambria Math" panose="02040503050406030204" pitchFamily="18" charset="0"/>
+                              </a:rPr>
+                            </m:ctrlPr>
+                          </m:accPr>
+                          <m:e>
+                            <m:r>
+                              <a:rPr lang="en-US" altLang="zh-CN" sz="2400" b="0" i="1" smtClean="0">
+                                <a:latin typeface="Cambria Math" panose="02040503050406030204" pitchFamily="18" charset="0"/>
+                              </a:rPr>
+                              <m:t>𝑢</m:t>
+                            </m:r>
+                          </m:e>
+                        </m:acc>
+                        <m:r>
+                          <a:rPr lang="en-US" altLang="zh-CN" sz="2400" b="0" i="1" smtClean="0">
+                            <a:latin typeface="Cambria Math" panose="02040503050406030204" pitchFamily="18" charset="0"/>
+                          </a:rPr>
+                          <m:t>=</m:t>
+                        </m:r>
+                        <m:acc>
+                          <m:accPr>
+                            <m:chr m:val="⃗"/>
+                            <m:ctrlPr>
+                              <a:rPr lang="zh-CN" altLang="en-US" sz="2400" i="1" smtClean="0">
+                                <a:latin typeface="Cambria Math" panose="02040503050406030204" pitchFamily="18" charset="0"/>
+                              </a:rPr>
+                            </m:ctrlPr>
+                          </m:accPr>
+                          <m:e>
+                            <m:r>
+                              <a:rPr lang="en-US" altLang="zh-CN" sz="2400" i="1" smtClean="0">
+                                <a:latin typeface="Cambria Math" panose="02040503050406030204" pitchFamily="18" charset="0"/>
+                              </a:rPr>
+                              <m:t>0</m:t>
+                            </m:r>
+                          </m:e>
+                        </m:acc>
+                      </m:oMath>
+                    </m:oMathPara>
+                  </a14:m>
+                  <a:endParaRPr lang="zh-CN" altLang="en-US" sz="2400" dirty="0"/>
+                </a:p>
+              </p:txBody>
+            </p:sp>
+          </mc:Choice>
+          <mc:Fallback>
+            <p:sp>
+              <p:nvSpPr>
+                <p:cNvPr id="62" name="文本框 61">
+                  <a:extLst>
+                    <a:ext uri="{FF2B5EF4-FFF2-40B4-BE49-F238E27FC236}">
+                      <a16:creationId xmlns:a16="http://schemas.microsoft.com/office/drawing/2014/main" id="{D5DCC70C-4D5B-47BD-9AD2-37E11E568BE0}"/>
+                    </a:ext>
+                  </a:extLst>
+                </p:cNvPr>
+                <p:cNvSpPr txBox="1">
+                  <a:spLocks noRot="1" noChangeAspect="1" noMove="1" noResize="1" noEditPoints="1" noAdjustHandles="1" noChangeArrowheads="1" noChangeShapeType="1" noTextEdit="1"/>
+                </p:cNvSpPr>
+                <p:nvPr/>
+              </p:nvSpPr>
+              <p:spPr>
+                <a:xfrm>
+                  <a:off x="6034512" y="570530"/>
+                  <a:ext cx="839204" cy="416524"/>
+                </a:xfrm>
+                <a:prstGeom prst="rect">
+                  <a:avLst/>
+                </a:prstGeom>
+                <a:blipFill>
+                  <a:blip r:embed="rId15"/>
+                  <a:stretch>
+                    <a:fillRect/>
+                  </a:stretch>
+                </a:blipFill>
+              </p:spPr>
+              <p:txBody>
+                <a:bodyPr/>
+                <a:lstStyle/>
+                <a:p>
+                  <a:r>
+                    <a:rPr lang="zh-CN" altLang="en-US">
+                      <a:noFill/>
+                    </a:rPr>
+                    <a:t> </a:t>
+                  </a:r>
+                </a:p>
+              </p:txBody>
+            </p:sp>
+          </mc:Fallback>
+        </mc:AlternateContent>
+        <mc:AlternateContent xmlns:mc="http://schemas.openxmlformats.org/markup-compatibility/2006">
+          <mc:Choice xmlns:a14="http://schemas.microsoft.com/office/drawing/2010/main" Requires="a14">
+            <p:sp>
+              <p:nvSpPr>
+                <p:cNvPr id="63" name="文本框 62">
+                  <a:extLst>
+                    <a:ext uri="{FF2B5EF4-FFF2-40B4-BE49-F238E27FC236}">
+                      <a16:creationId xmlns:a16="http://schemas.microsoft.com/office/drawing/2014/main" id="{AF1497C2-DBED-4996-B117-CA127DAF6EAD}"/>
+                    </a:ext>
+                  </a:extLst>
+                </p:cNvPr>
+                <p:cNvSpPr txBox="1"/>
+                <p:nvPr/>
+              </p:nvSpPr>
+              <p:spPr>
+                <a:xfrm>
+                  <a:off x="5389488" y="4183003"/>
+                  <a:ext cx="839204" cy="416524"/>
+                </a:xfrm>
+                <a:prstGeom prst="rect">
+                  <a:avLst/>
+                </a:prstGeom>
+                <a:solidFill>
+                  <a:schemeClr val="bg1"/>
+                </a:solidFill>
+              </p:spPr>
+              <p:txBody>
+                <a:bodyPr wrap="none" lIns="0" tIns="0" rIns="0" bIns="0" rtlCol="0">
+                  <a:spAutoFit/>
+                </a:bodyPr>
+                <a:lstStyle/>
+                <a:p>
+                  <a:pPr/>
+                  <a14:m>
+                    <m:oMathPara xmlns:m="http://schemas.openxmlformats.org/officeDocument/2006/math">
+                      <m:oMathParaPr>
+                        <m:jc m:val="centerGroup"/>
+                      </m:oMathParaPr>
+                      <m:oMath xmlns:m="http://schemas.openxmlformats.org/officeDocument/2006/math">
+                        <m:acc>
+                          <m:accPr>
+                            <m:chr m:val="⃗"/>
+                            <m:ctrlPr>
+                              <a:rPr lang="zh-CN" altLang="en-US" sz="2400" i="1" smtClean="0">
+                                <a:latin typeface="Cambria Math" panose="02040503050406030204" pitchFamily="18" charset="0"/>
+                              </a:rPr>
+                            </m:ctrlPr>
+                          </m:accPr>
+                          <m:e>
+                            <m:r>
+                              <a:rPr lang="en-US" altLang="zh-CN" sz="2400" b="0" i="1" smtClean="0">
+                                <a:latin typeface="Cambria Math" panose="02040503050406030204" pitchFamily="18" charset="0"/>
+                              </a:rPr>
+                              <m:t>𝑢</m:t>
+                            </m:r>
+                          </m:e>
+                        </m:acc>
+                        <m:r>
+                          <a:rPr lang="en-US" altLang="zh-CN" sz="2400" b="0" i="1" smtClean="0">
+                            <a:latin typeface="Cambria Math" panose="02040503050406030204" pitchFamily="18" charset="0"/>
+                          </a:rPr>
+                          <m:t>=</m:t>
+                        </m:r>
+                        <m:acc>
+                          <m:accPr>
+                            <m:chr m:val="⃗"/>
+                            <m:ctrlPr>
+                              <a:rPr lang="zh-CN" altLang="en-US" sz="2400" i="1" smtClean="0">
+                                <a:latin typeface="Cambria Math" panose="02040503050406030204" pitchFamily="18" charset="0"/>
+                              </a:rPr>
+                            </m:ctrlPr>
+                          </m:accPr>
+                          <m:e>
+                            <m:r>
+                              <a:rPr lang="en-US" altLang="zh-CN" sz="2400" i="1" smtClean="0">
+                                <a:latin typeface="Cambria Math" panose="02040503050406030204" pitchFamily="18" charset="0"/>
+                              </a:rPr>
+                              <m:t>0</m:t>
+                            </m:r>
+                          </m:e>
+                        </m:acc>
+                      </m:oMath>
+                    </m:oMathPara>
+                  </a14:m>
+                  <a:endParaRPr lang="zh-CN" altLang="en-US" sz="2400" dirty="0"/>
+                </a:p>
+              </p:txBody>
+            </p:sp>
+          </mc:Choice>
+          <mc:Fallback>
+            <p:sp>
+              <p:nvSpPr>
+                <p:cNvPr id="63" name="文本框 62">
+                  <a:extLst>
+                    <a:ext uri="{FF2B5EF4-FFF2-40B4-BE49-F238E27FC236}">
+                      <a16:creationId xmlns:a16="http://schemas.microsoft.com/office/drawing/2014/main" id="{AF1497C2-DBED-4996-B117-CA127DAF6EAD}"/>
+                    </a:ext>
+                  </a:extLst>
+                </p:cNvPr>
+                <p:cNvSpPr txBox="1">
+                  <a:spLocks noRot="1" noChangeAspect="1" noMove="1" noResize="1" noEditPoints="1" noAdjustHandles="1" noChangeArrowheads="1" noChangeShapeType="1" noTextEdit="1"/>
+                </p:cNvSpPr>
+                <p:nvPr/>
+              </p:nvSpPr>
+              <p:spPr>
+                <a:xfrm>
+                  <a:off x="5389488" y="4183003"/>
+                  <a:ext cx="839204" cy="416524"/>
+                </a:xfrm>
+                <a:prstGeom prst="rect">
+                  <a:avLst/>
+                </a:prstGeom>
+                <a:blipFill>
+                  <a:blip r:embed="rId16"/>
+                  <a:stretch>
+                    <a:fillRect/>
+                  </a:stretch>
+                </a:blipFill>
+              </p:spPr>
+              <p:txBody>
+                <a:bodyPr/>
+                <a:lstStyle/>
+                <a:p>
+                  <a:r>
+                    <a:rPr lang="zh-CN" altLang="en-US">
+                      <a:noFill/>
+                    </a:rPr>
+                    <a:t> </a:t>
+                  </a:r>
+                </a:p>
+              </p:txBody>
+            </p:sp>
+          </mc:Fallback>
+        </mc:AlternateContent>
+        <p:cxnSp>
+          <p:nvCxnSpPr>
+            <p:cNvPr id="64" name="直接箭头连接符 63">
+              <a:extLst>
+                <a:ext uri="{FF2B5EF4-FFF2-40B4-BE49-F238E27FC236}">
+                  <a16:creationId xmlns:a16="http://schemas.microsoft.com/office/drawing/2014/main" id="{F6138307-AB1E-4788-B3BF-C26B07D2E5C3}"/>
+                </a:ext>
+              </a:extLst>
+            </p:cNvPr>
+            <p:cNvCxnSpPr/>
+            <p:nvPr/>
+          </p:nvCxnSpPr>
+          <p:spPr>
+            <a:xfrm>
+              <a:off x="1700757" y="2955610"/>
+              <a:ext cx="824943" cy="0"/>
+            </a:xfrm>
+            <a:prstGeom prst="straightConnector1">
+              <a:avLst/>
+            </a:prstGeom>
+            <a:ln w="28575">
+              <a:solidFill>
+                <a:srgbClr val="00B0F0"/>
+              </a:solidFill>
+              <a:tailEnd type="triangle"/>
+            </a:ln>
+          </p:spPr>
+          <p:style>
+            <a:lnRef idx="1">
+              <a:schemeClr val="accent1"/>
+            </a:lnRef>
+            <a:fillRef idx="0">
+              <a:schemeClr val="accent1"/>
+            </a:fillRef>
+            <a:effectRef idx="0">
+              <a:schemeClr val="accent1"/>
+            </a:effectRef>
+            <a:fontRef idx="minor">
+              <a:schemeClr val="tx1"/>
+            </a:fontRef>
+          </p:style>
+        </p:cxnSp>
+        <p:cxnSp>
+          <p:nvCxnSpPr>
+            <p:cNvPr id="65" name="直接箭头连接符 64">
+              <a:extLst>
+                <a:ext uri="{FF2B5EF4-FFF2-40B4-BE49-F238E27FC236}">
+                  <a16:creationId xmlns:a16="http://schemas.microsoft.com/office/drawing/2014/main" id="{F9452F52-D4B7-46A8-8281-BF07295146F8}"/>
+                </a:ext>
+              </a:extLst>
+            </p:cNvPr>
+            <p:cNvCxnSpPr/>
+            <p:nvPr/>
+          </p:nvCxnSpPr>
+          <p:spPr>
+            <a:xfrm>
+              <a:off x="1700757" y="2680160"/>
+              <a:ext cx="824943" cy="0"/>
+            </a:xfrm>
+            <a:prstGeom prst="straightConnector1">
+              <a:avLst/>
+            </a:prstGeom>
+            <a:ln w="28575">
+              <a:solidFill>
+                <a:srgbClr val="00B0F0"/>
+              </a:solidFill>
+              <a:tailEnd type="triangle"/>
+            </a:ln>
+          </p:spPr>
+          <p:style>
+            <a:lnRef idx="1">
+              <a:schemeClr val="accent1"/>
+            </a:lnRef>
+            <a:fillRef idx="0">
+              <a:schemeClr val="accent1"/>
+            </a:fillRef>
+            <a:effectRef idx="0">
+              <a:schemeClr val="accent1"/>
+            </a:effectRef>
+            <a:fontRef idx="minor">
+              <a:schemeClr val="tx1"/>
+            </a:fontRef>
+          </p:style>
+        </p:cxnSp>
+        <mc:AlternateContent xmlns:mc="http://schemas.openxmlformats.org/markup-compatibility/2006">
+          <mc:Choice xmlns:a14="http://schemas.microsoft.com/office/drawing/2010/main" Requires="a14">
+            <p:sp>
+              <p:nvSpPr>
+                <p:cNvPr id="66" name="文本框 65">
+                  <a:extLst>
+                    <a:ext uri="{FF2B5EF4-FFF2-40B4-BE49-F238E27FC236}">
+                      <a16:creationId xmlns:a16="http://schemas.microsoft.com/office/drawing/2014/main" id="{6F70CD97-FD29-479D-9734-52A098DA4537}"/>
+                    </a:ext>
+                  </a:extLst>
+                </p:cNvPr>
+                <p:cNvSpPr txBox="1"/>
+                <p:nvPr/>
+              </p:nvSpPr>
+              <p:spPr>
+                <a:xfrm>
+                  <a:off x="6995694" y="3100940"/>
+                  <a:ext cx="253274" cy="369332"/>
+                </a:xfrm>
+                <a:prstGeom prst="rect">
+                  <a:avLst/>
+                </a:prstGeom>
+                <a:solidFill>
+                  <a:schemeClr val="bg1"/>
+                </a:solidFill>
+              </p:spPr>
+              <p:txBody>
+                <a:bodyPr wrap="none" lIns="0" tIns="0" rIns="0" bIns="0" rtlCol="0">
+                  <a:spAutoFit/>
+                </a:bodyPr>
+                <a:lstStyle/>
+                <a:p>
+                  <a:pPr/>
+                  <a14:m>
+                    <m:oMathPara xmlns:m="http://schemas.openxmlformats.org/officeDocument/2006/math">
+                      <m:oMathParaPr>
+                        <m:jc m:val="centerGroup"/>
+                      </m:oMathParaPr>
+                      <m:oMath xmlns:m="http://schemas.openxmlformats.org/officeDocument/2006/math">
+                        <m:r>
+                          <m:rPr>
+                            <m:sty m:val="p"/>
+                          </m:rPr>
+                          <a:rPr lang="en-US" altLang="zh-CN" sz="2400" b="0" i="0" smtClean="0">
+                            <a:solidFill>
+                              <a:schemeClr val="tx1"/>
+                            </a:solidFill>
+                            <a:latin typeface="Cambria Math" panose="02040503050406030204" pitchFamily="18" charset="0"/>
+                          </a:rPr>
+                          <m:t>Σ</m:t>
+                        </m:r>
+                      </m:oMath>
+                    </m:oMathPara>
+                  </a14:m>
+                  <a:endParaRPr lang="zh-CN" altLang="en-US" sz="2400" dirty="0">
+                    <a:solidFill>
+                      <a:schemeClr val="tx1"/>
+                    </a:solidFill>
+                  </a:endParaRPr>
+                </a:p>
+              </p:txBody>
+            </p:sp>
+          </mc:Choice>
+          <mc:Fallback>
+            <p:sp>
+              <p:nvSpPr>
+                <p:cNvPr id="66" name="文本框 65">
+                  <a:extLst>
+                    <a:ext uri="{FF2B5EF4-FFF2-40B4-BE49-F238E27FC236}">
+                      <a16:creationId xmlns:a16="http://schemas.microsoft.com/office/drawing/2014/main" id="{6F70CD97-FD29-479D-9734-52A098DA4537}"/>
+                    </a:ext>
+                  </a:extLst>
+                </p:cNvPr>
+                <p:cNvSpPr txBox="1">
+                  <a:spLocks noRot="1" noChangeAspect="1" noMove="1" noResize="1" noEditPoints="1" noAdjustHandles="1" noChangeArrowheads="1" noChangeShapeType="1" noTextEdit="1"/>
+                </p:cNvSpPr>
+                <p:nvPr/>
+              </p:nvSpPr>
+              <p:spPr>
+                <a:xfrm>
+                  <a:off x="6995694" y="3100940"/>
+                  <a:ext cx="253274" cy="369332"/>
+                </a:xfrm>
+                <a:prstGeom prst="rect">
+                  <a:avLst/>
+                </a:prstGeom>
+                <a:blipFill>
+                  <a:blip r:embed="rId17"/>
+                  <a:stretch>
+                    <a:fillRect l="-26829" r="-24390" b="-6667"/>
+                  </a:stretch>
+                </a:blipFill>
+              </p:spPr>
+              <p:txBody>
+                <a:bodyPr/>
+                <a:lstStyle/>
+                <a:p>
+                  <a:r>
+                    <a:rPr lang="zh-CN" altLang="en-US">
+                      <a:noFill/>
+                    </a:rPr>
+                    <a:t> </a:t>
+                  </a:r>
+                </a:p>
+              </p:txBody>
+            </p:sp>
+          </mc:Fallback>
+        </mc:AlternateContent>
+      </p:grpSp>
     </p:spTree>
     <p:extLst>
       <p:ext uri="{BB962C8B-B14F-4D97-AF65-F5344CB8AC3E}">
-        <p14:creationId xmlns:p14="http://schemas.microsoft.com/office/powerpoint/2010/main" val="3844317869"/>
+        <p14:creationId xmlns:p14="http://schemas.microsoft.com/office/powerpoint/2010/main" val="1660999615"/>
       </p:ext>
     </p:extLst>
   </p:cSld>
